--- a/CSCI-111/week-2/week-2-lecture-1/week-2-lecture-1.pptx
+++ b/CSCI-111/week-2/week-2-lecture-1/week-2-lecture-1.pptx
@@ -2,7 +2,7 @@
 <file path=ppt/presentation.xml><?xml version="1.0" encoding="utf-8"?>
 <p:presentation xmlns:a="http://schemas.openxmlformats.org/drawingml/2006/main" xmlns:r="http://schemas.openxmlformats.org/officeDocument/2006/relationships" xmlns:mc="http://schemas.openxmlformats.org/markup-compatibility/2006" xmlns:mv="urn:schemas-microsoft-com:mac:vml" xmlns:p="http://schemas.openxmlformats.org/presentationml/2006/main" xmlns:c="http://schemas.openxmlformats.org/drawingml/2006/chart" xmlns:dgm="http://schemas.openxmlformats.org/drawingml/2006/diagram" xmlns:o="urn:schemas-microsoft-com:office:office" xmlns:v="urn:schemas-microsoft-com:vml" xmlns:pvml="urn:schemas-microsoft-com:office:powerpoint" xmlns:com="http://schemas.openxmlformats.org/drawingml/2006/compatibility" xmlns:p14="http://schemas.microsoft.com/office/powerpoint/2010/main" xmlns:p15="http://schemas.microsoft.com/office/powerpoint/2012/main" xmlns:ahyp="http://schemas.microsoft.com/office/drawing/2018/hyperlinkcolor" autoCompressPictures="0" strictFirstAndLastChars="0" saveSubsetFonts="1">
   <p:sldMasterIdLst>
-    <p:sldMasterId id="2147483659" r:id="rId4"/>
+    <p:sldMasterId id="2147483648" r:id="rId4"/>
   </p:sldMasterIdLst>
   <p:notesMasterIdLst>
     <p:notesMasterId r:id="rId5"/>
@@ -267,6 +267,9 @@
         </p15:guide>
       </p15:sldGuideLst>
     </p:ext>
+    <p:ext uri="GoogleSlidesCustomDataVersion2">
+      <go:slidesCustomData xmlns:go="http://customooxmlschemas.google.com/" r:id="rId18" roundtripDataSignature="AMtx7mg19nGc+0mtOaRMMMfBEg6L3+o/GQ=="/>
+    </p:ext>
   </p:extLst>
 </p:presentation>
 </file>
@@ -359,104 +362,239 @@
             <a:noAutofit/>
           </a:bodyPr>
           <a:lstStyle>
-            <a:lvl1pPr indent="-298450" lvl="0" marL="457200">
-              <a:spcBef>
-                <a:spcPts val="0"/>
-              </a:spcBef>
-              <a:spcAft>
-                <a:spcPts val="0"/>
-              </a:spcAft>
+            <a:lvl1pPr indent="-298450" lvl="0" marL="457200" marR="0" rtl="0" algn="l">
+              <a:lnSpc>
+                <a:spcPct val="100000"/>
+              </a:lnSpc>
+              <a:spcBef>
+                <a:spcPts val="0"/>
+              </a:spcBef>
+              <a:spcAft>
+                <a:spcPts val="0"/>
+              </a:spcAft>
+              <a:buClr>
+                <a:srgbClr val="000000"/>
+              </a:buClr>
               <a:buSzPts val="1100"/>
+              <a:buFont typeface="Arial"/>
               <a:buChar char="●"/>
-              <a:defRPr sz="1100"/>
+              <a:defRPr b="0" i="0" sz="1100" u="none" cap="none" strike="noStrike">
+                <a:solidFill>
+                  <a:srgbClr val="000000"/>
+                </a:solidFill>
+                <a:latin typeface="Arial"/>
+                <a:ea typeface="Arial"/>
+                <a:cs typeface="Arial"/>
+                <a:sym typeface="Arial"/>
+              </a:defRPr>
             </a:lvl1pPr>
-            <a:lvl2pPr indent="-298450" lvl="1" marL="914400">
-              <a:spcBef>
-                <a:spcPts val="0"/>
-              </a:spcBef>
-              <a:spcAft>
-                <a:spcPts val="0"/>
-              </a:spcAft>
+            <a:lvl2pPr indent="-298450" lvl="1" marL="914400" marR="0" rtl="0" algn="l">
+              <a:lnSpc>
+                <a:spcPct val="100000"/>
+              </a:lnSpc>
+              <a:spcBef>
+                <a:spcPts val="0"/>
+              </a:spcBef>
+              <a:spcAft>
+                <a:spcPts val="0"/>
+              </a:spcAft>
+              <a:buClr>
+                <a:srgbClr val="000000"/>
+              </a:buClr>
               <a:buSzPts val="1100"/>
+              <a:buFont typeface="Arial"/>
               <a:buChar char="○"/>
-              <a:defRPr sz="1100"/>
+              <a:defRPr b="0" i="0" sz="1100" u="none" cap="none" strike="noStrike">
+                <a:solidFill>
+                  <a:srgbClr val="000000"/>
+                </a:solidFill>
+                <a:latin typeface="Arial"/>
+                <a:ea typeface="Arial"/>
+                <a:cs typeface="Arial"/>
+                <a:sym typeface="Arial"/>
+              </a:defRPr>
             </a:lvl2pPr>
-            <a:lvl3pPr indent="-298450" lvl="2" marL="1371600">
-              <a:spcBef>
-                <a:spcPts val="0"/>
-              </a:spcBef>
-              <a:spcAft>
-                <a:spcPts val="0"/>
-              </a:spcAft>
+            <a:lvl3pPr indent="-298450" lvl="2" marL="1371600" marR="0" rtl="0" algn="l">
+              <a:lnSpc>
+                <a:spcPct val="100000"/>
+              </a:lnSpc>
+              <a:spcBef>
+                <a:spcPts val="0"/>
+              </a:spcBef>
+              <a:spcAft>
+                <a:spcPts val="0"/>
+              </a:spcAft>
+              <a:buClr>
+                <a:srgbClr val="000000"/>
+              </a:buClr>
               <a:buSzPts val="1100"/>
+              <a:buFont typeface="Arial"/>
               <a:buChar char="■"/>
-              <a:defRPr sz="1100"/>
+              <a:defRPr b="0" i="0" sz="1100" u="none" cap="none" strike="noStrike">
+                <a:solidFill>
+                  <a:srgbClr val="000000"/>
+                </a:solidFill>
+                <a:latin typeface="Arial"/>
+                <a:ea typeface="Arial"/>
+                <a:cs typeface="Arial"/>
+                <a:sym typeface="Arial"/>
+              </a:defRPr>
             </a:lvl3pPr>
-            <a:lvl4pPr indent="-298450" lvl="3" marL="1828800">
-              <a:spcBef>
-                <a:spcPts val="0"/>
-              </a:spcBef>
-              <a:spcAft>
-                <a:spcPts val="0"/>
-              </a:spcAft>
+            <a:lvl4pPr indent="-298450" lvl="3" marL="1828800" marR="0" rtl="0" algn="l">
+              <a:lnSpc>
+                <a:spcPct val="100000"/>
+              </a:lnSpc>
+              <a:spcBef>
+                <a:spcPts val="0"/>
+              </a:spcBef>
+              <a:spcAft>
+                <a:spcPts val="0"/>
+              </a:spcAft>
+              <a:buClr>
+                <a:srgbClr val="000000"/>
+              </a:buClr>
               <a:buSzPts val="1100"/>
+              <a:buFont typeface="Arial"/>
               <a:buChar char="●"/>
-              <a:defRPr sz="1100"/>
+              <a:defRPr b="0" i="0" sz="1100" u="none" cap="none" strike="noStrike">
+                <a:solidFill>
+                  <a:srgbClr val="000000"/>
+                </a:solidFill>
+                <a:latin typeface="Arial"/>
+                <a:ea typeface="Arial"/>
+                <a:cs typeface="Arial"/>
+                <a:sym typeface="Arial"/>
+              </a:defRPr>
             </a:lvl4pPr>
-            <a:lvl5pPr indent="-298450" lvl="4" marL="2286000">
-              <a:spcBef>
-                <a:spcPts val="0"/>
-              </a:spcBef>
-              <a:spcAft>
-                <a:spcPts val="0"/>
-              </a:spcAft>
+            <a:lvl5pPr indent="-298450" lvl="4" marL="2286000" marR="0" rtl="0" algn="l">
+              <a:lnSpc>
+                <a:spcPct val="100000"/>
+              </a:lnSpc>
+              <a:spcBef>
+                <a:spcPts val="0"/>
+              </a:spcBef>
+              <a:spcAft>
+                <a:spcPts val="0"/>
+              </a:spcAft>
+              <a:buClr>
+                <a:srgbClr val="000000"/>
+              </a:buClr>
               <a:buSzPts val="1100"/>
+              <a:buFont typeface="Arial"/>
               <a:buChar char="○"/>
-              <a:defRPr sz="1100"/>
+              <a:defRPr b="0" i="0" sz="1100" u="none" cap="none" strike="noStrike">
+                <a:solidFill>
+                  <a:srgbClr val="000000"/>
+                </a:solidFill>
+                <a:latin typeface="Arial"/>
+                <a:ea typeface="Arial"/>
+                <a:cs typeface="Arial"/>
+                <a:sym typeface="Arial"/>
+              </a:defRPr>
             </a:lvl5pPr>
-            <a:lvl6pPr indent="-298450" lvl="5" marL="2743200">
-              <a:spcBef>
-                <a:spcPts val="0"/>
-              </a:spcBef>
-              <a:spcAft>
-                <a:spcPts val="0"/>
-              </a:spcAft>
+            <a:lvl6pPr indent="-298450" lvl="5" marL="2743200" marR="0" rtl="0" algn="l">
+              <a:lnSpc>
+                <a:spcPct val="100000"/>
+              </a:lnSpc>
+              <a:spcBef>
+                <a:spcPts val="0"/>
+              </a:spcBef>
+              <a:spcAft>
+                <a:spcPts val="0"/>
+              </a:spcAft>
+              <a:buClr>
+                <a:srgbClr val="000000"/>
+              </a:buClr>
               <a:buSzPts val="1100"/>
+              <a:buFont typeface="Arial"/>
               <a:buChar char="■"/>
-              <a:defRPr sz="1100"/>
+              <a:defRPr b="0" i="0" sz="1100" u="none" cap="none" strike="noStrike">
+                <a:solidFill>
+                  <a:srgbClr val="000000"/>
+                </a:solidFill>
+                <a:latin typeface="Arial"/>
+                <a:ea typeface="Arial"/>
+                <a:cs typeface="Arial"/>
+                <a:sym typeface="Arial"/>
+              </a:defRPr>
             </a:lvl6pPr>
-            <a:lvl7pPr indent="-298450" lvl="6" marL="3200400">
-              <a:spcBef>
-                <a:spcPts val="0"/>
-              </a:spcBef>
-              <a:spcAft>
-                <a:spcPts val="0"/>
-              </a:spcAft>
+            <a:lvl7pPr indent="-298450" lvl="6" marL="3200400" marR="0" rtl="0" algn="l">
+              <a:lnSpc>
+                <a:spcPct val="100000"/>
+              </a:lnSpc>
+              <a:spcBef>
+                <a:spcPts val="0"/>
+              </a:spcBef>
+              <a:spcAft>
+                <a:spcPts val="0"/>
+              </a:spcAft>
+              <a:buClr>
+                <a:srgbClr val="000000"/>
+              </a:buClr>
               <a:buSzPts val="1100"/>
+              <a:buFont typeface="Arial"/>
               <a:buChar char="●"/>
-              <a:defRPr sz="1100"/>
+              <a:defRPr b="0" i="0" sz="1100" u="none" cap="none" strike="noStrike">
+                <a:solidFill>
+                  <a:srgbClr val="000000"/>
+                </a:solidFill>
+                <a:latin typeface="Arial"/>
+                <a:ea typeface="Arial"/>
+                <a:cs typeface="Arial"/>
+                <a:sym typeface="Arial"/>
+              </a:defRPr>
             </a:lvl7pPr>
-            <a:lvl8pPr indent="-298450" lvl="7" marL="3657600">
-              <a:spcBef>
-                <a:spcPts val="0"/>
-              </a:spcBef>
-              <a:spcAft>
-                <a:spcPts val="0"/>
-              </a:spcAft>
+            <a:lvl8pPr indent="-298450" lvl="7" marL="3657600" marR="0" rtl="0" algn="l">
+              <a:lnSpc>
+                <a:spcPct val="100000"/>
+              </a:lnSpc>
+              <a:spcBef>
+                <a:spcPts val="0"/>
+              </a:spcBef>
+              <a:spcAft>
+                <a:spcPts val="0"/>
+              </a:spcAft>
+              <a:buClr>
+                <a:srgbClr val="000000"/>
+              </a:buClr>
               <a:buSzPts val="1100"/>
+              <a:buFont typeface="Arial"/>
               <a:buChar char="○"/>
-              <a:defRPr sz="1100"/>
+              <a:defRPr b="0" i="0" sz="1100" u="none" cap="none" strike="noStrike">
+                <a:solidFill>
+                  <a:srgbClr val="000000"/>
+                </a:solidFill>
+                <a:latin typeface="Arial"/>
+                <a:ea typeface="Arial"/>
+                <a:cs typeface="Arial"/>
+                <a:sym typeface="Arial"/>
+              </a:defRPr>
             </a:lvl8pPr>
-            <a:lvl9pPr indent="-298450" lvl="8" marL="4114800">
-              <a:spcBef>
-                <a:spcPts val="0"/>
-              </a:spcBef>
-              <a:spcAft>
-                <a:spcPts val="0"/>
-              </a:spcAft>
+            <a:lvl9pPr indent="-298450" lvl="8" marL="4114800" marR="0" rtl="0" algn="l">
+              <a:lnSpc>
+                <a:spcPct val="100000"/>
+              </a:lnSpc>
+              <a:spcBef>
+                <a:spcPts val="0"/>
+              </a:spcBef>
+              <a:spcAft>
+                <a:spcPts val="0"/>
+              </a:spcAft>
+              <a:buClr>
+                <a:srgbClr val="000000"/>
+              </a:buClr>
               <a:buSzPts val="1100"/>
+              <a:buFont typeface="Arial"/>
               <a:buChar char="■"/>
-              <a:defRPr sz="1100"/>
+              <a:defRPr b="0" i="0" sz="1100" u="none" cap="none" strike="noStrike">
+                <a:solidFill>
+                  <a:srgbClr val="000000"/>
+                </a:solidFill>
+                <a:latin typeface="Arial"/>
+                <a:ea typeface="Arial"/>
+                <a:cs typeface="Arial"/>
+                <a:sym typeface="Arial"/>
+              </a:defRPr>
             </a:lvl9pPr>
           </a:lstStyle>
           <a:p/>
@@ -716,7 +854,7 @@
       </p:grpSpPr>
       <p:sp>
         <p:nvSpPr>
-          <p:cNvPr id="51" name="Google Shape;51;p:notes"/>
+          <p:cNvPr id="51" name="Google Shape;51;p1:notes"/>
           <p:cNvSpPr/>
           <p:nvPr>
             <p:ph idx="2" type="sldImg"/>
@@ -747,11 +885,21 @@
               </a:path>
             </a:pathLst>
           </a:custGeom>
+          <a:noFill/>
+          <a:ln cap="flat" cmpd="sng" w="9525">
+            <a:solidFill>
+              <a:srgbClr val="000000"/>
+            </a:solidFill>
+            <a:prstDash val="solid"/>
+            <a:round/>
+            <a:headEnd len="sm" w="sm" type="none"/>
+            <a:tailEnd len="sm" w="sm" type="none"/>
+          </a:ln>
         </p:spPr>
       </p:sp>
       <p:sp>
         <p:nvSpPr>
-          <p:cNvPr id="52" name="Google Shape;52;p:notes"/>
+          <p:cNvPr id="52" name="Google Shape;52;p1:notes"/>
           <p:cNvSpPr txBox="1"/>
           <p:nvPr>
             <p:ph idx="1" type="body"/>
@@ -765,6 +913,10 @@
           <a:prstGeom prst="rect">
             <a:avLst/>
           </a:prstGeom>
+          <a:noFill/>
+          <a:ln>
+            <a:noFill/>
+          </a:ln>
         </p:spPr>
         <p:txBody>
           <a:bodyPr anchorCtr="0" anchor="t" bIns="91425" lIns="91425" spcFirstLastPara="1" rIns="91425" wrap="square" tIns="91425">
@@ -773,12 +925,16 @@
           <a:lstStyle/>
           <a:p>
             <a:pPr indent="0" lvl="0" marL="0" rtl="0" algn="l">
-              <a:spcBef>
-                <a:spcPts val="0"/>
-              </a:spcBef>
-              <a:spcAft>
-                <a:spcPts val="0"/>
-              </a:spcAft>
+              <a:lnSpc>
+                <a:spcPct val="100000"/>
+              </a:lnSpc>
+              <a:spcBef>
+                <a:spcPts val="0"/>
+              </a:spcBef>
+              <a:spcAft>
+                <a:spcPts val="0"/>
+              </a:spcAft>
+              <a:buSzPts val="1100"/>
               <a:buNone/>
             </a:pPr>
             <a:r>
@@ -815,7 +971,7 @@
       </p:grpSpPr>
       <p:sp>
         <p:nvSpPr>
-          <p:cNvPr id="110" name="Google Shape;110;g2f406f1f56b_0_13:notes"/>
+          <p:cNvPr id="110" name="Google Shape;110;p10:notes"/>
           <p:cNvSpPr/>
           <p:nvPr>
             <p:ph idx="2" type="sldImg"/>
@@ -846,11 +1002,21 @@
               </a:path>
             </a:pathLst>
           </a:custGeom>
+          <a:noFill/>
+          <a:ln cap="flat" cmpd="sng" w="9525">
+            <a:solidFill>
+              <a:srgbClr val="000000"/>
+            </a:solidFill>
+            <a:prstDash val="solid"/>
+            <a:round/>
+            <a:headEnd len="sm" w="sm" type="none"/>
+            <a:tailEnd len="sm" w="sm" type="none"/>
+          </a:ln>
         </p:spPr>
       </p:sp>
       <p:sp>
         <p:nvSpPr>
-          <p:cNvPr id="111" name="Google Shape;111;g2f406f1f56b_0_13:notes"/>
+          <p:cNvPr id="111" name="Google Shape;111;p10:notes"/>
           <p:cNvSpPr txBox="1"/>
           <p:nvPr>
             <p:ph idx="1" type="body"/>
@@ -864,6 +1030,10 @@
           <a:prstGeom prst="rect">
             <a:avLst/>
           </a:prstGeom>
+          <a:noFill/>
+          <a:ln>
+            <a:noFill/>
+          </a:ln>
         </p:spPr>
         <p:txBody>
           <a:bodyPr anchorCtr="0" anchor="t" bIns="91425" lIns="91425" spcFirstLastPara="1" rIns="91425" wrap="square" tIns="91425">
@@ -872,12 +1042,16 @@
           <a:lstStyle/>
           <a:p>
             <a:pPr indent="0" lvl="0" marL="0" rtl="0" algn="l">
-              <a:spcBef>
-                <a:spcPts val="0"/>
-              </a:spcBef>
-              <a:spcAft>
-                <a:spcPts val="0"/>
-              </a:spcAft>
+              <a:lnSpc>
+                <a:spcPct val="100000"/>
+              </a:lnSpc>
+              <a:spcBef>
+                <a:spcPts val="0"/>
+              </a:spcBef>
+              <a:spcAft>
+                <a:spcPts val="0"/>
+              </a:spcAft>
+              <a:buSzPts val="1100"/>
               <a:buNone/>
             </a:pPr>
             <a:r>
@@ -914,7 +1088,7 @@
       </p:grpSpPr>
       <p:sp>
         <p:nvSpPr>
-          <p:cNvPr id="116" name="Google Shape;116;g2f406f1f56b_0_20:notes"/>
+          <p:cNvPr id="116" name="Google Shape;116;p11:notes"/>
           <p:cNvSpPr/>
           <p:nvPr>
             <p:ph idx="2" type="sldImg"/>
@@ -945,11 +1119,21 @@
               </a:path>
             </a:pathLst>
           </a:custGeom>
+          <a:noFill/>
+          <a:ln cap="flat" cmpd="sng" w="9525">
+            <a:solidFill>
+              <a:srgbClr val="000000"/>
+            </a:solidFill>
+            <a:prstDash val="solid"/>
+            <a:round/>
+            <a:headEnd len="sm" w="sm" type="none"/>
+            <a:tailEnd len="sm" w="sm" type="none"/>
+          </a:ln>
         </p:spPr>
       </p:sp>
       <p:sp>
         <p:nvSpPr>
-          <p:cNvPr id="117" name="Google Shape;117;g2f406f1f56b_0_20:notes"/>
+          <p:cNvPr id="117" name="Google Shape;117;p11:notes"/>
           <p:cNvSpPr txBox="1"/>
           <p:nvPr>
             <p:ph idx="1" type="body"/>
@@ -963,6 +1147,10 @@
           <a:prstGeom prst="rect">
             <a:avLst/>
           </a:prstGeom>
+          <a:noFill/>
+          <a:ln>
+            <a:noFill/>
+          </a:ln>
         </p:spPr>
         <p:txBody>
           <a:bodyPr anchorCtr="0" anchor="t" bIns="91425" lIns="91425" spcFirstLastPara="1" rIns="91425" wrap="square" tIns="91425">
@@ -971,12 +1159,16 @@
           <a:lstStyle/>
           <a:p>
             <a:pPr indent="0" lvl="0" marL="0" rtl="0" algn="l">
-              <a:spcBef>
-                <a:spcPts val="0"/>
-              </a:spcBef>
-              <a:spcAft>
-                <a:spcPts val="0"/>
-              </a:spcAft>
+              <a:lnSpc>
+                <a:spcPct val="100000"/>
+              </a:lnSpc>
+              <a:spcBef>
+                <a:spcPts val="0"/>
+              </a:spcBef>
+              <a:spcAft>
+                <a:spcPts val="0"/>
+              </a:spcAft>
+              <a:buSzPts val="1100"/>
               <a:buNone/>
             </a:pPr>
             <a:r>
@@ -1013,7 +1205,7 @@
       </p:grpSpPr>
       <p:sp>
         <p:nvSpPr>
-          <p:cNvPr id="122" name="Google Shape;122;g2f406f1f56b_0_28:notes"/>
+          <p:cNvPr id="122" name="Google Shape;122;p12:notes"/>
           <p:cNvSpPr/>
           <p:nvPr>
             <p:ph idx="2" type="sldImg"/>
@@ -1044,11 +1236,21 @@
               </a:path>
             </a:pathLst>
           </a:custGeom>
+          <a:noFill/>
+          <a:ln cap="flat" cmpd="sng" w="9525">
+            <a:solidFill>
+              <a:srgbClr val="000000"/>
+            </a:solidFill>
+            <a:prstDash val="solid"/>
+            <a:round/>
+            <a:headEnd len="sm" w="sm" type="none"/>
+            <a:tailEnd len="sm" w="sm" type="none"/>
+          </a:ln>
         </p:spPr>
       </p:sp>
       <p:sp>
         <p:nvSpPr>
-          <p:cNvPr id="123" name="Google Shape;123;g2f406f1f56b_0_28:notes"/>
+          <p:cNvPr id="123" name="Google Shape;123;p12:notes"/>
           <p:cNvSpPr txBox="1"/>
           <p:nvPr>
             <p:ph idx="1" type="body"/>
@@ -1062,6 +1264,10 @@
           <a:prstGeom prst="rect">
             <a:avLst/>
           </a:prstGeom>
+          <a:noFill/>
+          <a:ln>
+            <a:noFill/>
+          </a:ln>
         </p:spPr>
         <p:txBody>
           <a:bodyPr anchorCtr="0" anchor="t" bIns="91425" lIns="91425" spcFirstLastPara="1" rIns="91425" wrap="square" tIns="91425">
@@ -1070,12 +1276,16 @@
           <a:lstStyle/>
           <a:p>
             <a:pPr indent="0" lvl="0" marL="0" rtl="0" algn="l">
-              <a:spcBef>
-                <a:spcPts val="0"/>
-              </a:spcBef>
-              <a:spcAft>
-                <a:spcPts val="0"/>
-              </a:spcAft>
+              <a:lnSpc>
+                <a:spcPct val="100000"/>
+              </a:lnSpc>
+              <a:spcBef>
+                <a:spcPts val="0"/>
+              </a:spcBef>
+              <a:spcAft>
+                <a:spcPts val="0"/>
+              </a:spcAft>
+              <a:buSzPts val="1100"/>
               <a:buNone/>
             </a:pPr>
             <a:r>
@@ -1112,7 +1322,7 @@
       </p:grpSpPr>
       <p:sp>
         <p:nvSpPr>
-          <p:cNvPr id="57" name="Google Shape;57;g2f3dcc345d4_0_0:notes"/>
+          <p:cNvPr id="57" name="Google Shape;57;p2:notes"/>
           <p:cNvSpPr/>
           <p:nvPr>
             <p:ph idx="2" type="sldImg"/>
@@ -1143,11 +1353,21 @@
               </a:path>
             </a:pathLst>
           </a:custGeom>
+          <a:noFill/>
+          <a:ln cap="flat" cmpd="sng" w="9525">
+            <a:solidFill>
+              <a:srgbClr val="000000"/>
+            </a:solidFill>
+            <a:prstDash val="solid"/>
+            <a:round/>
+            <a:headEnd len="sm" w="sm" type="none"/>
+            <a:tailEnd len="sm" w="sm" type="none"/>
+          </a:ln>
         </p:spPr>
       </p:sp>
       <p:sp>
         <p:nvSpPr>
-          <p:cNvPr id="58" name="Google Shape;58;g2f3dcc345d4_0_0:notes"/>
+          <p:cNvPr id="58" name="Google Shape;58;p2:notes"/>
           <p:cNvSpPr txBox="1"/>
           <p:nvPr>
             <p:ph idx="1" type="body"/>
@@ -1161,6 +1381,10 @@
           <a:prstGeom prst="rect">
             <a:avLst/>
           </a:prstGeom>
+          <a:noFill/>
+          <a:ln>
+            <a:noFill/>
+          </a:ln>
         </p:spPr>
         <p:txBody>
           <a:bodyPr anchorCtr="0" anchor="t" bIns="91425" lIns="91425" spcFirstLastPara="1" rIns="91425" wrap="square" tIns="91425">
@@ -1169,12 +1393,16 @@
           <a:lstStyle/>
           <a:p>
             <a:pPr indent="0" lvl="0" marL="0" rtl="0" algn="l">
-              <a:spcBef>
-                <a:spcPts val="0"/>
-              </a:spcBef>
-              <a:spcAft>
-                <a:spcPts val="0"/>
-              </a:spcAft>
+              <a:lnSpc>
+                <a:spcPct val="100000"/>
+              </a:lnSpc>
+              <a:spcBef>
+                <a:spcPts val="0"/>
+              </a:spcBef>
+              <a:spcAft>
+                <a:spcPts val="0"/>
+              </a:spcAft>
+              <a:buSzPts val="1100"/>
               <a:buNone/>
             </a:pPr>
             <a:r>
@@ -1211,7 +1439,7 @@
       </p:grpSpPr>
       <p:sp>
         <p:nvSpPr>
-          <p:cNvPr id="63" name="Google Shape;63;g2f3dcc345d4_0_5:notes"/>
+          <p:cNvPr id="63" name="Google Shape;63;p3:notes"/>
           <p:cNvSpPr/>
           <p:nvPr>
             <p:ph idx="2" type="sldImg"/>
@@ -1242,11 +1470,21 @@
               </a:path>
             </a:pathLst>
           </a:custGeom>
+          <a:noFill/>
+          <a:ln cap="flat" cmpd="sng" w="9525">
+            <a:solidFill>
+              <a:srgbClr val="000000"/>
+            </a:solidFill>
+            <a:prstDash val="solid"/>
+            <a:round/>
+            <a:headEnd len="sm" w="sm" type="none"/>
+            <a:tailEnd len="sm" w="sm" type="none"/>
+          </a:ln>
         </p:spPr>
       </p:sp>
       <p:sp>
         <p:nvSpPr>
-          <p:cNvPr id="64" name="Google Shape;64;g2f3dcc345d4_0_5:notes"/>
+          <p:cNvPr id="64" name="Google Shape;64;p3:notes"/>
           <p:cNvSpPr txBox="1"/>
           <p:nvPr>
             <p:ph idx="1" type="body"/>
@@ -1260,6 +1498,10 @@
           <a:prstGeom prst="rect">
             <a:avLst/>
           </a:prstGeom>
+          <a:noFill/>
+          <a:ln>
+            <a:noFill/>
+          </a:ln>
         </p:spPr>
         <p:txBody>
           <a:bodyPr anchorCtr="0" anchor="t" bIns="91425" lIns="91425" spcFirstLastPara="1" rIns="91425" wrap="square" tIns="91425">
@@ -1268,12 +1510,16 @@
           <a:lstStyle/>
           <a:p>
             <a:pPr indent="0" lvl="0" marL="0" rtl="0" algn="l">
-              <a:spcBef>
-                <a:spcPts val="0"/>
-              </a:spcBef>
-              <a:spcAft>
-                <a:spcPts val="0"/>
-              </a:spcAft>
+              <a:lnSpc>
+                <a:spcPct val="100000"/>
+              </a:lnSpc>
+              <a:spcBef>
+                <a:spcPts val="0"/>
+              </a:spcBef>
+              <a:spcAft>
+                <a:spcPts val="0"/>
+              </a:spcAft>
+              <a:buSzPts val="1100"/>
               <a:buNone/>
             </a:pPr>
             <a:r>
@@ -1310,7 +1556,7 @@
       </p:grpSpPr>
       <p:sp>
         <p:nvSpPr>
-          <p:cNvPr id="71" name="Google Shape;71;g2f3dcc345d4_0_16:notes"/>
+          <p:cNvPr id="71" name="Google Shape;71;p4:notes"/>
           <p:cNvSpPr/>
           <p:nvPr>
             <p:ph idx="2" type="sldImg"/>
@@ -1341,11 +1587,21 @@
               </a:path>
             </a:pathLst>
           </a:custGeom>
+          <a:noFill/>
+          <a:ln cap="flat" cmpd="sng" w="9525">
+            <a:solidFill>
+              <a:srgbClr val="000000"/>
+            </a:solidFill>
+            <a:prstDash val="solid"/>
+            <a:round/>
+            <a:headEnd len="sm" w="sm" type="none"/>
+            <a:tailEnd len="sm" w="sm" type="none"/>
+          </a:ln>
         </p:spPr>
       </p:sp>
       <p:sp>
         <p:nvSpPr>
-          <p:cNvPr id="72" name="Google Shape;72;g2f3dcc345d4_0_16:notes"/>
+          <p:cNvPr id="72" name="Google Shape;72;p4:notes"/>
           <p:cNvSpPr txBox="1"/>
           <p:nvPr>
             <p:ph idx="1" type="body"/>
@@ -1359,6 +1615,10 @@
           <a:prstGeom prst="rect">
             <a:avLst/>
           </a:prstGeom>
+          <a:noFill/>
+          <a:ln>
+            <a:noFill/>
+          </a:ln>
         </p:spPr>
         <p:txBody>
           <a:bodyPr anchorCtr="0" anchor="t" bIns="91425" lIns="91425" spcFirstLastPara="1" rIns="91425" wrap="square" tIns="91425">
@@ -1367,12 +1627,16 @@
           <a:lstStyle/>
           <a:p>
             <a:pPr indent="0" lvl="0" marL="0" rtl="0" algn="l">
-              <a:spcBef>
-                <a:spcPts val="0"/>
-              </a:spcBef>
-              <a:spcAft>
-                <a:spcPts val="0"/>
-              </a:spcAft>
+              <a:lnSpc>
+                <a:spcPct val="100000"/>
+              </a:lnSpc>
+              <a:spcBef>
+                <a:spcPts val="0"/>
+              </a:spcBef>
+              <a:spcAft>
+                <a:spcPts val="0"/>
+              </a:spcAft>
+              <a:buSzPts val="1100"/>
               <a:buNone/>
             </a:pPr>
             <a:r>
@@ -1409,7 +1673,7 @@
       </p:grpSpPr>
       <p:sp>
         <p:nvSpPr>
-          <p:cNvPr id="79" name="Google Shape;79;g22061899a77_0_7:notes"/>
+          <p:cNvPr id="79" name="Google Shape;79;p5:notes"/>
           <p:cNvSpPr/>
           <p:nvPr>
             <p:ph idx="2" type="sldImg"/>
@@ -1440,11 +1704,21 @@
               </a:path>
             </a:pathLst>
           </a:custGeom>
+          <a:noFill/>
+          <a:ln cap="flat" cmpd="sng" w="9525">
+            <a:solidFill>
+              <a:srgbClr val="000000"/>
+            </a:solidFill>
+            <a:prstDash val="solid"/>
+            <a:round/>
+            <a:headEnd len="sm" w="sm" type="none"/>
+            <a:tailEnd len="sm" w="sm" type="none"/>
+          </a:ln>
         </p:spPr>
       </p:sp>
       <p:sp>
         <p:nvSpPr>
-          <p:cNvPr id="80" name="Google Shape;80;g22061899a77_0_7:notes"/>
+          <p:cNvPr id="80" name="Google Shape;80;p5:notes"/>
           <p:cNvSpPr txBox="1"/>
           <p:nvPr>
             <p:ph idx="1" type="body"/>
@@ -1458,6 +1732,10 @@
           <a:prstGeom prst="rect">
             <a:avLst/>
           </a:prstGeom>
+          <a:noFill/>
+          <a:ln>
+            <a:noFill/>
+          </a:ln>
         </p:spPr>
         <p:txBody>
           <a:bodyPr anchorCtr="0" anchor="t" bIns="91425" lIns="91425" spcFirstLastPara="1" rIns="91425" wrap="square" tIns="91425">
@@ -1466,12 +1744,16 @@
           <a:lstStyle/>
           <a:p>
             <a:pPr indent="0" lvl="0" marL="0" rtl="0" algn="l">
-              <a:spcBef>
-                <a:spcPts val="0"/>
-              </a:spcBef>
-              <a:spcAft>
-                <a:spcPts val="0"/>
-              </a:spcAft>
+              <a:lnSpc>
+                <a:spcPct val="100000"/>
+              </a:lnSpc>
+              <a:spcBef>
+                <a:spcPts val="0"/>
+              </a:spcBef>
+              <a:spcAft>
+                <a:spcPts val="0"/>
+              </a:spcAft>
+              <a:buSzPts val="1100"/>
               <a:buNone/>
             </a:pPr>
             <a:r>
@@ -1508,7 +1790,7 @@
       </p:grpSpPr>
       <p:sp>
         <p:nvSpPr>
-          <p:cNvPr id="85" name="Google Shape;85;g22061899a77_0_13:notes"/>
+          <p:cNvPr id="85" name="Google Shape;85;p6:notes"/>
           <p:cNvSpPr/>
           <p:nvPr>
             <p:ph idx="2" type="sldImg"/>
@@ -1539,11 +1821,21 @@
               </a:path>
             </a:pathLst>
           </a:custGeom>
+          <a:noFill/>
+          <a:ln cap="flat" cmpd="sng" w="9525">
+            <a:solidFill>
+              <a:srgbClr val="000000"/>
+            </a:solidFill>
+            <a:prstDash val="solid"/>
+            <a:round/>
+            <a:headEnd len="sm" w="sm" type="none"/>
+            <a:tailEnd len="sm" w="sm" type="none"/>
+          </a:ln>
         </p:spPr>
       </p:sp>
       <p:sp>
         <p:nvSpPr>
-          <p:cNvPr id="86" name="Google Shape;86;g22061899a77_0_13:notes"/>
+          <p:cNvPr id="86" name="Google Shape;86;p6:notes"/>
           <p:cNvSpPr txBox="1"/>
           <p:nvPr>
             <p:ph idx="1" type="body"/>
@@ -1557,6 +1849,10 @@
           <a:prstGeom prst="rect">
             <a:avLst/>
           </a:prstGeom>
+          <a:noFill/>
+          <a:ln>
+            <a:noFill/>
+          </a:ln>
         </p:spPr>
         <p:txBody>
           <a:bodyPr anchorCtr="0" anchor="t" bIns="91425" lIns="91425" spcFirstLastPara="1" rIns="91425" wrap="square" tIns="91425">
@@ -1565,12 +1861,16 @@
           <a:lstStyle/>
           <a:p>
             <a:pPr indent="0" lvl="0" marL="0" rtl="0" algn="l">
-              <a:spcBef>
-                <a:spcPts val="0"/>
-              </a:spcBef>
-              <a:spcAft>
-                <a:spcPts val="0"/>
-              </a:spcAft>
+              <a:lnSpc>
+                <a:spcPct val="100000"/>
+              </a:lnSpc>
+              <a:spcBef>
+                <a:spcPts val="0"/>
+              </a:spcBef>
+              <a:spcAft>
+                <a:spcPts val="0"/>
+              </a:spcAft>
+              <a:buSzPts val="1100"/>
               <a:buNone/>
             </a:pPr>
             <a:r>
@@ -1607,7 +1907,7 @@
       </p:grpSpPr>
       <p:sp>
         <p:nvSpPr>
-          <p:cNvPr id="91" name="Google Shape;91;g22061899a77_0_20:notes"/>
+          <p:cNvPr id="91" name="Google Shape;91;p7:notes"/>
           <p:cNvSpPr/>
           <p:nvPr>
             <p:ph idx="2" type="sldImg"/>
@@ -1638,11 +1938,21 @@
               </a:path>
             </a:pathLst>
           </a:custGeom>
+          <a:noFill/>
+          <a:ln cap="flat" cmpd="sng" w="9525">
+            <a:solidFill>
+              <a:srgbClr val="000000"/>
+            </a:solidFill>
+            <a:prstDash val="solid"/>
+            <a:round/>
+            <a:headEnd len="sm" w="sm" type="none"/>
+            <a:tailEnd len="sm" w="sm" type="none"/>
+          </a:ln>
         </p:spPr>
       </p:sp>
       <p:sp>
         <p:nvSpPr>
-          <p:cNvPr id="92" name="Google Shape;92;g22061899a77_0_20:notes"/>
+          <p:cNvPr id="92" name="Google Shape;92;p7:notes"/>
           <p:cNvSpPr txBox="1"/>
           <p:nvPr>
             <p:ph idx="1" type="body"/>
@@ -1656,6 +1966,10 @@
           <a:prstGeom prst="rect">
             <a:avLst/>
           </a:prstGeom>
+          <a:noFill/>
+          <a:ln>
+            <a:noFill/>
+          </a:ln>
         </p:spPr>
         <p:txBody>
           <a:bodyPr anchorCtr="0" anchor="t" bIns="91425" lIns="91425" spcFirstLastPara="1" rIns="91425" wrap="square" tIns="91425">
@@ -1664,12 +1978,16 @@
           <a:lstStyle/>
           <a:p>
             <a:pPr indent="0" lvl="0" marL="0" rtl="0" algn="l">
-              <a:spcBef>
-                <a:spcPts val="0"/>
-              </a:spcBef>
-              <a:spcAft>
-                <a:spcPts val="0"/>
-              </a:spcAft>
+              <a:lnSpc>
+                <a:spcPct val="100000"/>
+              </a:lnSpc>
+              <a:spcBef>
+                <a:spcPts val="0"/>
+              </a:spcBef>
+              <a:spcAft>
+                <a:spcPts val="0"/>
+              </a:spcAft>
+              <a:buSzPts val="1100"/>
               <a:buNone/>
             </a:pPr>
             <a:r>
@@ -1706,7 +2024,7 @@
       </p:grpSpPr>
       <p:sp>
         <p:nvSpPr>
-          <p:cNvPr id="98" name="Google Shape;98;g2f406f1f56b_0_0:notes"/>
+          <p:cNvPr id="98" name="Google Shape;98;p8:notes"/>
           <p:cNvSpPr/>
           <p:nvPr>
             <p:ph idx="2" type="sldImg"/>
@@ -1737,11 +2055,21 @@
               </a:path>
             </a:pathLst>
           </a:custGeom>
+          <a:noFill/>
+          <a:ln cap="flat" cmpd="sng" w="9525">
+            <a:solidFill>
+              <a:srgbClr val="000000"/>
+            </a:solidFill>
+            <a:prstDash val="solid"/>
+            <a:round/>
+            <a:headEnd len="sm" w="sm" type="none"/>
+            <a:tailEnd len="sm" w="sm" type="none"/>
+          </a:ln>
         </p:spPr>
       </p:sp>
       <p:sp>
         <p:nvSpPr>
-          <p:cNvPr id="99" name="Google Shape;99;g2f406f1f56b_0_0:notes"/>
+          <p:cNvPr id="99" name="Google Shape;99;p8:notes"/>
           <p:cNvSpPr txBox="1"/>
           <p:nvPr>
             <p:ph idx="1" type="body"/>
@@ -1755,6 +2083,10 @@
           <a:prstGeom prst="rect">
             <a:avLst/>
           </a:prstGeom>
+          <a:noFill/>
+          <a:ln>
+            <a:noFill/>
+          </a:ln>
         </p:spPr>
         <p:txBody>
           <a:bodyPr anchorCtr="0" anchor="t" bIns="91425" lIns="91425" spcFirstLastPara="1" rIns="91425" wrap="square" tIns="91425">
@@ -1763,12 +2095,16 @@
           <a:lstStyle/>
           <a:p>
             <a:pPr indent="0" lvl="0" marL="0" rtl="0" algn="l">
-              <a:spcBef>
-                <a:spcPts val="0"/>
-              </a:spcBef>
-              <a:spcAft>
-                <a:spcPts val="0"/>
-              </a:spcAft>
+              <a:lnSpc>
+                <a:spcPct val="100000"/>
+              </a:lnSpc>
+              <a:spcBef>
+                <a:spcPts val="0"/>
+              </a:spcBef>
+              <a:spcAft>
+                <a:spcPts val="0"/>
+              </a:spcAft>
+              <a:buSzPts val="1100"/>
               <a:buNone/>
             </a:pPr>
             <a:r>
@@ -1805,7 +2141,7 @@
       </p:grpSpPr>
       <p:sp>
         <p:nvSpPr>
-          <p:cNvPr id="104" name="Google Shape;104;g2f406f1f56b_0_6:notes"/>
+          <p:cNvPr id="104" name="Google Shape;104;p9:notes"/>
           <p:cNvSpPr/>
           <p:nvPr>
             <p:ph idx="2" type="sldImg"/>
@@ -1836,11 +2172,21 @@
               </a:path>
             </a:pathLst>
           </a:custGeom>
+          <a:noFill/>
+          <a:ln cap="flat" cmpd="sng" w="9525">
+            <a:solidFill>
+              <a:srgbClr val="000000"/>
+            </a:solidFill>
+            <a:prstDash val="solid"/>
+            <a:round/>
+            <a:headEnd len="sm" w="sm" type="none"/>
+            <a:tailEnd len="sm" w="sm" type="none"/>
+          </a:ln>
         </p:spPr>
       </p:sp>
       <p:sp>
         <p:nvSpPr>
-          <p:cNvPr id="105" name="Google Shape;105;g2f406f1f56b_0_6:notes"/>
+          <p:cNvPr id="105" name="Google Shape;105;p9:notes"/>
           <p:cNvSpPr txBox="1"/>
           <p:nvPr>
             <p:ph idx="1" type="body"/>
@@ -1854,6 +2200,10 @@
           <a:prstGeom prst="rect">
             <a:avLst/>
           </a:prstGeom>
+          <a:noFill/>
+          <a:ln>
+            <a:noFill/>
+          </a:ln>
         </p:spPr>
         <p:txBody>
           <a:bodyPr anchorCtr="0" anchor="t" bIns="91425" lIns="91425" spcFirstLastPara="1" rIns="91425" wrap="square" tIns="91425">
@@ -1862,12 +2212,16 @@
           <a:lstStyle/>
           <a:p>
             <a:pPr indent="0" lvl="0" marL="0" rtl="0" algn="l">
-              <a:spcBef>
-                <a:spcPts val="0"/>
-              </a:spcBef>
-              <a:spcAft>
-                <a:spcPts val="0"/>
-              </a:spcAft>
+              <a:lnSpc>
+                <a:spcPct val="100000"/>
+              </a:lnSpc>
+              <a:spcBef>
+                <a:spcPts val="0"/>
+              </a:spcBef>
+              <a:spcAft>
+                <a:spcPts val="0"/>
+              </a:spcAft>
+              <a:buSzPts val="1100"/>
               <a:buNone/>
             </a:pPr>
             <a:r>
@@ -1904,7 +2258,7 @@
       </p:grpSpPr>
       <p:sp>
         <p:nvSpPr>
-          <p:cNvPr id="10" name="Google Shape;10;p2"/>
+          <p:cNvPr id="10" name="Google Shape;10;p14"/>
           <p:cNvSpPr txBox="1"/>
           <p:nvPr>
             <p:ph type="ctrTitle"/>
@@ -1918,6 +2272,10 @@
           <a:prstGeom prst="rect">
             <a:avLst/>
           </a:prstGeom>
+          <a:noFill/>
+          <a:ln>
+            <a:noFill/>
+          </a:ln>
         </p:spPr>
         <p:txBody>
           <a:bodyPr anchorCtr="0" anchor="b" bIns="91425" lIns="91425" spcFirstLastPara="1" rIns="91425" wrap="square" tIns="91425">
@@ -1925,6 +2283,9 @@
           </a:bodyPr>
           <a:lstStyle>
             <a:lvl1pPr lvl="0" algn="ctr">
+              <a:lnSpc>
+                <a:spcPct val="100000"/>
+              </a:lnSpc>
               <a:spcBef>
                 <a:spcPts val="0"/>
               </a:spcBef>
@@ -1936,6 +2297,9 @@
               <a:defRPr sz="5200"/>
             </a:lvl1pPr>
             <a:lvl2pPr lvl="1" algn="ctr">
+              <a:lnSpc>
+                <a:spcPct val="100000"/>
+              </a:lnSpc>
               <a:spcBef>
                 <a:spcPts val="0"/>
               </a:spcBef>
@@ -1947,6 +2311,9 @@
               <a:defRPr sz="5200"/>
             </a:lvl2pPr>
             <a:lvl3pPr lvl="2" algn="ctr">
+              <a:lnSpc>
+                <a:spcPct val="100000"/>
+              </a:lnSpc>
               <a:spcBef>
                 <a:spcPts val="0"/>
               </a:spcBef>
@@ -1958,6 +2325,9 @@
               <a:defRPr sz="5200"/>
             </a:lvl3pPr>
             <a:lvl4pPr lvl="3" algn="ctr">
+              <a:lnSpc>
+                <a:spcPct val="100000"/>
+              </a:lnSpc>
               <a:spcBef>
                 <a:spcPts val="0"/>
               </a:spcBef>
@@ -1969,6 +2339,9 @@
               <a:defRPr sz="5200"/>
             </a:lvl4pPr>
             <a:lvl5pPr lvl="4" algn="ctr">
+              <a:lnSpc>
+                <a:spcPct val="100000"/>
+              </a:lnSpc>
               <a:spcBef>
                 <a:spcPts val="0"/>
               </a:spcBef>
@@ -1980,6 +2353,9 @@
               <a:defRPr sz="5200"/>
             </a:lvl5pPr>
             <a:lvl6pPr lvl="5" algn="ctr">
+              <a:lnSpc>
+                <a:spcPct val="100000"/>
+              </a:lnSpc>
               <a:spcBef>
                 <a:spcPts val="0"/>
               </a:spcBef>
@@ -1991,6 +2367,9 @@
               <a:defRPr sz="5200"/>
             </a:lvl6pPr>
             <a:lvl7pPr lvl="6" algn="ctr">
+              <a:lnSpc>
+                <a:spcPct val="100000"/>
+              </a:lnSpc>
               <a:spcBef>
                 <a:spcPts val="0"/>
               </a:spcBef>
@@ -2002,6 +2381,9 @@
               <a:defRPr sz="5200"/>
             </a:lvl7pPr>
             <a:lvl8pPr lvl="7" algn="ctr">
+              <a:lnSpc>
+                <a:spcPct val="100000"/>
+              </a:lnSpc>
               <a:spcBef>
                 <a:spcPts val="0"/>
               </a:spcBef>
@@ -2013,6 +2395,9 @@
               <a:defRPr sz="5200"/>
             </a:lvl8pPr>
             <a:lvl9pPr lvl="8" algn="ctr">
+              <a:lnSpc>
+                <a:spcPct val="100000"/>
+              </a:lnSpc>
               <a:spcBef>
                 <a:spcPts val="0"/>
               </a:spcBef>
@@ -2029,7 +2414,7 @@
       </p:sp>
       <p:sp>
         <p:nvSpPr>
-          <p:cNvPr id="11" name="Google Shape;11;p2"/>
+          <p:cNvPr id="11" name="Google Shape;11;p14"/>
           <p:cNvSpPr txBox="1"/>
           <p:nvPr>
             <p:ph idx="1" type="subTitle"/>
@@ -2043,6 +2428,10 @@
           <a:prstGeom prst="rect">
             <a:avLst/>
           </a:prstGeom>
+          <a:noFill/>
+          <a:ln>
+            <a:noFill/>
+          </a:ln>
         </p:spPr>
         <p:txBody>
           <a:bodyPr anchorCtr="0" anchor="t" bIns="91425" lIns="91425" spcFirstLastPara="1" rIns="91425" wrap="square" tIns="91425">
@@ -2181,7 +2570,7 @@
       </p:sp>
       <p:sp>
         <p:nvSpPr>
-          <p:cNvPr id="12" name="Google Shape;12;p2"/>
+          <p:cNvPr id="12" name="Google Shape;12;p14"/>
           <p:cNvSpPr txBox="1"/>
           <p:nvPr>
             <p:ph idx="12" type="sldNum"/>
@@ -2195,47 +2584,249 @@
           <a:prstGeom prst="rect">
             <a:avLst/>
           </a:prstGeom>
+          <a:noFill/>
+          <a:ln>
+            <a:noFill/>
+          </a:ln>
         </p:spPr>
         <p:txBody>
           <a:bodyPr anchorCtr="0" anchor="ctr" bIns="91425" lIns="91425" spcFirstLastPara="1" rIns="91425" wrap="square" tIns="91425">
             <a:normAutofit/>
           </a:bodyPr>
           <a:lstStyle>
-            <a:lvl1pPr lvl="0">
-              <a:buNone/>
-              <a:defRPr/>
+            <a:lvl1pPr indent="0" lvl="0" marL="0" marR="0" algn="r">
+              <a:lnSpc>
+                <a:spcPct val="100000"/>
+              </a:lnSpc>
+              <a:spcBef>
+                <a:spcPts val="0"/>
+              </a:spcBef>
+              <a:spcAft>
+                <a:spcPts val="0"/>
+              </a:spcAft>
+              <a:buClr>
+                <a:srgbClr val="000000"/>
+              </a:buClr>
+              <a:buSzPts val="1000"/>
+              <a:buFont typeface="Arial"/>
+              <a:buNone/>
+              <a:defRPr b="0" i="0" sz="1000" u="none" cap="none" strike="noStrike">
+                <a:solidFill>
+                  <a:schemeClr val="dk2"/>
+                </a:solidFill>
+                <a:latin typeface="Arial"/>
+                <a:ea typeface="Arial"/>
+                <a:cs typeface="Arial"/>
+                <a:sym typeface="Arial"/>
+              </a:defRPr>
             </a:lvl1pPr>
-            <a:lvl2pPr lvl="1">
-              <a:buNone/>
-              <a:defRPr/>
+            <a:lvl2pPr indent="0" lvl="1" marL="0" marR="0" algn="r">
+              <a:lnSpc>
+                <a:spcPct val="100000"/>
+              </a:lnSpc>
+              <a:spcBef>
+                <a:spcPts val="0"/>
+              </a:spcBef>
+              <a:spcAft>
+                <a:spcPts val="0"/>
+              </a:spcAft>
+              <a:buClr>
+                <a:srgbClr val="000000"/>
+              </a:buClr>
+              <a:buSzPts val="1000"/>
+              <a:buFont typeface="Arial"/>
+              <a:buNone/>
+              <a:defRPr b="0" i="0" sz="1000" u="none" cap="none" strike="noStrike">
+                <a:solidFill>
+                  <a:schemeClr val="dk2"/>
+                </a:solidFill>
+                <a:latin typeface="Arial"/>
+                <a:ea typeface="Arial"/>
+                <a:cs typeface="Arial"/>
+                <a:sym typeface="Arial"/>
+              </a:defRPr>
             </a:lvl2pPr>
-            <a:lvl3pPr lvl="2">
-              <a:buNone/>
-              <a:defRPr/>
+            <a:lvl3pPr indent="0" lvl="2" marL="0" marR="0" algn="r">
+              <a:lnSpc>
+                <a:spcPct val="100000"/>
+              </a:lnSpc>
+              <a:spcBef>
+                <a:spcPts val="0"/>
+              </a:spcBef>
+              <a:spcAft>
+                <a:spcPts val="0"/>
+              </a:spcAft>
+              <a:buClr>
+                <a:srgbClr val="000000"/>
+              </a:buClr>
+              <a:buSzPts val="1000"/>
+              <a:buFont typeface="Arial"/>
+              <a:buNone/>
+              <a:defRPr b="0" i="0" sz="1000" u="none" cap="none" strike="noStrike">
+                <a:solidFill>
+                  <a:schemeClr val="dk2"/>
+                </a:solidFill>
+                <a:latin typeface="Arial"/>
+                <a:ea typeface="Arial"/>
+                <a:cs typeface="Arial"/>
+                <a:sym typeface="Arial"/>
+              </a:defRPr>
             </a:lvl3pPr>
-            <a:lvl4pPr lvl="3">
-              <a:buNone/>
-              <a:defRPr/>
+            <a:lvl4pPr indent="0" lvl="3" marL="0" marR="0" algn="r">
+              <a:lnSpc>
+                <a:spcPct val="100000"/>
+              </a:lnSpc>
+              <a:spcBef>
+                <a:spcPts val="0"/>
+              </a:spcBef>
+              <a:spcAft>
+                <a:spcPts val="0"/>
+              </a:spcAft>
+              <a:buClr>
+                <a:srgbClr val="000000"/>
+              </a:buClr>
+              <a:buSzPts val="1000"/>
+              <a:buFont typeface="Arial"/>
+              <a:buNone/>
+              <a:defRPr b="0" i="0" sz="1000" u="none" cap="none" strike="noStrike">
+                <a:solidFill>
+                  <a:schemeClr val="dk2"/>
+                </a:solidFill>
+                <a:latin typeface="Arial"/>
+                <a:ea typeface="Arial"/>
+                <a:cs typeface="Arial"/>
+                <a:sym typeface="Arial"/>
+              </a:defRPr>
             </a:lvl4pPr>
-            <a:lvl5pPr lvl="4">
-              <a:buNone/>
-              <a:defRPr/>
+            <a:lvl5pPr indent="0" lvl="4" marL="0" marR="0" algn="r">
+              <a:lnSpc>
+                <a:spcPct val="100000"/>
+              </a:lnSpc>
+              <a:spcBef>
+                <a:spcPts val="0"/>
+              </a:spcBef>
+              <a:spcAft>
+                <a:spcPts val="0"/>
+              </a:spcAft>
+              <a:buClr>
+                <a:srgbClr val="000000"/>
+              </a:buClr>
+              <a:buSzPts val="1000"/>
+              <a:buFont typeface="Arial"/>
+              <a:buNone/>
+              <a:defRPr b="0" i="0" sz="1000" u="none" cap="none" strike="noStrike">
+                <a:solidFill>
+                  <a:schemeClr val="dk2"/>
+                </a:solidFill>
+                <a:latin typeface="Arial"/>
+                <a:ea typeface="Arial"/>
+                <a:cs typeface="Arial"/>
+                <a:sym typeface="Arial"/>
+              </a:defRPr>
             </a:lvl5pPr>
-            <a:lvl6pPr lvl="5">
-              <a:buNone/>
-              <a:defRPr/>
+            <a:lvl6pPr indent="0" lvl="5" marL="0" marR="0" algn="r">
+              <a:lnSpc>
+                <a:spcPct val="100000"/>
+              </a:lnSpc>
+              <a:spcBef>
+                <a:spcPts val="0"/>
+              </a:spcBef>
+              <a:spcAft>
+                <a:spcPts val="0"/>
+              </a:spcAft>
+              <a:buClr>
+                <a:srgbClr val="000000"/>
+              </a:buClr>
+              <a:buSzPts val="1000"/>
+              <a:buFont typeface="Arial"/>
+              <a:buNone/>
+              <a:defRPr b="0" i="0" sz="1000" u="none" cap="none" strike="noStrike">
+                <a:solidFill>
+                  <a:schemeClr val="dk2"/>
+                </a:solidFill>
+                <a:latin typeface="Arial"/>
+                <a:ea typeface="Arial"/>
+                <a:cs typeface="Arial"/>
+                <a:sym typeface="Arial"/>
+              </a:defRPr>
             </a:lvl6pPr>
-            <a:lvl7pPr lvl="6">
-              <a:buNone/>
-              <a:defRPr/>
+            <a:lvl7pPr indent="0" lvl="6" marL="0" marR="0" algn="r">
+              <a:lnSpc>
+                <a:spcPct val="100000"/>
+              </a:lnSpc>
+              <a:spcBef>
+                <a:spcPts val="0"/>
+              </a:spcBef>
+              <a:spcAft>
+                <a:spcPts val="0"/>
+              </a:spcAft>
+              <a:buClr>
+                <a:srgbClr val="000000"/>
+              </a:buClr>
+              <a:buSzPts val="1000"/>
+              <a:buFont typeface="Arial"/>
+              <a:buNone/>
+              <a:defRPr b="0" i="0" sz="1000" u="none" cap="none" strike="noStrike">
+                <a:solidFill>
+                  <a:schemeClr val="dk2"/>
+                </a:solidFill>
+                <a:latin typeface="Arial"/>
+                <a:ea typeface="Arial"/>
+                <a:cs typeface="Arial"/>
+                <a:sym typeface="Arial"/>
+              </a:defRPr>
             </a:lvl7pPr>
-            <a:lvl8pPr lvl="7">
-              <a:buNone/>
-              <a:defRPr/>
+            <a:lvl8pPr indent="0" lvl="7" marL="0" marR="0" algn="r">
+              <a:lnSpc>
+                <a:spcPct val="100000"/>
+              </a:lnSpc>
+              <a:spcBef>
+                <a:spcPts val="0"/>
+              </a:spcBef>
+              <a:spcAft>
+                <a:spcPts val="0"/>
+              </a:spcAft>
+              <a:buClr>
+                <a:srgbClr val="000000"/>
+              </a:buClr>
+              <a:buSzPts val="1000"/>
+              <a:buFont typeface="Arial"/>
+              <a:buNone/>
+              <a:defRPr b="0" i="0" sz="1000" u="none" cap="none" strike="noStrike">
+                <a:solidFill>
+                  <a:schemeClr val="dk2"/>
+                </a:solidFill>
+                <a:latin typeface="Arial"/>
+                <a:ea typeface="Arial"/>
+                <a:cs typeface="Arial"/>
+                <a:sym typeface="Arial"/>
+              </a:defRPr>
             </a:lvl8pPr>
-            <a:lvl9pPr lvl="8">
-              <a:buNone/>
-              <a:defRPr/>
+            <a:lvl9pPr indent="0" lvl="8" marL="0" marR="0" algn="r">
+              <a:lnSpc>
+                <a:spcPct val="100000"/>
+              </a:lnSpc>
+              <a:spcBef>
+                <a:spcPts val="0"/>
+              </a:spcBef>
+              <a:spcAft>
+                <a:spcPts val="0"/>
+              </a:spcAft>
+              <a:buClr>
+                <a:srgbClr val="000000"/>
+              </a:buClr>
+              <a:buSzPts val="1000"/>
+              <a:buFont typeface="Arial"/>
+              <a:buNone/>
+              <a:defRPr b="0" i="0" sz="1000" u="none" cap="none" strike="noStrike">
+                <a:solidFill>
+                  <a:schemeClr val="dk2"/>
+                </a:solidFill>
+                <a:latin typeface="Arial"/>
+                <a:ea typeface="Arial"/>
+                <a:cs typeface="Arial"/>
+                <a:sym typeface="Arial"/>
+              </a:defRPr>
             </a:lvl9pPr>
           </a:lstStyle>
           <a:p>
@@ -2283,7 +2874,7 @@
       </p:grpSpPr>
       <p:sp>
         <p:nvSpPr>
-          <p:cNvPr id="45" name="Google Shape;45;p11"/>
+          <p:cNvPr id="45" name="Google Shape;45;p23"/>
           <p:cNvSpPr txBox="1"/>
           <p:nvPr>
             <p:ph hasCustomPrompt="1" type="title"/>
@@ -2297,6 +2888,10 @@
           <a:prstGeom prst="rect">
             <a:avLst/>
           </a:prstGeom>
+          <a:noFill/>
+          <a:ln>
+            <a:noFill/>
+          </a:ln>
         </p:spPr>
         <p:txBody>
           <a:bodyPr anchorCtr="0" anchor="b" bIns="91425" lIns="91425" spcFirstLastPara="1" rIns="91425" wrap="square" tIns="91425">
@@ -2304,6 +2899,9 @@
           </a:bodyPr>
           <a:lstStyle>
             <a:lvl1pPr lvl="0" algn="ctr">
+              <a:lnSpc>
+                <a:spcPct val="100000"/>
+              </a:lnSpc>
               <a:spcBef>
                 <a:spcPts val="0"/>
               </a:spcBef>
@@ -2315,6 +2913,9 @@
               <a:defRPr sz="12000"/>
             </a:lvl1pPr>
             <a:lvl2pPr lvl="1" algn="ctr">
+              <a:lnSpc>
+                <a:spcPct val="100000"/>
+              </a:lnSpc>
               <a:spcBef>
                 <a:spcPts val="0"/>
               </a:spcBef>
@@ -2326,6 +2927,9 @@
               <a:defRPr sz="12000"/>
             </a:lvl2pPr>
             <a:lvl3pPr lvl="2" algn="ctr">
+              <a:lnSpc>
+                <a:spcPct val="100000"/>
+              </a:lnSpc>
               <a:spcBef>
                 <a:spcPts val="0"/>
               </a:spcBef>
@@ -2337,6 +2941,9 @@
               <a:defRPr sz="12000"/>
             </a:lvl3pPr>
             <a:lvl4pPr lvl="3" algn="ctr">
+              <a:lnSpc>
+                <a:spcPct val="100000"/>
+              </a:lnSpc>
               <a:spcBef>
                 <a:spcPts val="0"/>
               </a:spcBef>
@@ -2348,6 +2955,9 @@
               <a:defRPr sz="12000"/>
             </a:lvl4pPr>
             <a:lvl5pPr lvl="4" algn="ctr">
+              <a:lnSpc>
+                <a:spcPct val="100000"/>
+              </a:lnSpc>
               <a:spcBef>
                 <a:spcPts val="0"/>
               </a:spcBef>
@@ -2359,6 +2969,9 @@
               <a:defRPr sz="12000"/>
             </a:lvl5pPr>
             <a:lvl6pPr lvl="5" algn="ctr">
+              <a:lnSpc>
+                <a:spcPct val="100000"/>
+              </a:lnSpc>
               <a:spcBef>
                 <a:spcPts val="0"/>
               </a:spcBef>
@@ -2370,6 +2983,9 @@
               <a:defRPr sz="12000"/>
             </a:lvl6pPr>
             <a:lvl7pPr lvl="6" algn="ctr">
+              <a:lnSpc>
+                <a:spcPct val="100000"/>
+              </a:lnSpc>
               <a:spcBef>
                 <a:spcPts val="0"/>
               </a:spcBef>
@@ -2381,6 +2997,9 @@
               <a:defRPr sz="12000"/>
             </a:lvl7pPr>
             <a:lvl8pPr lvl="7" algn="ctr">
+              <a:lnSpc>
+                <a:spcPct val="100000"/>
+              </a:lnSpc>
               <a:spcBef>
                 <a:spcPts val="0"/>
               </a:spcBef>
@@ -2392,6 +3011,9 @@
               <a:defRPr sz="12000"/>
             </a:lvl8pPr>
             <a:lvl9pPr lvl="8" algn="ctr">
+              <a:lnSpc>
+                <a:spcPct val="100000"/>
+              </a:lnSpc>
               <a:spcBef>
                 <a:spcPts val="0"/>
               </a:spcBef>
@@ -2412,7 +3034,7 @@
       </p:sp>
       <p:sp>
         <p:nvSpPr>
-          <p:cNvPr id="46" name="Google Shape;46;p11"/>
+          <p:cNvPr id="46" name="Google Shape;46;p23"/>
           <p:cNvSpPr txBox="1"/>
           <p:nvPr>
             <p:ph idx="1" type="body"/>
@@ -2426,6 +3048,10 @@
           <a:prstGeom prst="rect">
             <a:avLst/>
           </a:prstGeom>
+          <a:noFill/>
+          <a:ln>
+            <a:noFill/>
+          </a:ln>
         </p:spPr>
         <p:txBody>
           <a:bodyPr anchorCtr="0" anchor="t" bIns="91425" lIns="91425" spcFirstLastPara="1" rIns="91425" wrap="square" tIns="91425">
@@ -2433,6 +3059,9 @@
           </a:bodyPr>
           <a:lstStyle>
             <a:lvl1pPr indent="-342900" lvl="0" marL="457200" algn="ctr">
+              <a:lnSpc>
+                <a:spcPct val="115000"/>
+              </a:lnSpc>
               <a:spcBef>
                 <a:spcPts val="0"/>
               </a:spcBef>
@@ -2444,6 +3073,9 @@
               <a:defRPr/>
             </a:lvl1pPr>
             <a:lvl2pPr indent="-317500" lvl="1" marL="914400" algn="ctr">
+              <a:lnSpc>
+                <a:spcPct val="115000"/>
+              </a:lnSpc>
               <a:spcBef>
                 <a:spcPts val="0"/>
               </a:spcBef>
@@ -2455,6 +3087,9 @@
               <a:defRPr/>
             </a:lvl2pPr>
             <a:lvl3pPr indent="-317500" lvl="2" marL="1371600" algn="ctr">
+              <a:lnSpc>
+                <a:spcPct val="115000"/>
+              </a:lnSpc>
               <a:spcBef>
                 <a:spcPts val="0"/>
               </a:spcBef>
@@ -2466,6 +3101,9 @@
               <a:defRPr/>
             </a:lvl3pPr>
             <a:lvl4pPr indent="-317500" lvl="3" marL="1828800" algn="ctr">
+              <a:lnSpc>
+                <a:spcPct val="115000"/>
+              </a:lnSpc>
               <a:spcBef>
                 <a:spcPts val="0"/>
               </a:spcBef>
@@ -2477,6 +3115,9 @@
               <a:defRPr/>
             </a:lvl4pPr>
             <a:lvl5pPr indent="-317500" lvl="4" marL="2286000" algn="ctr">
+              <a:lnSpc>
+                <a:spcPct val="115000"/>
+              </a:lnSpc>
               <a:spcBef>
                 <a:spcPts val="0"/>
               </a:spcBef>
@@ -2488,6 +3129,9 @@
               <a:defRPr/>
             </a:lvl5pPr>
             <a:lvl6pPr indent="-317500" lvl="5" marL="2743200" algn="ctr">
+              <a:lnSpc>
+                <a:spcPct val="115000"/>
+              </a:lnSpc>
               <a:spcBef>
                 <a:spcPts val="0"/>
               </a:spcBef>
@@ -2499,6 +3143,9 @@
               <a:defRPr/>
             </a:lvl6pPr>
             <a:lvl7pPr indent="-317500" lvl="6" marL="3200400" algn="ctr">
+              <a:lnSpc>
+                <a:spcPct val="115000"/>
+              </a:lnSpc>
               <a:spcBef>
                 <a:spcPts val="0"/>
               </a:spcBef>
@@ -2510,6 +3157,9 @@
               <a:defRPr/>
             </a:lvl7pPr>
             <a:lvl8pPr indent="-317500" lvl="7" marL="3657600" algn="ctr">
+              <a:lnSpc>
+                <a:spcPct val="115000"/>
+              </a:lnSpc>
               <a:spcBef>
                 <a:spcPts val="0"/>
               </a:spcBef>
@@ -2521,6 +3171,9 @@
               <a:defRPr/>
             </a:lvl8pPr>
             <a:lvl9pPr indent="-317500" lvl="8" marL="4114800" algn="ctr">
+              <a:lnSpc>
+                <a:spcPct val="115000"/>
+              </a:lnSpc>
               <a:spcBef>
                 <a:spcPts val="0"/>
               </a:spcBef>
@@ -2537,7 +3190,7 @@
       </p:sp>
       <p:sp>
         <p:nvSpPr>
-          <p:cNvPr id="47" name="Google Shape;47;p11"/>
+          <p:cNvPr id="47" name="Google Shape;47;p23"/>
           <p:cNvSpPr txBox="1"/>
           <p:nvPr>
             <p:ph idx="12" type="sldNum"/>
@@ -2551,47 +3204,249 @@
           <a:prstGeom prst="rect">
             <a:avLst/>
           </a:prstGeom>
+          <a:noFill/>
+          <a:ln>
+            <a:noFill/>
+          </a:ln>
         </p:spPr>
         <p:txBody>
           <a:bodyPr anchorCtr="0" anchor="ctr" bIns="91425" lIns="91425" spcFirstLastPara="1" rIns="91425" wrap="square" tIns="91425">
             <a:normAutofit/>
           </a:bodyPr>
           <a:lstStyle>
-            <a:lvl1pPr lvl="0">
-              <a:buNone/>
-              <a:defRPr/>
+            <a:lvl1pPr indent="0" lvl="0" marL="0" marR="0" algn="r">
+              <a:lnSpc>
+                <a:spcPct val="100000"/>
+              </a:lnSpc>
+              <a:spcBef>
+                <a:spcPts val="0"/>
+              </a:spcBef>
+              <a:spcAft>
+                <a:spcPts val="0"/>
+              </a:spcAft>
+              <a:buClr>
+                <a:srgbClr val="000000"/>
+              </a:buClr>
+              <a:buSzPts val="1000"/>
+              <a:buFont typeface="Arial"/>
+              <a:buNone/>
+              <a:defRPr b="0" i="0" sz="1000" u="none" cap="none" strike="noStrike">
+                <a:solidFill>
+                  <a:schemeClr val="dk2"/>
+                </a:solidFill>
+                <a:latin typeface="Arial"/>
+                <a:ea typeface="Arial"/>
+                <a:cs typeface="Arial"/>
+                <a:sym typeface="Arial"/>
+              </a:defRPr>
             </a:lvl1pPr>
-            <a:lvl2pPr lvl="1">
-              <a:buNone/>
-              <a:defRPr/>
+            <a:lvl2pPr indent="0" lvl="1" marL="0" marR="0" algn="r">
+              <a:lnSpc>
+                <a:spcPct val="100000"/>
+              </a:lnSpc>
+              <a:spcBef>
+                <a:spcPts val="0"/>
+              </a:spcBef>
+              <a:spcAft>
+                <a:spcPts val="0"/>
+              </a:spcAft>
+              <a:buClr>
+                <a:srgbClr val="000000"/>
+              </a:buClr>
+              <a:buSzPts val="1000"/>
+              <a:buFont typeface="Arial"/>
+              <a:buNone/>
+              <a:defRPr b="0" i="0" sz="1000" u="none" cap="none" strike="noStrike">
+                <a:solidFill>
+                  <a:schemeClr val="dk2"/>
+                </a:solidFill>
+                <a:latin typeface="Arial"/>
+                <a:ea typeface="Arial"/>
+                <a:cs typeface="Arial"/>
+                <a:sym typeface="Arial"/>
+              </a:defRPr>
             </a:lvl2pPr>
-            <a:lvl3pPr lvl="2">
-              <a:buNone/>
-              <a:defRPr/>
+            <a:lvl3pPr indent="0" lvl="2" marL="0" marR="0" algn="r">
+              <a:lnSpc>
+                <a:spcPct val="100000"/>
+              </a:lnSpc>
+              <a:spcBef>
+                <a:spcPts val="0"/>
+              </a:spcBef>
+              <a:spcAft>
+                <a:spcPts val="0"/>
+              </a:spcAft>
+              <a:buClr>
+                <a:srgbClr val="000000"/>
+              </a:buClr>
+              <a:buSzPts val="1000"/>
+              <a:buFont typeface="Arial"/>
+              <a:buNone/>
+              <a:defRPr b="0" i="0" sz="1000" u="none" cap="none" strike="noStrike">
+                <a:solidFill>
+                  <a:schemeClr val="dk2"/>
+                </a:solidFill>
+                <a:latin typeface="Arial"/>
+                <a:ea typeface="Arial"/>
+                <a:cs typeface="Arial"/>
+                <a:sym typeface="Arial"/>
+              </a:defRPr>
             </a:lvl3pPr>
-            <a:lvl4pPr lvl="3">
-              <a:buNone/>
-              <a:defRPr/>
+            <a:lvl4pPr indent="0" lvl="3" marL="0" marR="0" algn="r">
+              <a:lnSpc>
+                <a:spcPct val="100000"/>
+              </a:lnSpc>
+              <a:spcBef>
+                <a:spcPts val="0"/>
+              </a:spcBef>
+              <a:spcAft>
+                <a:spcPts val="0"/>
+              </a:spcAft>
+              <a:buClr>
+                <a:srgbClr val="000000"/>
+              </a:buClr>
+              <a:buSzPts val="1000"/>
+              <a:buFont typeface="Arial"/>
+              <a:buNone/>
+              <a:defRPr b="0" i="0" sz="1000" u="none" cap="none" strike="noStrike">
+                <a:solidFill>
+                  <a:schemeClr val="dk2"/>
+                </a:solidFill>
+                <a:latin typeface="Arial"/>
+                <a:ea typeface="Arial"/>
+                <a:cs typeface="Arial"/>
+                <a:sym typeface="Arial"/>
+              </a:defRPr>
             </a:lvl4pPr>
-            <a:lvl5pPr lvl="4">
-              <a:buNone/>
-              <a:defRPr/>
+            <a:lvl5pPr indent="0" lvl="4" marL="0" marR="0" algn="r">
+              <a:lnSpc>
+                <a:spcPct val="100000"/>
+              </a:lnSpc>
+              <a:spcBef>
+                <a:spcPts val="0"/>
+              </a:spcBef>
+              <a:spcAft>
+                <a:spcPts val="0"/>
+              </a:spcAft>
+              <a:buClr>
+                <a:srgbClr val="000000"/>
+              </a:buClr>
+              <a:buSzPts val="1000"/>
+              <a:buFont typeface="Arial"/>
+              <a:buNone/>
+              <a:defRPr b="0" i="0" sz="1000" u="none" cap="none" strike="noStrike">
+                <a:solidFill>
+                  <a:schemeClr val="dk2"/>
+                </a:solidFill>
+                <a:latin typeface="Arial"/>
+                <a:ea typeface="Arial"/>
+                <a:cs typeface="Arial"/>
+                <a:sym typeface="Arial"/>
+              </a:defRPr>
             </a:lvl5pPr>
-            <a:lvl6pPr lvl="5">
-              <a:buNone/>
-              <a:defRPr/>
+            <a:lvl6pPr indent="0" lvl="5" marL="0" marR="0" algn="r">
+              <a:lnSpc>
+                <a:spcPct val="100000"/>
+              </a:lnSpc>
+              <a:spcBef>
+                <a:spcPts val="0"/>
+              </a:spcBef>
+              <a:spcAft>
+                <a:spcPts val="0"/>
+              </a:spcAft>
+              <a:buClr>
+                <a:srgbClr val="000000"/>
+              </a:buClr>
+              <a:buSzPts val="1000"/>
+              <a:buFont typeface="Arial"/>
+              <a:buNone/>
+              <a:defRPr b="0" i="0" sz="1000" u="none" cap="none" strike="noStrike">
+                <a:solidFill>
+                  <a:schemeClr val="dk2"/>
+                </a:solidFill>
+                <a:latin typeface="Arial"/>
+                <a:ea typeface="Arial"/>
+                <a:cs typeface="Arial"/>
+                <a:sym typeface="Arial"/>
+              </a:defRPr>
             </a:lvl6pPr>
-            <a:lvl7pPr lvl="6">
-              <a:buNone/>
-              <a:defRPr/>
+            <a:lvl7pPr indent="0" lvl="6" marL="0" marR="0" algn="r">
+              <a:lnSpc>
+                <a:spcPct val="100000"/>
+              </a:lnSpc>
+              <a:spcBef>
+                <a:spcPts val="0"/>
+              </a:spcBef>
+              <a:spcAft>
+                <a:spcPts val="0"/>
+              </a:spcAft>
+              <a:buClr>
+                <a:srgbClr val="000000"/>
+              </a:buClr>
+              <a:buSzPts val="1000"/>
+              <a:buFont typeface="Arial"/>
+              <a:buNone/>
+              <a:defRPr b="0" i="0" sz="1000" u="none" cap="none" strike="noStrike">
+                <a:solidFill>
+                  <a:schemeClr val="dk2"/>
+                </a:solidFill>
+                <a:latin typeface="Arial"/>
+                <a:ea typeface="Arial"/>
+                <a:cs typeface="Arial"/>
+                <a:sym typeface="Arial"/>
+              </a:defRPr>
             </a:lvl7pPr>
-            <a:lvl8pPr lvl="7">
-              <a:buNone/>
-              <a:defRPr/>
+            <a:lvl8pPr indent="0" lvl="7" marL="0" marR="0" algn="r">
+              <a:lnSpc>
+                <a:spcPct val="100000"/>
+              </a:lnSpc>
+              <a:spcBef>
+                <a:spcPts val="0"/>
+              </a:spcBef>
+              <a:spcAft>
+                <a:spcPts val="0"/>
+              </a:spcAft>
+              <a:buClr>
+                <a:srgbClr val="000000"/>
+              </a:buClr>
+              <a:buSzPts val="1000"/>
+              <a:buFont typeface="Arial"/>
+              <a:buNone/>
+              <a:defRPr b="0" i="0" sz="1000" u="none" cap="none" strike="noStrike">
+                <a:solidFill>
+                  <a:schemeClr val="dk2"/>
+                </a:solidFill>
+                <a:latin typeface="Arial"/>
+                <a:ea typeface="Arial"/>
+                <a:cs typeface="Arial"/>
+                <a:sym typeface="Arial"/>
+              </a:defRPr>
             </a:lvl8pPr>
-            <a:lvl9pPr lvl="8">
-              <a:buNone/>
-              <a:defRPr/>
+            <a:lvl9pPr indent="0" lvl="8" marL="0" marR="0" algn="r">
+              <a:lnSpc>
+                <a:spcPct val="100000"/>
+              </a:lnSpc>
+              <a:spcBef>
+                <a:spcPts val="0"/>
+              </a:spcBef>
+              <a:spcAft>
+                <a:spcPts val="0"/>
+              </a:spcAft>
+              <a:buClr>
+                <a:srgbClr val="000000"/>
+              </a:buClr>
+              <a:buSzPts val="1000"/>
+              <a:buFont typeface="Arial"/>
+              <a:buNone/>
+              <a:defRPr b="0" i="0" sz="1000" u="none" cap="none" strike="noStrike">
+                <a:solidFill>
+                  <a:schemeClr val="dk2"/>
+                </a:solidFill>
+                <a:latin typeface="Arial"/>
+                <a:ea typeface="Arial"/>
+                <a:cs typeface="Arial"/>
+                <a:sym typeface="Arial"/>
+              </a:defRPr>
             </a:lvl9pPr>
           </a:lstStyle>
           <a:p>
@@ -2639,7 +3494,7 @@
       </p:grpSpPr>
       <p:sp>
         <p:nvSpPr>
-          <p:cNvPr id="49" name="Google Shape;49;p12"/>
+          <p:cNvPr id="49" name="Google Shape;49;p24"/>
           <p:cNvSpPr txBox="1"/>
           <p:nvPr>
             <p:ph idx="12" type="sldNum"/>
@@ -2653,47 +3508,249 @@
           <a:prstGeom prst="rect">
             <a:avLst/>
           </a:prstGeom>
+          <a:noFill/>
+          <a:ln>
+            <a:noFill/>
+          </a:ln>
         </p:spPr>
         <p:txBody>
           <a:bodyPr anchorCtr="0" anchor="ctr" bIns="91425" lIns="91425" spcFirstLastPara="1" rIns="91425" wrap="square" tIns="91425">
             <a:normAutofit/>
           </a:bodyPr>
           <a:lstStyle>
-            <a:lvl1pPr lvl="0">
-              <a:buNone/>
-              <a:defRPr/>
+            <a:lvl1pPr indent="0" lvl="0" marL="0" marR="0" algn="r">
+              <a:lnSpc>
+                <a:spcPct val="100000"/>
+              </a:lnSpc>
+              <a:spcBef>
+                <a:spcPts val="0"/>
+              </a:spcBef>
+              <a:spcAft>
+                <a:spcPts val="0"/>
+              </a:spcAft>
+              <a:buClr>
+                <a:srgbClr val="000000"/>
+              </a:buClr>
+              <a:buSzPts val="1000"/>
+              <a:buFont typeface="Arial"/>
+              <a:buNone/>
+              <a:defRPr b="0" i="0" sz="1000" u="none" cap="none" strike="noStrike">
+                <a:solidFill>
+                  <a:schemeClr val="dk2"/>
+                </a:solidFill>
+                <a:latin typeface="Arial"/>
+                <a:ea typeface="Arial"/>
+                <a:cs typeface="Arial"/>
+                <a:sym typeface="Arial"/>
+              </a:defRPr>
             </a:lvl1pPr>
-            <a:lvl2pPr lvl="1">
-              <a:buNone/>
-              <a:defRPr/>
+            <a:lvl2pPr indent="0" lvl="1" marL="0" marR="0" algn="r">
+              <a:lnSpc>
+                <a:spcPct val="100000"/>
+              </a:lnSpc>
+              <a:spcBef>
+                <a:spcPts val="0"/>
+              </a:spcBef>
+              <a:spcAft>
+                <a:spcPts val="0"/>
+              </a:spcAft>
+              <a:buClr>
+                <a:srgbClr val="000000"/>
+              </a:buClr>
+              <a:buSzPts val="1000"/>
+              <a:buFont typeface="Arial"/>
+              <a:buNone/>
+              <a:defRPr b="0" i="0" sz="1000" u="none" cap="none" strike="noStrike">
+                <a:solidFill>
+                  <a:schemeClr val="dk2"/>
+                </a:solidFill>
+                <a:latin typeface="Arial"/>
+                <a:ea typeface="Arial"/>
+                <a:cs typeface="Arial"/>
+                <a:sym typeface="Arial"/>
+              </a:defRPr>
             </a:lvl2pPr>
-            <a:lvl3pPr lvl="2">
-              <a:buNone/>
-              <a:defRPr/>
+            <a:lvl3pPr indent="0" lvl="2" marL="0" marR="0" algn="r">
+              <a:lnSpc>
+                <a:spcPct val="100000"/>
+              </a:lnSpc>
+              <a:spcBef>
+                <a:spcPts val="0"/>
+              </a:spcBef>
+              <a:spcAft>
+                <a:spcPts val="0"/>
+              </a:spcAft>
+              <a:buClr>
+                <a:srgbClr val="000000"/>
+              </a:buClr>
+              <a:buSzPts val="1000"/>
+              <a:buFont typeface="Arial"/>
+              <a:buNone/>
+              <a:defRPr b="0" i="0" sz="1000" u="none" cap="none" strike="noStrike">
+                <a:solidFill>
+                  <a:schemeClr val="dk2"/>
+                </a:solidFill>
+                <a:latin typeface="Arial"/>
+                <a:ea typeface="Arial"/>
+                <a:cs typeface="Arial"/>
+                <a:sym typeface="Arial"/>
+              </a:defRPr>
             </a:lvl3pPr>
-            <a:lvl4pPr lvl="3">
-              <a:buNone/>
-              <a:defRPr/>
+            <a:lvl4pPr indent="0" lvl="3" marL="0" marR="0" algn="r">
+              <a:lnSpc>
+                <a:spcPct val="100000"/>
+              </a:lnSpc>
+              <a:spcBef>
+                <a:spcPts val="0"/>
+              </a:spcBef>
+              <a:spcAft>
+                <a:spcPts val="0"/>
+              </a:spcAft>
+              <a:buClr>
+                <a:srgbClr val="000000"/>
+              </a:buClr>
+              <a:buSzPts val="1000"/>
+              <a:buFont typeface="Arial"/>
+              <a:buNone/>
+              <a:defRPr b="0" i="0" sz="1000" u="none" cap="none" strike="noStrike">
+                <a:solidFill>
+                  <a:schemeClr val="dk2"/>
+                </a:solidFill>
+                <a:latin typeface="Arial"/>
+                <a:ea typeface="Arial"/>
+                <a:cs typeface="Arial"/>
+                <a:sym typeface="Arial"/>
+              </a:defRPr>
             </a:lvl4pPr>
-            <a:lvl5pPr lvl="4">
-              <a:buNone/>
-              <a:defRPr/>
+            <a:lvl5pPr indent="0" lvl="4" marL="0" marR="0" algn="r">
+              <a:lnSpc>
+                <a:spcPct val="100000"/>
+              </a:lnSpc>
+              <a:spcBef>
+                <a:spcPts val="0"/>
+              </a:spcBef>
+              <a:spcAft>
+                <a:spcPts val="0"/>
+              </a:spcAft>
+              <a:buClr>
+                <a:srgbClr val="000000"/>
+              </a:buClr>
+              <a:buSzPts val="1000"/>
+              <a:buFont typeface="Arial"/>
+              <a:buNone/>
+              <a:defRPr b="0" i="0" sz="1000" u="none" cap="none" strike="noStrike">
+                <a:solidFill>
+                  <a:schemeClr val="dk2"/>
+                </a:solidFill>
+                <a:latin typeface="Arial"/>
+                <a:ea typeface="Arial"/>
+                <a:cs typeface="Arial"/>
+                <a:sym typeface="Arial"/>
+              </a:defRPr>
             </a:lvl5pPr>
-            <a:lvl6pPr lvl="5">
-              <a:buNone/>
-              <a:defRPr/>
+            <a:lvl6pPr indent="0" lvl="5" marL="0" marR="0" algn="r">
+              <a:lnSpc>
+                <a:spcPct val="100000"/>
+              </a:lnSpc>
+              <a:spcBef>
+                <a:spcPts val="0"/>
+              </a:spcBef>
+              <a:spcAft>
+                <a:spcPts val="0"/>
+              </a:spcAft>
+              <a:buClr>
+                <a:srgbClr val="000000"/>
+              </a:buClr>
+              <a:buSzPts val="1000"/>
+              <a:buFont typeface="Arial"/>
+              <a:buNone/>
+              <a:defRPr b="0" i="0" sz="1000" u="none" cap="none" strike="noStrike">
+                <a:solidFill>
+                  <a:schemeClr val="dk2"/>
+                </a:solidFill>
+                <a:latin typeface="Arial"/>
+                <a:ea typeface="Arial"/>
+                <a:cs typeface="Arial"/>
+                <a:sym typeface="Arial"/>
+              </a:defRPr>
             </a:lvl6pPr>
-            <a:lvl7pPr lvl="6">
-              <a:buNone/>
-              <a:defRPr/>
+            <a:lvl7pPr indent="0" lvl="6" marL="0" marR="0" algn="r">
+              <a:lnSpc>
+                <a:spcPct val="100000"/>
+              </a:lnSpc>
+              <a:spcBef>
+                <a:spcPts val="0"/>
+              </a:spcBef>
+              <a:spcAft>
+                <a:spcPts val="0"/>
+              </a:spcAft>
+              <a:buClr>
+                <a:srgbClr val="000000"/>
+              </a:buClr>
+              <a:buSzPts val="1000"/>
+              <a:buFont typeface="Arial"/>
+              <a:buNone/>
+              <a:defRPr b="0" i="0" sz="1000" u="none" cap="none" strike="noStrike">
+                <a:solidFill>
+                  <a:schemeClr val="dk2"/>
+                </a:solidFill>
+                <a:latin typeface="Arial"/>
+                <a:ea typeface="Arial"/>
+                <a:cs typeface="Arial"/>
+                <a:sym typeface="Arial"/>
+              </a:defRPr>
             </a:lvl7pPr>
-            <a:lvl8pPr lvl="7">
-              <a:buNone/>
-              <a:defRPr/>
+            <a:lvl8pPr indent="0" lvl="7" marL="0" marR="0" algn="r">
+              <a:lnSpc>
+                <a:spcPct val="100000"/>
+              </a:lnSpc>
+              <a:spcBef>
+                <a:spcPts val="0"/>
+              </a:spcBef>
+              <a:spcAft>
+                <a:spcPts val="0"/>
+              </a:spcAft>
+              <a:buClr>
+                <a:srgbClr val="000000"/>
+              </a:buClr>
+              <a:buSzPts val="1000"/>
+              <a:buFont typeface="Arial"/>
+              <a:buNone/>
+              <a:defRPr b="0" i="0" sz="1000" u="none" cap="none" strike="noStrike">
+                <a:solidFill>
+                  <a:schemeClr val="dk2"/>
+                </a:solidFill>
+                <a:latin typeface="Arial"/>
+                <a:ea typeface="Arial"/>
+                <a:cs typeface="Arial"/>
+                <a:sym typeface="Arial"/>
+              </a:defRPr>
             </a:lvl8pPr>
-            <a:lvl9pPr lvl="8">
-              <a:buNone/>
-              <a:defRPr/>
+            <a:lvl9pPr indent="0" lvl="8" marL="0" marR="0" algn="r">
+              <a:lnSpc>
+                <a:spcPct val="100000"/>
+              </a:lnSpc>
+              <a:spcBef>
+                <a:spcPts val="0"/>
+              </a:spcBef>
+              <a:spcAft>
+                <a:spcPts val="0"/>
+              </a:spcAft>
+              <a:buClr>
+                <a:srgbClr val="000000"/>
+              </a:buClr>
+              <a:buSzPts val="1000"/>
+              <a:buFont typeface="Arial"/>
+              <a:buNone/>
+              <a:defRPr b="0" i="0" sz="1000" u="none" cap="none" strike="noStrike">
+                <a:solidFill>
+                  <a:schemeClr val="dk2"/>
+                </a:solidFill>
+                <a:latin typeface="Arial"/>
+                <a:ea typeface="Arial"/>
+                <a:cs typeface="Arial"/>
+                <a:sym typeface="Arial"/>
+              </a:defRPr>
             </a:lvl9pPr>
           </a:lstStyle>
           <a:p>
@@ -2723,8 +3780,8 @@
 </file>
 
 <file path=ppt/slideLayouts/slideLayout2.xml><?xml version="1.0" encoding="utf-8"?>
-<p:sldLayout xmlns:a="http://schemas.openxmlformats.org/drawingml/2006/main" xmlns:r="http://schemas.openxmlformats.org/officeDocument/2006/relationships" xmlns:mc="http://schemas.openxmlformats.org/markup-compatibility/2006" xmlns:mv="urn:schemas-microsoft-com:mac:vml" xmlns:p="http://schemas.openxmlformats.org/presentationml/2006/main" xmlns:c="http://schemas.openxmlformats.org/drawingml/2006/chart" xmlns:dgm="http://schemas.openxmlformats.org/drawingml/2006/diagram" xmlns:o="urn:schemas-microsoft-com:office:office" xmlns:v="urn:schemas-microsoft-com:vml" xmlns:pvml="urn:schemas-microsoft-com:office:powerpoint" xmlns:com="http://schemas.openxmlformats.org/drawingml/2006/compatibility" xmlns:p14="http://schemas.microsoft.com/office/powerpoint/2010/main" xmlns:p15="http://schemas.microsoft.com/office/powerpoint/2012/main" xmlns:ahyp="http://schemas.microsoft.com/office/drawing/2018/hyperlinkcolor" matchingName="Section header" type="secHead">
-  <p:cSld name="SECTION_HEADER">
+<p:sldLayout xmlns:a="http://schemas.openxmlformats.org/drawingml/2006/main" xmlns:r="http://schemas.openxmlformats.org/officeDocument/2006/relationships" xmlns:mc="http://schemas.openxmlformats.org/markup-compatibility/2006" xmlns:mv="urn:schemas-microsoft-com:mac:vml" xmlns:p="http://schemas.openxmlformats.org/presentationml/2006/main" xmlns:c="http://schemas.openxmlformats.org/drawingml/2006/chart" xmlns:dgm="http://schemas.openxmlformats.org/drawingml/2006/diagram" xmlns:o="urn:schemas-microsoft-com:office:office" xmlns:v="urn:schemas-microsoft-com:vml" xmlns:pvml="urn:schemas-microsoft-com:office:powerpoint" xmlns:com="http://schemas.openxmlformats.org/drawingml/2006/compatibility" xmlns:p14="http://schemas.microsoft.com/office/powerpoint/2010/main" xmlns:p15="http://schemas.microsoft.com/office/powerpoint/2012/main" xmlns:ahyp="http://schemas.microsoft.com/office/drawing/2018/hyperlinkcolor" matchingName="Title and body" type="tx">
+  <p:cSld name="TITLE_AND_BODY">
     <p:spTree>
       <p:nvGrpSpPr>
         <p:cNvPr id="13" name="Shape 13"/>
@@ -2741,7 +3798,7 @@
       </p:grpSpPr>
       <p:sp>
         <p:nvSpPr>
-          <p:cNvPr id="14" name="Google Shape;14;p3"/>
+          <p:cNvPr id="14" name="Google Shape;14;p15"/>
           <p:cNvSpPr txBox="1"/>
           <p:nvPr>
             <p:ph type="title"/>
@@ -2749,116 +3806,147 @@
         </p:nvSpPr>
         <p:spPr>
           <a:xfrm>
-            <a:off x="311700" y="2150850"/>
-            <a:ext cx="8520600" cy="841800"/>
+            <a:off x="311700" y="445025"/>
+            <a:ext cx="8520600" cy="572700"/>
           </a:xfrm>
           <a:prstGeom prst="rect">
             <a:avLst/>
           </a:prstGeom>
+          <a:noFill/>
+          <a:ln>
+            <a:noFill/>
+          </a:ln>
         </p:spPr>
         <p:txBody>
-          <a:bodyPr anchorCtr="0" anchor="ctr" bIns="91425" lIns="91425" spcFirstLastPara="1" rIns="91425" wrap="square" tIns="91425">
+          <a:bodyPr anchorCtr="0" anchor="t" bIns="91425" lIns="91425" spcFirstLastPara="1" rIns="91425" wrap="square" tIns="91425">
             <a:normAutofit/>
           </a:bodyPr>
           <a:lstStyle>
-            <a:lvl1pPr lvl="0" algn="ctr">
-              <a:spcBef>
-                <a:spcPts val="0"/>
-              </a:spcBef>
-              <a:spcAft>
-                <a:spcPts val="0"/>
-              </a:spcAft>
-              <a:buSzPts val="3600"/>
-              <a:buNone/>
-              <a:defRPr sz="3600"/>
+            <a:lvl1pPr lvl="0" algn="l">
+              <a:lnSpc>
+                <a:spcPct val="100000"/>
+              </a:lnSpc>
+              <a:spcBef>
+                <a:spcPts val="0"/>
+              </a:spcBef>
+              <a:spcAft>
+                <a:spcPts val="0"/>
+              </a:spcAft>
+              <a:buSzPts val="2800"/>
+              <a:buNone/>
+              <a:defRPr/>
             </a:lvl1pPr>
-            <a:lvl2pPr lvl="1" algn="ctr">
-              <a:spcBef>
-                <a:spcPts val="0"/>
-              </a:spcBef>
-              <a:spcAft>
-                <a:spcPts val="0"/>
-              </a:spcAft>
-              <a:buSzPts val="3600"/>
-              <a:buNone/>
-              <a:defRPr sz="3600"/>
+            <a:lvl2pPr lvl="1" algn="l">
+              <a:lnSpc>
+                <a:spcPct val="100000"/>
+              </a:lnSpc>
+              <a:spcBef>
+                <a:spcPts val="0"/>
+              </a:spcBef>
+              <a:spcAft>
+                <a:spcPts val="0"/>
+              </a:spcAft>
+              <a:buSzPts val="2800"/>
+              <a:buNone/>
+              <a:defRPr/>
             </a:lvl2pPr>
-            <a:lvl3pPr lvl="2" algn="ctr">
-              <a:spcBef>
-                <a:spcPts val="0"/>
-              </a:spcBef>
-              <a:spcAft>
-                <a:spcPts val="0"/>
-              </a:spcAft>
-              <a:buSzPts val="3600"/>
-              <a:buNone/>
-              <a:defRPr sz="3600"/>
+            <a:lvl3pPr lvl="2" algn="l">
+              <a:lnSpc>
+                <a:spcPct val="100000"/>
+              </a:lnSpc>
+              <a:spcBef>
+                <a:spcPts val="0"/>
+              </a:spcBef>
+              <a:spcAft>
+                <a:spcPts val="0"/>
+              </a:spcAft>
+              <a:buSzPts val="2800"/>
+              <a:buNone/>
+              <a:defRPr/>
             </a:lvl3pPr>
-            <a:lvl4pPr lvl="3" algn="ctr">
-              <a:spcBef>
-                <a:spcPts val="0"/>
-              </a:spcBef>
-              <a:spcAft>
-                <a:spcPts val="0"/>
-              </a:spcAft>
-              <a:buSzPts val="3600"/>
-              <a:buNone/>
-              <a:defRPr sz="3600"/>
+            <a:lvl4pPr lvl="3" algn="l">
+              <a:lnSpc>
+                <a:spcPct val="100000"/>
+              </a:lnSpc>
+              <a:spcBef>
+                <a:spcPts val="0"/>
+              </a:spcBef>
+              <a:spcAft>
+                <a:spcPts val="0"/>
+              </a:spcAft>
+              <a:buSzPts val="2800"/>
+              <a:buNone/>
+              <a:defRPr/>
             </a:lvl4pPr>
-            <a:lvl5pPr lvl="4" algn="ctr">
-              <a:spcBef>
-                <a:spcPts val="0"/>
-              </a:spcBef>
-              <a:spcAft>
-                <a:spcPts val="0"/>
-              </a:spcAft>
-              <a:buSzPts val="3600"/>
-              <a:buNone/>
-              <a:defRPr sz="3600"/>
+            <a:lvl5pPr lvl="4" algn="l">
+              <a:lnSpc>
+                <a:spcPct val="100000"/>
+              </a:lnSpc>
+              <a:spcBef>
+                <a:spcPts val="0"/>
+              </a:spcBef>
+              <a:spcAft>
+                <a:spcPts val="0"/>
+              </a:spcAft>
+              <a:buSzPts val="2800"/>
+              <a:buNone/>
+              <a:defRPr/>
             </a:lvl5pPr>
-            <a:lvl6pPr lvl="5" algn="ctr">
-              <a:spcBef>
-                <a:spcPts val="0"/>
-              </a:spcBef>
-              <a:spcAft>
-                <a:spcPts val="0"/>
-              </a:spcAft>
-              <a:buSzPts val="3600"/>
-              <a:buNone/>
-              <a:defRPr sz="3600"/>
+            <a:lvl6pPr lvl="5" algn="l">
+              <a:lnSpc>
+                <a:spcPct val="100000"/>
+              </a:lnSpc>
+              <a:spcBef>
+                <a:spcPts val="0"/>
+              </a:spcBef>
+              <a:spcAft>
+                <a:spcPts val="0"/>
+              </a:spcAft>
+              <a:buSzPts val="2800"/>
+              <a:buNone/>
+              <a:defRPr/>
             </a:lvl6pPr>
-            <a:lvl7pPr lvl="6" algn="ctr">
-              <a:spcBef>
-                <a:spcPts val="0"/>
-              </a:spcBef>
-              <a:spcAft>
-                <a:spcPts val="0"/>
-              </a:spcAft>
-              <a:buSzPts val="3600"/>
-              <a:buNone/>
-              <a:defRPr sz="3600"/>
+            <a:lvl7pPr lvl="6" algn="l">
+              <a:lnSpc>
+                <a:spcPct val="100000"/>
+              </a:lnSpc>
+              <a:spcBef>
+                <a:spcPts val="0"/>
+              </a:spcBef>
+              <a:spcAft>
+                <a:spcPts val="0"/>
+              </a:spcAft>
+              <a:buSzPts val="2800"/>
+              <a:buNone/>
+              <a:defRPr/>
             </a:lvl7pPr>
-            <a:lvl8pPr lvl="7" algn="ctr">
-              <a:spcBef>
-                <a:spcPts val="0"/>
-              </a:spcBef>
-              <a:spcAft>
-                <a:spcPts val="0"/>
-              </a:spcAft>
-              <a:buSzPts val="3600"/>
-              <a:buNone/>
-              <a:defRPr sz="3600"/>
+            <a:lvl8pPr lvl="7" algn="l">
+              <a:lnSpc>
+                <a:spcPct val="100000"/>
+              </a:lnSpc>
+              <a:spcBef>
+                <a:spcPts val="0"/>
+              </a:spcBef>
+              <a:spcAft>
+                <a:spcPts val="0"/>
+              </a:spcAft>
+              <a:buSzPts val="2800"/>
+              <a:buNone/>
+              <a:defRPr/>
             </a:lvl8pPr>
-            <a:lvl9pPr lvl="8" algn="ctr">
-              <a:spcBef>
-                <a:spcPts val="0"/>
-              </a:spcBef>
-              <a:spcAft>
-                <a:spcPts val="0"/>
-              </a:spcAft>
-              <a:buSzPts val="3600"/>
-              <a:buNone/>
-              <a:defRPr sz="3600"/>
+            <a:lvl9pPr lvl="8" algn="l">
+              <a:lnSpc>
+                <a:spcPct val="100000"/>
+              </a:lnSpc>
+              <a:spcBef>
+                <a:spcPts val="0"/>
+              </a:spcBef>
+              <a:spcAft>
+                <a:spcPts val="0"/>
+              </a:spcAft>
+              <a:buSzPts val="2800"/>
+              <a:buNone/>
+              <a:defRPr/>
             </a:lvl9pPr>
           </a:lstStyle>
           <a:p/>
@@ -2866,7 +3954,163 @@
       </p:sp>
       <p:sp>
         <p:nvSpPr>
-          <p:cNvPr id="15" name="Google Shape;15;p3"/>
+          <p:cNvPr id="15" name="Google Shape;15;p15"/>
+          <p:cNvSpPr txBox="1"/>
+          <p:nvPr>
+            <p:ph idx="1" type="body"/>
+          </p:nvPr>
+        </p:nvSpPr>
+        <p:spPr>
+          <a:xfrm>
+            <a:off x="311700" y="1152475"/>
+            <a:ext cx="8520600" cy="3416400"/>
+          </a:xfrm>
+          <a:prstGeom prst="rect">
+            <a:avLst/>
+          </a:prstGeom>
+          <a:noFill/>
+          <a:ln>
+            <a:noFill/>
+          </a:ln>
+        </p:spPr>
+        <p:txBody>
+          <a:bodyPr anchorCtr="0" anchor="t" bIns="91425" lIns="91425" spcFirstLastPara="1" rIns="91425" wrap="square" tIns="91425">
+            <a:normAutofit/>
+          </a:bodyPr>
+          <a:lstStyle>
+            <a:lvl1pPr indent="-342900" lvl="0" marL="457200" algn="l">
+              <a:lnSpc>
+                <a:spcPct val="115000"/>
+              </a:lnSpc>
+              <a:spcBef>
+                <a:spcPts val="0"/>
+              </a:spcBef>
+              <a:spcAft>
+                <a:spcPts val="0"/>
+              </a:spcAft>
+              <a:buSzPts val="1800"/>
+              <a:buChar char="●"/>
+              <a:defRPr/>
+            </a:lvl1pPr>
+            <a:lvl2pPr indent="-317500" lvl="1" marL="914400" algn="l">
+              <a:lnSpc>
+                <a:spcPct val="115000"/>
+              </a:lnSpc>
+              <a:spcBef>
+                <a:spcPts val="0"/>
+              </a:spcBef>
+              <a:spcAft>
+                <a:spcPts val="0"/>
+              </a:spcAft>
+              <a:buSzPts val="1400"/>
+              <a:buChar char="○"/>
+              <a:defRPr/>
+            </a:lvl2pPr>
+            <a:lvl3pPr indent="-317500" lvl="2" marL="1371600" algn="l">
+              <a:lnSpc>
+                <a:spcPct val="115000"/>
+              </a:lnSpc>
+              <a:spcBef>
+                <a:spcPts val="0"/>
+              </a:spcBef>
+              <a:spcAft>
+                <a:spcPts val="0"/>
+              </a:spcAft>
+              <a:buSzPts val="1400"/>
+              <a:buChar char="■"/>
+              <a:defRPr/>
+            </a:lvl3pPr>
+            <a:lvl4pPr indent="-317500" lvl="3" marL="1828800" algn="l">
+              <a:lnSpc>
+                <a:spcPct val="115000"/>
+              </a:lnSpc>
+              <a:spcBef>
+                <a:spcPts val="0"/>
+              </a:spcBef>
+              <a:spcAft>
+                <a:spcPts val="0"/>
+              </a:spcAft>
+              <a:buSzPts val="1400"/>
+              <a:buChar char="●"/>
+              <a:defRPr/>
+            </a:lvl4pPr>
+            <a:lvl5pPr indent="-317500" lvl="4" marL="2286000" algn="l">
+              <a:lnSpc>
+                <a:spcPct val="115000"/>
+              </a:lnSpc>
+              <a:spcBef>
+                <a:spcPts val="0"/>
+              </a:spcBef>
+              <a:spcAft>
+                <a:spcPts val="0"/>
+              </a:spcAft>
+              <a:buSzPts val="1400"/>
+              <a:buChar char="○"/>
+              <a:defRPr/>
+            </a:lvl5pPr>
+            <a:lvl6pPr indent="-317500" lvl="5" marL="2743200" algn="l">
+              <a:lnSpc>
+                <a:spcPct val="115000"/>
+              </a:lnSpc>
+              <a:spcBef>
+                <a:spcPts val="0"/>
+              </a:spcBef>
+              <a:spcAft>
+                <a:spcPts val="0"/>
+              </a:spcAft>
+              <a:buSzPts val="1400"/>
+              <a:buChar char="■"/>
+              <a:defRPr/>
+            </a:lvl6pPr>
+            <a:lvl7pPr indent="-317500" lvl="6" marL="3200400" algn="l">
+              <a:lnSpc>
+                <a:spcPct val="115000"/>
+              </a:lnSpc>
+              <a:spcBef>
+                <a:spcPts val="0"/>
+              </a:spcBef>
+              <a:spcAft>
+                <a:spcPts val="0"/>
+              </a:spcAft>
+              <a:buSzPts val="1400"/>
+              <a:buChar char="●"/>
+              <a:defRPr/>
+            </a:lvl7pPr>
+            <a:lvl8pPr indent="-317500" lvl="7" marL="3657600" algn="l">
+              <a:lnSpc>
+                <a:spcPct val="115000"/>
+              </a:lnSpc>
+              <a:spcBef>
+                <a:spcPts val="0"/>
+              </a:spcBef>
+              <a:spcAft>
+                <a:spcPts val="0"/>
+              </a:spcAft>
+              <a:buSzPts val="1400"/>
+              <a:buChar char="○"/>
+              <a:defRPr/>
+            </a:lvl8pPr>
+            <a:lvl9pPr indent="-317500" lvl="8" marL="4114800" algn="l">
+              <a:lnSpc>
+                <a:spcPct val="115000"/>
+              </a:lnSpc>
+              <a:spcBef>
+                <a:spcPts val="0"/>
+              </a:spcBef>
+              <a:spcAft>
+                <a:spcPts val="0"/>
+              </a:spcAft>
+              <a:buSzPts val="1400"/>
+              <a:buChar char="■"/>
+              <a:defRPr/>
+            </a:lvl9pPr>
+          </a:lstStyle>
+          <a:p/>
+        </p:txBody>
+      </p:sp>
+      <p:sp>
+        <p:nvSpPr>
+          <p:cNvPr id="16" name="Google Shape;16;p15"/>
           <p:cNvSpPr txBox="1"/>
           <p:nvPr>
             <p:ph idx="12" type="sldNum"/>
@@ -2880,47 +4124,249 @@
           <a:prstGeom prst="rect">
             <a:avLst/>
           </a:prstGeom>
+          <a:noFill/>
+          <a:ln>
+            <a:noFill/>
+          </a:ln>
         </p:spPr>
         <p:txBody>
           <a:bodyPr anchorCtr="0" anchor="ctr" bIns="91425" lIns="91425" spcFirstLastPara="1" rIns="91425" wrap="square" tIns="91425">
             <a:normAutofit/>
           </a:bodyPr>
           <a:lstStyle>
-            <a:lvl1pPr lvl="0">
-              <a:buNone/>
-              <a:defRPr/>
+            <a:lvl1pPr indent="0" lvl="0" marL="0" marR="0" algn="r">
+              <a:lnSpc>
+                <a:spcPct val="100000"/>
+              </a:lnSpc>
+              <a:spcBef>
+                <a:spcPts val="0"/>
+              </a:spcBef>
+              <a:spcAft>
+                <a:spcPts val="0"/>
+              </a:spcAft>
+              <a:buClr>
+                <a:srgbClr val="000000"/>
+              </a:buClr>
+              <a:buSzPts val="1000"/>
+              <a:buFont typeface="Arial"/>
+              <a:buNone/>
+              <a:defRPr b="0" i="0" sz="1000" u="none" cap="none" strike="noStrike">
+                <a:solidFill>
+                  <a:schemeClr val="dk2"/>
+                </a:solidFill>
+                <a:latin typeface="Arial"/>
+                <a:ea typeface="Arial"/>
+                <a:cs typeface="Arial"/>
+                <a:sym typeface="Arial"/>
+              </a:defRPr>
             </a:lvl1pPr>
-            <a:lvl2pPr lvl="1">
-              <a:buNone/>
-              <a:defRPr/>
+            <a:lvl2pPr indent="0" lvl="1" marL="0" marR="0" algn="r">
+              <a:lnSpc>
+                <a:spcPct val="100000"/>
+              </a:lnSpc>
+              <a:spcBef>
+                <a:spcPts val="0"/>
+              </a:spcBef>
+              <a:spcAft>
+                <a:spcPts val="0"/>
+              </a:spcAft>
+              <a:buClr>
+                <a:srgbClr val="000000"/>
+              </a:buClr>
+              <a:buSzPts val="1000"/>
+              <a:buFont typeface="Arial"/>
+              <a:buNone/>
+              <a:defRPr b="0" i="0" sz="1000" u="none" cap="none" strike="noStrike">
+                <a:solidFill>
+                  <a:schemeClr val="dk2"/>
+                </a:solidFill>
+                <a:latin typeface="Arial"/>
+                <a:ea typeface="Arial"/>
+                <a:cs typeface="Arial"/>
+                <a:sym typeface="Arial"/>
+              </a:defRPr>
             </a:lvl2pPr>
-            <a:lvl3pPr lvl="2">
-              <a:buNone/>
-              <a:defRPr/>
+            <a:lvl3pPr indent="0" lvl="2" marL="0" marR="0" algn="r">
+              <a:lnSpc>
+                <a:spcPct val="100000"/>
+              </a:lnSpc>
+              <a:spcBef>
+                <a:spcPts val="0"/>
+              </a:spcBef>
+              <a:spcAft>
+                <a:spcPts val="0"/>
+              </a:spcAft>
+              <a:buClr>
+                <a:srgbClr val="000000"/>
+              </a:buClr>
+              <a:buSzPts val="1000"/>
+              <a:buFont typeface="Arial"/>
+              <a:buNone/>
+              <a:defRPr b="0" i="0" sz="1000" u="none" cap="none" strike="noStrike">
+                <a:solidFill>
+                  <a:schemeClr val="dk2"/>
+                </a:solidFill>
+                <a:latin typeface="Arial"/>
+                <a:ea typeface="Arial"/>
+                <a:cs typeface="Arial"/>
+                <a:sym typeface="Arial"/>
+              </a:defRPr>
             </a:lvl3pPr>
-            <a:lvl4pPr lvl="3">
-              <a:buNone/>
-              <a:defRPr/>
+            <a:lvl4pPr indent="0" lvl="3" marL="0" marR="0" algn="r">
+              <a:lnSpc>
+                <a:spcPct val="100000"/>
+              </a:lnSpc>
+              <a:spcBef>
+                <a:spcPts val="0"/>
+              </a:spcBef>
+              <a:spcAft>
+                <a:spcPts val="0"/>
+              </a:spcAft>
+              <a:buClr>
+                <a:srgbClr val="000000"/>
+              </a:buClr>
+              <a:buSzPts val="1000"/>
+              <a:buFont typeface="Arial"/>
+              <a:buNone/>
+              <a:defRPr b="0" i="0" sz="1000" u="none" cap="none" strike="noStrike">
+                <a:solidFill>
+                  <a:schemeClr val="dk2"/>
+                </a:solidFill>
+                <a:latin typeface="Arial"/>
+                <a:ea typeface="Arial"/>
+                <a:cs typeface="Arial"/>
+                <a:sym typeface="Arial"/>
+              </a:defRPr>
             </a:lvl4pPr>
-            <a:lvl5pPr lvl="4">
-              <a:buNone/>
-              <a:defRPr/>
+            <a:lvl5pPr indent="0" lvl="4" marL="0" marR="0" algn="r">
+              <a:lnSpc>
+                <a:spcPct val="100000"/>
+              </a:lnSpc>
+              <a:spcBef>
+                <a:spcPts val="0"/>
+              </a:spcBef>
+              <a:spcAft>
+                <a:spcPts val="0"/>
+              </a:spcAft>
+              <a:buClr>
+                <a:srgbClr val="000000"/>
+              </a:buClr>
+              <a:buSzPts val="1000"/>
+              <a:buFont typeface="Arial"/>
+              <a:buNone/>
+              <a:defRPr b="0" i="0" sz="1000" u="none" cap="none" strike="noStrike">
+                <a:solidFill>
+                  <a:schemeClr val="dk2"/>
+                </a:solidFill>
+                <a:latin typeface="Arial"/>
+                <a:ea typeface="Arial"/>
+                <a:cs typeface="Arial"/>
+                <a:sym typeface="Arial"/>
+              </a:defRPr>
             </a:lvl5pPr>
-            <a:lvl6pPr lvl="5">
-              <a:buNone/>
-              <a:defRPr/>
+            <a:lvl6pPr indent="0" lvl="5" marL="0" marR="0" algn="r">
+              <a:lnSpc>
+                <a:spcPct val="100000"/>
+              </a:lnSpc>
+              <a:spcBef>
+                <a:spcPts val="0"/>
+              </a:spcBef>
+              <a:spcAft>
+                <a:spcPts val="0"/>
+              </a:spcAft>
+              <a:buClr>
+                <a:srgbClr val="000000"/>
+              </a:buClr>
+              <a:buSzPts val="1000"/>
+              <a:buFont typeface="Arial"/>
+              <a:buNone/>
+              <a:defRPr b="0" i="0" sz="1000" u="none" cap="none" strike="noStrike">
+                <a:solidFill>
+                  <a:schemeClr val="dk2"/>
+                </a:solidFill>
+                <a:latin typeface="Arial"/>
+                <a:ea typeface="Arial"/>
+                <a:cs typeface="Arial"/>
+                <a:sym typeface="Arial"/>
+              </a:defRPr>
             </a:lvl6pPr>
-            <a:lvl7pPr lvl="6">
-              <a:buNone/>
-              <a:defRPr/>
+            <a:lvl7pPr indent="0" lvl="6" marL="0" marR="0" algn="r">
+              <a:lnSpc>
+                <a:spcPct val="100000"/>
+              </a:lnSpc>
+              <a:spcBef>
+                <a:spcPts val="0"/>
+              </a:spcBef>
+              <a:spcAft>
+                <a:spcPts val="0"/>
+              </a:spcAft>
+              <a:buClr>
+                <a:srgbClr val="000000"/>
+              </a:buClr>
+              <a:buSzPts val="1000"/>
+              <a:buFont typeface="Arial"/>
+              <a:buNone/>
+              <a:defRPr b="0" i="0" sz="1000" u="none" cap="none" strike="noStrike">
+                <a:solidFill>
+                  <a:schemeClr val="dk2"/>
+                </a:solidFill>
+                <a:latin typeface="Arial"/>
+                <a:ea typeface="Arial"/>
+                <a:cs typeface="Arial"/>
+                <a:sym typeface="Arial"/>
+              </a:defRPr>
             </a:lvl7pPr>
-            <a:lvl8pPr lvl="7">
-              <a:buNone/>
-              <a:defRPr/>
+            <a:lvl8pPr indent="0" lvl="7" marL="0" marR="0" algn="r">
+              <a:lnSpc>
+                <a:spcPct val="100000"/>
+              </a:lnSpc>
+              <a:spcBef>
+                <a:spcPts val="0"/>
+              </a:spcBef>
+              <a:spcAft>
+                <a:spcPts val="0"/>
+              </a:spcAft>
+              <a:buClr>
+                <a:srgbClr val="000000"/>
+              </a:buClr>
+              <a:buSzPts val="1000"/>
+              <a:buFont typeface="Arial"/>
+              <a:buNone/>
+              <a:defRPr b="0" i="0" sz="1000" u="none" cap="none" strike="noStrike">
+                <a:solidFill>
+                  <a:schemeClr val="dk2"/>
+                </a:solidFill>
+                <a:latin typeface="Arial"/>
+                <a:ea typeface="Arial"/>
+                <a:cs typeface="Arial"/>
+                <a:sym typeface="Arial"/>
+              </a:defRPr>
             </a:lvl8pPr>
-            <a:lvl9pPr lvl="8">
-              <a:buNone/>
-              <a:defRPr/>
+            <a:lvl9pPr indent="0" lvl="8" marL="0" marR="0" algn="r">
+              <a:lnSpc>
+                <a:spcPct val="100000"/>
+              </a:lnSpc>
+              <a:spcBef>
+                <a:spcPts val="0"/>
+              </a:spcBef>
+              <a:spcAft>
+                <a:spcPts val="0"/>
+              </a:spcAft>
+              <a:buClr>
+                <a:srgbClr val="000000"/>
+              </a:buClr>
+              <a:buSzPts val="1000"/>
+              <a:buFont typeface="Arial"/>
+              <a:buNone/>
+              <a:defRPr b="0" i="0" sz="1000" u="none" cap="none" strike="noStrike">
+                <a:solidFill>
+                  <a:schemeClr val="dk2"/>
+                </a:solidFill>
+                <a:latin typeface="Arial"/>
+                <a:ea typeface="Arial"/>
+                <a:cs typeface="Arial"/>
+                <a:sym typeface="Arial"/>
+              </a:defRPr>
             </a:lvl9pPr>
           </a:lstStyle>
           <a:p>
@@ -2950,11 +4396,11 @@
 </file>
 
 <file path=ppt/slideLayouts/slideLayout3.xml><?xml version="1.0" encoding="utf-8"?>
-<p:sldLayout xmlns:a="http://schemas.openxmlformats.org/drawingml/2006/main" xmlns:r="http://schemas.openxmlformats.org/officeDocument/2006/relationships" xmlns:mc="http://schemas.openxmlformats.org/markup-compatibility/2006" xmlns:mv="urn:schemas-microsoft-com:mac:vml" xmlns:p="http://schemas.openxmlformats.org/presentationml/2006/main" xmlns:c="http://schemas.openxmlformats.org/drawingml/2006/chart" xmlns:dgm="http://schemas.openxmlformats.org/drawingml/2006/diagram" xmlns:o="urn:schemas-microsoft-com:office:office" xmlns:v="urn:schemas-microsoft-com:vml" xmlns:pvml="urn:schemas-microsoft-com:office:powerpoint" xmlns:com="http://schemas.openxmlformats.org/drawingml/2006/compatibility" xmlns:p14="http://schemas.microsoft.com/office/powerpoint/2010/main" xmlns:p15="http://schemas.microsoft.com/office/powerpoint/2012/main" xmlns:ahyp="http://schemas.microsoft.com/office/drawing/2018/hyperlinkcolor" matchingName="Title and body" type="tx">
-  <p:cSld name="TITLE_AND_BODY">
+<p:sldLayout xmlns:a="http://schemas.openxmlformats.org/drawingml/2006/main" xmlns:r="http://schemas.openxmlformats.org/officeDocument/2006/relationships" xmlns:mc="http://schemas.openxmlformats.org/markup-compatibility/2006" xmlns:mv="urn:schemas-microsoft-com:mac:vml" xmlns:p="http://schemas.openxmlformats.org/presentationml/2006/main" xmlns:c="http://schemas.openxmlformats.org/drawingml/2006/chart" xmlns:dgm="http://schemas.openxmlformats.org/drawingml/2006/diagram" xmlns:o="urn:schemas-microsoft-com:office:office" xmlns:v="urn:schemas-microsoft-com:vml" xmlns:pvml="urn:schemas-microsoft-com:office:powerpoint" xmlns:com="http://schemas.openxmlformats.org/drawingml/2006/compatibility" xmlns:p14="http://schemas.microsoft.com/office/powerpoint/2010/main" xmlns:p15="http://schemas.microsoft.com/office/powerpoint/2012/main" xmlns:ahyp="http://schemas.microsoft.com/office/drawing/2018/hyperlinkcolor" matchingName="Section header" type="secHead">
+  <p:cSld name="SECTION_HEADER">
     <p:spTree>
       <p:nvGrpSpPr>
-        <p:cNvPr id="16" name="Shape 16"/>
+        <p:cNvPr id="17" name="Shape 17"/>
         <p:cNvGrpSpPr/>
         <p:nvPr/>
       </p:nvGrpSpPr>
@@ -2968,7 +4414,7 @@
       </p:grpSpPr>
       <p:sp>
         <p:nvSpPr>
-          <p:cNvPr id="17" name="Google Shape;17;p4"/>
+          <p:cNvPr id="18" name="Google Shape;18;p16"/>
           <p:cNvSpPr txBox="1"/>
           <p:nvPr>
             <p:ph type="title"/>
@@ -2976,116 +4422,147 @@
         </p:nvSpPr>
         <p:spPr>
           <a:xfrm>
-            <a:off x="311700" y="445025"/>
-            <a:ext cx="8520600" cy="572700"/>
+            <a:off x="311700" y="2150850"/>
+            <a:ext cx="8520600" cy="841800"/>
           </a:xfrm>
           <a:prstGeom prst="rect">
             <a:avLst/>
           </a:prstGeom>
+          <a:noFill/>
+          <a:ln>
+            <a:noFill/>
+          </a:ln>
         </p:spPr>
         <p:txBody>
-          <a:bodyPr anchorCtr="0" anchor="t" bIns="91425" lIns="91425" spcFirstLastPara="1" rIns="91425" wrap="square" tIns="91425">
+          <a:bodyPr anchorCtr="0" anchor="ctr" bIns="91425" lIns="91425" spcFirstLastPara="1" rIns="91425" wrap="square" tIns="91425">
             <a:normAutofit/>
           </a:bodyPr>
           <a:lstStyle>
-            <a:lvl1pPr lvl="0">
-              <a:spcBef>
-                <a:spcPts val="0"/>
-              </a:spcBef>
-              <a:spcAft>
-                <a:spcPts val="0"/>
-              </a:spcAft>
-              <a:buSzPts val="2800"/>
-              <a:buNone/>
-              <a:defRPr/>
+            <a:lvl1pPr lvl="0" algn="ctr">
+              <a:lnSpc>
+                <a:spcPct val="100000"/>
+              </a:lnSpc>
+              <a:spcBef>
+                <a:spcPts val="0"/>
+              </a:spcBef>
+              <a:spcAft>
+                <a:spcPts val="0"/>
+              </a:spcAft>
+              <a:buSzPts val="3600"/>
+              <a:buNone/>
+              <a:defRPr sz="3600"/>
             </a:lvl1pPr>
-            <a:lvl2pPr lvl="1">
-              <a:spcBef>
-                <a:spcPts val="0"/>
-              </a:spcBef>
-              <a:spcAft>
-                <a:spcPts val="0"/>
-              </a:spcAft>
-              <a:buSzPts val="2800"/>
-              <a:buNone/>
-              <a:defRPr/>
+            <a:lvl2pPr lvl="1" algn="ctr">
+              <a:lnSpc>
+                <a:spcPct val="100000"/>
+              </a:lnSpc>
+              <a:spcBef>
+                <a:spcPts val="0"/>
+              </a:spcBef>
+              <a:spcAft>
+                <a:spcPts val="0"/>
+              </a:spcAft>
+              <a:buSzPts val="3600"/>
+              <a:buNone/>
+              <a:defRPr sz="3600"/>
             </a:lvl2pPr>
-            <a:lvl3pPr lvl="2">
-              <a:spcBef>
-                <a:spcPts val="0"/>
-              </a:spcBef>
-              <a:spcAft>
-                <a:spcPts val="0"/>
-              </a:spcAft>
-              <a:buSzPts val="2800"/>
-              <a:buNone/>
-              <a:defRPr/>
+            <a:lvl3pPr lvl="2" algn="ctr">
+              <a:lnSpc>
+                <a:spcPct val="100000"/>
+              </a:lnSpc>
+              <a:spcBef>
+                <a:spcPts val="0"/>
+              </a:spcBef>
+              <a:spcAft>
+                <a:spcPts val="0"/>
+              </a:spcAft>
+              <a:buSzPts val="3600"/>
+              <a:buNone/>
+              <a:defRPr sz="3600"/>
             </a:lvl3pPr>
-            <a:lvl4pPr lvl="3">
-              <a:spcBef>
-                <a:spcPts val="0"/>
-              </a:spcBef>
-              <a:spcAft>
-                <a:spcPts val="0"/>
-              </a:spcAft>
-              <a:buSzPts val="2800"/>
-              <a:buNone/>
-              <a:defRPr/>
+            <a:lvl4pPr lvl="3" algn="ctr">
+              <a:lnSpc>
+                <a:spcPct val="100000"/>
+              </a:lnSpc>
+              <a:spcBef>
+                <a:spcPts val="0"/>
+              </a:spcBef>
+              <a:spcAft>
+                <a:spcPts val="0"/>
+              </a:spcAft>
+              <a:buSzPts val="3600"/>
+              <a:buNone/>
+              <a:defRPr sz="3600"/>
             </a:lvl4pPr>
-            <a:lvl5pPr lvl="4">
-              <a:spcBef>
-                <a:spcPts val="0"/>
-              </a:spcBef>
-              <a:spcAft>
-                <a:spcPts val="0"/>
-              </a:spcAft>
-              <a:buSzPts val="2800"/>
-              <a:buNone/>
-              <a:defRPr/>
+            <a:lvl5pPr lvl="4" algn="ctr">
+              <a:lnSpc>
+                <a:spcPct val="100000"/>
+              </a:lnSpc>
+              <a:spcBef>
+                <a:spcPts val="0"/>
+              </a:spcBef>
+              <a:spcAft>
+                <a:spcPts val="0"/>
+              </a:spcAft>
+              <a:buSzPts val="3600"/>
+              <a:buNone/>
+              <a:defRPr sz="3600"/>
             </a:lvl5pPr>
-            <a:lvl6pPr lvl="5">
-              <a:spcBef>
-                <a:spcPts val="0"/>
-              </a:spcBef>
-              <a:spcAft>
-                <a:spcPts val="0"/>
-              </a:spcAft>
-              <a:buSzPts val="2800"/>
-              <a:buNone/>
-              <a:defRPr/>
+            <a:lvl6pPr lvl="5" algn="ctr">
+              <a:lnSpc>
+                <a:spcPct val="100000"/>
+              </a:lnSpc>
+              <a:spcBef>
+                <a:spcPts val="0"/>
+              </a:spcBef>
+              <a:spcAft>
+                <a:spcPts val="0"/>
+              </a:spcAft>
+              <a:buSzPts val="3600"/>
+              <a:buNone/>
+              <a:defRPr sz="3600"/>
             </a:lvl6pPr>
-            <a:lvl7pPr lvl="6">
-              <a:spcBef>
-                <a:spcPts val="0"/>
-              </a:spcBef>
-              <a:spcAft>
-                <a:spcPts val="0"/>
-              </a:spcAft>
-              <a:buSzPts val="2800"/>
-              <a:buNone/>
-              <a:defRPr/>
+            <a:lvl7pPr lvl="6" algn="ctr">
+              <a:lnSpc>
+                <a:spcPct val="100000"/>
+              </a:lnSpc>
+              <a:spcBef>
+                <a:spcPts val="0"/>
+              </a:spcBef>
+              <a:spcAft>
+                <a:spcPts val="0"/>
+              </a:spcAft>
+              <a:buSzPts val="3600"/>
+              <a:buNone/>
+              <a:defRPr sz="3600"/>
             </a:lvl7pPr>
-            <a:lvl8pPr lvl="7">
-              <a:spcBef>
-                <a:spcPts val="0"/>
-              </a:spcBef>
-              <a:spcAft>
-                <a:spcPts val="0"/>
-              </a:spcAft>
-              <a:buSzPts val="2800"/>
-              <a:buNone/>
-              <a:defRPr/>
+            <a:lvl8pPr lvl="7" algn="ctr">
+              <a:lnSpc>
+                <a:spcPct val="100000"/>
+              </a:lnSpc>
+              <a:spcBef>
+                <a:spcPts val="0"/>
+              </a:spcBef>
+              <a:spcAft>
+                <a:spcPts val="0"/>
+              </a:spcAft>
+              <a:buSzPts val="3600"/>
+              <a:buNone/>
+              <a:defRPr sz="3600"/>
             </a:lvl8pPr>
-            <a:lvl9pPr lvl="8">
-              <a:spcBef>
-                <a:spcPts val="0"/>
-              </a:spcBef>
-              <a:spcAft>
-                <a:spcPts val="0"/>
-              </a:spcAft>
-              <a:buSzPts val="2800"/>
-              <a:buNone/>
-              <a:defRPr/>
+            <a:lvl9pPr lvl="8" algn="ctr">
+              <a:lnSpc>
+                <a:spcPct val="100000"/>
+              </a:lnSpc>
+              <a:spcBef>
+                <a:spcPts val="0"/>
+              </a:spcBef>
+              <a:spcAft>
+                <a:spcPts val="0"/>
+              </a:spcAft>
+              <a:buSzPts val="3600"/>
+              <a:buNone/>
+              <a:defRPr sz="3600"/>
             </a:lvl9pPr>
           </a:lstStyle>
           <a:p/>
@@ -3093,132 +4570,7 @@
       </p:sp>
       <p:sp>
         <p:nvSpPr>
-          <p:cNvPr id="18" name="Google Shape;18;p4"/>
-          <p:cNvSpPr txBox="1"/>
-          <p:nvPr>
-            <p:ph idx="1" type="body"/>
-          </p:nvPr>
-        </p:nvSpPr>
-        <p:spPr>
-          <a:xfrm>
-            <a:off x="311700" y="1152475"/>
-            <a:ext cx="8520600" cy="3416400"/>
-          </a:xfrm>
-          <a:prstGeom prst="rect">
-            <a:avLst/>
-          </a:prstGeom>
-        </p:spPr>
-        <p:txBody>
-          <a:bodyPr anchorCtr="0" anchor="t" bIns="91425" lIns="91425" spcFirstLastPara="1" rIns="91425" wrap="square" tIns="91425">
-            <a:normAutofit/>
-          </a:bodyPr>
-          <a:lstStyle>
-            <a:lvl1pPr indent="-342900" lvl="0" marL="457200">
-              <a:spcBef>
-                <a:spcPts val="0"/>
-              </a:spcBef>
-              <a:spcAft>
-                <a:spcPts val="0"/>
-              </a:spcAft>
-              <a:buSzPts val="1800"/>
-              <a:buChar char="●"/>
-              <a:defRPr/>
-            </a:lvl1pPr>
-            <a:lvl2pPr indent="-317500" lvl="1" marL="914400">
-              <a:spcBef>
-                <a:spcPts val="0"/>
-              </a:spcBef>
-              <a:spcAft>
-                <a:spcPts val="0"/>
-              </a:spcAft>
-              <a:buSzPts val="1400"/>
-              <a:buChar char="○"/>
-              <a:defRPr/>
-            </a:lvl2pPr>
-            <a:lvl3pPr indent="-317500" lvl="2" marL="1371600">
-              <a:spcBef>
-                <a:spcPts val="0"/>
-              </a:spcBef>
-              <a:spcAft>
-                <a:spcPts val="0"/>
-              </a:spcAft>
-              <a:buSzPts val="1400"/>
-              <a:buChar char="■"/>
-              <a:defRPr/>
-            </a:lvl3pPr>
-            <a:lvl4pPr indent="-317500" lvl="3" marL="1828800">
-              <a:spcBef>
-                <a:spcPts val="0"/>
-              </a:spcBef>
-              <a:spcAft>
-                <a:spcPts val="0"/>
-              </a:spcAft>
-              <a:buSzPts val="1400"/>
-              <a:buChar char="●"/>
-              <a:defRPr/>
-            </a:lvl4pPr>
-            <a:lvl5pPr indent="-317500" lvl="4" marL="2286000">
-              <a:spcBef>
-                <a:spcPts val="0"/>
-              </a:spcBef>
-              <a:spcAft>
-                <a:spcPts val="0"/>
-              </a:spcAft>
-              <a:buSzPts val="1400"/>
-              <a:buChar char="○"/>
-              <a:defRPr/>
-            </a:lvl5pPr>
-            <a:lvl6pPr indent="-317500" lvl="5" marL="2743200">
-              <a:spcBef>
-                <a:spcPts val="0"/>
-              </a:spcBef>
-              <a:spcAft>
-                <a:spcPts val="0"/>
-              </a:spcAft>
-              <a:buSzPts val="1400"/>
-              <a:buChar char="■"/>
-              <a:defRPr/>
-            </a:lvl6pPr>
-            <a:lvl7pPr indent="-317500" lvl="6" marL="3200400">
-              <a:spcBef>
-                <a:spcPts val="0"/>
-              </a:spcBef>
-              <a:spcAft>
-                <a:spcPts val="0"/>
-              </a:spcAft>
-              <a:buSzPts val="1400"/>
-              <a:buChar char="●"/>
-              <a:defRPr/>
-            </a:lvl7pPr>
-            <a:lvl8pPr indent="-317500" lvl="7" marL="3657600">
-              <a:spcBef>
-                <a:spcPts val="0"/>
-              </a:spcBef>
-              <a:spcAft>
-                <a:spcPts val="0"/>
-              </a:spcAft>
-              <a:buSzPts val="1400"/>
-              <a:buChar char="○"/>
-              <a:defRPr/>
-            </a:lvl8pPr>
-            <a:lvl9pPr indent="-317500" lvl="8" marL="4114800">
-              <a:spcBef>
-                <a:spcPts val="0"/>
-              </a:spcBef>
-              <a:spcAft>
-                <a:spcPts val="0"/>
-              </a:spcAft>
-              <a:buSzPts val="1400"/>
-              <a:buChar char="■"/>
-              <a:defRPr/>
-            </a:lvl9pPr>
-          </a:lstStyle>
-          <a:p/>
-        </p:txBody>
-      </p:sp>
-      <p:sp>
-        <p:nvSpPr>
-          <p:cNvPr id="19" name="Google Shape;19;p4"/>
+          <p:cNvPr id="19" name="Google Shape;19;p16"/>
           <p:cNvSpPr txBox="1"/>
           <p:nvPr>
             <p:ph idx="12" type="sldNum"/>
@@ -3232,47 +4584,249 @@
           <a:prstGeom prst="rect">
             <a:avLst/>
           </a:prstGeom>
+          <a:noFill/>
+          <a:ln>
+            <a:noFill/>
+          </a:ln>
         </p:spPr>
         <p:txBody>
           <a:bodyPr anchorCtr="0" anchor="ctr" bIns="91425" lIns="91425" spcFirstLastPara="1" rIns="91425" wrap="square" tIns="91425">
             <a:normAutofit/>
           </a:bodyPr>
           <a:lstStyle>
-            <a:lvl1pPr lvl="0">
-              <a:buNone/>
-              <a:defRPr/>
+            <a:lvl1pPr indent="0" lvl="0" marL="0" marR="0" algn="r">
+              <a:lnSpc>
+                <a:spcPct val="100000"/>
+              </a:lnSpc>
+              <a:spcBef>
+                <a:spcPts val="0"/>
+              </a:spcBef>
+              <a:spcAft>
+                <a:spcPts val="0"/>
+              </a:spcAft>
+              <a:buClr>
+                <a:srgbClr val="000000"/>
+              </a:buClr>
+              <a:buSzPts val="1000"/>
+              <a:buFont typeface="Arial"/>
+              <a:buNone/>
+              <a:defRPr b="0" i="0" sz="1000" u="none" cap="none" strike="noStrike">
+                <a:solidFill>
+                  <a:schemeClr val="dk2"/>
+                </a:solidFill>
+                <a:latin typeface="Arial"/>
+                <a:ea typeface="Arial"/>
+                <a:cs typeface="Arial"/>
+                <a:sym typeface="Arial"/>
+              </a:defRPr>
             </a:lvl1pPr>
-            <a:lvl2pPr lvl="1">
-              <a:buNone/>
-              <a:defRPr/>
+            <a:lvl2pPr indent="0" lvl="1" marL="0" marR="0" algn="r">
+              <a:lnSpc>
+                <a:spcPct val="100000"/>
+              </a:lnSpc>
+              <a:spcBef>
+                <a:spcPts val="0"/>
+              </a:spcBef>
+              <a:spcAft>
+                <a:spcPts val="0"/>
+              </a:spcAft>
+              <a:buClr>
+                <a:srgbClr val="000000"/>
+              </a:buClr>
+              <a:buSzPts val="1000"/>
+              <a:buFont typeface="Arial"/>
+              <a:buNone/>
+              <a:defRPr b="0" i="0" sz="1000" u="none" cap="none" strike="noStrike">
+                <a:solidFill>
+                  <a:schemeClr val="dk2"/>
+                </a:solidFill>
+                <a:latin typeface="Arial"/>
+                <a:ea typeface="Arial"/>
+                <a:cs typeface="Arial"/>
+                <a:sym typeface="Arial"/>
+              </a:defRPr>
             </a:lvl2pPr>
-            <a:lvl3pPr lvl="2">
-              <a:buNone/>
-              <a:defRPr/>
+            <a:lvl3pPr indent="0" lvl="2" marL="0" marR="0" algn="r">
+              <a:lnSpc>
+                <a:spcPct val="100000"/>
+              </a:lnSpc>
+              <a:spcBef>
+                <a:spcPts val="0"/>
+              </a:spcBef>
+              <a:spcAft>
+                <a:spcPts val="0"/>
+              </a:spcAft>
+              <a:buClr>
+                <a:srgbClr val="000000"/>
+              </a:buClr>
+              <a:buSzPts val="1000"/>
+              <a:buFont typeface="Arial"/>
+              <a:buNone/>
+              <a:defRPr b="0" i="0" sz="1000" u="none" cap="none" strike="noStrike">
+                <a:solidFill>
+                  <a:schemeClr val="dk2"/>
+                </a:solidFill>
+                <a:latin typeface="Arial"/>
+                <a:ea typeface="Arial"/>
+                <a:cs typeface="Arial"/>
+                <a:sym typeface="Arial"/>
+              </a:defRPr>
             </a:lvl3pPr>
-            <a:lvl4pPr lvl="3">
-              <a:buNone/>
-              <a:defRPr/>
+            <a:lvl4pPr indent="0" lvl="3" marL="0" marR="0" algn="r">
+              <a:lnSpc>
+                <a:spcPct val="100000"/>
+              </a:lnSpc>
+              <a:spcBef>
+                <a:spcPts val="0"/>
+              </a:spcBef>
+              <a:spcAft>
+                <a:spcPts val="0"/>
+              </a:spcAft>
+              <a:buClr>
+                <a:srgbClr val="000000"/>
+              </a:buClr>
+              <a:buSzPts val="1000"/>
+              <a:buFont typeface="Arial"/>
+              <a:buNone/>
+              <a:defRPr b="0" i="0" sz="1000" u="none" cap="none" strike="noStrike">
+                <a:solidFill>
+                  <a:schemeClr val="dk2"/>
+                </a:solidFill>
+                <a:latin typeface="Arial"/>
+                <a:ea typeface="Arial"/>
+                <a:cs typeface="Arial"/>
+                <a:sym typeface="Arial"/>
+              </a:defRPr>
             </a:lvl4pPr>
-            <a:lvl5pPr lvl="4">
-              <a:buNone/>
-              <a:defRPr/>
+            <a:lvl5pPr indent="0" lvl="4" marL="0" marR="0" algn="r">
+              <a:lnSpc>
+                <a:spcPct val="100000"/>
+              </a:lnSpc>
+              <a:spcBef>
+                <a:spcPts val="0"/>
+              </a:spcBef>
+              <a:spcAft>
+                <a:spcPts val="0"/>
+              </a:spcAft>
+              <a:buClr>
+                <a:srgbClr val="000000"/>
+              </a:buClr>
+              <a:buSzPts val="1000"/>
+              <a:buFont typeface="Arial"/>
+              <a:buNone/>
+              <a:defRPr b="0" i="0" sz="1000" u="none" cap="none" strike="noStrike">
+                <a:solidFill>
+                  <a:schemeClr val="dk2"/>
+                </a:solidFill>
+                <a:latin typeface="Arial"/>
+                <a:ea typeface="Arial"/>
+                <a:cs typeface="Arial"/>
+                <a:sym typeface="Arial"/>
+              </a:defRPr>
             </a:lvl5pPr>
-            <a:lvl6pPr lvl="5">
-              <a:buNone/>
-              <a:defRPr/>
+            <a:lvl6pPr indent="0" lvl="5" marL="0" marR="0" algn="r">
+              <a:lnSpc>
+                <a:spcPct val="100000"/>
+              </a:lnSpc>
+              <a:spcBef>
+                <a:spcPts val="0"/>
+              </a:spcBef>
+              <a:spcAft>
+                <a:spcPts val="0"/>
+              </a:spcAft>
+              <a:buClr>
+                <a:srgbClr val="000000"/>
+              </a:buClr>
+              <a:buSzPts val="1000"/>
+              <a:buFont typeface="Arial"/>
+              <a:buNone/>
+              <a:defRPr b="0" i="0" sz="1000" u="none" cap="none" strike="noStrike">
+                <a:solidFill>
+                  <a:schemeClr val="dk2"/>
+                </a:solidFill>
+                <a:latin typeface="Arial"/>
+                <a:ea typeface="Arial"/>
+                <a:cs typeface="Arial"/>
+                <a:sym typeface="Arial"/>
+              </a:defRPr>
             </a:lvl6pPr>
-            <a:lvl7pPr lvl="6">
-              <a:buNone/>
-              <a:defRPr/>
+            <a:lvl7pPr indent="0" lvl="6" marL="0" marR="0" algn="r">
+              <a:lnSpc>
+                <a:spcPct val="100000"/>
+              </a:lnSpc>
+              <a:spcBef>
+                <a:spcPts val="0"/>
+              </a:spcBef>
+              <a:spcAft>
+                <a:spcPts val="0"/>
+              </a:spcAft>
+              <a:buClr>
+                <a:srgbClr val="000000"/>
+              </a:buClr>
+              <a:buSzPts val="1000"/>
+              <a:buFont typeface="Arial"/>
+              <a:buNone/>
+              <a:defRPr b="0" i="0" sz="1000" u="none" cap="none" strike="noStrike">
+                <a:solidFill>
+                  <a:schemeClr val="dk2"/>
+                </a:solidFill>
+                <a:latin typeface="Arial"/>
+                <a:ea typeface="Arial"/>
+                <a:cs typeface="Arial"/>
+                <a:sym typeface="Arial"/>
+              </a:defRPr>
             </a:lvl7pPr>
-            <a:lvl8pPr lvl="7">
-              <a:buNone/>
-              <a:defRPr/>
+            <a:lvl8pPr indent="0" lvl="7" marL="0" marR="0" algn="r">
+              <a:lnSpc>
+                <a:spcPct val="100000"/>
+              </a:lnSpc>
+              <a:spcBef>
+                <a:spcPts val="0"/>
+              </a:spcBef>
+              <a:spcAft>
+                <a:spcPts val="0"/>
+              </a:spcAft>
+              <a:buClr>
+                <a:srgbClr val="000000"/>
+              </a:buClr>
+              <a:buSzPts val="1000"/>
+              <a:buFont typeface="Arial"/>
+              <a:buNone/>
+              <a:defRPr b="0" i="0" sz="1000" u="none" cap="none" strike="noStrike">
+                <a:solidFill>
+                  <a:schemeClr val="dk2"/>
+                </a:solidFill>
+                <a:latin typeface="Arial"/>
+                <a:ea typeface="Arial"/>
+                <a:cs typeface="Arial"/>
+                <a:sym typeface="Arial"/>
+              </a:defRPr>
             </a:lvl8pPr>
-            <a:lvl9pPr lvl="8">
-              <a:buNone/>
-              <a:defRPr/>
+            <a:lvl9pPr indent="0" lvl="8" marL="0" marR="0" algn="r">
+              <a:lnSpc>
+                <a:spcPct val="100000"/>
+              </a:lnSpc>
+              <a:spcBef>
+                <a:spcPts val="0"/>
+              </a:spcBef>
+              <a:spcAft>
+                <a:spcPts val="0"/>
+              </a:spcAft>
+              <a:buClr>
+                <a:srgbClr val="000000"/>
+              </a:buClr>
+              <a:buSzPts val="1000"/>
+              <a:buFont typeface="Arial"/>
+              <a:buNone/>
+              <a:defRPr b="0" i="0" sz="1000" u="none" cap="none" strike="noStrike">
+                <a:solidFill>
+                  <a:schemeClr val="dk2"/>
+                </a:solidFill>
+                <a:latin typeface="Arial"/>
+                <a:ea typeface="Arial"/>
+                <a:cs typeface="Arial"/>
+                <a:sym typeface="Arial"/>
+              </a:defRPr>
             </a:lvl9pPr>
           </a:lstStyle>
           <a:p>
@@ -3320,7 +4874,7 @@
       </p:grpSpPr>
       <p:sp>
         <p:nvSpPr>
-          <p:cNvPr id="21" name="Google Shape;21;p5"/>
+          <p:cNvPr id="21" name="Google Shape;21;p17"/>
           <p:cNvSpPr txBox="1"/>
           <p:nvPr>
             <p:ph type="title"/>
@@ -3334,13 +4888,20 @@
           <a:prstGeom prst="rect">
             <a:avLst/>
           </a:prstGeom>
+          <a:noFill/>
+          <a:ln>
+            <a:noFill/>
+          </a:ln>
         </p:spPr>
         <p:txBody>
           <a:bodyPr anchorCtr="0" anchor="t" bIns="91425" lIns="91425" spcFirstLastPara="1" rIns="91425" wrap="square" tIns="91425">
             <a:normAutofit/>
           </a:bodyPr>
           <a:lstStyle>
-            <a:lvl1pPr lvl="0">
+            <a:lvl1pPr lvl="0" algn="l">
+              <a:lnSpc>
+                <a:spcPct val="100000"/>
+              </a:lnSpc>
               <a:spcBef>
                 <a:spcPts val="0"/>
               </a:spcBef>
@@ -3351,7 +4912,10 @@
               <a:buNone/>
               <a:defRPr/>
             </a:lvl1pPr>
-            <a:lvl2pPr lvl="1">
+            <a:lvl2pPr lvl="1" algn="l">
+              <a:lnSpc>
+                <a:spcPct val="100000"/>
+              </a:lnSpc>
               <a:spcBef>
                 <a:spcPts val="0"/>
               </a:spcBef>
@@ -3362,7 +4926,10 @@
               <a:buNone/>
               <a:defRPr/>
             </a:lvl2pPr>
-            <a:lvl3pPr lvl="2">
+            <a:lvl3pPr lvl="2" algn="l">
+              <a:lnSpc>
+                <a:spcPct val="100000"/>
+              </a:lnSpc>
               <a:spcBef>
                 <a:spcPts val="0"/>
               </a:spcBef>
@@ -3373,7 +4940,10 @@
               <a:buNone/>
               <a:defRPr/>
             </a:lvl3pPr>
-            <a:lvl4pPr lvl="3">
+            <a:lvl4pPr lvl="3" algn="l">
+              <a:lnSpc>
+                <a:spcPct val="100000"/>
+              </a:lnSpc>
               <a:spcBef>
                 <a:spcPts val="0"/>
               </a:spcBef>
@@ -3384,7 +4954,10 @@
               <a:buNone/>
               <a:defRPr/>
             </a:lvl4pPr>
-            <a:lvl5pPr lvl="4">
+            <a:lvl5pPr lvl="4" algn="l">
+              <a:lnSpc>
+                <a:spcPct val="100000"/>
+              </a:lnSpc>
               <a:spcBef>
                 <a:spcPts val="0"/>
               </a:spcBef>
@@ -3395,7 +4968,10 @@
               <a:buNone/>
               <a:defRPr/>
             </a:lvl5pPr>
-            <a:lvl6pPr lvl="5">
+            <a:lvl6pPr lvl="5" algn="l">
+              <a:lnSpc>
+                <a:spcPct val="100000"/>
+              </a:lnSpc>
               <a:spcBef>
                 <a:spcPts val="0"/>
               </a:spcBef>
@@ -3406,7 +4982,10 @@
               <a:buNone/>
               <a:defRPr/>
             </a:lvl6pPr>
-            <a:lvl7pPr lvl="6">
+            <a:lvl7pPr lvl="6" algn="l">
+              <a:lnSpc>
+                <a:spcPct val="100000"/>
+              </a:lnSpc>
               <a:spcBef>
                 <a:spcPts val="0"/>
               </a:spcBef>
@@ -3417,7 +4996,10 @@
               <a:buNone/>
               <a:defRPr/>
             </a:lvl7pPr>
-            <a:lvl8pPr lvl="7">
+            <a:lvl8pPr lvl="7" algn="l">
+              <a:lnSpc>
+                <a:spcPct val="100000"/>
+              </a:lnSpc>
               <a:spcBef>
                 <a:spcPts val="0"/>
               </a:spcBef>
@@ -3428,7 +5010,10 @@
               <a:buNone/>
               <a:defRPr/>
             </a:lvl8pPr>
-            <a:lvl9pPr lvl="8">
+            <a:lvl9pPr lvl="8" algn="l">
+              <a:lnSpc>
+                <a:spcPct val="100000"/>
+              </a:lnSpc>
               <a:spcBef>
                 <a:spcPts val="0"/>
               </a:spcBef>
@@ -3445,7 +5030,7 @@
       </p:sp>
       <p:sp>
         <p:nvSpPr>
-          <p:cNvPr id="22" name="Google Shape;22;p5"/>
+          <p:cNvPr id="22" name="Google Shape;22;p17"/>
           <p:cNvSpPr txBox="1"/>
           <p:nvPr>
             <p:ph idx="1" type="body"/>
@@ -3459,13 +5044,20 @@
           <a:prstGeom prst="rect">
             <a:avLst/>
           </a:prstGeom>
+          <a:noFill/>
+          <a:ln>
+            <a:noFill/>
+          </a:ln>
         </p:spPr>
         <p:txBody>
           <a:bodyPr anchorCtr="0" anchor="t" bIns="91425" lIns="91425" spcFirstLastPara="1" rIns="91425" wrap="square" tIns="91425">
             <a:normAutofit/>
           </a:bodyPr>
           <a:lstStyle>
-            <a:lvl1pPr indent="-317500" lvl="0" marL="457200">
+            <a:lvl1pPr indent="-317500" lvl="0" marL="457200" algn="l">
+              <a:lnSpc>
+                <a:spcPct val="115000"/>
+              </a:lnSpc>
               <a:spcBef>
                 <a:spcPts val="0"/>
               </a:spcBef>
@@ -3476,7 +5068,10 @@
               <a:buChar char="●"/>
               <a:defRPr sz="1400"/>
             </a:lvl1pPr>
-            <a:lvl2pPr indent="-304800" lvl="1" marL="914400">
+            <a:lvl2pPr indent="-304800" lvl="1" marL="914400" algn="l">
+              <a:lnSpc>
+                <a:spcPct val="115000"/>
+              </a:lnSpc>
               <a:spcBef>
                 <a:spcPts val="0"/>
               </a:spcBef>
@@ -3487,7 +5082,10 @@
               <a:buChar char="○"/>
               <a:defRPr sz="1200"/>
             </a:lvl2pPr>
-            <a:lvl3pPr indent="-304800" lvl="2" marL="1371600">
+            <a:lvl3pPr indent="-304800" lvl="2" marL="1371600" algn="l">
+              <a:lnSpc>
+                <a:spcPct val="115000"/>
+              </a:lnSpc>
               <a:spcBef>
                 <a:spcPts val="0"/>
               </a:spcBef>
@@ -3498,7 +5096,10 @@
               <a:buChar char="■"/>
               <a:defRPr sz="1200"/>
             </a:lvl3pPr>
-            <a:lvl4pPr indent="-304800" lvl="3" marL="1828800">
+            <a:lvl4pPr indent="-304800" lvl="3" marL="1828800" algn="l">
+              <a:lnSpc>
+                <a:spcPct val="115000"/>
+              </a:lnSpc>
               <a:spcBef>
                 <a:spcPts val="0"/>
               </a:spcBef>
@@ -3509,7 +5110,10 @@
               <a:buChar char="●"/>
               <a:defRPr sz="1200"/>
             </a:lvl4pPr>
-            <a:lvl5pPr indent="-304800" lvl="4" marL="2286000">
+            <a:lvl5pPr indent="-304800" lvl="4" marL="2286000" algn="l">
+              <a:lnSpc>
+                <a:spcPct val="115000"/>
+              </a:lnSpc>
               <a:spcBef>
                 <a:spcPts val="0"/>
               </a:spcBef>
@@ -3520,7 +5124,10 @@
               <a:buChar char="○"/>
               <a:defRPr sz="1200"/>
             </a:lvl5pPr>
-            <a:lvl6pPr indent="-304800" lvl="5" marL="2743200">
+            <a:lvl6pPr indent="-304800" lvl="5" marL="2743200" algn="l">
+              <a:lnSpc>
+                <a:spcPct val="115000"/>
+              </a:lnSpc>
               <a:spcBef>
                 <a:spcPts val="0"/>
               </a:spcBef>
@@ -3531,7 +5138,10 @@
               <a:buChar char="■"/>
               <a:defRPr sz="1200"/>
             </a:lvl6pPr>
-            <a:lvl7pPr indent="-304800" lvl="6" marL="3200400">
+            <a:lvl7pPr indent="-304800" lvl="6" marL="3200400" algn="l">
+              <a:lnSpc>
+                <a:spcPct val="115000"/>
+              </a:lnSpc>
               <a:spcBef>
                 <a:spcPts val="0"/>
               </a:spcBef>
@@ -3542,7 +5152,10 @@
               <a:buChar char="●"/>
               <a:defRPr sz="1200"/>
             </a:lvl7pPr>
-            <a:lvl8pPr indent="-304800" lvl="7" marL="3657600">
+            <a:lvl8pPr indent="-304800" lvl="7" marL="3657600" algn="l">
+              <a:lnSpc>
+                <a:spcPct val="115000"/>
+              </a:lnSpc>
               <a:spcBef>
                 <a:spcPts val="0"/>
               </a:spcBef>
@@ -3553,7 +5166,10 @@
               <a:buChar char="○"/>
               <a:defRPr sz="1200"/>
             </a:lvl8pPr>
-            <a:lvl9pPr indent="-304800" lvl="8" marL="4114800">
+            <a:lvl9pPr indent="-304800" lvl="8" marL="4114800" algn="l">
+              <a:lnSpc>
+                <a:spcPct val="115000"/>
+              </a:lnSpc>
               <a:spcBef>
                 <a:spcPts val="0"/>
               </a:spcBef>
@@ -3570,7 +5186,7 @@
       </p:sp>
       <p:sp>
         <p:nvSpPr>
-          <p:cNvPr id="23" name="Google Shape;23;p5"/>
+          <p:cNvPr id="23" name="Google Shape;23;p17"/>
           <p:cNvSpPr txBox="1"/>
           <p:nvPr>
             <p:ph idx="2" type="body"/>
@@ -3584,13 +5200,20 @@
           <a:prstGeom prst="rect">
             <a:avLst/>
           </a:prstGeom>
+          <a:noFill/>
+          <a:ln>
+            <a:noFill/>
+          </a:ln>
         </p:spPr>
         <p:txBody>
           <a:bodyPr anchorCtr="0" anchor="t" bIns="91425" lIns="91425" spcFirstLastPara="1" rIns="91425" wrap="square" tIns="91425">
             <a:normAutofit/>
           </a:bodyPr>
           <a:lstStyle>
-            <a:lvl1pPr indent="-317500" lvl="0" marL="457200">
+            <a:lvl1pPr indent="-317500" lvl="0" marL="457200" algn="l">
+              <a:lnSpc>
+                <a:spcPct val="115000"/>
+              </a:lnSpc>
               <a:spcBef>
                 <a:spcPts val="0"/>
               </a:spcBef>
@@ -3601,7 +5224,10 @@
               <a:buChar char="●"/>
               <a:defRPr sz="1400"/>
             </a:lvl1pPr>
-            <a:lvl2pPr indent="-304800" lvl="1" marL="914400">
+            <a:lvl2pPr indent="-304800" lvl="1" marL="914400" algn="l">
+              <a:lnSpc>
+                <a:spcPct val="115000"/>
+              </a:lnSpc>
               <a:spcBef>
                 <a:spcPts val="0"/>
               </a:spcBef>
@@ -3612,7 +5238,10 @@
               <a:buChar char="○"/>
               <a:defRPr sz="1200"/>
             </a:lvl2pPr>
-            <a:lvl3pPr indent="-304800" lvl="2" marL="1371600">
+            <a:lvl3pPr indent="-304800" lvl="2" marL="1371600" algn="l">
+              <a:lnSpc>
+                <a:spcPct val="115000"/>
+              </a:lnSpc>
               <a:spcBef>
                 <a:spcPts val="0"/>
               </a:spcBef>
@@ -3623,7 +5252,10 @@
               <a:buChar char="■"/>
               <a:defRPr sz="1200"/>
             </a:lvl3pPr>
-            <a:lvl4pPr indent="-304800" lvl="3" marL="1828800">
+            <a:lvl4pPr indent="-304800" lvl="3" marL="1828800" algn="l">
+              <a:lnSpc>
+                <a:spcPct val="115000"/>
+              </a:lnSpc>
               <a:spcBef>
                 <a:spcPts val="0"/>
               </a:spcBef>
@@ -3634,7 +5266,10 @@
               <a:buChar char="●"/>
               <a:defRPr sz="1200"/>
             </a:lvl4pPr>
-            <a:lvl5pPr indent="-304800" lvl="4" marL="2286000">
+            <a:lvl5pPr indent="-304800" lvl="4" marL="2286000" algn="l">
+              <a:lnSpc>
+                <a:spcPct val="115000"/>
+              </a:lnSpc>
               <a:spcBef>
                 <a:spcPts val="0"/>
               </a:spcBef>
@@ -3645,7 +5280,10 @@
               <a:buChar char="○"/>
               <a:defRPr sz="1200"/>
             </a:lvl5pPr>
-            <a:lvl6pPr indent="-304800" lvl="5" marL="2743200">
+            <a:lvl6pPr indent="-304800" lvl="5" marL="2743200" algn="l">
+              <a:lnSpc>
+                <a:spcPct val="115000"/>
+              </a:lnSpc>
               <a:spcBef>
                 <a:spcPts val="0"/>
               </a:spcBef>
@@ -3656,7 +5294,10 @@
               <a:buChar char="■"/>
               <a:defRPr sz="1200"/>
             </a:lvl6pPr>
-            <a:lvl7pPr indent="-304800" lvl="6" marL="3200400">
+            <a:lvl7pPr indent="-304800" lvl="6" marL="3200400" algn="l">
+              <a:lnSpc>
+                <a:spcPct val="115000"/>
+              </a:lnSpc>
               <a:spcBef>
                 <a:spcPts val="0"/>
               </a:spcBef>
@@ -3667,7 +5308,10 @@
               <a:buChar char="●"/>
               <a:defRPr sz="1200"/>
             </a:lvl7pPr>
-            <a:lvl8pPr indent="-304800" lvl="7" marL="3657600">
+            <a:lvl8pPr indent="-304800" lvl="7" marL="3657600" algn="l">
+              <a:lnSpc>
+                <a:spcPct val="115000"/>
+              </a:lnSpc>
               <a:spcBef>
                 <a:spcPts val="0"/>
               </a:spcBef>
@@ -3678,7 +5322,10 @@
               <a:buChar char="○"/>
               <a:defRPr sz="1200"/>
             </a:lvl8pPr>
-            <a:lvl9pPr indent="-304800" lvl="8" marL="4114800">
+            <a:lvl9pPr indent="-304800" lvl="8" marL="4114800" algn="l">
+              <a:lnSpc>
+                <a:spcPct val="115000"/>
+              </a:lnSpc>
               <a:spcBef>
                 <a:spcPts val="0"/>
               </a:spcBef>
@@ -3695,7 +5342,7 @@
       </p:sp>
       <p:sp>
         <p:nvSpPr>
-          <p:cNvPr id="24" name="Google Shape;24;p5"/>
+          <p:cNvPr id="24" name="Google Shape;24;p17"/>
           <p:cNvSpPr txBox="1"/>
           <p:nvPr>
             <p:ph idx="12" type="sldNum"/>
@@ -3709,47 +5356,249 @@
           <a:prstGeom prst="rect">
             <a:avLst/>
           </a:prstGeom>
+          <a:noFill/>
+          <a:ln>
+            <a:noFill/>
+          </a:ln>
         </p:spPr>
         <p:txBody>
           <a:bodyPr anchorCtr="0" anchor="ctr" bIns="91425" lIns="91425" spcFirstLastPara="1" rIns="91425" wrap="square" tIns="91425">
             <a:normAutofit/>
           </a:bodyPr>
           <a:lstStyle>
-            <a:lvl1pPr lvl="0">
-              <a:buNone/>
-              <a:defRPr/>
+            <a:lvl1pPr indent="0" lvl="0" marL="0" marR="0" algn="r">
+              <a:lnSpc>
+                <a:spcPct val="100000"/>
+              </a:lnSpc>
+              <a:spcBef>
+                <a:spcPts val="0"/>
+              </a:spcBef>
+              <a:spcAft>
+                <a:spcPts val="0"/>
+              </a:spcAft>
+              <a:buClr>
+                <a:srgbClr val="000000"/>
+              </a:buClr>
+              <a:buSzPts val="1000"/>
+              <a:buFont typeface="Arial"/>
+              <a:buNone/>
+              <a:defRPr b="0" i="0" sz="1000" u="none" cap="none" strike="noStrike">
+                <a:solidFill>
+                  <a:schemeClr val="dk2"/>
+                </a:solidFill>
+                <a:latin typeface="Arial"/>
+                <a:ea typeface="Arial"/>
+                <a:cs typeface="Arial"/>
+                <a:sym typeface="Arial"/>
+              </a:defRPr>
             </a:lvl1pPr>
-            <a:lvl2pPr lvl="1">
-              <a:buNone/>
-              <a:defRPr/>
+            <a:lvl2pPr indent="0" lvl="1" marL="0" marR="0" algn="r">
+              <a:lnSpc>
+                <a:spcPct val="100000"/>
+              </a:lnSpc>
+              <a:spcBef>
+                <a:spcPts val="0"/>
+              </a:spcBef>
+              <a:spcAft>
+                <a:spcPts val="0"/>
+              </a:spcAft>
+              <a:buClr>
+                <a:srgbClr val="000000"/>
+              </a:buClr>
+              <a:buSzPts val="1000"/>
+              <a:buFont typeface="Arial"/>
+              <a:buNone/>
+              <a:defRPr b="0" i="0" sz="1000" u="none" cap="none" strike="noStrike">
+                <a:solidFill>
+                  <a:schemeClr val="dk2"/>
+                </a:solidFill>
+                <a:latin typeface="Arial"/>
+                <a:ea typeface="Arial"/>
+                <a:cs typeface="Arial"/>
+                <a:sym typeface="Arial"/>
+              </a:defRPr>
             </a:lvl2pPr>
-            <a:lvl3pPr lvl="2">
-              <a:buNone/>
-              <a:defRPr/>
+            <a:lvl3pPr indent="0" lvl="2" marL="0" marR="0" algn="r">
+              <a:lnSpc>
+                <a:spcPct val="100000"/>
+              </a:lnSpc>
+              <a:spcBef>
+                <a:spcPts val="0"/>
+              </a:spcBef>
+              <a:spcAft>
+                <a:spcPts val="0"/>
+              </a:spcAft>
+              <a:buClr>
+                <a:srgbClr val="000000"/>
+              </a:buClr>
+              <a:buSzPts val="1000"/>
+              <a:buFont typeface="Arial"/>
+              <a:buNone/>
+              <a:defRPr b="0" i="0" sz="1000" u="none" cap="none" strike="noStrike">
+                <a:solidFill>
+                  <a:schemeClr val="dk2"/>
+                </a:solidFill>
+                <a:latin typeface="Arial"/>
+                <a:ea typeface="Arial"/>
+                <a:cs typeface="Arial"/>
+                <a:sym typeface="Arial"/>
+              </a:defRPr>
             </a:lvl3pPr>
-            <a:lvl4pPr lvl="3">
-              <a:buNone/>
-              <a:defRPr/>
+            <a:lvl4pPr indent="0" lvl="3" marL="0" marR="0" algn="r">
+              <a:lnSpc>
+                <a:spcPct val="100000"/>
+              </a:lnSpc>
+              <a:spcBef>
+                <a:spcPts val="0"/>
+              </a:spcBef>
+              <a:spcAft>
+                <a:spcPts val="0"/>
+              </a:spcAft>
+              <a:buClr>
+                <a:srgbClr val="000000"/>
+              </a:buClr>
+              <a:buSzPts val="1000"/>
+              <a:buFont typeface="Arial"/>
+              <a:buNone/>
+              <a:defRPr b="0" i="0" sz="1000" u="none" cap="none" strike="noStrike">
+                <a:solidFill>
+                  <a:schemeClr val="dk2"/>
+                </a:solidFill>
+                <a:latin typeface="Arial"/>
+                <a:ea typeface="Arial"/>
+                <a:cs typeface="Arial"/>
+                <a:sym typeface="Arial"/>
+              </a:defRPr>
             </a:lvl4pPr>
-            <a:lvl5pPr lvl="4">
-              <a:buNone/>
-              <a:defRPr/>
+            <a:lvl5pPr indent="0" lvl="4" marL="0" marR="0" algn="r">
+              <a:lnSpc>
+                <a:spcPct val="100000"/>
+              </a:lnSpc>
+              <a:spcBef>
+                <a:spcPts val="0"/>
+              </a:spcBef>
+              <a:spcAft>
+                <a:spcPts val="0"/>
+              </a:spcAft>
+              <a:buClr>
+                <a:srgbClr val="000000"/>
+              </a:buClr>
+              <a:buSzPts val="1000"/>
+              <a:buFont typeface="Arial"/>
+              <a:buNone/>
+              <a:defRPr b="0" i="0" sz="1000" u="none" cap="none" strike="noStrike">
+                <a:solidFill>
+                  <a:schemeClr val="dk2"/>
+                </a:solidFill>
+                <a:latin typeface="Arial"/>
+                <a:ea typeface="Arial"/>
+                <a:cs typeface="Arial"/>
+                <a:sym typeface="Arial"/>
+              </a:defRPr>
             </a:lvl5pPr>
-            <a:lvl6pPr lvl="5">
-              <a:buNone/>
-              <a:defRPr/>
+            <a:lvl6pPr indent="0" lvl="5" marL="0" marR="0" algn="r">
+              <a:lnSpc>
+                <a:spcPct val="100000"/>
+              </a:lnSpc>
+              <a:spcBef>
+                <a:spcPts val="0"/>
+              </a:spcBef>
+              <a:spcAft>
+                <a:spcPts val="0"/>
+              </a:spcAft>
+              <a:buClr>
+                <a:srgbClr val="000000"/>
+              </a:buClr>
+              <a:buSzPts val="1000"/>
+              <a:buFont typeface="Arial"/>
+              <a:buNone/>
+              <a:defRPr b="0" i="0" sz="1000" u="none" cap="none" strike="noStrike">
+                <a:solidFill>
+                  <a:schemeClr val="dk2"/>
+                </a:solidFill>
+                <a:latin typeface="Arial"/>
+                <a:ea typeface="Arial"/>
+                <a:cs typeface="Arial"/>
+                <a:sym typeface="Arial"/>
+              </a:defRPr>
             </a:lvl6pPr>
-            <a:lvl7pPr lvl="6">
-              <a:buNone/>
-              <a:defRPr/>
+            <a:lvl7pPr indent="0" lvl="6" marL="0" marR="0" algn="r">
+              <a:lnSpc>
+                <a:spcPct val="100000"/>
+              </a:lnSpc>
+              <a:spcBef>
+                <a:spcPts val="0"/>
+              </a:spcBef>
+              <a:spcAft>
+                <a:spcPts val="0"/>
+              </a:spcAft>
+              <a:buClr>
+                <a:srgbClr val="000000"/>
+              </a:buClr>
+              <a:buSzPts val="1000"/>
+              <a:buFont typeface="Arial"/>
+              <a:buNone/>
+              <a:defRPr b="0" i="0" sz="1000" u="none" cap="none" strike="noStrike">
+                <a:solidFill>
+                  <a:schemeClr val="dk2"/>
+                </a:solidFill>
+                <a:latin typeface="Arial"/>
+                <a:ea typeface="Arial"/>
+                <a:cs typeface="Arial"/>
+                <a:sym typeface="Arial"/>
+              </a:defRPr>
             </a:lvl7pPr>
-            <a:lvl8pPr lvl="7">
-              <a:buNone/>
-              <a:defRPr/>
+            <a:lvl8pPr indent="0" lvl="7" marL="0" marR="0" algn="r">
+              <a:lnSpc>
+                <a:spcPct val="100000"/>
+              </a:lnSpc>
+              <a:spcBef>
+                <a:spcPts val="0"/>
+              </a:spcBef>
+              <a:spcAft>
+                <a:spcPts val="0"/>
+              </a:spcAft>
+              <a:buClr>
+                <a:srgbClr val="000000"/>
+              </a:buClr>
+              <a:buSzPts val="1000"/>
+              <a:buFont typeface="Arial"/>
+              <a:buNone/>
+              <a:defRPr b="0" i="0" sz="1000" u="none" cap="none" strike="noStrike">
+                <a:solidFill>
+                  <a:schemeClr val="dk2"/>
+                </a:solidFill>
+                <a:latin typeface="Arial"/>
+                <a:ea typeface="Arial"/>
+                <a:cs typeface="Arial"/>
+                <a:sym typeface="Arial"/>
+              </a:defRPr>
             </a:lvl8pPr>
-            <a:lvl9pPr lvl="8">
-              <a:buNone/>
-              <a:defRPr/>
+            <a:lvl9pPr indent="0" lvl="8" marL="0" marR="0" algn="r">
+              <a:lnSpc>
+                <a:spcPct val="100000"/>
+              </a:lnSpc>
+              <a:spcBef>
+                <a:spcPts val="0"/>
+              </a:spcBef>
+              <a:spcAft>
+                <a:spcPts val="0"/>
+              </a:spcAft>
+              <a:buClr>
+                <a:srgbClr val="000000"/>
+              </a:buClr>
+              <a:buSzPts val="1000"/>
+              <a:buFont typeface="Arial"/>
+              <a:buNone/>
+              <a:defRPr b="0" i="0" sz="1000" u="none" cap="none" strike="noStrike">
+                <a:solidFill>
+                  <a:schemeClr val="dk2"/>
+                </a:solidFill>
+                <a:latin typeface="Arial"/>
+                <a:ea typeface="Arial"/>
+                <a:cs typeface="Arial"/>
+                <a:sym typeface="Arial"/>
+              </a:defRPr>
             </a:lvl9pPr>
           </a:lstStyle>
           <a:p>
@@ -3797,7 +5646,7 @@
       </p:grpSpPr>
       <p:sp>
         <p:nvSpPr>
-          <p:cNvPr id="26" name="Google Shape;26;p6"/>
+          <p:cNvPr id="26" name="Google Shape;26;p18"/>
           <p:cNvSpPr txBox="1"/>
           <p:nvPr>
             <p:ph type="title"/>
@@ -3811,13 +5660,20 @@
           <a:prstGeom prst="rect">
             <a:avLst/>
           </a:prstGeom>
+          <a:noFill/>
+          <a:ln>
+            <a:noFill/>
+          </a:ln>
         </p:spPr>
         <p:txBody>
           <a:bodyPr anchorCtr="0" anchor="t" bIns="91425" lIns="91425" spcFirstLastPara="1" rIns="91425" wrap="square" tIns="91425">
             <a:normAutofit/>
           </a:bodyPr>
           <a:lstStyle>
-            <a:lvl1pPr lvl="0">
+            <a:lvl1pPr lvl="0" algn="l">
+              <a:lnSpc>
+                <a:spcPct val="100000"/>
+              </a:lnSpc>
               <a:spcBef>
                 <a:spcPts val="0"/>
               </a:spcBef>
@@ -3828,7 +5684,10 @@
               <a:buNone/>
               <a:defRPr/>
             </a:lvl1pPr>
-            <a:lvl2pPr lvl="1">
+            <a:lvl2pPr lvl="1" algn="l">
+              <a:lnSpc>
+                <a:spcPct val="100000"/>
+              </a:lnSpc>
               <a:spcBef>
                 <a:spcPts val="0"/>
               </a:spcBef>
@@ -3839,7 +5698,10 @@
               <a:buNone/>
               <a:defRPr/>
             </a:lvl2pPr>
-            <a:lvl3pPr lvl="2">
+            <a:lvl3pPr lvl="2" algn="l">
+              <a:lnSpc>
+                <a:spcPct val="100000"/>
+              </a:lnSpc>
               <a:spcBef>
                 <a:spcPts val="0"/>
               </a:spcBef>
@@ -3850,7 +5712,10 @@
               <a:buNone/>
               <a:defRPr/>
             </a:lvl3pPr>
-            <a:lvl4pPr lvl="3">
+            <a:lvl4pPr lvl="3" algn="l">
+              <a:lnSpc>
+                <a:spcPct val="100000"/>
+              </a:lnSpc>
               <a:spcBef>
                 <a:spcPts val="0"/>
               </a:spcBef>
@@ -3861,7 +5726,10 @@
               <a:buNone/>
               <a:defRPr/>
             </a:lvl4pPr>
-            <a:lvl5pPr lvl="4">
+            <a:lvl5pPr lvl="4" algn="l">
+              <a:lnSpc>
+                <a:spcPct val="100000"/>
+              </a:lnSpc>
               <a:spcBef>
                 <a:spcPts val="0"/>
               </a:spcBef>
@@ -3872,7 +5740,10 @@
               <a:buNone/>
               <a:defRPr/>
             </a:lvl5pPr>
-            <a:lvl6pPr lvl="5">
+            <a:lvl6pPr lvl="5" algn="l">
+              <a:lnSpc>
+                <a:spcPct val="100000"/>
+              </a:lnSpc>
               <a:spcBef>
                 <a:spcPts val="0"/>
               </a:spcBef>
@@ -3883,7 +5754,10 @@
               <a:buNone/>
               <a:defRPr/>
             </a:lvl6pPr>
-            <a:lvl7pPr lvl="6">
+            <a:lvl7pPr lvl="6" algn="l">
+              <a:lnSpc>
+                <a:spcPct val="100000"/>
+              </a:lnSpc>
               <a:spcBef>
                 <a:spcPts val="0"/>
               </a:spcBef>
@@ -3894,7 +5768,10 @@
               <a:buNone/>
               <a:defRPr/>
             </a:lvl7pPr>
-            <a:lvl8pPr lvl="7">
+            <a:lvl8pPr lvl="7" algn="l">
+              <a:lnSpc>
+                <a:spcPct val="100000"/>
+              </a:lnSpc>
               <a:spcBef>
                 <a:spcPts val="0"/>
               </a:spcBef>
@@ -3905,7 +5782,10 @@
               <a:buNone/>
               <a:defRPr/>
             </a:lvl8pPr>
-            <a:lvl9pPr lvl="8">
+            <a:lvl9pPr lvl="8" algn="l">
+              <a:lnSpc>
+                <a:spcPct val="100000"/>
+              </a:lnSpc>
               <a:spcBef>
                 <a:spcPts val="0"/>
               </a:spcBef>
@@ -3922,7 +5802,7 @@
       </p:sp>
       <p:sp>
         <p:nvSpPr>
-          <p:cNvPr id="27" name="Google Shape;27;p6"/>
+          <p:cNvPr id="27" name="Google Shape;27;p18"/>
           <p:cNvSpPr txBox="1"/>
           <p:nvPr>
             <p:ph idx="12" type="sldNum"/>
@@ -3936,47 +5816,249 @@
           <a:prstGeom prst="rect">
             <a:avLst/>
           </a:prstGeom>
+          <a:noFill/>
+          <a:ln>
+            <a:noFill/>
+          </a:ln>
         </p:spPr>
         <p:txBody>
           <a:bodyPr anchorCtr="0" anchor="ctr" bIns="91425" lIns="91425" spcFirstLastPara="1" rIns="91425" wrap="square" tIns="91425">
             <a:normAutofit/>
           </a:bodyPr>
           <a:lstStyle>
-            <a:lvl1pPr lvl="0">
-              <a:buNone/>
-              <a:defRPr/>
+            <a:lvl1pPr indent="0" lvl="0" marL="0" marR="0" algn="r">
+              <a:lnSpc>
+                <a:spcPct val="100000"/>
+              </a:lnSpc>
+              <a:spcBef>
+                <a:spcPts val="0"/>
+              </a:spcBef>
+              <a:spcAft>
+                <a:spcPts val="0"/>
+              </a:spcAft>
+              <a:buClr>
+                <a:srgbClr val="000000"/>
+              </a:buClr>
+              <a:buSzPts val="1000"/>
+              <a:buFont typeface="Arial"/>
+              <a:buNone/>
+              <a:defRPr b="0" i="0" sz="1000" u="none" cap="none" strike="noStrike">
+                <a:solidFill>
+                  <a:schemeClr val="dk2"/>
+                </a:solidFill>
+                <a:latin typeface="Arial"/>
+                <a:ea typeface="Arial"/>
+                <a:cs typeface="Arial"/>
+                <a:sym typeface="Arial"/>
+              </a:defRPr>
             </a:lvl1pPr>
-            <a:lvl2pPr lvl="1">
-              <a:buNone/>
-              <a:defRPr/>
+            <a:lvl2pPr indent="0" lvl="1" marL="0" marR="0" algn="r">
+              <a:lnSpc>
+                <a:spcPct val="100000"/>
+              </a:lnSpc>
+              <a:spcBef>
+                <a:spcPts val="0"/>
+              </a:spcBef>
+              <a:spcAft>
+                <a:spcPts val="0"/>
+              </a:spcAft>
+              <a:buClr>
+                <a:srgbClr val="000000"/>
+              </a:buClr>
+              <a:buSzPts val="1000"/>
+              <a:buFont typeface="Arial"/>
+              <a:buNone/>
+              <a:defRPr b="0" i="0" sz="1000" u="none" cap="none" strike="noStrike">
+                <a:solidFill>
+                  <a:schemeClr val="dk2"/>
+                </a:solidFill>
+                <a:latin typeface="Arial"/>
+                <a:ea typeface="Arial"/>
+                <a:cs typeface="Arial"/>
+                <a:sym typeface="Arial"/>
+              </a:defRPr>
             </a:lvl2pPr>
-            <a:lvl3pPr lvl="2">
-              <a:buNone/>
-              <a:defRPr/>
+            <a:lvl3pPr indent="0" lvl="2" marL="0" marR="0" algn="r">
+              <a:lnSpc>
+                <a:spcPct val="100000"/>
+              </a:lnSpc>
+              <a:spcBef>
+                <a:spcPts val="0"/>
+              </a:spcBef>
+              <a:spcAft>
+                <a:spcPts val="0"/>
+              </a:spcAft>
+              <a:buClr>
+                <a:srgbClr val="000000"/>
+              </a:buClr>
+              <a:buSzPts val="1000"/>
+              <a:buFont typeface="Arial"/>
+              <a:buNone/>
+              <a:defRPr b="0" i="0" sz="1000" u="none" cap="none" strike="noStrike">
+                <a:solidFill>
+                  <a:schemeClr val="dk2"/>
+                </a:solidFill>
+                <a:latin typeface="Arial"/>
+                <a:ea typeface="Arial"/>
+                <a:cs typeface="Arial"/>
+                <a:sym typeface="Arial"/>
+              </a:defRPr>
             </a:lvl3pPr>
-            <a:lvl4pPr lvl="3">
-              <a:buNone/>
-              <a:defRPr/>
+            <a:lvl4pPr indent="0" lvl="3" marL="0" marR="0" algn="r">
+              <a:lnSpc>
+                <a:spcPct val="100000"/>
+              </a:lnSpc>
+              <a:spcBef>
+                <a:spcPts val="0"/>
+              </a:spcBef>
+              <a:spcAft>
+                <a:spcPts val="0"/>
+              </a:spcAft>
+              <a:buClr>
+                <a:srgbClr val="000000"/>
+              </a:buClr>
+              <a:buSzPts val="1000"/>
+              <a:buFont typeface="Arial"/>
+              <a:buNone/>
+              <a:defRPr b="0" i="0" sz="1000" u="none" cap="none" strike="noStrike">
+                <a:solidFill>
+                  <a:schemeClr val="dk2"/>
+                </a:solidFill>
+                <a:latin typeface="Arial"/>
+                <a:ea typeface="Arial"/>
+                <a:cs typeface="Arial"/>
+                <a:sym typeface="Arial"/>
+              </a:defRPr>
             </a:lvl4pPr>
-            <a:lvl5pPr lvl="4">
-              <a:buNone/>
-              <a:defRPr/>
+            <a:lvl5pPr indent="0" lvl="4" marL="0" marR="0" algn="r">
+              <a:lnSpc>
+                <a:spcPct val="100000"/>
+              </a:lnSpc>
+              <a:spcBef>
+                <a:spcPts val="0"/>
+              </a:spcBef>
+              <a:spcAft>
+                <a:spcPts val="0"/>
+              </a:spcAft>
+              <a:buClr>
+                <a:srgbClr val="000000"/>
+              </a:buClr>
+              <a:buSzPts val="1000"/>
+              <a:buFont typeface="Arial"/>
+              <a:buNone/>
+              <a:defRPr b="0" i="0" sz="1000" u="none" cap="none" strike="noStrike">
+                <a:solidFill>
+                  <a:schemeClr val="dk2"/>
+                </a:solidFill>
+                <a:latin typeface="Arial"/>
+                <a:ea typeface="Arial"/>
+                <a:cs typeface="Arial"/>
+                <a:sym typeface="Arial"/>
+              </a:defRPr>
             </a:lvl5pPr>
-            <a:lvl6pPr lvl="5">
-              <a:buNone/>
-              <a:defRPr/>
+            <a:lvl6pPr indent="0" lvl="5" marL="0" marR="0" algn="r">
+              <a:lnSpc>
+                <a:spcPct val="100000"/>
+              </a:lnSpc>
+              <a:spcBef>
+                <a:spcPts val="0"/>
+              </a:spcBef>
+              <a:spcAft>
+                <a:spcPts val="0"/>
+              </a:spcAft>
+              <a:buClr>
+                <a:srgbClr val="000000"/>
+              </a:buClr>
+              <a:buSzPts val="1000"/>
+              <a:buFont typeface="Arial"/>
+              <a:buNone/>
+              <a:defRPr b="0" i="0" sz="1000" u="none" cap="none" strike="noStrike">
+                <a:solidFill>
+                  <a:schemeClr val="dk2"/>
+                </a:solidFill>
+                <a:latin typeface="Arial"/>
+                <a:ea typeface="Arial"/>
+                <a:cs typeface="Arial"/>
+                <a:sym typeface="Arial"/>
+              </a:defRPr>
             </a:lvl6pPr>
-            <a:lvl7pPr lvl="6">
-              <a:buNone/>
-              <a:defRPr/>
+            <a:lvl7pPr indent="0" lvl="6" marL="0" marR="0" algn="r">
+              <a:lnSpc>
+                <a:spcPct val="100000"/>
+              </a:lnSpc>
+              <a:spcBef>
+                <a:spcPts val="0"/>
+              </a:spcBef>
+              <a:spcAft>
+                <a:spcPts val="0"/>
+              </a:spcAft>
+              <a:buClr>
+                <a:srgbClr val="000000"/>
+              </a:buClr>
+              <a:buSzPts val="1000"/>
+              <a:buFont typeface="Arial"/>
+              <a:buNone/>
+              <a:defRPr b="0" i="0" sz="1000" u="none" cap="none" strike="noStrike">
+                <a:solidFill>
+                  <a:schemeClr val="dk2"/>
+                </a:solidFill>
+                <a:latin typeface="Arial"/>
+                <a:ea typeface="Arial"/>
+                <a:cs typeface="Arial"/>
+                <a:sym typeface="Arial"/>
+              </a:defRPr>
             </a:lvl7pPr>
-            <a:lvl8pPr lvl="7">
-              <a:buNone/>
-              <a:defRPr/>
+            <a:lvl8pPr indent="0" lvl="7" marL="0" marR="0" algn="r">
+              <a:lnSpc>
+                <a:spcPct val="100000"/>
+              </a:lnSpc>
+              <a:spcBef>
+                <a:spcPts val="0"/>
+              </a:spcBef>
+              <a:spcAft>
+                <a:spcPts val="0"/>
+              </a:spcAft>
+              <a:buClr>
+                <a:srgbClr val="000000"/>
+              </a:buClr>
+              <a:buSzPts val="1000"/>
+              <a:buFont typeface="Arial"/>
+              <a:buNone/>
+              <a:defRPr b="0" i="0" sz="1000" u="none" cap="none" strike="noStrike">
+                <a:solidFill>
+                  <a:schemeClr val="dk2"/>
+                </a:solidFill>
+                <a:latin typeface="Arial"/>
+                <a:ea typeface="Arial"/>
+                <a:cs typeface="Arial"/>
+                <a:sym typeface="Arial"/>
+              </a:defRPr>
             </a:lvl8pPr>
-            <a:lvl9pPr lvl="8">
-              <a:buNone/>
-              <a:defRPr/>
+            <a:lvl9pPr indent="0" lvl="8" marL="0" marR="0" algn="r">
+              <a:lnSpc>
+                <a:spcPct val="100000"/>
+              </a:lnSpc>
+              <a:spcBef>
+                <a:spcPts val="0"/>
+              </a:spcBef>
+              <a:spcAft>
+                <a:spcPts val="0"/>
+              </a:spcAft>
+              <a:buClr>
+                <a:srgbClr val="000000"/>
+              </a:buClr>
+              <a:buSzPts val="1000"/>
+              <a:buFont typeface="Arial"/>
+              <a:buNone/>
+              <a:defRPr b="0" i="0" sz="1000" u="none" cap="none" strike="noStrike">
+                <a:solidFill>
+                  <a:schemeClr val="dk2"/>
+                </a:solidFill>
+                <a:latin typeface="Arial"/>
+                <a:ea typeface="Arial"/>
+                <a:cs typeface="Arial"/>
+                <a:sym typeface="Arial"/>
+              </a:defRPr>
             </a:lvl9pPr>
           </a:lstStyle>
           <a:p>
@@ -4024,7 +6106,7 @@
       </p:grpSpPr>
       <p:sp>
         <p:nvSpPr>
-          <p:cNvPr id="29" name="Google Shape;29;p7"/>
+          <p:cNvPr id="29" name="Google Shape;29;p19"/>
           <p:cNvSpPr txBox="1"/>
           <p:nvPr>
             <p:ph type="title"/>
@@ -4038,13 +6120,20 @@
           <a:prstGeom prst="rect">
             <a:avLst/>
           </a:prstGeom>
+          <a:noFill/>
+          <a:ln>
+            <a:noFill/>
+          </a:ln>
         </p:spPr>
         <p:txBody>
           <a:bodyPr anchorCtr="0" anchor="b" bIns="91425" lIns="91425" spcFirstLastPara="1" rIns="91425" wrap="square" tIns="91425">
             <a:normAutofit/>
           </a:bodyPr>
           <a:lstStyle>
-            <a:lvl1pPr lvl="0">
+            <a:lvl1pPr lvl="0" algn="l">
+              <a:lnSpc>
+                <a:spcPct val="100000"/>
+              </a:lnSpc>
               <a:spcBef>
                 <a:spcPts val="0"/>
               </a:spcBef>
@@ -4055,7 +6144,10 @@
               <a:buNone/>
               <a:defRPr sz="2400"/>
             </a:lvl1pPr>
-            <a:lvl2pPr lvl="1">
+            <a:lvl2pPr lvl="1" algn="l">
+              <a:lnSpc>
+                <a:spcPct val="100000"/>
+              </a:lnSpc>
               <a:spcBef>
                 <a:spcPts val="0"/>
               </a:spcBef>
@@ -4066,7 +6158,10 @@
               <a:buNone/>
               <a:defRPr sz="2400"/>
             </a:lvl2pPr>
-            <a:lvl3pPr lvl="2">
+            <a:lvl3pPr lvl="2" algn="l">
+              <a:lnSpc>
+                <a:spcPct val="100000"/>
+              </a:lnSpc>
               <a:spcBef>
                 <a:spcPts val="0"/>
               </a:spcBef>
@@ -4077,7 +6172,10 @@
               <a:buNone/>
               <a:defRPr sz="2400"/>
             </a:lvl3pPr>
-            <a:lvl4pPr lvl="3">
+            <a:lvl4pPr lvl="3" algn="l">
+              <a:lnSpc>
+                <a:spcPct val="100000"/>
+              </a:lnSpc>
               <a:spcBef>
                 <a:spcPts val="0"/>
               </a:spcBef>
@@ -4088,7 +6186,10 @@
               <a:buNone/>
               <a:defRPr sz="2400"/>
             </a:lvl4pPr>
-            <a:lvl5pPr lvl="4">
+            <a:lvl5pPr lvl="4" algn="l">
+              <a:lnSpc>
+                <a:spcPct val="100000"/>
+              </a:lnSpc>
               <a:spcBef>
                 <a:spcPts val="0"/>
               </a:spcBef>
@@ -4099,7 +6200,10 @@
               <a:buNone/>
               <a:defRPr sz="2400"/>
             </a:lvl5pPr>
-            <a:lvl6pPr lvl="5">
+            <a:lvl6pPr lvl="5" algn="l">
+              <a:lnSpc>
+                <a:spcPct val="100000"/>
+              </a:lnSpc>
               <a:spcBef>
                 <a:spcPts val="0"/>
               </a:spcBef>
@@ -4110,7 +6214,10 @@
               <a:buNone/>
               <a:defRPr sz="2400"/>
             </a:lvl6pPr>
-            <a:lvl7pPr lvl="6">
+            <a:lvl7pPr lvl="6" algn="l">
+              <a:lnSpc>
+                <a:spcPct val="100000"/>
+              </a:lnSpc>
               <a:spcBef>
                 <a:spcPts val="0"/>
               </a:spcBef>
@@ -4121,7 +6228,10 @@
               <a:buNone/>
               <a:defRPr sz="2400"/>
             </a:lvl7pPr>
-            <a:lvl8pPr lvl="7">
+            <a:lvl8pPr lvl="7" algn="l">
+              <a:lnSpc>
+                <a:spcPct val="100000"/>
+              </a:lnSpc>
               <a:spcBef>
                 <a:spcPts val="0"/>
               </a:spcBef>
@@ -4132,7 +6242,10 @@
               <a:buNone/>
               <a:defRPr sz="2400"/>
             </a:lvl8pPr>
-            <a:lvl9pPr lvl="8">
+            <a:lvl9pPr lvl="8" algn="l">
+              <a:lnSpc>
+                <a:spcPct val="100000"/>
+              </a:lnSpc>
               <a:spcBef>
                 <a:spcPts val="0"/>
               </a:spcBef>
@@ -4149,7 +6262,7 @@
       </p:sp>
       <p:sp>
         <p:nvSpPr>
-          <p:cNvPr id="30" name="Google Shape;30;p7"/>
+          <p:cNvPr id="30" name="Google Shape;30;p19"/>
           <p:cNvSpPr txBox="1"/>
           <p:nvPr>
             <p:ph idx="1" type="body"/>
@@ -4163,13 +6276,20 @@
           <a:prstGeom prst="rect">
             <a:avLst/>
           </a:prstGeom>
+          <a:noFill/>
+          <a:ln>
+            <a:noFill/>
+          </a:ln>
         </p:spPr>
         <p:txBody>
           <a:bodyPr anchorCtr="0" anchor="t" bIns="91425" lIns="91425" spcFirstLastPara="1" rIns="91425" wrap="square" tIns="91425">
             <a:normAutofit/>
           </a:bodyPr>
           <a:lstStyle>
-            <a:lvl1pPr indent="-304800" lvl="0" marL="457200">
+            <a:lvl1pPr indent="-304800" lvl="0" marL="457200" algn="l">
+              <a:lnSpc>
+                <a:spcPct val="115000"/>
+              </a:lnSpc>
               <a:spcBef>
                 <a:spcPts val="0"/>
               </a:spcBef>
@@ -4180,7 +6300,10 @@
               <a:buChar char="●"/>
               <a:defRPr sz="1200"/>
             </a:lvl1pPr>
-            <a:lvl2pPr indent="-304800" lvl="1" marL="914400">
+            <a:lvl2pPr indent="-304800" lvl="1" marL="914400" algn="l">
+              <a:lnSpc>
+                <a:spcPct val="115000"/>
+              </a:lnSpc>
               <a:spcBef>
                 <a:spcPts val="0"/>
               </a:spcBef>
@@ -4191,7 +6314,10 @@
               <a:buChar char="○"/>
               <a:defRPr sz="1200"/>
             </a:lvl2pPr>
-            <a:lvl3pPr indent="-304800" lvl="2" marL="1371600">
+            <a:lvl3pPr indent="-304800" lvl="2" marL="1371600" algn="l">
+              <a:lnSpc>
+                <a:spcPct val="115000"/>
+              </a:lnSpc>
               <a:spcBef>
                 <a:spcPts val="0"/>
               </a:spcBef>
@@ -4202,7 +6328,10 @@
               <a:buChar char="■"/>
               <a:defRPr sz="1200"/>
             </a:lvl3pPr>
-            <a:lvl4pPr indent="-304800" lvl="3" marL="1828800">
+            <a:lvl4pPr indent="-304800" lvl="3" marL="1828800" algn="l">
+              <a:lnSpc>
+                <a:spcPct val="115000"/>
+              </a:lnSpc>
               <a:spcBef>
                 <a:spcPts val="0"/>
               </a:spcBef>
@@ -4213,7 +6342,10 @@
               <a:buChar char="●"/>
               <a:defRPr sz="1200"/>
             </a:lvl4pPr>
-            <a:lvl5pPr indent="-304800" lvl="4" marL="2286000">
+            <a:lvl5pPr indent="-304800" lvl="4" marL="2286000" algn="l">
+              <a:lnSpc>
+                <a:spcPct val="115000"/>
+              </a:lnSpc>
               <a:spcBef>
                 <a:spcPts val="0"/>
               </a:spcBef>
@@ -4224,7 +6356,10 @@
               <a:buChar char="○"/>
               <a:defRPr sz="1200"/>
             </a:lvl5pPr>
-            <a:lvl6pPr indent="-304800" lvl="5" marL="2743200">
+            <a:lvl6pPr indent="-304800" lvl="5" marL="2743200" algn="l">
+              <a:lnSpc>
+                <a:spcPct val="115000"/>
+              </a:lnSpc>
               <a:spcBef>
                 <a:spcPts val="0"/>
               </a:spcBef>
@@ -4235,7 +6370,10 @@
               <a:buChar char="■"/>
               <a:defRPr sz="1200"/>
             </a:lvl6pPr>
-            <a:lvl7pPr indent="-304800" lvl="6" marL="3200400">
+            <a:lvl7pPr indent="-304800" lvl="6" marL="3200400" algn="l">
+              <a:lnSpc>
+                <a:spcPct val="115000"/>
+              </a:lnSpc>
               <a:spcBef>
                 <a:spcPts val="0"/>
               </a:spcBef>
@@ -4246,7 +6384,10 @@
               <a:buChar char="●"/>
               <a:defRPr sz="1200"/>
             </a:lvl7pPr>
-            <a:lvl8pPr indent="-304800" lvl="7" marL="3657600">
+            <a:lvl8pPr indent="-304800" lvl="7" marL="3657600" algn="l">
+              <a:lnSpc>
+                <a:spcPct val="115000"/>
+              </a:lnSpc>
               <a:spcBef>
                 <a:spcPts val="0"/>
               </a:spcBef>
@@ -4257,7 +6398,10 @@
               <a:buChar char="○"/>
               <a:defRPr sz="1200"/>
             </a:lvl8pPr>
-            <a:lvl9pPr indent="-304800" lvl="8" marL="4114800">
+            <a:lvl9pPr indent="-304800" lvl="8" marL="4114800" algn="l">
+              <a:lnSpc>
+                <a:spcPct val="115000"/>
+              </a:lnSpc>
               <a:spcBef>
                 <a:spcPts val="0"/>
               </a:spcBef>
@@ -4274,7 +6418,7 @@
       </p:sp>
       <p:sp>
         <p:nvSpPr>
-          <p:cNvPr id="31" name="Google Shape;31;p7"/>
+          <p:cNvPr id="31" name="Google Shape;31;p19"/>
           <p:cNvSpPr txBox="1"/>
           <p:nvPr>
             <p:ph idx="12" type="sldNum"/>
@@ -4288,47 +6432,249 @@
           <a:prstGeom prst="rect">
             <a:avLst/>
           </a:prstGeom>
+          <a:noFill/>
+          <a:ln>
+            <a:noFill/>
+          </a:ln>
         </p:spPr>
         <p:txBody>
           <a:bodyPr anchorCtr="0" anchor="ctr" bIns="91425" lIns="91425" spcFirstLastPara="1" rIns="91425" wrap="square" tIns="91425">
             <a:normAutofit/>
           </a:bodyPr>
           <a:lstStyle>
-            <a:lvl1pPr lvl="0">
-              <a:buNone/>
-              <a:defRPr/>
+            <a:lvl1pPr indent="0" lvl="0" marL="0" marR="0" algn="r">
+              <a:lnSpc>
+                <a:spcPct val="100000"/>
+              </a:lnSpc>
+              <a:spcBef>
+                <a:spcPts val="0"/>
+              </a:spcBef>
+              <a:spcAft>
+                <a:spcPts val="0"/>
+              </a:spcAft>
+              <a:buClr>
+                <a:srgbClr val="000000"/>
+              </a:buClr>
+              <a:buSzPts val="1000"/>
+              <a:buFont typeface="Arial"/>
+              <a:buNone/>
+              <a:defRPr b="0" i="0" sz="1000" u="none" cap="none" strike="noStrike">
+                <a:solidFill>
+                  <a:schemeClr val="dk2"/>
+                </a:solidFill>
+                <a:latin typeface="Arial"/>
+                <a:ea typeface="Arial"/>
+                <a:cs typeface="Arial"/>
+                <a:sym typeface="Arial"/>
+              </a:defRPr>
             </a:lvl1pPr>
-            <a:lvl2pPr lvl="1">
-              <a:buNone/>
-              <a:defRPr/>
+            <a:lvl2pPr indent="0" lvl="1" marL="0" marR="0" algn="r">
+              <a:lnSpc>
+                <a:spcPct val="100000"/>
+              </a:lnSpc>
+              <a:spcBef>
+                <a:spcPts val="0"/>
+              </a:spcBef>
+              <a:spcAft>
+                <a:spcPts val="0"/>
+              </a:spcAft>
+              <a:buClr>
+                <a:srgbClr val="000000"/>
+              </a:buClr>
+              <a:buSzPts val="1000"/>
+              <a:buFont typeface="Arial"/>
+              <a:buNone/>
+              <a:defRPr b="0" i="0" sz="1000" u="none" cap="none" strike="noStrike">
+                <a:solidFill>
+                  <a:schemeClr val="dk2"/>
+                </a:solidFill>
+                <a:latin typeface="Arial"/>
+                <a:ea typeface="Arial"/>
+                <a:cs typeface="Arial"/>
+                <a:sym typeface="Arial"/>
+              </a:defRPr>
             </a:lvl2pPr>
-            <a:lvl3pPr lvl="2">
-              <a:buNone/>
-              <a:defRPr/>
+            <a:lvl3pPr indent="0" lvl="2" marL="0" marR="0" algn="r">
+              <a:lnSpc>
+                <a:spcPct val="100000"/>
+              </a:lnSpc>
+              <a:spcBef>
+                <a:spcPts val="0"/>
+              </a:spcBef>
+              <a:spcAft>
+                <a:spcPts val="0"/>
+              </a:spcAft>
+              <a:buClr>
+                <a:srgbClr val="000000"/>
+              </a:buClr>
+              <a:buSzPts val="1000"/>
+              <a:buFont typeface="Arial"/>
+              <a:buNone/>
+              <a:defRPr b="0" i="0" sz="1000" u="none" cap="none" strike="noStrike">
+                <a:solidFill>
+                  <a:schemeClr val="dk2"/>
+                </a:solidFill>
+                <a:latin typeface="Arial"/>
+                <a:ea typeface="Arial"/>
+                <a:cs typeface="Arial"/>
+                <a:sym typeface="Arial"/>
+              </a:defRPr>
             </a:lvl3pPr>
-            <a:lvl4pPr lvl="3">
-              <a:buNone/>
-              <a:defRPr/>
+            <a:lvl4pPr indent="0" lvl="3" marL="0" marR="0" algn="r">
+              <a:lnSpc>
+                <a:spcPct val="100000"/>
+              </a:lnSpc>
+              <a:spcBef>
+                <a:spcPts val="0"/>
+              </a:spcBef>
+              <a:spcAft>
+                <a:spcPts val="0"/>
+              </a:spcAft>
+              <a:buClr>
+                <a:srgbClr val="000000"/>
+              </a:buClr>
+              <a:buSzPts val="1000"/>
+              <a:buFont typeface="Arial"/>
+              <a:buNone/>
+              <a:defRPr b="0" i="0" sz="1000" u="none" cap="none" strike="noStrike">
+                <a:solidFill>
+                  <a:schemeClr val="dk2"/>
+                </a:solidFill>
+                <a:latin typeface="Arial"/>
+                <a:ea typeface="Arial"/>
+                <a:cs typeface="Arial"/>
+                <a:sym typeface="Arial"/>
+              </a:defRPr>
             </a:lvl4pPr>
-            <a:lvl5pPr lvl="4">
-              <a:buNone/>
-              <a:defRPr/>
+            <a:lvl5pPr indent="0" lvl="4" marL="0" marR="0" algn="r">
+              <a:lnSpc>
+                <a:spcPct val="100000"/>
+              </a:lnSpc>
+              <a:spcBef>
+                <a:spcPts val="0"/>
+              </a:spcBef>
+              <a:spcAft>
+                <a:spcPts val="0"/>
+              </a:spcAft>
+              <a:buClr>
+                <a:srgbClr val="000000"/>
+              </a:buClr>
+              <a:buSzPts val="1000"/>
+              <a:buFont typeface="Arial"/>
+              <a:buNone/>
+              <a:defRPr b="0" i="0" sz="1000" u="none" cap="none" strike="noStrike">
+                <a:solidFill>
+                  <a:schemeClr val="dk2"/>
+                </a:solidFill>
+                <a:latin typeface="Arial"/>
+                <a:ea typeface="Arial"/>
+                <a:cs typeface="Arial"/>
+                <a:sym typeface="Arial"/>
+              </a:defRPr>
             </a:lvl5pPr>
-            <a:lvl6pPr lvl="5">
-              <a:buNone/>
-              <a:defRPr/>
+            <a:lvl6pPr indent="0" lvl="5" marL="0" marR="0" algn="r">
+              <a:lnSpc>
+                <a:spcPct val="100000"/>
+              </a:lnSpc>
+              <a:spcBef>
+                <a:spcPts val="0"/>
+              </a:spcBef>
+              <a:spcAft>
+                <a:spcPts val="0"/>
+              </a:spcAft>
+              <a:buClr>
+                <a:srgbClr val="000000"/>
+              </a:buClr>
+              <a:buSzPts val="1000"/>
+              <a:buFont typeface="Arial"/>
+              <a:buNone/>
+              <a:defRPr b="0" i="0" sz="1000" u="none" cap="none" strike="noStrike">
+                <a:solidFill>
+                  <a:schemeClr val="dk2"/>
+                </a:solidFill>
+                <a:latin typeface="Arial"/>
+                <a:ea typeface="Arial"/>
+                <a:cs typeface="Arial"/>
+                <a:sym typeface="Arial"/>
+              </a:defRPr>
             </a:lvl6pPr>
-            <a:lvl7pPr lvl="6">
-              <a:buNone/>
-              <a:defRPr/>
+            <a:lvl7pPr indent="0" lvl="6" marL="0" marR="0" algn="r">
+              <a:lnSpc>
+                <a:spcPct val="100000"/>
+              </a:lnSpc>
+              <a:spcBef>
+                <a:spcPts val="0"/>
+              </a:spcBef>
+              <a:spcAft>
+                <a:spcPts val="0"/>
+              </a:spcAft>
+              <a:buClr>
+                <a:srgbClr val="000000"/>
+              </a:buClr>
+              <a:buSzPts val="1000"/>
+              <a:buFont typeface="Arial"/>
+              <a:buNone/>
+              <a:defRPr b="0" i="0" sz="1000" u="none" cap="none" strike="noStrike">
+                <a:solidFill>
+                  <a:schemeClr val="dk2"/>
+                </a:solidFill>
+                <a:latin typeface="Arial"/>
+                <a:ea typeface="Arial"/>
+                <a:cs typeface="Arial"/>
+                <a:sym typeface="Arial"/>
+              </a:defRPr>
             </a:lvl7pPr>
-            <a:lvl8pPr lvl="7">
-              <a:buNone/>
-              <a:defRPr/>
+            <a:lvl8pPr indent="0" lvl="7" marL="0" marR="0" algn="r">
+              <a:lnSpc>
+                <a:spcPct val="100000"/>
+              </a:lnSpc>
+              <a:spcBef>
+                <a:spcPts val="0"/>
+              </a:spcBef>
+              <a:spcAft>
+                <a:spcPts val="0"/>
+              </a:spcAft>
+              <a:buClr>
+                <a:srgbClr val="000000"/>
+              </a:buClr>
+              <a:buSzPts val="1000"/>
+              <a:buFont typeface="Arial"/>
+              <a:buNone/>
+              <a:defRPr b="0" i="0" sz="1000" u="none" cap="none" strike="noStrike">
+                <a:solidFill>
+                  <a:schemeClr val="dk2"/>
+                </a:solidFill>
+                <a:latin typeface="Arial"/>
+                <a:ea typeface="Arial"/>
+                <a:cs typeface="Arial"/>
+                <a:sym typeface="Arial"/>
+              </a:defRPr>
             </a:lvl8pPr>
-            <a:lvl9pPr lvl="8">
-              <a:buNone/>
-              <a:defRPr/>
+            <a:lvl9pPr indent="0" lvl="8" marL="0" marR="0" algn="r">
+              <a:lnSpc>
+                <a:spcPct val="100000"/>
+              </a:lnSpc>
+              <a:spcBef>
+                <a:spcPts val="0"/>
+              </a:spcBef>
+              <a:spcAft>
+                <a:spcPts val="0"/>
+              </a:spcAft>
+              <a:buClr>
+                <a:srgbClr val="000000"/>
+              </a:buClr>
+              <a:buSzPts val="1000"/>
+              <a:buFont typeface="Arial"/>
+              <a:buNone/>
+              <a:defRPr b="0" i="0" sz="1000" u="none" cap="none" strike="noStrike">
+                <a:solidFill>
+                  <a:schemeClr val="dk2"/>
+                </a:solidFill>
+                <a:latin typeface="Arial"/>
+                <a:ea typeface="Arial"/>
+                <a:cs typeface="Arial"/>
+                <a:sym typeface="Arial"/>
+              </a:defRPr>
             </a:lvl9pPr>
           </a:lstStyle>
           <a:p>
@@ -4376,7 +6722,7 @@
       </p:grpSpPr>
       <p:sp>
         <p:nvSpPr>
-          <p:cNvPr id="33" name="Google Shape;33;p8"/>
+          <p:cNvPr id="33" name="Google Shape;33;p20"/>
           <p:cNvSpPr txBox="1"/>
           <p:nvPr>
             <p:ph type="title"/>
@@ -4390,13 +6736,20 @@
           <a:prstGeom prst="rect">
             <a:avLst/>
           </a:prstGeom>
+          <a:noFill/>
+          <a:ln>
+            <a:noFill/>
+          </a:ln>
         </p:spPr>
         <p:txBody>
           <a:bodyPr anchorCtr="0" anchor="ctr" bIns="91425" lIns="91425" spcFirstLastPara="1" rIns="91425" wrap="square" tIns="91425">
             <a:normAutofit/>
           </a:bodyPr>
           <a:lstStyle>
-            <a:lvl1pPr lvl="0">
+            <a:lvl1pPr lvl="0" algn="l">
+              <a:lnSpc>
+                <a:spcPct val="100000"/>
+              </a:lnSpc>
               <a:spcBef>
                 <a:spcPts val="0"/>
               </a:spcBef>
@@ -4407,7 +6760,10 @@
               <a:buNone/>
               <a:defRPr sz="4800"/>
             </a:lvl1pPr>
-            <a:lvl2pPr lvl="1">
+            <a:lvl2pPr lvl="1" algn="l">
+              <a:lnSpc>
+                <a:spcPct val="100000"/>
+              </a:lnSpc>
               <a:spcBef>
                 <a:spcPts val="0"/>
               </a:spcBef>
@@ -4418,7 +6774,10 @@
               <a:buNone/>
               <a:defRPr sz="4800"/>
             </a:lvl2pPr>
-            <a:lvl3pPr lvl="2">
+            <a:lvl3pPr lvl="2" algn="l">
+              <a:lnSpc>
+                <a:spcPct val="100000"/>
+              </a:lnSpc>
               <a:spcBef>
                 <a:spcPts val="0"/>
               </a:spcBef>
@@ -4429,7 +6788,10 @@
               <a:buNone/>
               <a:defRPr sz="4800"/>
             </a:lvl3pPr>
-            <a:lvl4pPr lvl="3">
+            <a:lvl4pPr lvl="3" algn="l">
+              <a:lnSpc>
+                <a:spcPct val="100000"/>
+              </a:lnSpc>
               <a:spcBef>
                 <a:spcPts val="0"/>
               </a:spcBef>
@@ -4440,7 +6802,10 @@
               <a:buNone/>
               <a:defRPr sz="4800"/>
             </a:lvl4pPr>
-            <a:lvl5pPr lvl="4">
+            <a:lvl5pPr lvl="4" algn="l">
+              <a:lnSpc>
+                <a:spcPct val="100000"/>
+              </a:lnSpc>
               <a:spcBef>
                 <a:spcPts val="0"/>
               </a:spcBef>
@@ -4451,7 +6816,10 @@
               <a:buNone/>
               <a:defRPr sz="4800"/>
             </a:lvl5pPr>
-            <a:lvl6pPr lvl="5">
+            <a:lvl6pPr lvl="5" algn="l">
+              <a:lnSpc>
+                <a:spcPct val="100000"/>
+              </a:lnSpc>
               <a:spcBef>
                 <a:spcPts val="0"/>
               </a:spcBef>
@@ -4462,7 +6830,10 @@
               <a:buNone/>
               <a:defRPr sz="4800"/>
             </a:lvl6pPr>
-            <a:lvl7pPr lvl="6">
+            <a:lvl7pPr lvl="6" algn="l">
+              <a:lnSpc>
+                <a:spcPct val="100000"/>
+              </a:lnSpc>
               <a:spcBef>
                 <a:spcPts val="0"/>
               </a:spcBef>
@@ -4473,7 +6844,10 @@
               <a:buNone/>
               <a:defRPr sz="4800"/>
             </a:lvl7pPr>
-            <a:lvl8pPr lvl="7">
+            <a:lvl8pPr lvl="7" algn="l">
+              <a:lnSpc>
+                <a:spcPct val="100000"/>
+              </a:lnSpc>
               <a:spcBef>
                 <a:spcPts val="0"/>
               </a:spcBef>
@@ -4484,7 +6858,10 @@
               <a:buNone/>
               <a:defRPr sz="4800"/>
             </a:lvl8pPr>
-            <a:lvl9pPr lvl="8">
+            <a:lvl9pPr lvl="8" algn="l">
+              <a:lnSpc>
+                <a:spcPct val="100000"/>
+              </a:lnSpc>
               <a:spcBef>
                 <a:spcPts val="0"/>
               </a:spcBef>
@@ -4501,7 +6878,7 @@
       </p:sp>
       <p:sp>
         <p:nvSpPr>
-          <p:cNvPr id="34" name="Google Shape;34;p8"/>
+          <p:cNvPr id="34" name="Google Shape;34;p20"/>
           <p:cNvSpPr txBox="1"/>
           <p:nvPr>
             <p:ph idx="12" type="sldNum"/>
@@ -4515,47 +6892,249 @@
           <a:prstGeom prst="rect">
             <a:avLst/>
           </a:prstGeom>
+          <a:noFill/>
+          <a:ln>
+            <a:noFill/>
+          </a:ln>
         </p:spPr>
         <p:txBody>
           <a:bodyPr anchorCtr="0" anchor="ctr" bIns="91425" lIns="91425" spcFirstLastPara="1" rIns="91425" wrap="square" tIns="91425">
             <a:normAutofit/>
           </a:bodyPr>
           <a:lstStyle>
-            <a:lvl1pPr lvl="0">
-              <a:buNone/>
-              <a:defRPr/>
+            <a:lvl1pPr indent="0" lvl="0" marL="0" marR="0" algn="r">
+              <a:lnSpc>
+                <a:spcPct val="100000"/>
+              </a:lnSpc>
+              <a:spcBef>
+                <a:spcPts val="0"/>
+              </a:spcBef>
+              <a:spcAft>
+                <a:spcPts val="0"/>
+              </a:spcAft>
+              <a:buClr>
+                <a:srgbClr val="000000"/>
+              </a:buClr>
+              <a:buSzPts val="1000"/>
+              <a:buFont typeface="Arial"/>
+              <a:buNone/>
+              <a:defRPr b="0" i="0" sz="1000" u="none" cap="none" strike="noStrike">
+                <a:solidFill>
+                  <a:schemeClr val="dk2"/>
+                </a:solidFill>
+                <a:latin typeface="Arial"/>
+                <a:ea typeface="Arial"/>
+                <a:cs typeface="Arial"/>
+                <a:sym typeface="Arial"/>
+              </a:defRPr>
             </a:lvl1pPr>
-            <a:lvl2pPr lvl="1">
-              <a:buNone/>
-              <a:defRPr/>
+            <a:lvl2pPr indent="0" lvl="1" marL="0" marR="0" algn="r">
+              <a:lnSpc>
+                <a:spcPct val="100000"/>
+              </a:lnSpc>
+              <a:spcBef>
+                <a:spcPts val="0"/>
+              </a:spcBef>
+              <a:spcAft>
+                <a:spcPts val="0"/>
+              </a:spcAft>
+              <a:buClr>
+                <a:srgbClr val="000000"/>
+              </a:buClr>
+              <a:buSzPts val="1000"/>
+              <a:buFont typeface="Arial"/>
+              <a:buNone/>
+              <a:defRPr b="0" i="0" sz="1000" u="none" cap="none" strike="noStrike">
+                <a:solidFill>
+                  <a:schemeClr val="dk2"/>
+                </a:solidFill>
+                <a:latin typeface="Arial"/>
+                <a:ea typeface="Arial"/>
+                <a:cs typeface="Arial"/>
+                <a:sym typeface="Arial"/>
+              </a:defRPr>
             </a:lvl2pPr>
-            <a:lvl3pPr lvl="2">
-              <a:buNone/>
-              <a:defRPr/>
+            <a:lvl3pPr indent="0" lvl="2" marL="0" marR="0" algn="r">
+              <a:lnSpc>
+                <a:spcPct val="100000"/>
+              </a:lnSpc>
+              <a:spcBef>
+                <a:spcPts val="0"/>
+              </a:spcBef>
+              <a:spcAft>
+                <a:spcPts val="0"/>
+              </a:spcAft>
+              <a:buClr>
+                <a:srgbClr val="000000"/>
+              </a:buClr>
+              <a:buSzPts val="1000"/>
+              <a:buFont typeface="Arial"/>
+              <a:buNone/>
+              <a:defRPr b="0" i="0" sz="1000" u="none" cap="none" strike="noStrike">
+                <a:solidFill>
+                  <a:schemeClr val="dk2"/>
+                </a:solidFill>
+                <a:latin typeface="Arial"/>
+                <a:ea typeface="Arial"/>
+                <a:cs typeface="Arial"/>
+                <a:sym typeface="Arial"/>
+              </a:defRPr>
             </a:lvl3pPr>
-            <a:lvl4pPr lvl="3">
-              <a:buNone/>
-              <a:defRPr/>
+            <a:lvl4pPr indent="0" lvl="3" marL="0" marR="0" algn="r">
+              <a:lnSpc>
+                <a:spcPct val="100000"/>
+              </a:lnSpc>
+              <a:spcBef>
+                <a:spcPts val="0"/>
+              </a:spcBef>
+              <a:spcAft>
+                <a:spcPts val="0"/>
+              </a:spcAft>
+              <a:buClr>
+                <a:srgbClr val="000000"/>
+              </a:buClr>
+              <a:buSzPts val="1000"/>
+              <a:buFont typeface="Arial"/>
+              <a:buNone/>
+              <a:defRPr b="0" i="0" sz="1000" u="none" cap="none" strike="noStrike">
+                <a:solidFill>
+                  <a:schemeClr val="dk2"/>
+                </a:solidFill>
+                <a:latin typeface="Arial"/>
+                <a:ea typeface="Arial"/>
+                <a:cs typeface="Arial"/>
+                <a:sym typeface="Arial"/>
+              </a:defRPr>
             </a:lvl4pPr>
-            <a:lvl5pPr lvl="4">
-              <a:buNone/>
-              <a:defRPr/>
+            <a:lvl5pPr indent="0" lvl="4" marL="0" marR="0" algn="r">
+              <a:lnSpc>
+                <a:spcPct val="100000"/>
+              </a:lnSpc>
+              <a:spcBef>
+                <a:spcPts val="0"/>
+              </a:spcBef>
+              <a:spcAft>
+                <a:spcPts val="0"/>
+              </a:spcAft>
+              <a:buClr>
+                <a:srgbClr val="000000"/>
+              </a:buClr>
+              <a:buSzPts val="1000"/>
+              <a:buFont typeface="Arial"/>
+              <a:buNone/>
+              <a:defRPr b="0" i="0" sz="1000" u="none" cap="none" strike="noStrike">
+                <a:solidFill>
+                  <a:schemeClr val="dk2"/>
+                </a:solidFill>
+                <a:latin typeface="Arial"/>
+                <a:ea typeface="Arial"/>
+                <a:cs typeface="Arial"/>
+                <a:sym typeface="Arial"/>
+              </a:defRPr>
             </a:lvl5pPr>
-            <a:lvl6pPr lvl="5">
-              <a:buNone/>
-              <a:defRPr/>
+            <a:lvl6pPr indent="0" lvl="5" marL="0" marR="0" algn="r">
+              <a:lnSpc>
+                <a:spcPct val="100000"/>
+              </a:lnSpc>
+              <a:spcBef>
+                <a:spcPts val="0"/>
+              </a:spcBef>
+              <a:spcAft>
+                <a:spcPts val="0"/>
+              </a:spcAft>
+              <a:buClr>
+                <a:srgbClr val="000000"/>
+              </a:buClr>
+              <a:buSzPts val="1000"/>
+              <a:buFont typeface="Arial"/>
+              <a:buNone/>
+              <a:defRPr b="0" i="0" sz="1000" u="none" cap="none" strike="noStrike">
+                <a:solidFill>
+                  <a:schemeClr val="dk2"/>
+                </a:solidFill>
+                <a:latin typeface="Arial"/>
+                <a:ea typeface="Arial"/>
+                <a:cs typeface="Arial"/>
+                <a:sym typeface="Arial"/>
+              </a:defRPr>
             </a:lvl6pPr>
-            <a:lvl7pPr lvl="6">
-              <a:buNone/>
-              <a:defRPr/>
+            <a:lvl7pPr indent="0" lvl="6" marL="0" marR="0" algn="r">
+              <a:lnSpc>
+                <a:spcPct val="100000"/>
+              </a:lnSpc>
+              <a:spcBef>
+                <a:spcPts val="0"/>
+              </a:spcBef>
+              <a:spcAft>
+                <a:spcPts val="0"/>
+              </a:spcAft>
+              <a:buClr>
+                <a:srgbClr val="000000"/>
+              </a:buClr>
+              <a:buSzPts val="1000"/>
+              <a:buFont typeface="Arial"/>
+              <a:buNone/>
+              <a:defRPr b="0" i="0" sz="1000" u="none" cap="none" strike="noStrike">
+                <a:solidFill>
+                  <a:schemeClr val="dk2"/>
+                </a:solidFill>
+                <a:latin typeface="Arial"/>
+                <a:ea typeface="Arial"/>
+                <a:cs typeface="Arial"/>
+                <a:sym typeface="Arial"/>
+              </a:defRPr>
             </a:lvl7pPr>
-            <a:lvl8pPr lvl="7">
-              <a:buNone/>
-              <a:defRPr/>
+            <a:lvl8pPr indent="0" lvl="7" marL="0" marR="0" algn="r">
+              <a:lnSpc>
+                <a:spcPct val="100000"/>
+              </a:lnSpc>
+              <a:spcBef>
+                <a:spcPts val="0"/>
+              </a:spcBef>
+              <a:spcAft>
+                <a:spcPts val="0"/>
+              </a:spcAft>
+              <a:buClr>
+                <a:srgbClr val="000000"/>
+              </a:buClr>
+              <a:buSzPts val="1000"/>
+              <a:buFont typeface="Arial"/>
+              <a:buNone/>
+              <a:defRPr b="0" i="0" sz="1000" u="none" cap="none" strike="noStrike">
+                <a:solidFill>
+                  <a:schemeClr val="dk2"/>
+                </a:solidFill>
+                <a:latin typeface="Arial"/>
+                <a:ea typeface="Arial"/>
+                <a:cs typeface="Arial"/>
+                <a:sym typeface="Arial"/>
+              </a:defRPr>
             </a:lvl8pPr>
-            <a:lvl9pPr lvl="8">
-              <a:buNone/>
-              <a:defRPr/>
+            <a:lvl9pPr indent="0" lvl="8" marL="0" marR="0" algn="r">
+              <a:lnSpc>
+                <a:spcPct val="100000"/>
+              </a:lnSpc>
+              <a:spcBef>
+                <a:spcPts val="0"/>
+              </a:spcBef>
+              <a:spcAft>
+                <a:spcPts val="0"/>
+              </a:spcAft>
+              <a:buClr>
+                <a:srgbClr val="000000"/>
+              </a:buClr>
+              <a:buSzPts val="1000"/>
+              <a:buFont typeface="Arial"/>
+              <a:buNone/>
+              <a:defRPr b="0" i="0" sz="1000" u="none" cap="none" strike="noStrike">
+                <a:solidFill>
+                  <a:schemeClr val="dk2"/>
+                </a:solidFill>
+                <a:latin typeface="Arial"/>
+                <a:ea typeface="Arial"/>
+                <a:cs typeface="Arial"/>
+                <a:sym typeface="Arial"/>
+              </a:defRPr>
             </a:lvl9pPr>
           </a:lstStyle>
           <a:p>
@@ -4603,7 +7182,7 @@
       </p:grpSpPr>
       <p:sp>
         <p:nvSpPr>
-          <p:cNvPr id="36" name="Google Shape;36;p9"/>
+          <p:cNvPr id="36" name="Google Shape;36;p21"/>
           <p:cNvSpPr/>
           <p:nvPr/>
         </p:nvSpPr>
@@ -4628,25 +7207,41 @@
           </a:bodyPr>
           <a:lstStyle/>
           <a:p>
-            <a:pPr indent="0" lvl="0" marL="0" rtl="0" algn="l">
-              <a:spcBef>
-                <a:spcPts val="0"/>
-              </a:spcBef>
-              <a:spcAft>
-                <a:spcPts val="0"/>
-              </a:spcAft>
+            <a:pPr indent="0" lvl="0" marL="0" marR="0" rtl="0" algn="l">
+              <a:lnSpc>
+                <a:spcPct val="100000"/>
+              </a:lnSpc>
+              <a:spcBef>
+                <a:spcPts val="0"/>
+              </a:spcBef>
+              <a:spcAft>
+                <a:spcPts val="0"/>
+              </a:spcAft>
+              <a:buClr>
+                <a:srgbClr val="000000"/>
+              </a:buClr>
+              <a:buSzPts val="1400"/>
+              <a:buFont typeface="Arial"/>
               <a:buNone/>
             </a:pPr>
             <a:r>
               <a:t/>
             </a:r>
-            <a:endParaRPr/>
+            <a:endParaRPr b="0" i="0" sz="1400" u="none" cap="none" strike="noStrike">
+              <a:solidFill>
+                <a:srgbClr val="000000"/>
+              </a:solidFill>
+              <a:latin typeface="Arial"/>
+              <a:ea typeface="Arial"/>
+              <a:cs typeface="Arial"/>
+              <a:sym typeface="Arial"/>
+            </a:endParaRPr>
           </a:p>
         </p:txBody>
       </p:sp>
       <p:sp>
         <p:nvSpPr>
-          <p:cNvPr id="37" name="Google Shape;37;p9"/>
+          <p:cNvPr id="37" name="Google Shape;37;p21"/>
           <p:cNvSpPr txBox="1"/>
           <p:nvPr>
             <p:ph type="title"/>
@@ -4660,6 +7255,10 @@
           <a:prstGeom prst="rect">
             <a:avLst/>
           </a:prstGeom>
+          <a:noFill/>
+          <a:ln>
+            <a:noFill/>
+          </a:ln>
         </p:spPr>
         <p:txBody>
           <a:bodyPr anchorCtr="0" anchor="b" bIns="91425" lIns="91425" spcFirstLastPara="1" rIns="91425" wrap="square" tIns="91425">
@@ -4667,6 +7266,9 @@
           </a:bodyPr>
           <a:lstStyle>
             <a:lvl1pPr lvl="0" algn="ctr">
+              <a:lnSpc>
+                <a:spcPct val="100000"/>
+              </a:lnSpc>
               <a:spcBef>
                 <a:spcPts val="0"/>
               </a:spcBef>
@@ -4678,6 +7280,9 @@
               <a:defRPr sz="4200"/>
             </a:lvl1pPr>
             <a:lvl2pPr lvl="1" algn="ctr">
+              <a:lnSpc>
+                <a:spcPct val="100000"/>
+              </a:lnSpc>
               <a:spcBef>
                 <a:spcPts val="0"/>
               </a:spcBef>
@@ -4689,6 +7294,9 @@
               <a:defRPr sz="4200"/>
             </a:lvl2pPr>
             <a:lvl3pPr lvl="2" algn="ctr">
+              <a:lnSpc>
+                <a:spcPct val="100000"/>
+              </a:lnSpc>
               <a:spcBef>
                 <a:spcPts val="0"/>
               </a:spcBef>
@@ -4700,6 +7308,9 @@
               <a:defRPr sz="4200"/>
             </a:lvl3pPr>
             <a:lvl4pPr lvl="3" algn="ctr">
+              <a:lnSpc>
+                <a:spcPct val="100000"/>
+              </a:lnSpc>
               <a:spcBef>
                 <a:spcPts val="0"/>
               </a:spcBef>
@@ -4711,6 +7322,9 @@
               <a:defRPr sz="4200"/>
             </a:lvl4pPr>
             <a:lvl5pPr lvl="4" algn="ctr">
+              <a:lnSpc>
+                <a:spcPct val="100000"/>
+              </a:lnSpc>
               <a:spcBef>
                 <a:spcPts val="0"/>
               </a:spcBef>
@@ -4722,6 +7336,9 @@
               <a:defRPr sz="4200"/>
             </a:lvl5pPr>
             <a:lvl6pPr lvl="5" algn="ctr">
+              <a:lnSpc>
+                <a:spcPct val="100000"/>
+              </a:lnSpc>
               <a:spcBef>
                 <a:spcPts val="0"/>
               </a:spcBef>
@@ -4733,6 +7350,9 @@
               <a:defRPr sz="4200"/>
             </a:lvl6pPr>
             <a:lvl7pPr lvl="6" algn="ctr">
+              <a:lnSpc>
+                <a:spcPct val="100000"/>
+              </a:lnSpc>
               <a:spcBef>
                 <a:spcPts val="0"/>
               </a:spcBef>
@@ -4744,6 +7364,9 @@
               <a:defRPr sz="4200"/>
             </a:lvl7pPr>
             <a:lvl8pPr lvl="7" algn="ctr">
+              <a:lnSpc>
+                <a:spcPct val="100000"/>
+              </a:lnSpc>
               <a:spcBef>
                 <a:spcPts val="0"/>
               </a:spcBef>
@@ -4755,6 +7378,9 @@
               <a:defRPr sz="4200"/>
             </a:lvl8pPr>
             <a:lvl9pPr lvl="8" algn="ctr">
+              <a:lnSpc>
+                <a:spcPct val="100000"/>
+              </a:lnSpc>
               <a:spcBef>
                 <a:spcPts val="0"/>
               </a:spcBef>
@@ -4771,7 +7397,7 @@
       </p:sp>
       <p:sp>
         <p:nvSpPr>
-          <p:cNvPr id="38" name="Google Shape;38;p9"/>
+          <p:cNvPr id="38" name="Google Shape;38;p21"/>
           <p:cNvSpPr txBox="1"/>
           <p:nvPr>
             <p:ph idx="1" type="subTitle"/>
@@ -4785,6 +7411,10 @@
           <a:prstGeom prst="rect">
             <a:avLst/>
           </a:prstGeom>
+          <a:noFill/>
+          <a:ln>
+            <a:noFill/>
+          </a:ln>
         </p:spPr>
         <p:txBody>
           <a:bodyPr anchorCtr="0" anchor="t" bIns="91425" lIns="91425" spcFirstLastPara="1" rIns="91425" wrap="square" tIns="91425">
@@ -4923,7 +7553,7 @@
       </p:sp>
       <p:sp>
         <p:nvSpPr>
-          <p:cNvPr id="39" name="Google Shape;39;p9"/>
+          <p:cNvPr id="39" name="Google Shape;39;p21"/>
           <p:cNvSpPr txBox="1"/>
           <p:nvPr>
             <p:ph idx="2" type="body"/>
@@ -4937,13 +7567,20 @@
           <a:prstGeom prst="rect">
             <a:avLst/>
           </a:prstGeom>
+          <a:noFill/>
+          <a:ln>
+            <a:noFill/>
+          </a:ln>
         </p:spPr>
         <p:txBody>
           <a:bodyPr anchorCtr="0" anchor="ctr" bIns="91425" lIns="91425" spcFirstLastPara="1" rIns="91425" wrap="square" tIns="91425">
             <a:normAutofit/>
           </a:bodyPr>
           <a:lstStyle>
-            <a:lvl1pPr indent="-342900" lvl="0" marL="457200">
+            <a:lvl1pPr indent="-342900" lvl="0" marL="457200" algn="l">
+              <a:lnSpc>
+                <a:spcPct val="115000"/>
+              </a:lnSpc>
               <a:spcBef>
                 <a:spcPts val="0"/>
               </a:spcBef>
@@ -4954,7 +7591,10 @@
               <a:buChar char="●"/>
               <a:defRPr/>
             </a:lvl1pPr>
-            <a:lvl2pPr indent="-317500" lvl="1" marL="914400">
+            <a:lvl2pPr indent="-317500" lvl="1" marL="914400" algn="l">
+              <a:lnSpc>
+                <a:spcPct val="115000"/>
+              </a:lnSpc>
               <a:spcBef>
                 <a:spcPts val="0"/>
               </a:spcBef>
@@ -4965,7 +7605,10 @@
               <a:buChar char="○"/>
               <a:defRPr/>
             </a:lvl2pPr>
-            <a:lvl3pPr indent="-317500" lvl="2" marL="1371600">
+            <a:lvl3pPr indent="-317500" lvl="2" marL="1371600" algn="l">
+              <a:lnSpc>
+                <a:spcPct val="115000"/>
+              </a:lnSpc>
               <a:spcBef>
                 <a:spcPts val="0"/>
               </a:spcBef>
@@ -4976,7 +7619,10 @@
               <a:buChar char="■"/>
               <a:defRPr/>
             </a:lvl3pPr>
-            <a:lvl4pPr indent="-317500" lvl="3" marL="1828800">
+            <a:lvl4pPr indent="-317500" lvl="3" marL="1828800" algn="l">
+              <a:lnSpc>
+                <a:spcPct val="115000"/>
+              </a:lnSpc>
               <a:spcBef>
                 <a:spcPts val="0"/>
               </a:spcBef>
@@ -4987,7 +7633,10 @@
               <a:buChar char="●"/>
               <a:defRPr/>
             </a:lvl4pPr>
-            <a:lvl5pPr indent="-317500" lvl="4" marL="2286000">
+            <a:lvl5pPr indent="-317500" lvl="4" marL="2286000" algn="l">
+              <a:lnSpc>
+                <a:spcPct val="115000"/>
+              </a:lnSpc>
               <a:spcBef>
                 <a:spcPts val="0"/>
               </a:spcBef>
@@ -4998,7 +7647,10 @@
               <a:buChar char="○"/>
               <a:defRPr/>
             </a:lvl5pPr>
-            <a:lvl6pPr indent="-317500" lvl="5" marL="2743200">
+            <a:lvl6pPr indent="-317500" lvl="5" marL="2743200" algn="l">
+              <a:lnSpc>
+                <a:spcPct val="115000"/>
+              </a:lnSpc>
               <a:spcBef>
                 <a:spcPts val="0"/>
               </a:spcBef>
@@ -5009,7 +7661,10 @@
               <a:buChar char="■"/>
               <a:defRPr/>
             </a:lvl6pPr>
-            <a:lvl7pPr indent="-317500" lvl="6" marL="3200400">
+            <a:lvl7pPr indent="-317500" lvl="6" marL="3200400" algn="l">
+              <a:lnSpc>
+                <a:spcPct val="115000"/>
+              </a:lnSpc>
               <a:spcBef>
                 <a:spcPts val="0"/>
               </a:spcBef>
@@ -5020,7 +7675,10 @@
               <a:buChar char="●"/>
               <a:defRPr/>
             </a:lvl7pPr>
-            <a:lvl8pPr indent="-317500" lvl="7" marL="3657600">
+            <a:lvl8pPr indent="-317500" lvl="7" marL="3657600" algn="l">
+              <a:lnSpc>
+                <a:spcPct val="115000"/>
+              </a:lnSpc>
               <a:spcBef>
                 <a:spcPts val="0"/>
               </a:spcBef>
@@ -5031,7 +7689,10 @@
               <a:buChar char="○"/>
               <a:defRPr/>
             </a:lvl8pPr>
-            <a:lvl9pPr indent="-317500" lvl="8" marL="4114800">
+            <a:lvl9pPr indent="-317500" lvl="8" marL="4114800" algn="l">
+              <a:lnSpc>
+                <a:spcPct val="115000"/>
+              </a:lnSpc>
               <a:spcBef>
                 <a:spcPts val="0"/>
               </a:spcBef>
@@ -5048,7 +7709,7 @@
       </p:sp>
       <p:sp>
         <p:nvSpPr>
-          <p:cNvPr id="40" name="Google Shape;40;p9"/>
+          <p:cNvPr id="40" name="Google Shape;40;p21"/>
           <p:cNvSpPr txBox="1"/>
           <p:nvPr>
             <p:ph idx="12" type="sldNum"/>
@@ -5062,47 +7723,249 @@
           <a:prstGeom prst="rect">
             <a:avLst/>
           </a:prstGeom>
+          <a:noFill/>
+          <a:ln>
+            <a:noFill/>
+          </a:ln>
         </p:spPr>
         <p:txBody>
           <a:bodyPr anchorCtr="0" anchor="ctr" bIns="91425" lIns="91425" spcFirstLastPara="1" rIns="91425" wrap="square" tIns="91425">
             <a:normAutofit/>
           </a:bodyPr>
           <a:lstStyle>
-            <a:lvl1pPr lvl="0">
-              <a:buNone/>
-              <a:defRPr/>
+            <a:lvl1pPr indent="0" lvl="0" marL="0" marR="0" algn="r">
+              <a:lnSpc>
+                <a:spcPct val="100000"/>
+              </a:lnSpc>
+              <a:spcBef>
+                <a:spcPts val="0"/>
+              </a:spcBef>
+              <a:spcAft>
+                <a:spcPts val="0"/>
+              </a:spcAft>
+              <a:buClr>
+                <a:srgbClr val="000000"/>
+              </a:buClr>
+              <a:buSzPts val="1000"/>
+              <a:buFont typeface="Arial"/>
+              <a:buNone/>
+              <a:defRPr b="0" i="0" sz="1000" u="none" cap="none" strike="noStrike">
+                <a:solidFill>
+                  <a:schemeClr val="dk2"/>
+                </a:solidFill>
+                <a:latin typeface="Arial"/>
+                <a:ea typeface="Arial"/>
+                <a:cs typeface="Arial"/>
+                <a:sym typeface="Arial"/>
+              </a:defRPr>
             </a:lvl1pPr>
-            <a:lvl2pPr lvl="1">
-              <a:buNone/>
-              <a:defRPr/>
+            <a:lvl2pPr indent="0" lvl="1" marL="0" marR="0" algn="r">
+              <a:lnSpc>
+                <a:spcPct val="100000"/>
+              </a:lnSpc>
+              <a:spcBef>
+                <a:spcPts val="0"/>
+              </a:spcBef>
+              <a:spcAft>
+                <a:spcPts val="0"/>
+              </a:spcAft>
+              <a:buClr>
+                <a:srgbClr val="000000"/>
+              </a:buClr>
+              <a:buSzPts val="1000"/>
+              <a:buFont typeface="Arial"/>
+              <a:buNone/>
+              <a:defRPr b="0" i="0" sz="1000" u="none" cap="none" strike="noStrike">
+                <a:solidFill>
+                  <a:schemeClr val="dk2"/>
+                </a:solidFill>
+                <a:latin typeface="Arial"/>
+                <a:ea typeface="Arial"/>
+                <a:cs typeface="Arial"/>
+                <a:sym typeface="Arial"/>
+              </a:defRPr>
             </a:lvl2pPr>
-            <a:lvl3pPr lvl="2">
-              <a:buNone/>
-              <a:defRPr/>
+            <a:lvl3pPr indent="0" lvl="2" marL="0" marR="0" algn="r">
+              <a:lnSpc>
+                <a:spcPct val="100000"/>
+              </a:lnSpc>
+              <a:spcBef>
+                <a:spcPts val="0"/>
+              </a:spcBef>
+              <a:spcAft>
+                <a:spcPts val="0"/>
+              </a:spcAft>
+              <a:buClr>
+                <a:srgbClr val="000000"/>
+              </a:buClr>
+              <a:buSzPts val="1000"/>
+              <a:buFont typeface="Arial"/>
+              <a:buNone/>
+              <a:defRPr b="0" i="0" sz="1000" u="none" cap="none" strike="noStrike">
+                <a:solidFill>
+                  <a:schemeClr val="dk2"/>
+                </a:solidFill>
+                <a:latin typeface="Arial"/>
+                <a:ea typeface="Arial"/>
+                <a:cs typeface="Arial"/>
+                <a:sym typeface="Arial"/>
+              </a:defRPr>
             </a:lvl3pPr>
-            <a:lvl4pPr lvl="3">
-              <a:buNone/>
-              <a:defRPr/>
+            <a:lvl4pPr indent="0" lvl="3" marL="0" marR="0" algn="r">
+              <a:lnSpc>
+                <a:spcPct val="100000"/>
+              </a:lnSpc>
+              <a:spcBef>
+                <a:spcPts val="0"/>
+              </a:spcBef>
+              <a:spcAft>
+                <a:spcPts val="0"/>
+              </a:spcAft>
+              <a:buClr>
+                <a:srgbClr val="000000"/>
+              </a:buClr>
+              <a:buSzPts val="1000"/>
+              <a:buFont typeface="Arial"/>
+              <a:buNone/>
+              <a:defRPr b="0" i="0" sz="1000" u="none" cap="none" strike="noStrike">
+                <a:solidFill>
+                  <a:schemeClr val="dk2"/>
+                </a:solidFill>
+                <a:latin typeface="Arial"/>
+                <a:ea typeface="Arial"/>
+                <a:cs typeface="Arial"/>
+                <a:sym typeface="Arial"/>
+              </a:defRPr>
             </a:lvl4pPr>
-            <a:lvl5pPr lvl="4">
-              <a:buNone/>
-              <a:defRPr/>
+            <a:lvl5pPr indent="0" lvl="4" marL="0" marR="0" algn="r">
+              <a:lnSpc>
+                <a:spcPct val="100000"/>
+              </a:lnSpc>
+              <a:spcBef>
+                <a:spcPts val="0"/>
+              </a:spcBef>
+              <a:spcAft>
+                <a:spcPts val="0"/>
+              </a:spcAft>
+              <a:buClr>
+                <a:srgbClr val="000000"/>
+              </a:buClr>
+              <a:buSzPts val="1000"/>
+              <a:buFont typeface="Arial"/>
+              <a:buNone/>
+              <a:defRPr b="0" i="0" sz="1000" u="none" cap="none" strike="noStrike">
+                <a:solidFill>
+                  <a:schemeClr val="dk2"/>
+                </a:solidFill>
+                <a:latin typeface="Arial"/>
+                <a:ea typeface="Arial"/>
+                <a:cs typeface="Arial"/>
+                <a:sym typeface="Arial"/>
+              </a:defRPr>
             </a:lvl5pPr>
-            <a:lvl6pPr lvl="5">
-              <a:buNone/>
-              <a:defRPr/>
+            <a:lvl6pPr indent="0" lvl="5" marL="0" marR="0" algn="r">
+              <a:lnSpc>
+                <a:spcPct val="100000"/>
+              </a:lnSpc>
+              <a:spcBef>
+                <a:spcPts val="0"/>
+              </a:spcBef>
+              <a:spcAft>
+                <a:spcPts val="0"/>
+              </a:spcAft>
+              <a:buClr>
+                <a:srgbClr val="000000"/>
+              </a:buClr>
+              <a:buSzPts val="1000"/>
+              <a:buFont typeface="Arial"/>
+              <a:buNone/>
+              <a:defRPr b="0" i="0" sz="1000" u="none" cap="none" strike="noStrike">
+                <a:solidFill>
+                  <a:schemeClr val="dk2"/>
+                </a:solidFill>
+                <a:latin typeface="Arial"/>
+                <a:ea typeface="Arial"/>
+                <a:cs typeface="Arial"/>
+                <a:sym typeface="Arial"/>
+              </a:defRPr>
             </a:lvl6pPr>
-            <a:lvl7pPr lvl="6">
-              <a:buNone/>
-              <a:defRPr/>
+            <a:lvl7pPr indent="0" lvl="6" marL="0" marR="0" algn="r">
+              <a:lnSpc>
+                <a:spcPct val="100000"/>
+              </a:lnSpc>
+              <a:spcBef>
+                <a:spcPts val="0"/>
+              </a:spcBef>
+              <a:spcAft>
+                <a:spcPts val="0"/>
+              </a:spcAft>
+              <a:buClr>
+                <a:srgbClr val="000000"/>
+              </a:buClr>
+              <a:buSzPts val="1000"/>
+              <a:buFont typeface="Arial"/>
+              <a:buNone/>
+              <a:defRPr b="0" i="0" sz="1000" u="none" cap="none" strike="noStrike">
+                <a:solidFill>
+                  <a:schemeClr val="dk2"/>
+                </a:solidFill>
+                <a:latin typeface="Arial"/>
+                <a:ea typeface="Arial"/>
+                <a:cs typeface="Arial"/>
+                <a:sym typeface="Arial"/>
+              </a:defRPr>
             </a:lvl7pPr>
-            <a:lvl8pPr lvl="7">
-              <a:buNone/>
-              <a:defRPr/>
+            <a:lvl8pPr indent="0" lvl="7" marL="0" marR="0" algn="r">
+              <a:lnSpc>
+                <a:spcPct val="100000"/>
+              </a:lnSpc>
+              <a:spcBef>
+                <a:spcPts val="0"/>
+              </a:spcBef>
+              <a:spcAft>
+                <a:spcPts val="0"/>
+              </a:spcAft>
+              <a:buClr>
+                <a:srgbClr val="000000"/>
+              </a:buClr>
+              <a:buSzPts val="1000"/>
+              <a:buFont typeface="Arial"/>
+              <a:buNone/>
+              <a:defRPr b="0" i="0" sz="1000" u="none" cap="none" strike="noStrike">
+                <a:solidFill>
+                  <a:schemeClr val="dk2"/>
+                </a:solidFill>
+                <a:latin typeface="Arial"/>
+                <a:ea typeface="Arial"/>
+                <a:cs typeface="Arial"/>
+                <a:sym typeface="Arial"/>
+              </a:defRPr>
             </a:lvl8pPr>
-            <a:lvl9pPr lvl="8">
-              <a:buNone/>
-              <a:defRPr/>
+            <a:lvl9pPr indent="0" lvl="8" marL="0" marR="0" algn="r">
+              <a:lnSpc>
+                <a:spcPct val="100000"/>
+              </a:lnSpc>
+              <a:spcBef>
+                <a:spcPts val="0"/>
+              </a:spcBef>
+              <a:spcAft>
+                <a:spcPts val="0"/>
+              </a:spcAft>
+              <a:buClr>
+                <a:srgbClr val="000000"/>
+              </a:buClr>
+              <a:buSzPts val="1000"/>
+              <a:buFont typeface="Arial"/>
+              <a:buNone/>
+              <a:defRPr b="0" i="0" sz="1000" u="none" cap="none" strike="noStrike">
+                <a:solidFill>
+                  <a:schemeClr val="dk2"/>
+                </a:solidFill>
+                <a:latin typeface="Arial"/>
+                <a:ea typeface="Arial"/>
+                <a:cs typeface="Arial"/>
+                <a:sym typeface="Arial"/>
+              </a:defRPr>
             </a:lvl9pPr>
           </a:lstStyle>
           <a:p>
@@ -5150,7 +8013,7 @@
       </p:grpSpPr>
       <p:sp>
         <p:nvSpPr>
-          <p:cNvPr id="42" name="Google Shape;42;p10"/>
+          <p:cNvPr id="42" name="Google Shape;42;p22"/>
           <p:cNvSpPr txBox="1"/>
           <p:nvPr>
             <p:ph idx="1" type="body"/>
@@ -5164,13 +8027,17 @@
           <a:prstGeom prst="rect">
             <a:avLst/>
           </a:prstGeom>
+          <a:noFill/>
+          <a:ln>
+            <a:noFill/>
+          </a:ln>
         </p:spPr>
         <p:txBody>
           <a:bodyPr anchorCtr="0" anchor="ctr" bIns="91425" lIns="91425" spcFirstLastPara="1" rIns="91425" wrap="square" tIns="91425">
             <a:normAutofit/>
           </a:bodyPr>
           <a:lstStyle>
-            <a:lvl1pPr indent="-228600" lvl="0" marL="457200">
+            <a:lvl1pPr indent="-228600" lvl="0" marL="457200" algn="l">
               <a:lnSpc>
                 <a:spcPct val="100000"/>
               </a:lnSpc>
@@ -5190,7 +8057,7 @@
       </p:sp>
       <p:sp>
         <p:nvSpPr>
-          <p:cNvPr id="43" name="Google Shape;43;p10"/>
+          <p:cNvPr id="43" name="Google Shape;43;p22"/>
           <p:cNvSpPr txBox="1"/>
           <p:nvPr>
             <p:ph idx="12" type="sldNum"/>
@@ -5204,47 +8071,249 @@
           <a:prstGeom prst="rect">
             <a:avLst/>
           </a:prstGeom>
+          <a:noFill/>
+          <a:ln>
+            <a:noFill/>
+          </a:ln>
         </p:spPr>
         <p:txBody>
           <a:bodyPr anchorCtr="0" anchor="ctr" bIns="91425" lIns="91425" spcFirstLastPara="1" rIns="91425" wrap="square" tIns="91425">
             <a:normAutofit/>
           </a:bodyPr>
           <a:lstStyle>
-            <a:lvl1pPr lvl="0">
-              <a:buNone/>
-              <a:defRPr/>
+            <a:lvl1pPr indent="0" lvl="0" marL="0" marR="0" algn="r">
+              <a:lnSpc>
+                <a:spcPct val="100000"/>
+              </a:lnSpc>
+              <a:spcBef>
+                <a:spcPts val="0"/>
+              </a:spcBef>
+              <a:spcAft>
+                <a:spcPts val="0"/>
+              </a:spcAft>
+              <a:buClr>
+                <a:srgbClr val="000000"/>
+              </a:buClr>
+              <a:buSzPts val="1000"/>
+              <a:buFont typeface="Arial"/>
+              <a:buNone/>
+              <a:defRPr b="0" i="0" sz="1000" u="none" cap="none" strike="noStrike">
+                <a:solidFill>
+                  <a:schemeClr val="dk2"/>
+                </a:solidFill>
+                <a:latin typeface="Arial"/>
+                <a:ea typeface="Arial"/>
+                <a:cs typeface="Arial"/>
+                <a:sym typeface="Arial"/>
+              </a:defRPr>
             </a:lvl1pPr>
-            <a:lvl2pPr lvl="1">
-              <a:buNone/>
-              <a:defRPr/>
+            <a:lvl2pPr indent="0" lvl="1" marL="0" marR="0" algn="r">
+              <a:lnSpc>
+                <a:spcPct val="100000"/>
+              </a:lnSpc>
+              <a:spcBef>
+                <a:spcPts val="0"/>
+              </a:spcBef>
+              <a:spcAft>
+                <a:spcPts val="0"/>
+              </a:spcAft>
+              <a:buClr>
+                <a:srgbClr val="000000"/>
+              </a:buClr>
+              <a:buSzPts val="1000"/>
+              <a:buFont typeface="Arial"/>
+              <a:buNone/>
+              <a:defRPr b="0" i="0" sz="1000" u="none" cap="none" strike="noStrike">
+                <a:solidFill>
+                  <a:schemeClr val="dk2"/>
+                </a:solidFill>
+                <a:latin typeface="Arial"/>
+                <a:ea typeface="Arial"/>
+                <a:cs typeface="Arial"/>
+                <a:sym typeface="Arial"/>
+              </a:defRPr>
             </a:lvl2pPr>
-            <a:lvl3pPr lvl="2">
-              <a:buNone/>
-              <a:defRPr/>
+            <a:lvl3pPr indent="0" lvl="2" marL="0" marR="0" algn="r">
+              <a:lnSpc>
+                <a:spcPct val="100000"/>
+              </a:lnSpc>
+              <a:spcBef>
+                <a:spcPts val="0"/>
+              </a:spcBef>
+              <a:spcAft>
+                <a:spcPts val="0"/>
+              </a:spcAft>
+              <a:buClr>
+                <a:srgbClr val="000000"/>
+              </a:buClr>
+              <a:buSzPts val="1000"/>
+              <a:buFont typeface="Arial"/>
+              <a:buNone/>
+              <a:defRPr b="0" i="0" sz="1000" u="none" cap="none" strike="noStrike">
+                <a:solidFill>
+                  <a:schemeClr val="dk2"/>
+                </a:solidFill>
+                <a:latin typeface="Arial"/>
+                <a:ea typeface="Arial"/>
+                <a:cs typeface="Arial"/>
+                <a:sym typeface="Arial"/>
+              </a:defRPr>
             </a:lvl3pPr>
-            <a:lvl4pPr lvl="3">
-              <a:buNone/>
-              <a:defRPr/>
+            <a:lvl4pPr indent="0" lvl="3" marL="0" marR="0" algn="r">
+              <a:lnSpc>
+                <a:spcPct val="100000"/>
+              </a:lnSpc>
+              <a:spcBef>
+                <a:spcPts val="0"/>
+              </a:spcBef>
+              <a:spcAft>
+                <a:spcPts val="0"/>
+              </a:spcAft>
+              <a:buClr>
+                <a:srgbClr val="000000"/>
+              </a:buClr>
+              <a:buSzPts val="1000"/>
+              <a:buFont typeface="Arial"/>
+              <a:buNone/>
+              <a:defRPr b="0" i="0" sz="1000" u="none" cap="none" strike="noStrike">
+                <a:solidFill>
+                  <a:schemeClr val="dk2"/>
+                </a:solidFill>
+                <a:latin typeface="Arial"/>
+                <a:ea typeface="Arial"/>
+                <a:cs typeface="Arial"/>
+                <a:sym typeface="Arial"/>
+              </a:defRPr>
             </a:lvl4pPr>
-            <a:lvl5pPr lvl="4">
-              <a:buNone/>
-              <a:defRPr/>
+            <a:lvl5pPr indent="0" lvl="4" marL="0" marR="0" algn="r">
+              <a:lnSpc>
+                <a:spcPct val="100000"/>
+              </a:lnSpc>
+              <a:spcBef>
+                <a:spcPts val="0"/>
+              </a:spcBef>
+              <a:spcAft>
+                <a:spcPts val="0"/>
+              </a:spcAft>
+              <a:buClr>
+                <a:srgbClr val="000000"/>
+              </a:buClr>
+              <a:buSzPts val="1000"/>
+              <a:buFont typeface="Arial"/>
+              <a:buNone/>
+              <a:defRPr b="0" i="0" sz="1000" u="none" cap="none" strike="noStrike">
+                <a:solidFill>
+                  <a:schemeClr val="dk2"/>
+                </a:solidFill>
+                <a:latin typeface="Arial"/>
+                <a:ea typeface="Arial"/>
+                <a:cs typeface="Arial"/>
+                <a:sym typeface="Arial"/>
+              </a:defRPr>
             </a:lvl5pPr>
-            <a:lvl6pPr lvl="5">
-              <a:buNone/>
-              <a:defRPr/>
+            <a:lvl6pPr indent="0" lvl="5" marL="0" marR="0" algn="r">
+              <a:lnSpc>
+                <a:spcPct val="100000"/>
+              </a:lnSpc>
+              <a:spcBef>
+                <a:spcPts val="0"/>
+              </a:spcBef>
+              <a:spcAft>
+                <a:spcPts val="0"/>
+              </a:spcAft>
+              <a:buClr>
+                <a:srgbClr val="000000"/>
+              </a:buClr>
+              <a:buSzPts val="1000"/>
+              <a:buFont typeface="Arial"/>
+              <a:buNone/>
+              <a:defRPr b="0" i="0" sz="1000" u="none" cap="none" strike="noStrike">
+                <a:solidFill>
+                  <a:schemeClr val="dk2"/>
+                </a:solidFill>
+                <a:latin typeface="Arial"/>
+                <a:ea typeface="Arial"/>
+                <a:cs typeface="Arial"/>
+                <a:sym typeface="Arial"/>
+              </a:defRPr>
             </a:lvl6pPr>
-            <a:lvl7pPr lvl="6">
-              <a:buNone/>
-              <a:defRPr/>
+            <a:lvl7pPr indent="0" lvl="6" marL="0" marR="0" algn="r">
+              <a:lnSpc>
+                <a:spcPct val="100000"/>
+              </a:lnSpc>
+              <a:spcBef>
+                <a:spcPts val="0"/>
+              </a:spcBef>
+              <a:spcAft>
+                <a:spcPts val="0"/>
+              </a:spcAft>
+              <a:buClr>
+                <a:srgbClr val="000000"/>
+              </a:buClr>
+              <a:buSzPts val="1000"/>
+              <a:buFont typeface="Arial"/>
+              <a:buNone/>
+              <a:defRPr b="0" i="0" sz="1000" u="none" cap="none" strike="noStrike">
+                <a:solidFill>
+                  <a:schemeClr val="dk2"/>
+                </a:solidFill>
+                <a:latin typeface="Arial"/>
+                <a:ea typeface="Arial"/>
+                <a:cs typeface="Arial"/>
+                <a:sym typeface="Arial"/>
+              </a:defRPr>
             </a:lvl7pPr>
-            <a:lvl8pPr lvl="7">
-              <a:buNone/>
-              <a:defRPr/>
+            <a:lvl8pPr indent="0" lvl="7" marL="0" marR="0" algn="r">
+              <a:lnSpc>
+                <a:spcPct val="100000"/>
+              </a:lnSpc>
+              <a:spcBef>
+                <a:spcPts val="0"/>
+              </a:spcBef>
+              <a:spcAft>
+                <a:spcPts val="0"/>
+              </a:spcAft>
+              <a:buClr>
+                <a:srgbClr val="000000"/>
+              </a:buClr>
+              <a:buSzPts val="1000"/>
+              <a:buFont typeface="Arial"/>
+              <a:buNone/>
+              <a:defRPr b="0" i="0" sz="1000" u="none" cap="none" strike="noStrike">
+                <a:solidFill>
+                  <a:schemeClr val="dk2"/>
+                </a:solidFill>
+                <a:latin typeface="Arial"/>
+                <a:ea typeface="Arial"/>
+                <a:cs typeface="Arial"/>
+                <a:sym typeface="Arial"/>
+              </a:defRPr>
             </a:lvl8pPr>
-            <a:lvl9pPr lvl="8">
-              <a:buNone/>
-              <a:defRPr/>
+            <a:lvl9pPr indent="0" lvl="8" marL="0" marR="0" algn="r">
+              <a:lnSpc>
+                <a:spcPct val="100000"/>
+              </a:lnSpc>
+              <a:spcBef>
+                <a:spcPts val="0"/>
+              </a:spcBef>
+              <a:spcAft>
+                <a:spcPts val="0"/>
+              </a:spcAft>
+              <a:buClr>
+                <a:srgbClr val="000000"/>
+              </a:buClr>
+              <a:buSzPts val="1000"/>
+              <a:buFont typeface="Arial"/>
+              <a:buNone/>
+              <a:defRPr b="0" i="0" sz="1000" u="none" cap="none" strike="noStrike">
+                <a:solidFill>
+                  <a:schemeClr val="dk2"/>
+                </a:solidFill>
+                <a:latin typeface="Arial"/>
+                <a:ea typeface="Arial"/>
+                <a:cs typeface="Arial"/>
+                <a:sym typeface="Arial"/>
+              </a:defRPr>
             </a:lvl9pPr>
           </a:lstStyle>
           <a:p>
@@ -5299,7 +8368,7 @@
       </p:grpSpPr>
       <p:sp>
         <p:nvSpPr>
-          <p:cNvPr id="6" name="Google Shape;6;p1"/>
+          <p:cNvPr id="6" name="Google Shape;6;p13"/>
           <p:cNvSpPr txBox="1"/>
           <p:nvPr>
             <p:ph type="title"/>
@@ -5323,7 +8392,10 @@
             <a:normAutofit/>
           </a:bodyPr>
           <a:lstStyle>
-            <a:lvl1pPr lvl="0">
+            <a:lvl1pPr lvl="0" marR="0" rtl="0" algn="l">
+              <a:lnSpc>
+                <a:spcPct val="100000"/>
+              </a:lnSpc>
               <a:spcBef>
                 <a:spcPts val="0"/>
               </a:spcBef>
@@ -5334,14 +8406,22 @@
                 <a:schemeClr val="dk1"/>
               </a:buClr>
               <a:buSzPts val="2800"/>
-              <a:buNone/>
-              <a:defRPr sz="2800">
+              <a:buFont typeface="Arial"/>
+              <a:buNone/>
+              <a:defRPr b="0" i="0" sz="2800" u="none" cap="none" strike="noStrike">
                 <a:solidFill>
                   <a:schemeClr val="dk1"/>
                 </a:solidFill>
+                <a:latin typeface="Arial"/>
+                <a:ea typeface="Arial"/>
+                <a:cs typeface="Arial"/>
+                <a:sym typeface="Arial"/>
               </a:defRPr>
             </a:lvl1pPr>
-            <a:lvl2pPr lvl="1">
+            <a:lvl2pPr lvl="1" marR="0" rtl="0" algn="l">
+              <a:lnSpc>
+                <a:spcPct val="100000"/>
+              </a:lnSpc>
               <a:spcBef>
                 <a:spcPts val="0"/>
               </a:spcBef>
@@ -5352,14 +8432,22 @@
                 <a:schemeClr val="dk1"/>
               </a:buClr>
               <a:buSzPts val="2800"/>
-              <a:buNone/>
-              <a:defRPr sz="2800">
+              <a:buFont typeface="Arial"/>
+              <a:buNone/>
+              <a:defRPr b="0" i="0" sz="2800" u="none" cap="none" strike="noStrike">
                 <a:solidFill>
                   <a:schemeClr val="dk1"/>
                 </a:solidFill>
+                <a:latin typeface="Arial"/>
+                <a:ea typeface="Arial"/>
+                <a:cs typeface="Arial"/>
+                <a:sym typeface="Arial"/>
               </a:defRPr>
             </a:lvl2pPr>
-            <a:lvl3pPr lvl="2">
+            <a:lvl3pPr lvl="2" marR="0" rtl="0" algn="l">
+              <a:lnSpc>
+                <a:spcPct val="100000"/>
+              </a:lnSpc>
               <a:spcBef>
                 <a:spcPts val="0"/>
               </a:spcBef>
@@ -5370,14 +8458,22 @@
                 <a:schemeClr val="dk1"/>
               </a:buClr>
               <a:buSzPts val="2800"/>
-              <a:buNone/>
-              <a:defRPr sz="2800">
+              <a:buFont typeface="Arial"/>
+              <a:buNone/>
+              <a:defRPr b="0" i="0" sz="2800" u="none" cap="none" strike="noStrike">
                 <a:solidFill>
                   <a:schemeClr val="dk1"/>
                 </a:solidFill>
+                <a:latin typeface="Arial"/>
+                <a:ea typeface="Arial"/>
+                <a:cs typeface="Arial"/>
+                <a:sym typeface="Arial"/>
               </a:defRPr>
             </a:lvl3pPr>
-            <a:lvl4pPr lvl="3">
+            <a:lvl4pPr lvl="3" marR="0" rtl="0" algn="l">
+              <a:lnSpc>
+                <a:spcPct val="100000"/>
+              </a:lnSpc>
               <a:spcBef>
                 <a:spcPts val="0"/>
               </a:spcBef>
@@ -5388,14 +8484,22 @@
                 <a:schemeClr val="dk1"/>
               </a:buClr>
               <a:buSzPts val="2800"/>
-              <a:buNone/>
-              <a:defRPr sz="2800">
+              <a:buFont typeface="Arial"/>
+              <a:buNone/>
+              <a:defRPr b="0" i="0" sz="2800" u="none" cap="none" strike="noStrike">
                 <a:solidFill>
                   <a:schemeClr val="dk1"/>
                 </a:solidFill>
+                <a:latin typeface="Arial"/>
+                <a:ea typeface="Arial"/>
+                <a:cs typeface="Arial"/>
+                <a:sym typeface="Arial"/>
               </a:defRPr>
             </a:lvl4pPr>
-            <a:lvl5pPr lvl="4">
+            <a:lvl5pPr lvl="4" marR="0" rtl="0" algn="l">
+              <a:lnSpc>
+                <a:spcPct val="100000"/>
+              </a:lnSpc>
               <a:spcBef>
                 <a:spcPts val="0"/>
               </a:spcBef>
@@ -5406,14 +8510,22 @@
                 <a:schemeClr val="dk1"/>
               </a:buClr>
               <a:buSzPts val="2800"/>
-              <a:buNone/>
-              <a:defRPr sz="2800">
+              <a:buFont typeface="Arial"/>
+              <a:buNone/>
+              <a:defRPr b="0" i="0" sz="2800" u="none" cap="none" strike="noStrike">
                 <a:solidFill>
                   <a:schemeClr val="dk1"/>
                 </a:solidFill>
+                <a:latin typeface="Arial"/>
+                <a:ea typeface="Arial"/>
+                <a:cs typeface="Arial"/>
+                <a:sym typeface="Arial"/>
               </a:defRPr>
             </a:lvl5pPr>
-            <a:lvl6pPr lvl="5">
+            <a:lvl6pPr lvl="5" marR="0" rtl="0" algn="l">
+              <a:lnSpc>
+                <a:spcPct val="100000"/>
+              </a:lnSpc>
               <a:spcBef>
                 <a:spcPts val="0"/>
               </a:spcBef>
@@ -5424,14 +8536,22 @@
                 <a:schemeClr val="dk1"/>
               </a:buClr>
               <a:buSzPts val="2800"/>
-              <a:buNone/>
-              <a:defRPr sz="2800">
+              <a:buFont typeface="Arial"/>
+              <a:buNone/>
+              <a:defRPr b="0" i="0" sz="2800" u="none" cap="none" strike="noStrike">
                 <a:solidFill>
                   <a:schemeClr val="dk1"/>
                 </a:solidFill>
+                <a:latin typeface="Arial"/>
+                <a:ea typeface="Arial"/>
+                <a:cs typeface="Arial"/>
+                <a:sym typeface="Arial"/>
               </a:defRPr>
             </a:lvl6pPr>
-            <a:lvl7pPr lvl="6">
+            <a:lvl7pPr lvl="6" marR="0" rtl="0" algn="l">
+              <a:lnSpc>
+                <a:spcPct val="100000"/>
+              </a:lnSpc>
               <a:spcBef>
                 <a:spcPts val="0"/>
               </a:spcBef>
@@ -5442,14 +8562,22 @@
                 <a:schemeClr val="dk1"/>
               </a:buClr>
               <a:buSzPts val="2800"/>
-              <a:buNone/>
-              <a:defRPr sz="2800">
+              <a:buFont typeface="Arial"/>
+              <a:buNone/>
+              <a:defRPr b="0" i="0" sz="2800" u="none" cap="none" strike="noStrike">
                 <a:solidFill>
                   <a:schemeClr val="dk1"/>
                 </a:solidFill>
+                <a:latin typeface="Arial"/>
+                <a:ea typeface="Arial"/>
+                <a:cs typeface="Arial"/>
+                <a:sym typeface="Arial"/>
               </a:defRPr>
             </a:lvl7pPr>
-            <a:lvl8pPr lvl="7">
+            <a:lvl8pPr lvl="7" marR="0" rtl="0" algn="l">
+              <a:lnSpc>
+                <a:spcPct val="100000"/>
+              </a:lnSpc>
               <a:spcBef>
                 <a:spcPts val="0"/>
               </a:spcBef>
@@ -5460,14 +8588,22 @@
                 <a:schemeClr val="dk1"/>
               </a:buClr>
               <a:buSzPts val="2800"/>
-              <a:buNone/>
-              <a:defRPr sz="2800">
+              <a:buFont typeface="Arial"/>
+              <a:buNone/>
+              <a:defRPr b="0" i="0" sz="2800" u="none" cap="none" strike="noStrike">
                 <a:solidFill>
                   <a:schemeClr val="dk1"/>
                 </a:solidFill>
+                <a:latin typeface="Arial"/>
+                <a:ea typeface="Arial"/>
+                <a:cs typeface="Arial"/>
+                <a:sym typeface="Arial"/>
               </a:defRPr>
             </a:lvl8pPr>
-            <a:lvl9pPr lvl="8">
+            <a:lvl9pPr lvl="8" marR="0" rtl="0" algn="l">
+              <a:lnSpc>
+                <a:spcPct val="100000"/>
+              </a:lnSpc>
               <a:spcBef>
                 <a:spcPts val="0"/>
               </a:spcBef>
@@ -5478,11 +8614,16 @@
                 <a:schemeClr val="dk1"/>
               </a:buClr>
               <a:buSzPts val="2800"/>
-              <a:buNone/>
-              <a:defRPr sz="2800">
+              <a:buFont typeface="Arial"/>
+              <a:buNone/>
+              <a:defRPr b="0" i="0" sz="2800" u="none" cap="none" strike="noStrike">
                 <a:solidFill>
                   <a:schemeClr val="dk1"/>
                 </a:solidFill>
+                <a:latin typeface="Arial"/>
+                <a:ea typeface="Arial"/>
+                <a:cs typeface="Arial"/>
+                <a:sym typeface="Arial"/>
               </a:defRPr>
             </a:lvl9pPr>
           </a:lstStyle>
@@ -5491,7 +8632,7 @@
       </p:sp>
       <p:sp>
         <p:nvSpPr>
-          <p:cNvPr id="7" name="Google Shape;7;p1"/>
+          <p:cNvPr id="7" name="Google Shape;7;p13"/>
           <p:cNvSpPr txBox="1"/>
           <p:nvPr>
             <p:ph idx="1" type="body"/>
@@ -5515,7 +8656,7 @@
             <a:normAutofit/>
           </a:bodyPr>
           <a:lstStyle>
-            <a:lvl1pPr indent="-342900" lvl="0" marL="457200">
+            <a:lvl1pPr indent="-342900" lvl="0" marL="457200" marR="0" rtl="0" algn="l">
               <a:lnSpc>
                 <a:spcPct val="115000"/>
               </a:lnSpc>
@@ -5529,14 +8670,19 @@
                 <a:schemeClr val="dk2"/>
               </a:buClr>
               <a:buSzPts val="1800"/>
+              <a:buFont typeface="Arial"/>
               <a:buChar char="●"/>
-              <a:defRPr sz="1800">
+              <a:defRPr b="0" i="0" sz="1800" u="none" cap="none" strike="noStrike">
                 <a:solidFill>
                   <a:schemeClr val="dk2"/>
                 </a:solidFill>
+                <a:latin typeface="Arial"/>
+                <a:ea typeface="Arial"/>
+                <a:cs typeface="Arial"/>
+                <a:sym typeface="Arial"/>
               </a:defRPr>
             </a:lvl1pPr>
-            <a:lvl2pPr indent="-317500" lvl="1" marL="914400">
+            <a:lvl2pPr indent="-317500" lvl="1" marL="914400" marR="0" rtl="0" algn="l">
               <a:lnSpc>
                 <a:spcPct val="115000"/>
               </a:lnSpc>
@@ -5550,14 +8696,19 @@
                 <a:schemeClr val="dk2"/>
               </a:buClr>
               <a:buSzPts val="1400"/>
+              <a:buFont typeface="Arial"/>
               <a:buChar char="○"/>
-              <a:defRPr>
+              <a:defRPr b="0" i="0" sz="1400" u="none" cap="none" strike="noStrike">
                 <a:solidFill>
                   <a:schemeClr val="dk2"/>
                 </a:solidFill>
+                <a:latin typeface="Arial"/>
+                <a:ea typeface="Arial"/>
+                <a:cs typeface="Arial"/>
+                <a:sym typeface="Arial"/>
               </a:defRPr>
             </a:lvl2pPr>
-            <a:lvl3pPr indent="-317500" lvl="2" marL="1371600">
+            <a:lvl3pPr indent="-317500" lvl="2" marL="1371600" marR="0" rtl="0" algn="l">
               <a:lnSpc>
                 <a:spcPct val="115000"/>
               </a:lnSpc>
@@ -5571,14 +8722,19 @@
                 <a:schemeClr val="dk2"/>
               </a:buClr>
               <a:buSzPts val="1400"/>
+              <a:buFont typeface="Arial"/>
               <a:buChar char="■"/>
-              <a:defRPr>
+              <a:defRPr b="0" i="0" sz="1400" u="none" cap="none" strike="noStrike">
                 <a:solidFill>
                   <a:schemeClr val="dk2"/>
                 </a:solidFill>
+                <a:latin typeface="Arial"/>
+                <a:ea typeface="Arial"/>
+                <a:cs typeface="Arial"/>
+                <a:sym typeface="Arial"/>
               </a:defRPr>
             </a:lvl3pPr>
-            <a:lvl4pPr indent="-317500" lvl="3" marL="1828800">
+            <a:lvl4pPr indent="-317500" lvl="3" marL="1828800" marR="0" rtl="0" algn="l">
               <a:lnSpc>
                 <a:spcPct val="115000"/>
               </a:lnSpc>
@@ -5592,14 +8748,19 @@
                 <a:schemeClr val="dk2"/>
               </a:buClr>
               <a:buSzPts val="1400"/>
+              <a:buFont typeface="Arial"/>
               <a:buChar char="●"/>
-              <a:defRPr>
+              <a:defRPr b="0" i="0" sz="1400" u="none" cap="none" strike="noStrike">
                 <a:solidFill>
                   <a:schemeClr val="dk2"/>
                 </a:solidFill>
+                <a:latin typeface="Arial"/>
+                <a:ea typeface="Arial"/>
+                <a:cs typeface="Arial"/>
+                <a:sym typeface="Arial"/>
               </a:defRPr>
             </a:lvl4pPr>
-            <a:lvl5pPr indent="-317500" lvl="4" marL="2286000">
+            <a:lvl5pPr indent="-317500" lvl="4" marL="2286000" marR="0" rtl="0" algn="l">
               <a:lnSpc>
                 <a:spcPct val="115000"/>
               </a:lnSpc>
@@ -5613,14 +8774,19 @@
                 <a:schemeClr val="dk2"/>
               </a:buClr>
               <a:buSzPts val="1400"/>
+              <a:buFont typeface="Arial"/>
               <a:buChar char="○"/>
-              <a:defRPr>
+              <a:defRPr b="0" i="0" sz="1400" u="none" cap="none" strike="noStrike">
                 <a:solidFill>
                   <a:schemeClr val="dk2"/>
                 </a:solidFill>
+                <a:latin typeface="Arial"/>
+                <a:ea typeface="Arial"/>
+                <a:cs typeface="Arial"/>
+                <a:sym typeface="Arial"/>
               </a:defRPr>
             </a:lvl5pPr>
-            <a:lvl6pPr indent="-317500" lvl="5" marL="2743200">
+            <a:lvl6pPr indent="-317500" lvl="5" marL="2743200" marR="0" rtl="0" algn="l">
               <a:lnSpc>
                 <a:spcPct val="115000"/>
               </a:lnSpc>
@@ -5634,14 +8800,19 @@
                 <a:schemeClr val="dk2"/>
               </a:buClr>
               <a:buSzPts val="1400"/>
+              <a:buFont typeface="Arial"/>
               <a:buChar char="■"/>
-              <a:defRPr>
+              <a:defRPr b="0" i="0" sz="1400" u="none" cap="none" strike="noStrike">
                 <a:solidFill>
                   <a:schemeClr val="dk2"/>
                 </a:solidFill>
+                <a:latin typeface="Arial"/>
+                <a:ea typeface="Arial"/>
+                <a:cs typeface="Arial"/>
+                <a:sym typeface="Arial"/>
               </a:defRPr>
             </a:lvl6pPr>
-            <a:lvl7pPr indent="-317500" lvl="6" marL="3200400">
+            <a:lvl7pPr indent="-317500" lvl="6" marL="3200400" marR="0" rtl="0" algn="l">
               <a:lnSpc>
                 <a:spcPct val="115000"/>
               </a:lnSpc>
@@ -5655,14 +8826,19 @@
                 <a:schemeClr val="dk2"/>
               </a:buClr>
               <a:buSzPts val="1400"/>
+              <a:buFont typeface="Arial"/>
               <a:buChar char="●"/>
-              <a:defRPr>
+              <a:defRPr b="0" i="0" sz="1400" u="none" cap="none" strike="noStrike">
                 <a:solidFill>
                   <a:schemeClr val="dk2"/>
                 </a:solidFill>
+                <a:latin typeface="Arial"/>
+                <a:ea typeface="Arial"/>
+                <a:cs typeface="Arial"/>
+                <a:sym typeface="Arial"/>
               </a:defRPr>
             </a:lvl7pPr>
-            <a:lvl8pPr indent="-317500" lvl="7" marL="3657600">
+            <a:lvl8pPr indent="-317500" lvl="7" marL="3657600" marR="0" rtl="0" algn="l">
               <a:lnSpc>
                 <a:spcPct val="115000"/>
               </a:lnSpc>
@@ -5676,14 +8852,19 @@
                 <a:schemeClr val="dk2"/>
               </a:buClr>
               <a:buSzPts val="1400"/>
+              <a:buFont typeface="Arial"/>
               <a:buChar char="○"/>
-              <a:defRPr>
+              <a:defRPr b="0" i="0" sz="1400" u="none" cap="none" strike="noStrike">
                 <a:solidFill>
                   <a:schemeClr val="dk2"/>
                 </a:solidFill>
+                <a:latin typeface="Arial"/>
+                <a:ea typeface="Arial"/>
+                <a:cs typeface="Arial"/>
+                <a:sym typeface="Arial"/>
               </a:defRPr>
             </a:lvl8pPr>
-            <a:lvl9pPr indent="-317500" lvl="8" marL="4114800">
+            <a:lvl9pPr indent="-317500" lvl="8" marL="4114800" marR="0" rtl="0" algn="l">
               <a:lnSpc>
                 <a:spcPct val="115000"/>
               </a:lnSpc>
@@ -5697,11 +8878,16 @@
                 <a:schemeClr val="dk2"/>
               </a:buClr>
               <a:buSzPts val="1400"/>
+              <a:buFont typeface="Arial"/>
               <a:buChar char="■"/>
-              <a:defRPr>
+              <a:defRPr b="0" i="0" sz="1400" u="none" cap="none" strike="noStrike">
                 <a:solidFill>
                   <a:schemeClr val="dk2"/>
                 </a:solidFill>
+                <a:latin typeface="Arial"/>
+                <a:ea typeface="Arial"/>
+                <a:cs typeface="Arial"/>
+                <a:sym typeface="Arial"/>
               </a:defRPr>
             </a:lvl9pPr>
           </a:lstStyle>
@@ -5710,7 +8896,7 @@
       </p:sp>
       <p:sp>
         <p:nvSpPr>
-          <p:cNvPr id="8" name="Google Shape;8;p1"/>
+          <p:cNvPr id="8" name="Google Shape;8;p13"/>
           <p:cNvSpPr txBox="1"/>
           <p:nvPr>
             <p:ph idx="12" type="sldNum"/>
@@ -5734,76 +8920,238 @@
             <a:normAutofit/>
           </a:bodyPr>
           <a:lstStyle>
-            <a:lvl1pPr lvl="0" algn="r">
-              <a:buNone/>
-              <a:defRPr sz="1000">
+            <a:lvl1pPr indent="0" lvl="0" marL="0" marR="0" rtl="0" algn="r">
+              <a:lnSpc>
+                <a:spcPct val="100000"/>
+              </a:lnSpc>
+              <a:spcBef>
+                <a:spcPts val="0"/>
+              </a:spcBef>
+              <a:spcAft>
+                <a:spcPts val="0"/>
+              </a:spcAft>
+              <a:buClr>
+                <a:srgbClr val="000000"/>
+              </a:buClr>
+              <a:buSzPts val="1000"/>
+              <a:buFont typeface="Arial"/>
+              <a:buNone/>
+              <a:defRPr b="0" i="0" sz="1000" u="none" cap="none" strike="noStrike">
                 <a:solidFill>
                   <a:schemeClr val="dk2"/>
                 </a:solidFill>
+                <a:latin typeface="Arial"/>
+                <a:ea typeface="Arial"/>
+                <a:cs typeface="Arial"/>
+                <a:sym typeface="Arial"/>
               </a:defRPr>
             </a:lvl1pPr>
-            <a:lvl2pPr lvl="1" algn="r">
-              <a:buNone/>
-              <a:defRPr sz="1000">
+            <a:lvl2pPr indent="0" lvl="1" marL="0" marR="0" rtl="0" algn="r">
+              <a:lnSpc>
+                <a:spcPct val="100000"/>
+              </a:lnSpc>
+              <a:spcBef>
+                <a:spcPts val="0"/>
+              </a:spcBef>
+              <a:spcAft>
+                <a:spcPts val="0"/>
+              </a:spcAft>
+              <a:buClr>
+                <a:srgbClr val="000000"/>
+              </a:buClr>
+              <a:buSzPts val="1000"/>
+              <a:buFont typeface="Arial"/>
+              <a:buNone/>
+              <a:defRPr b="0" i="0" sz="1000" u="none" cap="none" strike="noStrike">
                 <a:solidFill>
                   <a:schemeClr val="dk2"/>
                 </a:solidFill>
+                <a:latin typeface="Arial"/>
+                <a:ea typeface="Arial"/>
+                <a:cs typeface="Arial"/>
+                <a:sym typeface="Arial"/>
               </a:defRPr>
             </a:lvl2pPr>
-            <a:lvl3pPr lvl="2" algn="r">
-              <a:buNone/>
-              <a:defRPr sz="1000">
+            <a:lvl3pPr indent="0" lvl="2" marL="0" marR="0" rtl="0" algn="r">
+              <a:lnSpc>
+                <a:spcPct val="100000"/>
+              </a:lnSpc>
+              <a:spcBef>
+                <a:spcPts val="0"/>
+              </a:spcBef>
+              <a:spcAft>
+                <a:spcPts val="0"/>
+              </a:spcAft>
+              <a:buClr>
+                <a:srgbClr val="000000"/>
+              </a:buClr>
+              <a:buSzPts val="1000"/>
+              <a:buFont typeface="Arial"/>
+              <a:buNone/>
+              <a:defRPr b="0" i="0" sz="1000" u="none" cap="none" strike="noStrike">
                 <a:solidFill>
                   <a:schemeClr val="dk2"/>
                 </a:solidFill>
+                <a:latin typeface="Arial"/>
+                <a:ea typeface="Arial"/>
+                <a:cs typeface="Arial"/>
+                <a:sym typeface="Arial"/>
               </a:defRPr>
             </a:lvl3pPr>
-            <a:lvl4pPr lvl="3" algn="r">
-              <a:buNone/>
-              <a:defRPr sz="1000">
+            <a:lvl4pPr indent="0" lvl="3" marL="0" marR="0" rtl="0" algn="r">
+              <a:lnSpc>
+                <a:spcPct val="100000"/>
+              </a:lnSpc>
+              <a:spcBef>
+                <a:spcPts val="0"/>
+              </a:spcBef>
+              <a:spcAft>
+                <a:spcPts val="0"/>
+              </a:spcAft>
+              <a:buClr>
+                <a:srgbClr val="000000"/>
+              </a:buClr>
+              <a:buSzPts val="1000"/>
+              <a:buFont typeface="Arial"/>
+              <a:buNone/>
+              <a:defRPr b="0" i="0" sz="1000" u="none" cap="none" strike="noStrike">
                 <a:solidFill>
                   <a:schemeClr val="dk2"/>
                 </a:solidFill>
+                <a:latin typeface="Arial"/>
+                <a:ea typeface="Arial"/>
+                <a:cs typeface="Arial"/>
+                <a:sym typeface="Arial"/>
               </a:defRPr>
             </a:lvl4pPr>
-            <a:lvl5pPr lvl="4" algn="r">
-              <a:buNone/>
-              <a:defRPr sz="1000">
+            <a:lvl5pPr indent="0" lvl="4" marL="0" marR="0" rtl="0" algn="r">
+              <a:lnSpc>
+                <a:spcPct val="100000"/>
+              </a:lnSpc>
+              <a:spcBef>
+                <a:spcPts val="0"/>
+              </a:spcBef>
+              <a:spcAft>
+                <a:spcPts val="0"/>
+              </a:spcAft>
+              <a:buClr>
+                <a:srgbClr val="000000"/>
+              </a:buClr>
+              <a:buSzPts val="1000"/>
+              <a:buFont typeface="Arial"/>
+              <a:buNone/>
+              <a:defRPr b="0" i="0" sz="1000" u="none" cap="none" strike="noStrike">
                 <a:solidFill>
                   <a:schemeClr val="dk2"/>
                 </a:solidFill>
+                <a:latin typeface="Arial"/>
+                <a:ea typeface="Arial"/>
+                <a:cs typeface="Arial"/>
+                <a:sym typeface="Arial"/>
               </a:defRPr>
             </a:lvl5pPr>
-            <a:lvl6pPr lvl="5" algn="r">
-              <a:buNone/>
-              <a:defRPr sz="1000">
+            <a:lvl6pPr indent="0" lvl="5" marL="0" marR="0" rtl="0" algn="r">
+              <a:lnSpc>
+                <a:spcPct val="100000"/>
+              </a:lnSpc>
+              <a:spcBef>
+                <a:spcPts val="0"/>
+              </a:spcBef>
+              <a:spcAft>
+                <a:spcPts val="0"/>
+              </a:spcAft>
+              <a:buClr>
+                <a:srgbClr val="000000"/>
+              </a:buClr>
+              <a:buSzPts val="1000"/>
+              <a:buFont typeface="Arial"/>
+              <a:buNone/>
+              <a:defRPr b="0" i="0" sz="1000" u="none" cap="none" strike="noStrike">
                 <a:solidFill>
                   <a:schemeClr val="dk2"/>
                 </a:solidFill>
+                <a:latin typeface="Arial"/>
+                <a:ea typeface="Arial"/>
+                <a:cs typeface="Arial"/>
+                <a:sym typeface="Arial"/>
               </a:defRPr>
             </a:lvl6pPr>
-            <a:lvl7pPr lvl="6" algn="r">
-              <a:buNone/>
-              <a:defRPr sz="1000">
+            <a:lvl7pPr indent="0" lvl="6" marL="0" marR="0" rtl="0" algn="r">
+              <a:lnSpc>
+                <a:spcPct val="100000"/>
+              </a:lnSpc>
+              <a:spcBef>
+                <a:spcPts val="0"/>
+              </a:spcBef>
+              <a:spcAft>
+                <a:spcPts val="0"/>
+              </a:spcAft>
+              <a:buClr>
+                <a:srgbClr val="000000"/>
+              </a:buClr>
+              <a:buSzPts val="1000"/>
+              <a:buFont typeface="Arial"/>
+              <a:buNone/>
+              <a:defRPr b="0" i="0" sz="1000" u="none" cap="none" strike="noStrike">
                 <a:solidFill>
                   <a:schemeClr val="dk2"/>
                 </a:solidFill>
+                <a:latin typeface="Arial"/>
+                <a:ea typeface="Arial"/>
+                <a:cs typeface="Arial"/>
+                <a:sym typeface="Arial"/>
               </a:defRPr>
             </a:lvl7pPr>
-            <a:lvl8pPr lvl="7" algn="r">
-              <a:buNone/>
-              <a:defRPr sz="1000">
+            <a:lvl8pPr indent="0" lvl="7" marL="0" marR="0" rtl="0" algn="r">
+              <a:lnSpc>
+                <a:spcPct val="100000"/>
+              </a:lnSpc>
+              <a:spcBef>
+                <a:spcPts val="0"/>
+              </a:spcBef>
+              <a:spcAft>
+                <a:spcPts val="0"/>
+              </a:spcAft>
+              <a:buClr>
+                <a:srgbClr val="000000"/>
+              </a:buClr>
+              <a:buSzPts val="1000"/>
+              <a:buFont typeface="Arial"/>
+              <a:buNone/>
+              <a:defRPr b="0" i="0" sz="1000" u="none" cap="none" strike="noStrike">
                 <a:solidFill>
                   <a:schemeClr val="dk2"/>
                 </a:solidFill>
+                <a:latin typeface="Arial"/>
+                <a:ea typeface="Arial"/>
+                <a:cs typeface="Arial"/>
+                <a:sym typeface="Arial"/>
               </a:defRPr>
             </a:lvl8pPr>
-            <a:lvl9pPr lvl="8" algn="r">
-              <a:buNone/>
-              <a:defRPr sz="1000">
+            <a:lvl9pPr indent="0" lvl="8" marL="0" marR="0" rtl="0" algn="r">
+              <a:lnSpc>
+                <a:spcPct val="100000"/>
+              </a:lnSpc>
+              <a:spcBef>
+                <a:spcPts val="0"/>
+              </a:spcBef>
+              <a:spcAft>
+                <a:spcPts val="0"/>
+              </a:spcAft>
+              <a:buClr>
+                <a:srgbClr val="000000"/>
+              </a:buClr>
+              <a:buSzPts val="1000"/>
+              <a:buFont typeface="Arial"/>
+              <a:buNone/>
+              <a:defRPr b="0" i="0" sz="1000" u="none" cap="none" strike="noStrike">
                 <a:solidFill>
                   <a:schemeClr val="dk2"/>
                 </a:solidFill>
+                <a:latin typeface="Arial"/>
+                <a:ea typeface="Arial"/>
+                <a:cs typeface="Arial"/>
+                <a:sym typeface="Arial"/>
               </a:defRPr>
             </a:lvl9pPr>
           </a:lstStyle>
@@ -5829,17 +9177,17 @@
   </p:cSld>
   <p:clrMap accent1="accent1" accent2="accent2" accent3="accent3" accent4="accent4" accent5="accent5" accent6="accent6" bg1="lt1" bg2="dk2" tx1="dk1" tx2="lt2" folHlink="folHlink" hlink="hlink"/>
   <p:sldLayoutIdLst>
-    <p:sldLayoutId id="2147483648" r:id="rId1"/>
-    <p:sldLayoutId id="2147483649" r:id="rId2"/>
-    <p:sldLayoutId id="2147483650" r:id="rId3"/>
-    <p:sldLayoutId id="2147483651" r:id="rId4"/>
-    <p:sldLayoutId id="2147483652" r:id="rId5"/>
-    <p:sldLayoutId id="2147483653" r:id="rId6"/>
-    <p:sldLayoutId id="2147483654" r:id="rId7"/>
-    <p:sldLayoutId id="2147483655" r:id="rId8"/>
-    <p:sldLayoutId id="2147483656" r:id="rId9"/>
-    <p:sldLayoutId id="2147483657" r:id="rId10"/>
-    <p:sldLayoutId id="2147483658" r:id="rId11"/>
+    <p:sldLayoutId id="2147483649" r:id="rId1"/>
+    <p:sldLayoutId id="2147483650" r:id="rId2"/>
+    <p:sldLayoutId id="2147483651" r:id="rId3"/>
+    <p:sldLayoutId id="2147483652" r:id="rId4"/>
+    <p:sldLayoutId id="2147483653" r:id="rId5"/>
+    <p:sldLayoutId id="2147483654" r:id="rId6"/>
+    <p:sldLayoutId id="2147483655" r:id="rId7"/>
+    <p:sldLayoutId id="2147483656" r:id="rId8"/>
+    <p:sldLayoutId id="2147483657" r:id="rId9"/>
+    <p:sldLayoutId id="2147483658" r:id="rId10"/>
+    <p:sldLayoutId id="2147483659" r:id="rId11"/>
   </p:sldLayoutIdLst>
   <p:hf dt="0" ftr="0" hdr="0" sldNum="0"/>
   <p:txStyles>
@@ -6553,7 +9901,7 @@
       </p:grpSpPr>
       <p:sp>
         <p:nvSpPr>
-          <p:cNvPr id="54" name="Google Shape;54;p13"/>
+          <p:cNvPr id="54" name="Google Shape;54;p1"/>
           <p:cNvSpPr txBox="1"/>
           <p:nvPr>
             <p:ph type="ctrTitle"/>
@@ -6567,6 +9915,10 @@
           <a:prstGeom prst="rect">
             <a:avLst/>
           </a:prstGeom>
+          <a:noFill/>
+          <a:ln>
+            <a:noFill/>
+          </a:ln>
         </p:spPr>
         <p:txBody>
           <a:bodyPr anchorCtr="0" anchor="b" bIns="91425" lIns="91425" spcFirstLastPara="1" rIns="91425" wrap="square" tIns="91425">
@@ -6575,12 +9927,16 @@
           <a:lstStyle/>
           <a:p>
             <a:pPr indent="0" lvl="0" marL="0" rtl="0" algn="ctr">
-              <a:spcBef>
-                <a:spcPts val="0"/>
-              </a:spcBef>
-              <a:spcAft>
-                <a:spcPts val="0"/>
-              </a:spcAft>
+              <a:lnSpc>
+                <a:spcPct val="100000"/>
+              </a:lnSpc>
+              <a:spcBef>
+                <a:spcPts val="0"/>
+              </a:spcBef>
+              <a:spcAft>
+                <a:spcPts val="0"/>
+              </a:spcAft>
+              <a:buSzPct val="111111"/>
               <a:buNone/>
             </a:pPr>
             <a:r>
@@ -6591,12 +9947,16 @@
           </a:p>
           <a:p>
             <a:pPr indent="0" lvl="0" marL="0" rtl="0" algn="ctr">
-              <a:spcBef>
-                <a:spcPts val="0"/>
-              </a:spcBef>
-              <a:spcAft>
-                <a:spcPts val="0"/>
-              </a:spcAft>
+              <a:lnSpc>
+                <a:spcPct val="100000"/>
+              </a:lnSpc>
+              <a:spcBef>
+                <a:spcPts val="0"/>
+              </a:spcBef>
+              <a:spcAft>
+                <a:spcPts val="0"/>
+              </a:spcAft>
+              <a:buSzPct val="111111"/>
               <a:buNone/>
             </a:pPr>
             <a:r>
@@ -6609,7 +9969,7 @@
       </p:sp>
       <p:sp>
         <p:nvSpPr>
-          <p:cNvPr id="55" name="Google Shape;55;p13"/>
+          <p:cNvPr id="55" name="Google Shape;55;p1"/>
           <p:cNvSpPr txBox="1"/>
           <p:nvPr>
             <p:ph idx="1" type="subTitle"/>
@@ -6623,6 +9983,10 @@
           <a:prstGeom prst="rect">
             <a:avLst/>
           </a:prstGeom>
+          <a:noFill/>
+          <a:ln>
+            <a:noFill/>
+          </a:ln>
         </p:spPr>
         <p:txBody>
           <a:bodyPr anchorCtr="0" anchor="t" bIns="91425" lIns="91425" spcFirstLastPara="1" rIns="91425" wrap="square" tIns="91425">
@@ -6631,12 +9995,16 @@
           <a:lstStyle/>
           <a:p>
             <a:pPr indent="0" lvl="0" marL="0" rtl="0" algn="ctr">
-              <a:spcBef>
-                <a:spcPts val="0"/>
-              </a:spcBef>
-              <a:spcAft>
-                <a:spcPts val="0"/>
-              </a:spcAft>
+              <a:lnSpc>
+                <a:spcPct val="100000"/>
+              </a:lnSpc>
+              <a:spcBef>
+                <a:spcPts val="0"/>
+              </a:spcBef>
+              <a:spcAft>
+                <a:spcPts val="0"/>
+              </a:spcAft>
+              <a:buSzPts val="2800"/>
               <a:buNone/>
             </a:pPr>
             <a:r>
@@ -6655,12 +10023,16 @@
           </a:p>
           <a:p>
             <a:pPr indent="0" lvl="0" marL="0" rtl="0" algn="ctr">
-              <a:spcBef>
-                <a:spcPts val="0"/>
-              </a:spcBef>
-              <a:spcAft>
-                <a:spcPts val="0"/>
-              </a:spcAft>
+              <a:lnSpc>
+                <a:spcPct val="100000"/>
+              </a:lnSpc>
+              <a:spcBef>
+                <a:spcPts val="0"/>
+              </a:spcBef>
+              <a:spcAft>
+                <a:spcPts val="0"/>
+              </a:spcAft>
+              <a:buSzPts val="2800"/>
               <a:buNone/>
             </a:pPr>
             <a:r>
@@ -6669,7 +10041,7 @@
                   <a:schemeClr val="dk1"/>
                 </a:solidFill>
               </a:rPr>
-              <a:t>Dr. Talgat Manglayev</a:t>
+              <a:t>Talgat Manglayev</a:t>
             </a:r>
             <a:endParaRPr>
               <a:solidFill>
@@ -6679,12 +10051,16 @@
           </a:p>
           <a:p>
             <a:pPr indent="0" lvl="0" marL="0" rtl="0" algn="ctr">
-              <a:spcBef>
-                <a:spcPts val="0"/>
-              </a:spcBef>
-              <a:spcAft>
-                <a:spcPts val="0"/>
-              </a:spcAft>
+              <a:lnSpc>
+                <a:spcPct val="100000"/>
+              </a:lnSpc>
+              <a:spcBef>
+                <a:spcPts val="0"/>
+              </a:spcBef>
+              <a:spcAft>
+                <a:spcPts val="0"/>
+              </a:spcAft>
+              <a:buSzPts val="2800"/>
               <a:buNone/>
             </a:pPr>
             <a:r>
@@ -6693,7 +10069,7 @@
                   <a:schemeClr val="dk1"/>
                 </a:solidFill>
               </a:rPr>
-              <a:t>Dr. Irina Dolzhikova</a:t>
+              <a:t>Irina Dolzhikova</a:t>
             </a:r>
             <a:endParaRPr>
               <a:solidFill>
@@ -6703,12 +10079,16 @@
           </a:p>
           <a:p>
             <a:pPr indent="0" lvl="0" marL="0" rtl="0" algn="ctr">
-              <a:spcBef>
-                <a:spcPts val="0"/>
-              </a:spcBef>
-              <a:spcAft>
-                <a:spcPts val="0"/>
-              </a:spcAft>
+              <a:lnSpc>
+                <a:spcPct val="100000"/>
+              </a:lnSpc>
+              <a:spcBef>
+                <a:spcPts val="0"/>
+              </a:spcBef>
+              <a:spcAft>
+                <a:spcPts val="0"/>
+              </a:spcAft>
+              <a:buSzPts val="2800"/>
               <a:buNone/>
             </a:pPr>
             <a:r>
@@ -6717,7 +10097,7 @@
                   <a:schemeClr val="dk1"/>
                 </a:solidFill>
               </a:rPr>
-              <a:t>Marat Isteleyev</a:t>
+              <a:t>Aigerim Yessenbayeva</a:t>
             </a:r>
             <a:endParaRPr>
               <a:solidFill>
@@ -6754,7 +10134,7 @@
       </p:grpSpPr>
       <p:sp>
         <p:nvSpPr>
-          <p:cNvPr id="113" name="Google Shape;113;p22"/>
+          <p:cNvPr id="113" name="Google Shape;113;p10"/>
           <p:cNvSpPr txBox="1"/>
           <p:nvPr>
             <p:ph type="title"/>
@@ -6768,6 +10148,10 @@
           <a:prstGeom prst="rect">
             <a:avLst/>
           </a:prstGeom>
+          <a:noFill/>
+          <a:ln>
+            <a:noFill/>
+          </a:ln>
         </p:spPr>
         <p:txBody>
           <a:bodyPr anchorCtr="0" anchor="t" bIns="91425" lIns="91425" spcFirstLastPara="1" rIns="91425" wrap="square" tIns="91425">
@@ -6776,12 +10160,16 @@
           <a:lstStyle/>
           <a:p>
             <a:pPr indent="0" lvl="0" marL="0" rtl="0" algn="l">
-              <a:spcBef>
-                <a:spcPts val="0"/>
-              </a:spcBef>
-              <a:spcAft>
-                <a:spcPts val="0"/>
-              </a:spcAft>
+              <a:lnSpc>
+                <a:spcPct val="100000"/>
+              </a:lnSpc>
+              <a:spcBef>
+                <a:spcPts val="0"/>
+              </a:spcBef>
+              <a:spcAft>
+                <a:spcPts val="0"/>
+              </a:spcAft>
+              <a:buSzPct val="111111"/>
               <a:buNone/>
             </a:pPr>
             <a:r>
@@ -6794,7 +10182,7 @@
       </p:sp>
       <p:sp>
         <p:nvSpPr>
-          <p:cNvPr id="114" name="Google Shape;114;p22"/>
+          <p:cNvPr id="114" name="Google Shape;114;p10"/>
           <p:cNvSpPr txBox="1"/>
           <p:nvPr>
             <p:ph idx="1" type="body"/>
@@ -6808,6 +10196,10 @@
           <a:prstGeom prst="rect">
             <a:avLst/>
           </a:prstGeom>
+          <a:noFill/>
+          <a:ln>
+            <a:noFill/>
+          </a:ln>
         </p:spPr>
         <p:txBody>
           <a:bodyPr anchorCtr="0" anchor="t" bIns="91425" lIns="91425" spcFirstLastPara="1" rIns="91425" wrap="square" tIns="91425">
@@ -6816,6 +10208,9 @@
           <a:lstStyle/>
           <a:p>
             <a:pPr indent="0" lvl="0" marL="0" rtl="0" algn="l">
+              <a:lnSpc>
+                <a:spcPct val="115000"/>
+              </a:lnSpc>
               <a:spcBef>
                 <a:spcPts val="0"/>
               </a:spcBef>
@@ -6861,6 +10256,9 @@
           </a:p>
           <a:p>
             <a:pPr indent="457200" lvl="0" marL="0" rtl="0" algn="l">
+              <a:lnSpc>
+                <a:spcPct val="115000"/>
+              </a:lnSpc>
               <a:spcBef>
                 <a:spcPts val="1200"/>
               </a:spcBef>
@@ -6890,6 +10288,9 @@
           </a:p>
           <a:p>
             <a:pPr indent="457200" lvl="0" marL="0" rtl="0" algn="l">
+              <a:lnSpc>
+                <a:spcPct val="115000"/>
+              </a:lnSpc>
               <a:spcBef>
                 <a:spcPts val="1200"/>
               </a:spcBef>
@@ -6951,6 +10352,9 @@
           </a:p>
           <a:p>
             <a:pPr indent="457200" lvl="0" marL="0" rtl="0" algn="l">
+              <a:lnSpc>
+                <a:spcPct val="115000"/>
+              </a:lnSpc>
               <a:spcBef>
                 <a:spcPts val="1200"/>
               </a:spcBef>
@@ -6996,6 +10400,9 @@
           </a:p>
           <a:p>
             <a:pPr indent="457200" lvl="0" marL="0" rtl="0" algn="l">
+              <a:lnSpc>
+                <a:spcPct val="115000"/>
+              </a:lnSpc>
               <a:spcBef>
                 <a:spcPts val="1200"/>
               </a:spcBef>
@@ -7057,6 +10464,9 @@
           </a:p>
           <a:p>
             <a:pPr indent="0" lvl="0" marL="0" rtl="0" algn="l">
+              <a:lnSpc>
+                <a:spcPct val="115000"/>
+              </a:lnSpc>
               <a:spcBef>
                 <a:spcPts val="1200"/>
               </a:spcBef>
@@ -7086,12 +10496,16 @@
           </a:p>
           <a:p>
             <a:pPr indent="0" lvl="0" marL="0" rtl="0" algn="l">
+              <a:lnSpc>
+                <a:spcPct val="115000"/>
+              </a:lnSpc>
               <a:spcBef>
                 <a:spcPts val="1200"/>
               </a:spcBef>
               <a:spcAft>
                 <a:spcPts val="1200"/>
               </a:spcAft>
+              <a:buSzPts val="1800"/>
               <a:buNone/>
             </a:pPr>
             <a:r>
@@ -7185,7 +10599,7 @@
       </p:grpSpPr>
       <p:sp>
         <p:nvSpPr>
-          <p:cNvPr id="119" name="Google Shape;119;p23"/>
+          <p:cNvPr id="119" name="Google Shape;119;p11"/>
           <p:cNvSpPr txBox="1"/>
           <p:nvPr>
             <p:ph type="title"/>
@@ -7199,6 +10613,10 @@
           <a:prstGeom prst="rect">
             <a:avLst/>
           </a:prstGeom>
+          <a:noFill/>
+          <a:ln>
+            <a:noFill/>
+          </a:ln>
         </p:spPr>
         <p:txBody>
           <a:bodyPr anchorCtr="0" anchor="t" bIns="91425" lIns="91425" spcFirstLastPara="1" rIns="91425" wrap="square" tIns="91425">
@@ -7216,6 +10634,7 @@
               <a:spcAft>
                 <a:spcPts val="0"/>
               </a:spcAft>
+              <a:buSzPct val="94276"/>
               <a:buNone/>
             </a:pPr>
             <a:r>
@@ -7228,7 +10647,7 @@
       </p:sp>
       <p:sp>
         <p:nvSpPr>
-          <p:cNvPr id="120" name="Google Shape;120;p23"/>
+          <p:cNvPr id="120" name="Google Shape;120;p11"/>
           <p:cNvSpPr txBox="1"/>
           <p:nvPr>
             <p:ph idx="1" type="body"/>
@@ -7242,6 +10661,10 @@
           <a:prstGeom prst="rect">
             <a:avLst/>
           </a:prstGeom>
+          <a:noFill/>
+          <a:ln>
+            <a:noFill/>
+          </a:ln>
         </p:spPr>
         <p:txBody>
           <a:bodyPr anchorCtr="0" anchor="t" bIns="91425" lIns="91425" spcFirstLastPara="1" rIns="91425" wrap="square" tIns="91425">
@@ -7250,6 +10673,9 @@
           <a:lstStyle/>
           <a:p>
             <a:pPr indent="0" lvl="0" marL="0" rtl="0" algn="l">
+              <a:lnSpc>
+                <a:spcPct val="115000"/>
+              </a:lnSpc>
               <a:spcBef>
                 <a:spcPts val="0"/>
               </a:spcBef>
@@ -7279,6 +10705,9 @@
           </a:p>
           <a:p>
             <a:pPr indent="457200" lvl="0" marL="0" rtl="0" algn="l">
+              <a:lnSpc>
+                <a:spcPct val="115000"/>
+              </a:lnSpc>
               <a:spcBef>
                 <a:spcPts val="1200"/>
               </a:spcBef>
@@ -7324,6 +10753,9 @@
           </a:p>
           <a:p>
             <a:pPr indent="457200" lvl="0" marL="0" rtl="0" algn="l">
+              <a:lnSpc>
+                <a:spcPct val="115000"/>
+              </a:lnSpc>
               <a:spcBef>
                 <a:spcPts val="1200"/>
               </a:spcBef>
@@ -7369,6 +10801,9 @@
           </a:p>
           <a:p>
             <a:pPr indent="457200" lvl="0" marL="0" rtl="0" algn="l">
+              <a:lnSpc>
+                <a:spcPct val="115000"/>
+              </a:lnSpc>
               <a:spcBef>
                 <a:spcPts val="1200"/>
               </a:spcBef>
@@ -7414,6 +10849,9 @@
           </a:p>
           <a:p>
             <a:pPr indent="0" lvl="0" marL="0" rtl="0" algn="l">
+              <a:lnSpc>
+                <a:spcPct val="115000"/>
+              </a:lnSpc>
               <a:spcBef>
                 <a:spcPts val="1200"/>
               </a:spcBef>
@@ -7443,6 +10881,9 @@
           </a:p>
           <a:p>
             <a:pPr indent="457200" lvl="0" marL="0" rtl="0" algn="l">
+              <a:lnSpc>
+                <a:spcPct val="115000"/>
+              </a:lnSpc>
               <a:spcBef>
                 <a:spcPts val="1200"/>
               </a:spcBef>
@@ -7480,6 +10921,9 @@
           </a:p>
           <a:p>
             <a:pPr indent="457200" lvl="0" marL="0" rtl="0" algn="l">
+              <a:lnSpc>
+                <a:spcPct val="115000"/>
+              </a:lnSpc>
               <a:spcBef>
                 <a:spcPts val="1200"/>
               </a:spcBef>
@@ -7517,12 +10961,16 @@
           </a:p>
           <a:p>
             <a:pPr indent="457200" lvl="0" marL="0" rtl="0" algn="l">
+              <a:lnSpc>
+                <a:spcPct val="115000"/>
+              </a:lnSpc>
               <a:spcBef>
                 <a:spcPts val="1200"/>
               </a:spcBef>
               <a:spcAft>
                 <a:spcPts val="1200"/>
               </a:spcAft>
+              <a:buSzPts val="1800"/>
               <a:buNone/>
             </a:pPr>
             <a:r>
@@ -7576,7 +11024,7 @@
       </p:grpSpPr>
       <p:sp>
         <p:nvSpPr>
-          <p:cNvPr id="125" name="Google Shape;125;p24"/>
+          <p:cNvPr id="125" name="Google Shape;125;p12"/>
           <p:cNvSpPr txBox="1"/>
           <p:nvPr>
             <p:ph type="title"/>
@@ -7590,6 +11038,10 @@
           <a:prstGeom prst="rect">
             <a:avLst/>
           </a:prstGeom>
+          <a:noFill/>
+          <a:ln>
+            <a:noFill/>
+          </a:ln>
         </p:spPr>
         <p:txBody>
           <a:bodyPr anchorCtr="0" anchor="t" bIns="91425" lIns="91425" spcFirstLastPara="1" rIns="91425" wrap="square" tIns="91425">
@@ -7598,12 +11050,16 @@
           <a:lstStyle/>
           <a:p>
             <a:pPr indent="0" lvl="0" marL="0" rtl="0" algn="l">
-              <a:spcBef>
-                <a:spcPts val="0"/>
-              </a:spcBef>
-              <a:spcAft>
-                <a:spcPts val="0"/>
-              </a:spcAft>
+              <a:lnSpc>
+                <a:spcPct val="100000"/>
+              </a:lnSpc>
+              <a:spcBef>
+                <a:spcPts val="0"/>
+              </a:spcBef>
+              <a:spcAft>
+                <a:spcPts val="0"/>
+              </a:spcAft>
+              <a:buSzPct val="111111"/>
               <a:buNone/>
             </a:pPr>
             <a:r>
@@ -7616,7 +11072,7 @@
       </p:sp>
       <p:sp>
         <p:nvSpPr>
-          <p:cNvPr id="126" name="Google Shape;126;p24"/>
+          <p:cNvPr id="126" name="Google Shape;126;p12"/>
           <p:cNvSpPr txBox="1"/>
           <p:nvPr>
             <p:ph idx="1" type="body"/>
@@ -7630,6 +11086,10 @@
           <a:prstGeom prst="rect">
             <a:avLst/>
           </a:prstGeom>
+          <a:noFill/>
+          <a:ln>
+            <a:noFill/>
+          </a:ln>
         </p:spPr>
         <p:txBody>
           <a:bodyPr anchorCtr="0" anchor="t" bIns="91425" lIns="91425" spcFirstLastPara="1" rIns="91425" wrap="square" tIns="91425">
@@ -7638,6 +11098,9 @@
           <a:lstStyle/>
           <a:p>
             <a:pPr indent="0" lvl="0" marL="0" rtl="0" algn="l">
+              <a:lnSpc>
+                <a:spcPct val="115000"/>
+              </a:lnSpc>
               <a:spcBef>
                 <a:spcPts val="0"/>
               </a:spcBef>
@@ -7683,6 +11146,9 @@
           </a:p>
           <a:p>
             <a:pPr indent="0" lvl="0" marL="0" rtl="0" algn="l">
+              <a:lnSpc>
+                <a:spcPct val="115000"/>
+              </a:lnSpc>
               <a:spcBef>
                 <a:spcPts val="1200"/>
               </a:spcBef>
@@ -7728,6 +11194,9 @@
           </a:p>
           <a:p>
             <a:pPr indent="0" lvl="0" marL="0" rtl="0" algn="l">
+              <a:lnSpc>
+                <a:spcPct val="115000"/>
+              </a:lnSpc>
               <a:spcBef>
                 <a:spcPts val="1200"/>
               </a:spcBef>
@@ -7773,6 +11242,9 @@
           </a:p>
           <a:p>
             <a:pPr indent="0" lvl="0" marL="0" rtl="0" algn="l">
+              <a:lnSpc>
+                <a:spcPct val="115000"/>
+              </a:lnSpc>
               <a:spcBef>
                 <a:spcPts val="1200"/>
               </a:spcBef>
@@ -7818,6 +11290,9 @@
           </a:p>
           <a:p>
             <a:pPr indent="0" lvl="0" marL="0" rtl="0" algn="l">
+              <a:lnSpc>
+                <a:spcPct val="115000"/>
+              </a:lnSpc>
               <a:spcBef>
                 <a:spcPts val="1200"/>
               </a:spcBef>
@@ -7837,7 +11312,7 @@
                   <a:schemeClr val="dk1"/>
                 </a:solidFill>
               </a:rPr>
-              <a:t>• Use wisely </a:t>
+              <a:t>• Use </a:t>
             </a:r>
             <a:r>
               <a:rPr lang="en">
@@ -7869,7 +11344,7 @@
                   <a:schemeClr val="dk1"/>
                 </a:solidFill>
               </a:rPr>
-              <a:t> attributes of &lt;img&gt; tag</a:t>
+              <a:t> attributes of &lt;img&gt; tag accurately</a:t>
             </a:r>
             <a:endParaRPr>
               <a:solidFill>
@@ -7879,12 +11354,16 @@
           </a:p>
           <a:p>
             <a:pPr indent="0" lvl="0" marL="0" rtl="0" algn="l">
+              <a:lnSpc>
+                <a:spcPct val="115000"/>
+              </a:lnSpc>
               <a:spcBef>
                 <a:spcPts val="1200"/>
               </a:spcBef>
               <a:spcAft>
                 <a:spcPts val="1200"/>
               </a:spcAft>
+              <a:buSzPts val="1800"/>
               <a:buNone/>
             </a:pPr>
             <a:r>
@@ -7946,7 +11425,7 @@
       </p:grpSpPr>
       <p:sp>
         <p:nvSpPr>
-          <p:cNvPr id="60" name="Google Shape;60;p14"/>
+          <p:cNvPr id="60" name="Google Shape;60;p2"/>
           <p:cNvSpPr txBox="1"/>
           <p:nvPr>
             <p:ph type="title"/>
@@ -7960,6 +11439,10 @@
           <a:prstGeom prst="rect">
             <a:avLst/>
           </a:prstGeom>
+          <a:noFill/>
+          <a:ln>
+            <a:noFill/>
+          </a:ln>
         </p:spPr>
         <p:txBody>
           <a:bodyPr anchorCtr="0" anchor="t" bIns="91425" lIns="91425" spcFirstLastPara="1" rIns="91425" wrap="square" tIns="91425">
@@ -7968,12 +11451,16 @@
           <a:lstStyle/>
           <a:p>
             <a:pPr indent="0" lvl="0" marL="0" rtl="0" algn="l">
-              <a:spcBef>
-                <a:spcPts val="0"/>
-              </a:spcBef>
-              <a:spcAft>
-                <a:spcPts val="0"/>
-              </a:spcAft>
+              <a:lnSpc>
+                <a:spcPct val="100000"/>
+              </a:lnSpc>
+              <a:spcBef>
+                <a:spcPts val="0"/>
+              </a:spcBef>
+              <a:spcAft>
+                <a:spcPts val="0"/>
+              </a:spcAft>
+              <a:buSzPct val="111111"/>
               <a:buNone/>
             </a:pPr>
             <a:r>
@@ -7986,7 +11473,7 @@
       </p:sp>
       <p:sp>
         <p:nvSpPr>
-          <p:cNvPr id="61" name="Google Shape;61;p14"/>
+          <p:cNvPr id="61" name="Google Shape;61;p2"/>
           <p:cNvSpPr txBox="1"/>
           <p:nvPr>
             <p:ph idx="1" type="body"/>
@@ -8000,6 +11487,10 @@
           <a:prstGeom prst="rect">
             <a:avLst/>
           </a:prstGeom>
+          <a:noFill/>
+          <a:ln>
+            <a:noFill/>
+          </a:ln>
         </p:spPr>
         <p:txBody>
           <a:bodyPr anchorCtr="0" anchor="t" bIns="91425" lIns="91425" spcFirstLastPara="1" rIns="91425" wrap="square" tIns="91425">
@@ -8008,12 +11499,16 @@
           <a:lstStyle/>
           <a:p>
             <a:pPr indent="0" lvl="0" marL="0" rtl="0" algn="l">
-              <a:spcBef>
-                <a:spcPts val="0"/>
-              </a:spcBef>
-              <a:spcAft>
-                <a:spcPts val="0"/>
-              </a:spcAft>
+              <a:lnSpc>
+                <a:spcPct val="115000"/>
+              </a:lnSpc>
+              <a:spcBef>
+                <a:spcPts val="0"/>
+              </a:spcBef>
+              <a:spcAft>
+                <a:spcPts val="0"/>
+              </a:spcAft>
+              <a:buSzPts val="1800"/>
               <a:buNone/>
             </a:pPr>
             <a:r>
@@ -8032,12 +11527,16 @@
           </a:p>
           <a:p>
             <a:pPr indent="0" lvl="0" marL="0" rtl="0" algn="l">
+              <a:lnSpc>
+                <a:spcPct val="115000"/>
+              </a:lnSpc>
               <a:spcBef>
                 <a:spcPts val="1200"/>
               </a:spcBef>
               <a:spcAft>
                 <a:spcPts val="0"/>
               </a:spcAft>
+              <a:buSzPts val="1800"/>
               <a:buNone/>
             </a:pPr>
             <a:r>
@@ -8056,12 +11555,16 @@
           </a:p>
           <a:p>
             <a:pPr indent="0" lvl="0" marL="0" rtl="0" algn="l">
+              <a:lnSpc>
+                <a:spcPct val="115000"/>
+              </a:lnSpc>
               <a:spcBef>
                 <a:spcPts val="1200"/>
               </a:spcBef>
               <a:spcAft>
                 <a:spcPts val="0"/>
               </a:spcAft>
+              <a:buSzPts val="1800"/>
               <a:buNone/>
             </a:pPr>
             <a:r>
@@ -8080,12 +11583,16 @@
           </a:p>
           <a:p>
             <a:pPr indent="0" lvl="0" marL="0" rtl="0" algn="l">
+              <a:lnSpc>
+                <a:spcPct val="115000"/>
+              </a:lnSpc>
               <a:spcBef>
                 <a:spcPts val="1200"/>
               </a:spcBef>
               <a:spcAft>
                 <a:spcPts val="0"/>
               </a:spcAft>
+              <a:buSzPts val="1800"/>
               <a:buNone/>
             </a:pPr>
             <a:r>
@@ -8104,12 +11611,16 @@
           </a:p>
           <a:p>
             <a:pPr indent="0" lvl="0" marL="0" rtl="0" algn="l">
+              <a:lnSpc>
+                <a:spcPct val="115000"/>
+              </a:lnSpc>
               <a:spcBef>
                 <a:spcPts val="1200"/>
               </a:spcBef>
               <a:spcAft>
                 <a:spcPts val="0"/>
               </a:spcAft>
+              <a:buSzPts val="1800"/>
               <a:buNone/>
             </a:pPr>
             <a:r>
@@ -8128,12 +11639,16 @@
           </a:p>
           <a:p>
             <a:pPr indent="0" lvl="0" marL="0" rtl="0" algn="l">
+              <a:lnSpc>
+                <a:spcPct val="115000"/>
+              </a:lnSpc>
               <a:spcBef>
                 <a:spcPts val="1200"/>
               </a:spcBef>
               <a:spcAft>
                 <a:spcPts val="0"/>
               </a:spcAft>
+              <a:buSzPts val="1800"/>
               <a:buNone/>
             </a:pPr>
             <a:r>
@@ -8152,12 +11667,16 @@
           </a:p>
           <a:p>
             <a:pPr indent="0" lvl="0" marL="0" rtl="0" algn="l">
+              <a:lnSpc>
+                <a:spcPct val="115000"/>
+              </a:lnSpc>
               <a:spcBef>
                 <a:spcPts val="1200"/>
               </a:spcBef>
               <a:spcAft>
                 <a:spcPts val="1200"/>
               </a:spcAft>
+              <a:buSzPts val="1800"/>
               <a:buNone/>
             </a:pPr>
             <a:r>
@@ -8203,7 +11722,7 @@
       </p:grpSpPr>
       <p:sp>
         <p:nvSpPr>
-          <p:cNvPr id="66" name="Google Shape;66;p15"/>
+          <p:cNvPr id="66" name="Google Shape;66;p3"/>
           <p:cNvSpPr txBox="1"/>
           <p:nvPr>
             <p:ph type="title"/>
@@ -8217,6 +11736,10 @@
           <a:prstGeom prst="rect">
             <a:avLst/>
           </a:prstGeom>
+          <a:noFill/>
+          <a:ln>
+            <a:noFill/>
+          </a:ln>
         </p:spPr>
         <p:txBody>
           <a:bodyPr anchorCtr="0" anchor="t" bIns="91425" lIns="91425" spcFirstLastPara="1" rIns="91425" wrap="square" tIns="91425">
@@ -8225,12 +11748,16 @@
           <a:lstStyle/>
           <a:p>
             <a:pPr indent="0" lvl="0" marL="0" rtl="0" algn="l">
-              <a:spcBef>
-                <a:spcPts val="0"/>
-              </a:spcBef>
-              <a:spcAft>
-                <a:spcPts val="0"/>
-              </a:spcAft>
+              <a:lnSpc>
+                <a:spcPct val="100000"/>
+              </a:lnSpc>
+              <a:spcBef>
+                <a:spcPts val="0"/>
+              </a:spcBef>
+              <a:spcAft>
+                <a:spcPts val="0"/>
+              </a:spcAft>
+              <a:buSzPct val="111111"/>
               <a:buNone/>
             </a:pPr>
             <a:r>
@@ -8243,7 +11770,7 @@
       </p:sp>
       <p:sp>
         <p:nvSpPr>
-          <p:cNvPr id="67" name="Google Shape;67;p15"/>
+          <p:cNvPr id="67" name="Google Shape;67;p3"/>
           <p:cNvSpPr txBox="1"/>
           <p:nvPr>
             <p:ph idx="1" type="body"/>
@@ -8257,6 +11784,10 @@
           <a:prstGeom prst="rect">
             <a:avLst/>
           </a:prstGeom>
+          <a:noFill/>
+          <a:ln>
+            <a:noFill/>
+          </a:ln>
         </p:spPr>
         <p:txBody>
           <a:bodyPr anchorCtr="0" anchor="t" bIns="91425" lIns="91425" spcFirstLastPara="1" rIns="91425" wrap="square" tIns="91425">
@@ -8265,12 +11796,16 @@
           <a:lstStyle/>
           <a:p>
             <a:pPr indent="0" lvl="0" marL="0" rtl="0" algn="l">
-              <a:spcBef>
-                <a:spcPts val="0"/>
-              </a:spcBef>
-              <a:spcAft>
-                <a:spcPts val="0"/>
-              </a:spcAft>
+              <a:lnSpc>
+                <a:spcPct val="115000"/>
+              </a:lnSpc>
+              <a:spcBef>
+                <a:spcPts val="0"/>
+              </a:spcBef>
+              <a:spcAft>
+                <a:spcPts val="0"/>
+              </a:spcAft>
+              <a:buSzPct val="117647"/>
               <a:buNone/>
             </a:pPr>
             <a:r>
@@ -8289,12 +11824,16 @@
           </a:p>
           <a:p>
             <a:pPr indent="0" lvl="0" marL="0" rtl="0" algn="l">
+              <a:lnSpc>
+                <a:spcPct val="115000"/>
+              </a:lnSpc>
               <a:spcBef>
                 <a:spcPts val="1200"/>
               </a:spcBef>
               <a:spcAft>
                 <a:spcPts val="0"/>
               </a:spcAft>
+              <a:buSzPct val="117647"/>
               <a:buNone/>
             </a:pPr>
             <a:r>
@@ -8313,12 +11852,16 @@
           </a:p>
           <a:p>
             <a:pPr indent="0" lvl="0" marL="0" rtl="0" algn="l">
+              <a:lnSpc>
+                <a:spcPct val="115000"/>
+              </a:lnSpc>
               <a:spcBef>
                 <a:spcPts val="1200"/>
               </a:spcBef>
               <a:spcAft>
                 <a:spcPts val="0"/>
               </a:spcAft>
+              <a:buSzPct val="117647"/>
               <a:buNone/>
             </a:pPr>
             <a:r>
@@ -8337,12 +11880,16 @@
           </a:p>
           <a:p>
             <a:pPr indent="0" lvl="0" marL="0" rtl="0" algn="l">
+              <a:lnSpc>
+                <a:spcPct val="115000"/>
+              </a:lnSpc>
               <a:spcBef>
                 <a:spcPts val="1200"/>
               </a:spcBef>
               <a:spcAft>
                 <a:spcPts val="0"/>
               </a:spcAft>
+              <a:buSzPct val="117647"/>
               <a:buNone/>
             </a:pPr>
             <a:r>
@@ -8361,12 +11908,16 @@
           </a:p>
           <a:p>
             <a:pPr indent="0" lvl="0" marL="0" rtl="0" algn="l">
+              <a:lnSpc>
+                <a:spcPct val="115000"/>
+              </a:lnSpc>
               <a:spcBef>
                 <a:spcPts val="1200"/>
               </a:spcBef>
               <a:spcAft>
                 <a:spcPts val="0"/>
               </a:spcAft>
+              <a:buSzPct val="117647"/>
               <a:buNone/>
             </a:pPr>
             <a:r>
@@ -8385,12 +11936,16 @@
           </a:p>
           <a:p>
             <a:pPr indent="0" lvl="0" marL="0" rtl="0" algn="l">
+              <a:lnSpc>
+                <a:spcPct val="115000"/>
+              </a:lnSpc>
               <a:spcBef>
                 <a:spcPts val="1200"/>
               </a:spcBef>
               <a:spcAft>
                 <a:spcPts val="0"/>
               </a:spcAft>
+              <a:buSzPct val="117647"/>
               <a:buNone/>
             </a:pPr>
             <a:r>
@@ -8409,12 +11964,16 @@
           </a:p>
           <a:p>
             <a:pPr indent="0" lvl="0" marL="0" rtl="0" algn="l">
+              <a:lnSpc>
+                <a:spcPct val="115000"/>
+              </a:lnSpc>
               <a:spcBef>
                 <a:spcPts val="1200"/>
               </a:spcBef>
               <a:spcAft>
                 <a:spcPts val="0"/>
               </a:spcAft>
+              <a:buSzPct val="117647"/>
               <a:buNone/>
             </a:pPr>
             <a:r>
@@ -8433,12 +11992,16 @@
           </a:p>
           <a:p>
             <a:pPr indent="0" lvl="0" marL="0" rtl="0" algn="l">
+              <a:lnSpc>
+                <a:spcPct val="115000"/>
+              </a:lnSpc>
               <a:spcBef>
                 <a:spcPts val="1200"/>
               </a:spcBef>
               <a:spcAft>
                 <a:spcPts val="1200"/>
               </a:spcAft>
+              <a:buSzPct val="117647"/>
               <a:buNone/>
             </a:pPr>
             <a:r>
@@ -8459,17 +12022,16 @@
       </p:sp>
       <p:pic>
         <p:nvPicPr>
-          <p:cNvPr id="68" name="Google Shape;68;p15"/>
+          <p:cNvPr id="68" name="Google Shape;68;p3"/>
           <p:cNvPicPr preferRelativeResize="0"/>
           <p:nvPr/>
         </p:nvPicPr>
-        <p:blipFill>
+        <p:blipFill rotWithShape="1">
           <a:blip r:embed="rId3">
             <a:alphaModFix/>
           </a:blip>
-          <a:stretch>
-            <a:fillRect/>
-          </a:stretch>
+          <a:srcRect b="0" l="0" r="0" t="0"/>
+          <a:stretch/>
         </p:blipFill>
         <p:spPr>
           <a:xfrm>
@@ -8487,7 +12049,7 @@
       </p:pic>
       <p:sp>
         <p:nvSpPr>
-          <p:cNvPr id="69" name="Google Shape;69;p15"/>
+          <p:cNvPr id="69" name="Google Shape;69;p3"/>
           <p:cNvSpPr txBox="1"/>
           <p:nvPr/>
         </p:nvSpPr>
@@ -8510,7 +12072,7 @@
           </a:bodyPr>
           <a:lstStyle/>
           <a:p>
-            <a:pPr indent="0" lvl="0" marL="0" rtl="0" algn="ctr">
+            <a:pPr indent="0" lvl="0" marL="0" marR="0" rtl="0" algn="ctr">
               <a:lnSpc>
                 <a:spcPct val="115000"/>
               </a:lnSpc>
@@ -8520,20 +12082,33 @@
               <a:spcAft>
                 <a:spcPts val="0"/>
               </a:spcAft>
+              <a:buClr>
+                <a:srgbClr val="000000"/>
+              </a:buClr>
+              <a:buSzPts val="1500"/>
+              <a:buFont typeface="Arial"/>
               <a:buNone/>
             </a:pPr>
             <a:r>
-              <a:rPr i="1" lang="en" sz="1500">
+              <a:rPr b="0" i="1" lang="en" sz="1500" u="none" cap="none" strike="noStrike">
                 <a:solidFill>
                   <a:srgbClr val="0563C2"/>
                 </a:solidFill>
+                <a:latin typeface="Arial"/>
+                <a:ea typeface="Arial"/>
+                <a:cs typeface="Arial"/>
+                <a:sym typeface="Arial"/>
               </a:rPr>
               <a:t>https://www.w3.org/TR/2011/WD-html5-20110525/content-models.html#content-models</a:t>
             </a:r>
-            <a:endParaRPr i="1" sz="1500">
+            <a:endParaRPr b="0" i="1" sz="1500" u="none" cap="none" strike="noStrike">
               <a:solidFill>
                 <a:srgbClr val="0563C2"/>
               </a:solidFill>
+              <a:latin typeface="Arial"/>
+              <a:ea typeface="Arial"/>
+              <a:cs typeface="Arial"/>
+              <a:sym typeface="Arial"/>
             </a:endParaRPr>
           </a:p>
         </p:txBody>
@@ -8565,7 +12140,7 @@
       </p:grpSpPr>
       <p:sp>
         <p:nvSpPr>
-          <p:cNvPr id="74" name="Google Shape;74;p16"/>
+          <p:cNvPr id="74" name="Google Shape;74;p4"/>
           <p:cNvSpPr txBox="1"/>
           <p:nvPr>
             <p:ph type="title"/>
@@ -8579,6 +12154,10 @@
           <a:prstGeom prst="rect">
             <a:avLst/>
           </a:prstGeom>
+          <a:noFill/>
+          <a:ln>
+            <a:noFill/>
+          </a:ln>
         </p:spPr>
         <p:txBody>
           <a:bodyPr anchorCtr="0" anchor="t" bIns="91425" lIns="91425" spcFirstLastPara="1" rIns="91425" wrap="square" tIns="91425">
@@ -8596,6 +12175,7 @@
               <a:spcAft>
                 <a:spcPts val="0"/>
               </a:spcAft>
+              <a:buSzPct val="94276"/>
               <a:buNone/>
             </a:pPr>
             <a:r>
@@ -8608,7 +12188,7 @@
       </p:sp>
       <p:sp>
         <p:nvSpPr>
-          <p:cNvPr id="75" name="Google Shape;75;p16"/>
+          <p:cNvPr id="75" name="Google Shape;75;p4"/>
           <p:cNvSpPr txBox="1"/>
           <p:nvPr>
             <p:ph idx="1" type="body"/>
@@ -8622,6 +12202,10 @@
           <a:prstGeom prst="rect">
             <a:avLst/>
           </a:prstGeom>
+          <a:noFill/>
+          <a:ln>
+            <a:noFill/>
+          </a:ln>
         </p:spPr>
         <p:txBody>
           <a:bodyPr anchorCtr="0" anchor="t" bIns="91425" lIns="91425" spcFirstLastPara="1" rIns="91425" wrap="square" tIns="91425">
@@ -8852,7 +12436,7 @@
       </p:sp>
       <p:sp>
         <p:nvSpPr>
-          <p:cNvPr id="76" name="Google Shape;76;p16"/>
+          <p:cNvPr id="76" name="Google Shape;76;p4"/>
           <p:cNvSpPr txBox="1"/>
           <p:nvPr/>
         </p:nvSpPr>
@@ -8875,7 +12459,7 @@
           </a:bodyPr>
           <a:lstStyle/>
           <a:p>
-            <a:pPr indent="0" lvl="0" marL="0" rtl="0" algn="ctr">
+            <a:pPr indent="0" lvl="0" marL="0" marR="0" rtl="0" algn="ctr">
               <a:lnSpc>
                 <a:spcPct val="115000"/>
               </a:lnSpc>
@@ -8885,27 +12469,40 @@
               <a:spcAft>
                 <a:spcPts val="0"/>
               </a:spcAft>
+              <a:buClr>
+                <a:srgbClr val="000000"/>
+              </a:buClr>
+              <a:buSzPts val="1800"/>
+              <a:buFont typeface="Arial"/>
               <a:buNone/>
             </a:pPr>
             <a:r>
-              <a:rPr i="1" lang="en" sz="1800">
+              <a:rPr b="0" i="1" lang="en" sz="1800" u="none" cap="none" strike="noStrike">
                 <a:solidFill>
                   <a:srgbClr val="0000FF"/>
                 </a:solidFill>
+                <a:latin typeface="Arial"/>
+                <a:ea typeface="Arial"/>
+                <a:cs typeface="Arial"/>
+                <a:sym typeface="Arial"/>
               </a:rPr>
               <a:t>https://www.w3schools.com/html/html_blocks.asp</a:t>
             </a:r>
-            <a:endParaRPr i="1" sz="1800">
+            <a:endParaRPr b="0" i="1" sz="1800" u="none" cap="none" strike="noStrike">
               <a:solidFill>
                 <a:srgbClr val="0000FF"/>
               </a:solidFill>
+              <a:latin typeface="Arial"/>
+              <a:ea typeface="Arial"/>
+              <a:cs typeface="Arial"/>
+              <a:sym typeface="Arial"/>
             </a:endParaRPr>
           </a:p>
         </p:txBody>
       </p:sp>
       <p:sp>
         <p:nvSpPr>
-          <p:cNvPr id="77" name="Google Shape;77;p16"/>
+          <p:cNvPr id="77" name="Google Shape;77;p4"/>
           <p:cNvSpPr txBox="1"/>
           <p:nvPr/>
         </p:nvSpPr>
@@ -8928,7 +12525,7 @@
           </a:bodyPr>
           <a:lstStyle/>
           <a:p>
-            <a:pPr indent="0" lvl="0" marL="0" rtl="0" algn="ctr">
+            <a:pPr indent="0" lvl="0" marL="0" marR="0" rtl="0" algn="ctr">
               <a:lnSpc>
                 <a:spcPct val="95000"/>
               </a:lnSpc>
@@ -8938,40 +12535,61 @@
               <a:spcAft>
                 <a:spcPts val="0"/>
               </a:spcAft>
+              <a:buClr>
+                <a:srgbClr val="000000"/>
+              </a:buClr>
+              <a:buSzPts val="1800"/>
+              <a:buFont typeface="Arial"/>
               <a:buNone/>
             </a:pPr>
             <a:r>
-              <a:rPr b="1" lang="en" sz="1800">
+              <a:rPr b="1" i="0" lang="en" sz="1800" u="none" cap="none" strike="noStrike">
                 <a:solidFill>
                   <a:srgbClr val="FF0000"/>
                 </a:solidFill>
+                <a:latin typeface="Arial"/>
+                <a:ea typeface="Arial"/>
+                <a:cs typeface="Arial"/>
+                <a:sym typeface="Arial"/>
               </a:rPr>
               <a:t>Inline</a:t>
             </a:r>
             <a:r>
-              <a:rPr b="1" lang="en" sz="1800">
+              <a:rPr b="1" i="0" lang="en" sz="1800" u="none" cap="none" strike="noStrike">
                 <a:solidFill>
                   <a:schemeClr val="dk1"/>
                 </a:solidFill>
+                <a:latin typeface="Arial"/>
+                <a:ea typeface="Arial"/>
+                <a:cs typeface="Arial"/>
+                <a:sym typeface="Arial"/>
               </a:rPr>
               <a:t> </a:t>
             </a:r>
             <a:r>
-              <a:rPr lang="en" sz="1800">
+              <a:rPr b="0" i="0" lang="en" sz="1800" u="none" cap="none" strike="noStrike">
                 <a:solidFill>
                   <a:schemeClr val="dk1"/>
                 </a:solidFill>
+                <a:latin typeface="Arial"/>
+                <a:ea typeface="Arial"/>
+                <a:cs typeface="Arial"/>
+                <a:sym typeface="Arial"/>
               </a:rPr>
               <a:t>elements</a:t>
             </a:r>
-            <a:endParaRPr sz="1800">
+            <a:endParaRPr b="0" i="0" sz="1800" u="none" cap="none" strike="noStrike">
               <a:solidFill>
                 <a:schemeClr val="dk1"/>
               </a:solidFill>
+              <a:latin typeface="Arial"/>
+              <a:ea typeface="Arial"/>
+              <a:cs typeface="Arial"/>
+              <a:sym typeface="Arial"/>
             </a:endParaRPr>
           </a:p>
           <a:p>
-            <a:pPr indent="0" lvl="0" marL="0" rtl="0" algn="l">
+            <a:pPr indent="0" lvl="0" marL="0" marR="0" rtl="0" algn="l">
               <a:lnSpc>
                 <a:spcPct val="95000"/>
               </a:lnSpc>
@@ -8981,24 +12599,37 @@
               <a:spcAft>
                 <a:spcPts val="0"/>
               </a:spcAft>
+              <a:buClr>
+                <a:srgbClr val="000000"/>
+              </a:buClr>
+              <a:buSzPts val="1800"/>
+              <a:buFont typeface="Arial"/>
               <a:buNone/>
             </a:pPr>
             <a:r>
-              <a:rPr lang="en" sz="1800">
+              <a:rPr b="0" i="0" lang="en" sz="1800" u="none" cap="none" strike="noStrike">
                 <a:solidFill>
                   <a:schemeClr val="dk1"/>
                 </a:solidFill>
+                <a:latin typeface="Arial"/>
+                <a:ea typeface="Arial"/>
+                <a:cs typeface="Arial"/>
+                <a:sym typeface="Arial"/>
               </a:rPr>
               <a:t>• Placed on the same line line (by default)</a:t>
             </a:r>
-            <a:endParaRPr sz="1800">
+            <a:endParaRPr b="0" i="0" sz="1800" u="none" cap="none" strike="noStrike">
               <a:solidFill>
                 <a:schemeClr val="dk1"/>
               </a:solidFill>
+              <a:latin typeface="Arial"/>
+              <a:ea typeface="Arial"/>
+              <a:cs typeface="Arial"/>
+              <a:sym typeface="Arial"/>
             </a:endParaRPr>
           </a:p>
           <a:p>
-            <a:pPr indent="0" lvl="0" marL="0" rtl="0" algn="l">
+            <a:pPr indent="0" lvl="0" marL="0" marR="0" rtl="0" algn="l">
               <a:lnSpc>
                 <a:spcPct val="95000"/>
               </a:lnSpc>
@@ -9008,24 +12639,37 @@
               <a:spcAft>
                 <a:spcPts val="0"/>
               </a:spcAft>
+              <a:buClr>
+                <a:srgbClr val="000000"/>
+              </a:buClr>
+              <a:buSzPts val="1800"/>
+              <a:buFont typeface="Arial"/>
               <a:buNone/>
             </a:pPr>
             <a:r>
-              <a:rPr lang="en" sz="1800">
+              <a:rPr b="0" i="0" lang="en" sz="1800" u="none" cap="none" strike="noStrike">
                 <a:solidFill>
                   <a:schemeClr val="dk1"/>
                 </a:solidFill>
+                <a:latin typeface="Arial"/>
+                <a:ea typeface="Arial"/>
+                <a:cs typeface="Arial"/>
+                <a:sym typeface="Arial"/>
               </a:rPr>
               <a:t>• May include only other inline elements</a:t>
             </a:r>
-            <a:endParaRPr sz="1800">
+            <a:endParaRPr b="0" i="0" sz="1800" u="none" cap="none" strike="noStrike">
               <a:solidFill>
                 <a:schemeClr val="dk1"/>
               </a:solidFill>
+              <a:latin typeface="Arial"/>
+              <a:ea typeface="Arial"/>
+              <a:cs typeface="Arial"/>
+              <a:sym typeface="Arial"/>
             </a:endParaRPr>
           </a:p>
           <a:p>
-            <a:pPr indent="0" lvl="0" marL="0" rtl="0" algn="l">
+            <a:pPr indent="0" lvl="0" marL="0" marR="0" rtl="0" algn="l">
               <a:lnSpc>
                 <a:spcPct val="95000"/>
               </a:lnSpc>
@@ -9035,24 +12679,37 @@
               <a:spcAft>
                 <a:spcPts val="0"/>
               </a:spcAft>
+              <a:buClr>
+                <a:srgbClr val="000000"/>
+              </a:buClr>
+              <a:buSzPts val="1800"/>
+              <a:buFont typeface="Arial"/>
               <a:buNone/>
             </a:pPr>
             <a:r>
-              <a:rPr lang="en" sz="1800">
+              <a:rPr b="0" i="0" lang="en" sz="1800" u="none" cap="none" strike="noStrike">
                 <a:solidFill>
                   <a:schemeClr val="dk1"/>
                 </a:solidFill>
+                <a:latin typeface="Arial"/>
+                <a:ea typeface="Arial"/>
+                <a:cs typeface="Arial"/>
+                <a:sym typeface="Arial"/>
               </a:rPr>
               <a:t>• Roughly corresponds to Phrasing content</a:t>
             </a:r>
-            <a:endParaRPr sz="1800">
+            <a:endParaRPr b="0" i="0" sz="1800" u="none" cap="none" strike="noStrike">
               <a:solidFill>
                 <a:schemeClr val="dk1"/>
               </a:solidFill>
+              <a:latin typeface="Arial"/>
+              <a:ea typeface="Arial"/>
+              <a:cs typeface="Arial"/>
+              <a:sym typeface="Arial"/>
             </a:endParaRPr>
           </a:p>
           <a:p>
-            <a:pPr indent="0" lvl="0" marL="0" rtl="0" algn="l">
+            <a:pPr indent="0" lvl="0" marL="0" marR="0" rtl="0" algn="l">
               <a:lnSpc>
                 <a:spcPct val="95000"/>
               </a:lnSpc>
@@ -9062,33 +12719,58 @@
               <a:spcAft>
                 <a:spcPts val="1200"/>
               </a:spcAft>
+              <a:buClr>
+                <a:srgbClr val="000000"/>
+              </a:buClr>
+              <a:buSzPts val="1800"/>
+              <a:buFont typeface="Arial"/>
               <a:buNone/>
             </a:pPr>
             <a:r>
-              <a:rPr lang="en" sz="1800">
+              <a:rPr b="0" i="0" lang="en" sz="1800" u="none" cap="none" strike="noStrike">
                 <a:solidFill>
                   <a:schemeClr val="dk1"/>
                 </a:solidFill>
+                <a:latin typeface="Arial"/>
+                <a:ea typeface="Arial"/>
+                <a:cs typeface="Arial"/>
+                <a:sym typeface="Arial"/>
               </a:rPr>
               <a:t>• eg.: </a:t>
             </a:r>
             <a:r>
-              <a:rPr lang="en" sz="1800">
+              <a:rPr b="0" i="0" lang="en" sz="1800" u="none" cap="none" strike="noStrike">
                 <a:solidFill>
                   <a:srgbClr val="FF0000"/>
                 </a:solidFill>
+                <a:latin typeface="Arial"/>
+                <a:ea typeface="Arial"/>
+                <a:cs typeface="Arial"/>
+                <a:sym typeface="Arial"/>
               </a:rPr>
               <a:t>span, strong, a</a:t>
             </a:r>
             <a:r>
-              <a:rPr lang="en" sz="1800">
+              <a:rPr b="0" i="0" lang="en" sz="1800" u="none" cap="none" strike="noStrike">
                 <a:solidFill>
                   <a:schemeClr val="dk1"/>
                 </a:solidFill>
+                <a:latin typeface="Arial"/>
+                <a:ea typeface="Arial"/>
+                <a:cs typeface="Arial"/>
+                <a:sym typeface="Arial"/>
               </a:rPr>
               <a:t>*</a:t>
             </a:r>
-            <a:endParaRPr sz="1800"/>
+            <a:endParaRPr b="0" i="0" sz="1800" u="none" cap="none" strike="noStrike">
+              <a:solidFill>
+                <a:srgbClr val="000000"/>
+              </a:solidFill>
+              <a:latin typeface="Arial"/>
+              <a:ea typeface="Arial"/>
+              <a:cs typeface="Arial"/>
+              <a:sym typeface="Arial"/>
+            </a:endParaRPr>
           </a:p>
         </p:txBody>
       </p:sp>
@@ -9119,7 +12801,7 @@
       </p:grpSpPr>
       <p:sp>
         <p:nvSpPr>
-          <p:cNvPr id="82" name="Google Shape;82;p17"/>
+          <p:cNvPr id="82" name="Google Shape;82;p5"/>
           <p:cNvSpPr txBox="1"/>
           <p:nvPr>
             <p:ph type="title"/>
@@ -9133,6 +12815,10 @@
           <a:prstGeom prst="rect">
             <a:avLst/>
           </a:prstGeom>
+          <a:noFill/>
+          <a:ln>
+            <a:noFill/>
+          </a:ln>
         </p:spPr>
         <p:txBody>
           <a:bodyPr anchorCtr="0" anchor="t" bIns="91425" lIns="91425" spcFirstLastPara="1" rIns="91425" wrap="square" tIns="91425">
@@ -9141,12 +12827,16 @@
           <a:lstStyle/>
           <a:p>
             <a:pPr indent="0" lvl="0" marL="0" rtl="0" algn="l">
-              <a:spcBef>
-                <a:spcPts val="0"/>
-              </a:spcBef>
-              <a:spcAft>
-                <a:spcPts val="0"/>
-              </a:spcAft>
+              <a:lnSpc>
+                <a:spcPct val="100000"/>
+              </a:lnSpc>
+              <a:spcBef>
+                <a:spcPts val="0"/>
+              </a:spcBef>
+              <a:spcAft>
+                <a:spcPts val="0"/>
+              </a:spcAft>
+              <a:buSzPct val="111111"/>
               <a:buNone/>
             </a:pPr>
             <a:r>
@@ -9159,7 +12849,7 @@
       </p:sp>
       <p:sp>
         <p:nvSpPr>
-          <p:cNvPr id="83" name="Google Shape;83;p17"/>
+          <p:cNvPr id="83" name="Google Shape;83;p5"/>
           <p:cNvSpPr txBox="1"/>
           <p:nvPr>
             <p:ph idx="1" type="body"/>
@@ -9173,6 +12863,10 @@
           <a:prstGeom prst="rect">
             <a:avLst/>
           </a:prstGeom>
+          <a:noFill/>
+          <a:ln>
+            <a:noFill/>
+          </a:ln>
         </p:spPr>
         <p:txBody>
           <a:bodyPr anchorCtr="0" anchor="t" bIns="91425" lIns="91425" spcFirstLastPara="1" rIns="91425" wrap="square" tIns="91425">
@@ -9181,6 +12875,9 @@
           <a:lstStyle/>
           <a:p>
             <a:pPr indent="0" lvl="0" marL="0" rtl="0" algn="ctr">
+              <a:lnSpc>
+                <a:spcPct val="115000"/>
+              </a:lnSpc>
               <a:spcBef>
                 <a:spcPts val="0"/>
               </a:spcBef>
@@ -9210,6 +12907,9 @@
           </a:p>
           <a:p>
             <a:pPr indent="-342900" lvl="0" marL="457200" rtl="0" algn="l">
+              <a:lnSpc>
+                <a:spcPct val="115000"/>
+              </a:lnSpc>
               <a:spcBef>
                 <a:spcPts val="1200"/>
               </a:spcBef>
@@ -9238,6 +12938,9 @@
           </a:p>
           <a:p>
             <a:pPr indent="-342900" lvl="0" marL="457200" rtl="0" algn="l">
+              <a:lnSpc>
+                <a:spcPct val="115000"/>
+              </a:lnSpc>
               <a:spcBef>
                 <a:spcPts val="0"/>
               </a:spcBef>
@@ -9266,6 +12969,9 @@
           </a:p>
           <a:p>
             <a:pPr indent="0" lvl="0" marL="0" rtl="0" algn="ctr">
+              <a:lnSpc>
+                <a:spcPct val="115000"/>
+              </a:lnSpc>
               <a:spcBef>
                 <a:spcPts val="1200"/>
               </a:spcBef>
@@ -9295,6 +13001,9 @@
           </a:p>
           <a:p>
             <a:pPr indent="-342900" lvl="0" marL="457200" rtl="0" algn="l">
+              <a:lnSpc>
+                <a:spcPct val="115000"/>
+              </a:lnSpc>
               <a:spcBef>
                 <a:spcPts val="1200"/>
               </a:spcBef>
@@ -9323,6 +13032,9 @@
           </a:p>
           <a:p>
             <a:pPr indent="-342900" lvl="0" marL="457200" rtl="0" algn="l">
+              <a:lnSpc>
+                <a:spcPct val="115000"/>
+              </a:lnSpc>
               <a:spcBef>
                 <a:spcPts val="0"/>
               </a:spcBef>
@@ -9351,6 +13063,9 @@
           </a:p>
           <a:p>
             <a:pPr indent="-342900" lvl="0" marL="457200" rtl="0" algn="l">
+              <a:lnSpc>
+                <a:spcPct val="115000"/>
+              </a:lnSpc>
               <a:spcBef>
                 <a:spcPts val="0"/>
               </a:spcBef>
@@ -9406,7 +13121,7 @@
       </p:grpSpPr>
       <p:sp>
         <p:nvSpPr>
-          <p:cNvPr id="88" name="Google Shape;88;p18"/>
+          <p:cNvPr id="88" name="Google Shape;88;p6"/>
           <p:cNvSpPr txBox="1"/>
           <p:nvPr>
             <p:ph type="title"/>
@@ -9420,6 +13135,10 @@
           <a:prstGeom prst="rect">
             <a:avLst/>
           </a:prstGeom>
+          <a:noFill/>
+          <a:ln>
+            <a:noFill/>
+          </a:ln>
         </p:spPr>
         <p:txBody>
           <a:bodyPr anchorCtr="0" anchor="t" bIns="91425" lIns="91425" spcFirstLastPara="1" rIns="91425" wrap="square" tIns="91425">
@@ -9437,6 +13156,7 @@
               <a:spcAft>
                 <a:spcPts val="0"/>
               </a:spcAft>
+              <a:buSzPct val="94276"/>
               <a:buNone/>
             </a:pPr>
             <a:r>
@@ -9449,7 +13169,7 @@
       </p:sp>
       <p:sp>
         <p:nvSpPr>
-          <p:cNvPr id="89" name="Google Shape;89;p18"/>
+          <p:cNvPr id="89" name="Google Shape;89;p6"/>
           <p:cNvSpPr txBox="1"/>
           <p:nvPr>
             <p:ph idx="1" type="body"/>
@@ -9463,6 +13183,10 @@
           <a:prstGeom prst="rect">
             <a:avLst/>
           </a:prstGeom>
+          <a:noFill/>
+          <a:ln>
+            <a:noFill/>
+          </a:ln>
         </p:spPr>
         <p:txBody>
           <a:bodyPr anchorCtr="0" anchor="t" bIns="91425" lIns="91425" spcFirstLastPara="1" rIns="91425" wrap="square" tIns="91425">
@@ -9471,6 +13195,9 @@
           <a:lstStyle/>
           <a:p>
             <a:pPr indent="-342900" lvl="0" marL="457200" rtl="0" algn="l">
+              <a:lnSpc>
+                <a:spcPct val="115000"/>
+              </a:lnSpc>
               <a:spcBef>
                 <a:spcPts val="0"/>
               </a:spcBef>
@@ -9499,12 +13226,16 @@
           </a:p>
           <a:p>
             <a:pPr indent="0" lvl="0" marL="457200" rtl="0" algn="l">
+              <a:lnSpc>
+                <a:spcPct val="115000"/>
+              </a:lnSpc>
               <a:spcBef>
                 <a:spcPts val="1200"/>
               </a:spcBef>
               <a:spcAft>
                 <a:spcPts val="0"/>
               </a:spcAft>
+              <a:buSzPts val="1800"/>
               <a:buNone/>
             </a:pPr>
             <a:r>
@@ -9518,6 +13249,9 @@
           </a:p>
           <a:p>
             <a:pPr indent="-342900" lvl="0" marL="457200" rtl="0" algn="l">
+              <a:lnSpc>
+                <a:spcPct val="115000"/>
+              </a:lnSpc>
               <a:spcBef>
                 <a:spcPts val="1200"/>
               </a:spcBef>
@@ -9546,12 +13280,16 @@
           </a:p>
           <a:p>
             <a:pPr indent="0" lvl="0" marL="457200" rtl="0" algn="l">
+              <a:lnSpc>
+                <a:spcPct val="115000"/>
+              </a:lnSpc>
               <a:spcBef>
                 <a:spcPts val="1200"/>
               </a:spcBef>
               <a:spcAft>
                 <a:spcPts val="0"/>
               </a:spcAft>
+              <a:buSzPts val="1800"/>
               <a:buNone/>
             </a:pPr>
             <a:r>
@@ -9565,6 +13303,9 @@
           </a:p>
           <a:p>
             <a:pPr indent="-342900" lvl="0" marL="457200" rtl="0" algn="l">
+              <a:lnSpc>
+                <a:spcPct val="115000"/>
+              </a:lnSpc>
               <a:spcBef>
                 <a:spcPts val="0"/>
               </a:spcBef>
@@ -9593,6 +13334,9 @@
           </a:p>
           <a:p>
             <a:pPr indent="-317500" lvl="1" marL="914400" rtl="0" algn="l">
+              <a:lnSpc>
+                <a:spcPct val="115000"/>
+              </a:lnSpc>
               <a:spcBef>
                 <a:spcPts val="0"/>
               </a:spcBef>
@@ -9621,6 +13365,9 @@
           </a:p>
           <a:p>
             <a:pPr indent="-317500" lvl="1" marL="914400" rtl="0" algn="l">
+              <a:lnSpc>
+                <a:spcPct val="115000"/>
+              </a:lnSpc>
               <a:spcBef>
                 <a:spcPts val="0"/>
               </a:spcBef>
@@ -9649,6 +13396,9 @@
           </a:p>
           <a:p>
             <a:pPr indent="-317500" lvl="1" marL="914400" rtl="0" algn="l">
+              <a:lnSpc>
+                <a:spcPct val="115000"/>
+              </a:lnSpc>
               <a:spcBef>
                 <a:spcPts val="0"/>
               </a:spcBef>
@@ -9704,7 +13454,7 @@
       </p:grpSpPr>
       <p:sp>
         <p:nvSpPr>
-          <p:cNvPr id="94" name="Google Shape;94;p19"/>
+          <p:cNvPr id="94" name="Google Shape;94;p7"/>
           <p:cNvSpPr txBox="1"/>
           <p:nvPr>
             <p:ph type="title"/>
@@ -9718,6 +13468,10 @@
           <a:prstGeom prst="rect">
             <a:avLst/>
           </a:prstGeom>
+          <a:noFill/>
+          <a:ln>
+            <a:noFill/>
+          </a:ln>
         </p:spPr>
         <p:txBody>
           <a:bodyPr anchorCtr="0" anchor="t" bIns="91425" lIns="91425" spcFirstLastPara="1" rIns="91425" wrap="square" tIns="91425">
@@ -9726,12 +13480,16 @@
           <a:lstStyle/>
           <a:p>
             <a:pPr indent="0" lvl="0" marL="0" rtl="0" algn="l">
-              <a:spcBef>
-                <a:spcPts val="0"/>
-              </a:spcBef>
-              <a:spcAft>
-                <a:spcPts val="0"/>
-              </a:spcAft>
+              <a:lnSpc>
+                <a:spcPct val="100000"/>
+              </a:lnSpc>
+              <a:spcBef>
+                <a:spcPts val="0"/>
+              </a:spcBef>
+              <a:spcAft>
+                <a:spcPts val="0"/>
+              </a:spcAft>
+              <a:buSzPct val="111111"/>
               <a:buNone/>
             </a:pPr>
             <a:r>
@@ -9744,7 +13502,7 @@
       </p:sp>
       <p:sp>
         <p:nvSpPr>
-          <p:cNvPr id="95" name="Google Shape;95;p19"/>
+          <p:cNvPr id="95" name="Google Shape;95;p7"/>
           <p:cNvSpPr txBox="1"/>
           <p:nvPr>
             <p:ph idx="1" type="body"/>
@@ -9758,6 +13516,10 @@
           <a:prstGeom prst="rect">
             <a:avLst/>
           </a:prstGeom>
+          <a:noFill/>
+          <a:ln>
+            <a:noFill/>
+          </a:ln>
         </p:spPr>
         <p:txBody>
           <a:bodyPr anchorCtr="0" anchor="t" bIns="91425" lIns="91425" spcFirstLastPara="1" rIns="91425" wrap="square" tIns="91425">
@@ -9766,6 +13528,9 @@
           <a:lstStyle/>
           <a:p>
             <a:pPr indent="0" lvl="0" marL="0" rtl="0" algn="l">
+              <a:lnSpc>
+                <a:spcPct val="115000"/>
+              </a:lnSpc>
               <a:spcBef>
                 <a:spcPts val="0"/>
               </a:spcBef>
@@ -9795,6 +13560,9 @@
           </a:p>
           <a:p>
             <a:pPr indent="0" lvl="0" marL="0" rtl="0" algn="l">
+              <a:lnSpc>
+                <a:spcPct val="115000"/>
+              </a:lnSpc>
               <a:spcBef>
                 <a:spcPts val="1200"/>
               </a:spcBef>
@@ -9824,6 +13592,9 @@
           </a:p>
           <a:p>
             <a:pPr indent="0" lvl="0" marL="0" rtl="0" algn="l">
+              <a:lnSpc>
+                <a:spcPct val="115000"/>
+              </a:lnSpc>
               <a:spcBef>
                 <a:spcPts val="1200"/>
               </a:spcBef>
@@ -9843,7 +13614,7 @@
                   <a:schemeClr val="dk1"/>
                 </a:solidFill>
               </a:rPr>
-              <a:t>&lt;div id=“some_element_name”&gt;…&lt;/div&gt;</a:t>
+              <a:t>&lt;div id="some_element_name"&gt;…&lt;/div&gt;</a:t>
             </a:r>
             <a:endParaRPr sz="1200">
               <a:solidFill>
@@ -9853,6 +13624,9 @@
           </a:p>
           <a:p>
             <a:pPr indent="0" lvl="0" marL="0" rtl="0" algn="l">
+              <a:lnSpc>
+                <a:spcPct val="115000"/>
+              </a:lnSpc>
               <a:spcBef>
                 <a:spcPts val="1200"/>
               </a:spcBef>
@@ -9882,6 +13656,9 @@
           </a:p>
           <a:p>
             <a:pPr indent="0" lvl="0" marL="0" rtl="0" algn="l">
+              <a:lnSpc>
+                <a:spcPct val="115000"/>
+              </a:lnSpc>
               <a:spcBef>
                 <a:spcPts val="1200"/>
               </a:spcBef>
@@ -9901,7 +13678,7 @@
                   <a:schemeClr val="dk1"/>
                 </a:solidFill>
               </a:rPr>
-              <a:t>&lt;a href=”some_page.html"&gt;Some internal page&lt;/a&gt;</a:t>
+              <a:t>&lt;a href="some_page.html"&gt;Some internal page&lt;/a&gt;</a:t>
             </a:r>
             <a:endParaRPr sz="1200">
               <a:solidFill>
@@ -9913,7 +13690,7 @@
       </p:sp>
       <p:sp>
         <p:nvSpPr>
-          <p:cNvPr id="96" name="Google Shape;96;p19"/>
+          <p:cNvPr id="96" name="Google Shape;96;p7"/>
           <p:cNvSpPr txBox="1"/>
           <p:nvPr>
             <p:ph idx="1" type="body"/>
@@ -9927,6 +13704,10 @@
           <a:prstGeom prst="rect">
             <a:avLst/>
           </a:prstGeom>
+          <a:noFill/>
+          <a:ln>
+            <a:noFill/>
+          </a:ln>
         </p:spPr>
         <p:txBody>
           <a:bodyPr anchorCtr="0" anchor="t" bIns="91425" lIns="91425" spcFirstLastPara="1" rIns="91425" wrap="square" tIns="91425">
@@ -9935,6 +13716,9 @@
           <a:lstStyle/>
           <a:p>
             <a:pPr indent="0" lvl="0" marL="0" rtl="0" algn="l">
+              <a:lnSpc>
+                <a:spcPct val="115000"/>
+              </a:lnSpc>
               <a:spcBef>
                 <a:spcPts val="0"/>
               </a:spcBef>
@@ -9964,6 +13748,9 @@
           </a:p>
           <a:p>
             <a:pPr indent="0" lvl="0" marL="0" rtl="0" algn="l">
+              <a:lnSpc>
+                <a:spcPct val="115000"/>
+              </a:lnSpc>
               <a:spcBef>
                 <a:spcPts val="1200"/>
               </a:spcBef>
@@ -9993,6 +13780,9 @@
           </a:p>
           <a:p>
             <a:pPr indent="0" lvl="0" marL="0" rtl="0" algn="l">
+              <a:lnSpc>
+                <a:spcPct val="115000"/>
+              </a:lnSpc>
               <a:spcBef>
                 <a:spcPts val="1200"/>
               </a:spcBef>
@@ -10022,6 +13812,9 @@
           </a:p>
           <a:p>
             <a:pPr indent="0" lvl="0" marL="0" rtl="0" algn="l">
+              <a:lnSpc>
+                <a:spcPct val="115000"/>
+              </a:lnSpc>
               <a:spcBef>
                 <a:spcPts val="1200"/>
               </a:spcBef>
@@ -10051,6 +13844,9 @@
           </a:p>
           <a:p>
             <a:pPr indent="0" lvl="0" marL="0" rtl="0" algn="l">
+              <a:lnSpc>
+                <a:spcPct val="115000"/>
+              </a:lnSpc>
               <a:spcBef>
                 <a:spcPts val="1200"/>
               </a:spcBef>
@@ -10080,12 +13876,16 @@
           </a:p>
           <a:p>
             <a:pPr indent="0" lvl="0" marL="0" rtl="0" algn="l">
+              <a:lnSpc>
+                <a:spcPct val="115000"/>
+              </a:lnSpc>
               <a:spcBef>
                 <a:spcPts val="1200"/>
               </a:spcBef>
               <a:spcAft>
                 <a:spcPts val="1200"/>
               </a:spcAft>
+              <a:buSzPts val="1800"/>
               <a:buNone/>
             </a:pPr>
             <a:r>
@@ -10131,7 +13931,7 @@
       </p:grpSpPr>
       <p:sp>
         <p:nvSpPr>
-          <p:cNvPr id="101" name="Google Shape;101;p20"/>
+          <p:cNvPr id="101" name="Google Shape;101;p8"/>
           <p:cNvSpPr txBox="1"/>
           <p:nvPr>
             <p:ph type="title"/>
@@ -10145,6 +13945,10 @@
           <a:prstGeom prst="rect">
             <a:avLst/>
           </a:prstGeom>
+          <a:noFill/>
+          <a:ln>
+            <a:noFill/>
+          </a:ln>
         </p:spPr>
         <p:txBody>
           <a:bodyPr anchorCtr="0" anchor="t" bIns="91425" lIns="91425" spcFirstLastPara="1" rIns="91425" wrap="square" tIns="91425">
@@ -10153,12 +13957,16 @@
           <a:lstStyle/>
           <a:p>
             <a:pPr indent="0" lvl="0" marL="0" rtl="0" algn="l">
-              <a:spcBef>
-                <a:spcPts val="0"/>
-              </a:spcBef>
-              <a:spcAft>
-                <a:spcPts val="0"/>
-              </a:spcAft>
+              <a:lnSpc>
+                <a:spcPct val="100000"/>
+              </a:lnSpc>
+              <a:spcBef>
+                <a:spcPts val="0"/>
+              </a:spcBef>
+              <a:spcAft>
+                <a:spcPts val="0"/>
+              </a:spcAft>
+              <a:buSzPct val="111111"/>
               <a:buNone/>
             </a:pPr>
             <a:r>
@@ -10171,7 +13979,7 @@
       </p:sp>
       <p:sp>
         <p:nvSpPr>
-          <p:cNvPr id="102" name="Google Shape;102;p20"/>
+          <p:cNvPr id="102" name="Google Shape;102;p8"/>
           <p:cNvSpPr txBox="1"/>
           <p:nvPr>
             <p:ph idx="1" type="body"/>
@@ -10185,6 +13993,10 @@
           <a:prstGeom prst="rect">
             <a:avLst/>
           </a:prstGeom>
+          <a:noFill/>
+          <a:ln>
+            <a:noFill/>
+          </a:ln>
         </p:spPr>
         <p:txBody>
           <a:bodyPr anchorCtr="0" anchor="t" bIns="91425" lIns="91425" spcFirstLastPara="1" rIns="91425" wrap="square" tIns="91425">
@@ -10193,6 +14005,9 @@
           <a:lstStyle/>
           <a:p>
             <a:pPr indent="0" lvl="0" marL="0" rtl="0" algn="l">
+              <a:lnSpc>
+                <a:spcPct val="115000"/>
+              </a:lnSpc>
               <a:spcBef>
                 <a:spcPts val="0"/>
               </a:spcBef>
@@ -10254,6 +14069,9 @@
           </a:p>
           <a:p>
             <a:pPr indent="0" lvl="0" marL="0" rtl="0" algn="l">
+              <a:lnSpc>
+                <a:spcPct val="115000"/>
+              </a:lnSpc>
               <a:spcBef>
                 <a:spcPts val="1200"/>
               </a:spcBef>
@@ -10283,6 +14101,9 @@
           </a:p>
           <a:p>
             <a:pPr indent="0" lvl="0" marL="0" rtl="0" algn="l">
+              <a:lnSpc>
+                <a:spcPct val="115000"/>
+              </a:lnSpc>
               <a:spcBef>
                 <a:spcPts val="1200"/>
               </a:spcBef>
@@ -10302,7 +14123,7 @@
                   <a:schemeClr val="dk1"/>
                 </a:solidFill>
               </a:rPr>
-              <a:t>&lt;a href=”some_url" </a:t>
+              <a:t>&lt;a href="some_url" </a:t>
             </a:r>
             <a:r>
               <a:rPr lang="en">
@@ -10344,6 +14165,9 @@
           </a:p>
           <a:p>
             <a:pPr indent="0" lvl="0" marL="0" rtl="0" algn="l">
+              <a:lnSpc>
+                <a:spcPct val="115000"/>
+              </a:lnSpc>
               <a:spcBef>
                 <a:spcPts val="1200"/>
               </a:spcBef>
@@ -10373,12 +14197,16 @@
           </a:p>
           <a:p>
             <a:pPr indent="0" lvl="0" marL="0" rtl="0" algn="l">
+              <a:lnSpc>
+                <a:spcPct val="115000"/>
+              </a:lnSpc>
               <a:spcBef>
                 <a:spcPts val="1200"/>
               </a:spcBef>
               <a:spcAft>
                 <a:spcPts val="1200"/>
               </a:spcAft>
+              <a:buSzPts val="1800"/>
               <a:buNone/>
             </a:pPr>
             <a:r>
@@ -10387,7 +14215,7 @@
                   <a:schemeClr val="dk1"/>
                 </a:solidFill>
               </a:rPr>
-              <a:t>&lt;a href=”some_url" </a:t>
+              <a:t>&lt;a href="some_url" </a:t>
             </a:r>
             <a:r>
               <a:rPr lang="en">
@@ -10456,7 +14284,7 @@
       </p:grpSpPr>
       <p:sp>
         <p:nvSpPr>
-          <p:cNvPr id="107" name="Google Shape;107;p21"/>
+          <p:cNvPr id="107" name="Google Shape;107;p9"/>
           <p:cNvSpPr txBox="1"/>
           <p:nvPr>
             <p:ph type="title"/>
@@ -10470,6 +14298,10 @@
           <a:prstGeom prst="rect">
             <a:avLst/>
           </a:prstGeom>
+          <a:noFill/>
+          <a:ln>
+            <a:noFill/>
+          </a:ln>
         </p:spPr>
         <p:txBody>
           <a:bodyPr anchorCtr="0" anchor="t" bIns="91425" lIns="91425" spcFirstLastPara="1" rIns="91425" wrap="square" tIns="91425">
@@ -10478,12 +14310,16 @@
           <a:lstStyle/>
           <a:p>
             <a:pPr indent="0" lvl="0" marL="0" rtl="0" algn="l">
-              <a:spcBef>
-                <a:spcPts val="0"/>
-              </a:spcBef>
-              <a:spcAft>
-                <a:spcPts val="0"/>
-              </a:spcAft>
+              <a:lnSpc>
+                <a:spcPct val="100000"/>
+              </a:lnSpc>
+              <a:spcBef>
+                <a:spcPts val="0"/>
+              </a:spcBef>
+              <a:spcAft>
+                <a:spcPts val="0"/>
+              </a:spcAft>
+              <a:buSzPct val="111111"/>
               <a:buNone/>
             </a:pPr>
             <a:r>
@@ -10496,7 +14332,7 @@
       </p:sp>
       <p:sp>
         <p:nvSpPr>
-          <p:cNvPr id="108" name="Google Shape;108;p21"/>
+          <p:cNvPr id="108" name="Google Shape;108;p9"/>
           <p:cNvSpPr txBox="1"/>
           <p:nvPr>
             <p:ph idx="1" type="body"/>
@@ -10510,6 +14346,10 @@
           <a:prstGeom prst="rect">
             <a:avLst/>
           </a:prstGeom>
+          <a:noFill/>
+          <a:ln>
+            <a:noFill/>
+          </a:ln>
         </p:spPr>
         <p:txBody>
           <a:bodyPr anchorCtr="0" anchor="t" bIns="91425" lIns="91425" spcFirstLastPara="1" rIns="91425" wrap="square" tIns="91425">
@@ -10518,6 +14358,9 @@
           <a:lstStyle/>
           <a:p>
             <a:pPr indent="0" lvl="0" marL="0" rtl="0" algn="l">
+              <a:lnSpc>
+                <a:spcPct val="115000"/>
+              </a:lnSpc>
               <a:spcBef>
                 <a:spcPts val="0"/>
               </a:spcBef>
@@ -10547,6 +14390,9 @@
           </a:p>
           <a:p>
             <a:pPr indent="-342900" lvl="0" marL="457200" rtl="0" algn="l">
+              <a:lnSpc>
+                <a:spcPct val="115000"/>
+              </a:lnSpc>
               <a:spcBef>
                 <a:spcPts val="1200"/>
               </a:spcBef>
@@ -10575,6 +14421,9 @@
           </a:p>
           <a:p>
             <a:pPr indent="-342900" lvl="0" marL="457200" rtl="0" algn="l">
+              <a:lnSpc>
+                <a:spcPct val="115000"/>
+              </a:lnSpc>
               <a:spcBef>
                 <a:spcPts val="0"/>
               </a:spcBef>
@@ -10603,6 +14452,9 @@
           </a:p>
           <a:p>
             <a:pPr indent="-342900" lvl="0" marL="457200" rtl="0" algn="l">
+              <a:lnSpc>
+                <a:spcPct val="115000"/>
+              </a:lnSpc>
               <a:spcBef>
                 <a:spcPts val="0"/>
               </a:spcBef>
@@ -10640,6 +14492,7 @@
               <a:spcAft>
                 <a:spcPts val="0"/>
               </a:spcAft>
+              <a:buSzPts val="1800"/>
               <a:buNone/>
             </a:pPr>
             <a:r>
@@ -10666,6 +14519,7 @@
               <a:spcAft>
                 <a:spcPts val="0"/>
               </a:spcAft>
+              <a:buSzPts val="1800"/>
               <a:buNone/>
             </a:pPr>
             <a:r>
@@ -10692,6 +14546,7 @@
               <a:spcAft>
                 <a:spcPts val="0"/>
               </a:spcAft>
+              <a:buSzPts val="1800"/>
               <a:buNone/>
             </a:pPr>
             <a:r>
@@ -10727,6 +14582,7 @@
               <a:spcAft>
                 <a:spcPts val="0"/>
               </a:spcAft>
+              <a:buSzPts val="1800"/>
               <a:buNone/>
             </a:pPr>
             <a:r>
@@ -10762,6 +14618,7 @@
               <a:spcAft>
                 <a:spcPts val="0"/>
               </a:spcAft>
+              <a:buSzPts val="1800"/>
               <a:buNone/>
             </a:pPr>
             <a:r>
@@ -10821,6 +14678,7 @@
               <a:spcAft>
                 <a:spcPts val="0"/>
               </a:spcAft>
+              <a:buSzPts val="1800"/>
               <a:buNone/>
             </a:pPr>
             <a:r>
@@ -10944,6 +14802,7 @@
               <a:spcAft>
                 <a:spcPts val="0"/>
               </a:spcAft>
+              <a:buSzPts val="1800"/>
               <a:buNone/>
             </a:pPr>
             <a:r>
@@ -10979,6 +14838,7 @@
               <a:spcAft>
                 <a:spcPts val="0"/>
               </a:spcAft>
+              <a:buSzPts val="1800"/>
               <a:buNone/>
             </a:pPr>
             <a:r>
@@ -11005,12 +14865,16 @@
           </a:p>
           <a:p>
             <a:pPr indent="0" lvl="0" marL="0" rtl="0" algn="l">
+              <a:lnSpc>
+                <a:spcPct val="115000"/>
+              </a:lnSpc>
               <a:spcBef>
                 <a:spcPts val="0"/>
               </a:spcBef>
               <a:spcAft>
                 <a:spcPts val="1200"/>
               </a:spcAft>
+              <a:buSzPts val="1800"/>
               <a:buNone/>
             </a:pPr>
             <a:r>

--- a/CSCI-111/week-2/week-2-lecture-1/week-2-lecture-1.pptx
+++ b/CSCI-111/week-2/week-2-lecture-1/week-2-lecture-1.pptx
@@ -268,7 +268,7 @@
       </p15:sldGuideLst>
     </p:ext>
     <p:ext uri="GoogleSlidesCustomDataVersion2">
-      <go:slidesCustomData xmlns:go="http://customooxmlschemas.google.com/" r:id="rId18" roundtripDataSignature="AMtx7mg19nGc+0mtOaRMMMfBEg6L3+o/GQ=="/>
+      <go:slidesCustomData xmlns:go="http://customooxmlschemas.google.com/" r:id="rId18" roundtripDataSignature="AMtx7mi9FTgMwzFg/b1Mt9fKf+P8TAnmTA=="/>
     </p:ext>
   </p:extLst>
 </p:presentation>
@@ -957,7 +957,7 @@
   <p:cSld>
     <p:spTree>
       <p:nvGrpSpPr>
-        <p:cNvPr id="109" name="Shape 109"/>
+        <p:cNvPr id="113" name="Shape 113"/>
         <p:cNvGrpSpPr/>
         <p:nvPr/>
       </p:nvGrpSpPr>
@@ -971,7 +971,7 @@
       </p:grpSpPr>
       <p:sp>
         <p:nvSpPr>
-          <p:cNvPr id="110" name="Google Shape;110;p10:notes"/>
+          <p:cNvPr id="114" name="Google Shape;114;p10:notes"/>
           <p:cNvSpPr/>
           <p:nvPr>
             <p:ph idx="2" type="sldImg"/>
@@ -1016,7 +1016,7 @@
       </p:sp>
       <p:sp>
         <p:nvSpPr>
-          <p:cNvPr id="111" name="Google Shape;111;p10:notes"/>
+          <p:cNvPr id="115" name="Google Shape;115;p10:notes"/>
           <p:cNvSpPr txBox="1"/>
           <p:nvPr>
             <p:ph idx="1" type="body"/>
@@ -1074,7 +1074,7 @@
   <p:cSld>
     <p:spTree>
       <p:nvGrpSpPr>
-        <p:cNvPr id="115" name="Shape 115"/>
+        <p:cNvPr id="120" name="Shape 120"/>
         <p:cNvGrpSpPr/>
         <p:nvPr/>
       </p:nvGrpSpPr>
@@ -1088,7 +1088,7 @@
       </p:grpSpPr>
       <p:sp>
         <p:nvSpPr>
-          <p:cNvPr id="116" name="Google Shape;116;p11:notes"/>
+          <p:cNvPr id="121" name="Google Shape;121;p11:notes"/>
           <p:cNvSpPr/>
           <p:nvPr>
             <p:ph idx="2" type="sldImg"/>
@@ -1133,7 +1133,7 @@
       </p:sp>
       <p:sp>
         <p:nvSpPr>
-          <p:cNvPr id="117" name="Google Shape;117;p11:notes"/>
+          <p:cNvPr id="122" name="Google Shape;122;p11:notes"/>
           <p:cNvSpPr txBox="1"/>
           <p:nvPr>
             <p:ph idx="1" type="body"/>
@@ -1191,7 +1191,7 @@
   <p:cSld>
     <p:spTree>
       <p:nvGrpSpPr>
-        <p:cNvPr id="121" name="Shape 121"/>
+        <p:cNvPr id="127" name="Shape 127"/>
         <p:cNvGrpSpPr/>
         <p:nvPr/>
       </p:nvGrpSpPr>
@@ -1205,7 +1205,7 @@
       </p:grpSpPr>
       <p:sp>
         <p:nvSpPr>
-          <p:cNvPr id="122" name="Google Shape;122;p12:notes"/>
+          <p:cNvPr id="128" name="Google Shape;128;p12:notes"/>
           <p:cNvSpPr/>
           <p:nvPr>
             <p:ph idx="2" type="sldImg"/>
@@ -1250,7 +1250,7 @@
       </p:sp>
       <p:sp>
         <p:nvSpPr>
-          <p:cNvPr id="123" name="Google Shape;123;p12:notes"/>
+          <p:cNvPr id="129" name="Google Shape;129;p12:notes"/>
           <p:cNvSpPr txBox="1"/>
           <p:nvPr>
             <p:ph idx="1" type="body"/>
@@ -1893,7 +1893,7 @@
   <p:cSld>
     <p:spTree>
       <p:nvGrpSpPr>
-        <p:cNvPr id="90" name="Shape 90"/>
+        <p:cNvPr id="91" name="Shape 91"/>
         <p:cNvGrpSpPr/>
         <p:nvPr/>
       </p:nvGrpSpPr>
@@ -1907,7 +1907,7 @@
       </p:grpSpPr>
       <p:sp>
         <p:nvSpPr>
-          <p:cNvPr id="91" name="Google Shape;91;p7:notes"/>
+          <p:cNvPr id="92" name="Google Shape;92;p7:notes"/>
           <p:cNvSpPr/>
           <p:nvPr>
             <p:ph idx="2" type="sldImg"/>
@@ -1952,7 +1952,7 @@
       </p:sp>
       <p:sp>
         <p:nvSpPr>
-          <p:cNvPr id="92" name="Google Shape;92;p7:notes"/>
+          <p:cNvPr id="93" name="Google Shape;93;p7:notes"/>
           <p:cNvSpPr txBox="1"/>
           <p:nvPr>
             <p:ph idx="1" type="body"/>
@@ -2010,7 +2010,7 @@
   <p:cSld>
     <p:spTree>
       <p:nvGrpSpPr>
-        <p:cNvPr id="97" name="Shape 97"/>
+        <p:cNvPr id="99" name="Shape 99"/>
         <p:cNvGrpSpPr/>
         <p:nvPr/>
       </p:nvGrpSpPr>
@@ -2024,7 +2024,7 @@
       </p:grpSpPr>
       <p:sp>
         <p:nvSpPr>
-          <p:cNvPr id="98" name="Google Shape;98;p8:notes"/>
+          <p:cNvPr id="100" name="Google Shape;100;p8:notes"/>
           <p:cNvSpPr/>
           <p:nvPr>
             <p:ph idx="2" type="sldImg"/>
@@ -2069,7 +2069,7 @@
       </p:sp>
       <p:sp>
         <p:nvSpPr>
-          <p:cNvPr id="99" name="Google Shape;99;p8:notes"/>
+          <p:cNvPr id="101" name="Google Shape;101;p8:notes"/>
           <p:cNvSpPr txBox="1"/>
           <p:nvPr>
             <p:ph idx="1" type="body"/>
@@ -2127,7 +2127,7 @@
   <p:cSld>
     <p:spTree>
       <p:nvGrpSpPr>
-        <p:cNvPr id="103" name="Shape 103"/>
+        <p:cNvPr id="106" name="Shape 106"/>
         <p:cNvGrpSpPr/>
         <p:nvPr/>
       </p:nvGrpSpPr>
@@ -2141,7 +2141,7 @@
       </p:grpSpPr>
       <p:sp>
         <p:nvSpPr>
-          <p:cNvPr id="104" name="Google Shape;104;p9:notes"/>
+          <p:cNvPr id="107" name="Google Shape;107;p9:notes"/>
           <p:cNvSpPr/>
           <p:nvPr>
             <p:ph idx="2" type="sldImg"/>
@@ -2186,7 +2186,7 @@
       </p:sp>
       <p:sp>
         <p:nvSpPr>
-          <p:cNvPr id="105" name="Google Shape;105;p9:notes"/>
+          <p:cNvPr id="108" name="Google Shape;108;p9:notes"/>
           <p:cNvSpPr txBox="1"/>
           <p:nvPr>
             <p:ph idx="1" type="body"/>
@@ -10120,7 +10120,7 @@
   <p:cSld>
     <p:spTree>
       <p:nvGrpSpPr>
-        <p:cNvPr id="112" name="Shape 112"/>
+        <p:cNvPr id="116" name="Shape 116"/>
         <p:cNvGrpSpPr/>
         <p:nvPr/>
       </p:nvGrpSpPr>
@@ -10134,7 +10134,7 @@
       </p:grpSpPr>
       <p:sp>
         <p:nvSpPr>
-          <p:cNvPr id="113" name="Google Shape;113;p10"/>
+          <p:cNvPr id="117" name="Google Shape;117;p10"/>
           <p:cNvSpPr txBox="1"/>
           <p:nvPr>
             <p:ph type="title"/>
@@ -10182,7 +10182,7 @@
       </p:sp>
       <p:sp>
         <p:nvSpPr>
-          <p:cNvPr id="114" name="Google Shape;114;p10"/>
+          <p:cNvPr id="118" name="Google Shape;118;p10"/>
           <p:cNvSpPr txBox="1"/>
           <p:nvPr>
             <p:ph idx="1" type="body"/>
@@ -10572,6 +10572,76 @@
           </a:p>
         </p:txBody>
       </p:sp>
+      <p:sp>
+        <p:nvSpPr>
+          <p:cNvPr id="119" name="Google Shape;119;p10"/>
+          <p:cNvSpPr/>
+          <p:nvPr/>
+        </p:nvSpPr>
+        <p:spPr>
+          <a:xfrm>
+            <a:off x="7007500" y="4821150"/>
+            <a:ext cx="2136600" cy="322200"/>
+          </a:xfrm>
+          <a:prstGeom prst="rect">
+            <a:avLst/>
+          </a:prstGeom>
+          <a:noFill/>
+          <a:ln>
+            <a:noFill/>
+          </a:ln>
+        </p:spPr>
+        <p:txBody>
+          <a:bodyPr anchorCtr="0" anchor="ctr" bIns="91425" lIns="91425" spcFirstLastPara="1" rIns="91425" wrap="square" tIns="91425">
+            <a:noAutofit/>
+          </a:bodyPr>
+          <a:lstStyle/>
+          <a:p>
+            <a:pPr indent="0" lvl="0" marL="0" rtl="0" algn="ctr">
+              <a:spcBef>
+                <a:spcPts val="0"/>
+              </a:spcBef>
+              <a:spcAft>
+                <a:spcPts val="0"/>
+              </a:spcAft>
+              <a:buNone/>
+            </a:pPr>
+            <a:r>
+              <a:rPr lang="en">
+                <a:solidFill>
+                  <a:schemeClr val="dk1"/>
+                </a:solidFill>
+                <a:latin typeface="Courier New"/>
+                <a:ea typeface="Courier New"/>
+                <a:cs typeface="Courier New"/>
+                <a:sym typeface="Courier New"/>
+              </a:rPr>
+              <a:t>2</a:t>
+            </a:r>
+            <a:r>
+              <a:rPr lang="en">
+                <a:solidFill>
+                  <a:schemeClr val="dk1"/>
+                </a:solidFill>
+                <a:latin typeface="Courier New"/>
+                <a:ea typeface="Courier New"/>
+                <a:cs typeface="Courier New"/>
+                <a:sym typeface="Courier New"/>
+              </a:rPr>
+              <a:t>.html</a:t>
+            </a:r>
+            <a:endParaRPr>
+              <a:solidFill>
+                <a:schemeClr val="dk1"/>
+              </a:solidFill>
+              <a:latin typeface="Courier New"/>
+              <a:ea typeface="Courier New"/>
+              <a:cs typeface="Courier New"/>
+              <a:sym typeface="Courier New"/>
+            </a:endParaRPr>
+          </a:p>
+        </p:txBody>
+      </p:sp>
     </p:spTree>
   </p:cSld>
   <p:clrMapOvr>
@@ -10585,7 +10655,7 @@
   <p:cSld>
     <p:spTree>
       <p:nvGrpSpPr>
-        <p:cNvPr id="118" name="Shape 118"/>
+        <p:cNvPr id="123" name="Shape 123"/>
         <p:cNvGrpSpPr/>
         <p:nvPr/>
       </p:nvGrpSpPr>
@@ -10599,7 +10669,7 @@
       </p:grpSpPr>
       <p:sp>
         <p:nvSpPr>
-          <p:cNvPr id="119" name="Google Shape;119;p11"/>
+          <p:cNvPr id="124" name="Google Shape;124;p11"/>
           <p:cNvSpPr txBox="1"/>
           <p:nvPr>
             <p:ph type="title"/>
@@ -10647,7 +10717,7 @@
       </p:sp>
       <p:sp>
         <p:nvSpPr>
-          <p:cNvPr id="120" name="Google Shape;120;p11"/>
+          <p:cNvPr id="125" name="Google Shape;125;p11"/>
           <p:cNvSpPr txBox="1"/>
           <p:nvPr>
             <p:ph idx="1" type="body"/>
@@ -10997,6 +11067,76 @@
           </a:p>
         </p:txBody>
       </p:sp>
+      <p:sp>
+        <p:nvSpPr>
+          <p:cNvPr id="126" name="Google Shape;126;p11"/>
+          <p:cNvSpPr/>
+          <p:nvPr/>
+        </p:nvSpPr>
+        <p:spPr>
+          <a:xfrm>
+            <a:off x="7007500" y="4821150"/>
+            <a:ext cx="2136600" cy="322200"/>
+          </a:xfrm>
+          <a:prstGeom prst="rect">
+            <a:avLst/>
+          </a:prstGeom>
+          <a:noFill/>
+          <a:ln>
+            <a:noFill/>
+          </a:ln>
+        </p:spPr>
+        <p:txBody>
+          <a:bodyPr anchorCtr="0" anchor="ctr" bIns="91425" lIns="91425" spcFirstLastPara="1" rIns="91425" wrap="square" tIns="91425">
+            <a:noAutofit/>
+          </a:bodyPr>
+          <a:lstStyle/>
+          <a:p>
+            <a:pPr indent="0" lvl="0" marL="0" rtl="0" algn="ctr">
+              <a:spcBef>
+                <a:spcPts val="0"/>
+              </a:spcBef>
+              <a:spcAft>
+                <a:spcPts val="0"/>
+              </a:spcAft>
+              <a:buNone/>
+            </a:pPr>
+            <a:r>
+              <a:rPr lang="en">
+                <a:solidFill>
+                  <a:schemeClr val="dk1"/>
+                </a:solidFill>
+                <a:latin typeface="Courier New"/>
+                <a:ea typeface="Courier New"/>
+                <a:cs typeface="Courier New"/>
+                <a:sym typeface="Courier New"/>
+              </a:rPr>
+              <a:t>2</a:t>
+            </a:r>
+            <a:r>
+              <a:rPr lang="en">
+                <a:solidFill>
+                  <a:schemeClr val="dk1"/>
+                </a:solidFill>
+                <a:latin typeface="Courier New"/>
+                <a:ea typeface="Courier New"/>
+                <a:cs typeface="Courier New"/>
+                <a:sym typeface="Courier New"/>
+              </a:rPr>
+              <a:t>.html</a:t>
+            </a:r>
+            <a:endParaRPr>
+              <a:solidFill>
+                <a:schemeClr val="dk1"/>
+              </a:solidFill>
+              <a:latin typeface="Courier New"/>
+              <a:ea typeface="Courier New"/>
+              <a:cs typeface="Courier New"/>
+              <a:sym typeface="Courier New"/>
+            </a:endParaRPr>
+          </a:p>
+        </p:txBody>
+      </p:sp>
     </p:spTree>
   </p:cSld>
   <p:clrMapOvr>
@@ -11010,7 +11150,7 @@
   <p:cSld>
     <p:spTree>
       <p:nvGrpSpPr>
-        <p:cNvPr id="124" name="Shape 124"/>
+        <p:cNvPr id="130" name="Shape 130"/>
         <p:cNvGrpSpPr/>
         <p:nvPr/>
       </p:nvGrpSpPr>
@@ -11024,7 +11164,7 @@
       </p:grpSpPr>
       <p:sp>
         <p:nvSpPr>
-          <p:cNvPr id="125" name="Google Shape;125;p12"/>
+          <p:cNvPr id="131" name="Google Shape;131;p12"/>
           <p:cNvSpPr txBox="1"/>
           <p:nvPr>
             <p:ph type="title"/>
@@ -11072,7 +11212,7 @@
       </p:sp>
       <p:sp>
         <p:nvSpPr>
-          <p:cNvPr id="126" name="Google Shape;126;p12"/>
+          <p:cNvPr id="132" name="Google Shape;132;p12"/>
           <p:cNvSpPr txBox="1"/>
           <p:nvPr>
             <p:ph idx="1" type="body"/>
@@ -12424,7 +12564,7 @@
                   <a:srgbClr val="FF0000"/>
                 </a:solidFill>
               </a:rPr>
-              <a:t>h1, div, p, ul, ol, a*</a:t>
+              <a:t>h1, div, p, ul, ol</a:t>
             </a:r>
             <a:endParaRPr>
               <a:solidFill>
@@ -12749,18 +12889,6 @@
                 <a:sym typeface="Arial"/>
               </a:rPr>
               <a:t>span, strong, a</a:t>
-            </a:r>
-            <a:r>
-              <a:rPr b="0" i="0" lang="en" sz="1800" u="none" cap="none" strike="noStrike">
-                <a:solidFill>
-                  <a:schemeClr val="dk1"/>
-                </a:solidFill>
-                <a:latin typeface="Arial"/>
-                <a:ea typeface="Arial"/>
-                <a:cs typeface="Arial"/>
-                <a:sym typeface="Arial"/>
-              </a:rPr>
-              <a:t>*</a:t>
             </a:r>
             <a:endParaRPr b="0" i="0" sz="1800" u="none" cap="none" strike="noStrike">
               <a:solidFill>
@@ -13427,6 +13555,64 @@
           </a:p>
         </p:txBody>
       </p:sp>
+      <p:sp>
+        <p:nvSpPr>
+          <p:cNvPr id="90" name="Google Shape;90;p6"/>
+          <p:cNvSpPr/>
+          <p:nvPr/>
+        </p:nvSpPr>
+        <p:spPr>
+          <a:xfrm>
+            <a:off x="7007500" y="4821150"/>
+            <a:ext cx="2136600" cy="322200"/>
+          </a:xfrm>
+          <a:prstGeom prst="rect">
+            <a:avLst/>
+          </a:prstGeom>
+          <a:noFill/>
+          <a:ln>
+            <a:noFill/>
+          </a:ln>
+        </p:spPr>
+        <p:txBody>
+          <a:bodyPr anchorCtr="0" anchor="ctr" bIns="91425" lIns="91425" spcFirstLastPara="1" rIns="91425" wrap="square" tIns="91425">
+            <a:noAutofit/>
+          </a:bodyPr>
+          <a:lstStyle/>
+          <a:p>
+            <a:pPr indent="0" lvl="0" marL="0" rtl="0" algn="ctr">
+              <a:spcBef>
+                <a:spcPts val="0"/>
+              </a:spcBef>
+              <a:spcAft>
+                <a:spcPts val="0"/>
+              </a:spcAft>
+              <a:buNone/>
+            </a:pPr>
+            <a:r>
+              <a:rPr lang="en">
+                <a:solidFill>
+                  <a:schemeClr val="dk1"/>
+                </a:solidFill>
+                <a:latin typeface="Courier New"/>
+                <a:ea typeface="Courier New"/>
+                <a:cs typeface="Courier New"/>
+                <a:sym typeface="Courier New"/>
+              </a:rPr>
+              <a:t>1.html</a:t>
+            </a:r>
+            <a:endParaRPr>
+              <a:solidFill>
+                <a:schemeClr val="dk1"/>
+              </a:solidFill>
+              <a:latin typeface="Courier New"/>
+              <a:ea typeface="Courier New"/>
+              <a:cs typeface="Courier New"/>
+              <a:sym typeface="Courier New"/>
+            </a:endParaRPr>
+          </a:p>
+        </p:txBody>
+      </p:sp>
     </p:spTree>
   </p:cSld>
   <p:clrMapOvr>
@@ -13440,7 +13626,7 @@
   <p:cSld>
     <p:spTree>
       <p:nvGrpSpPr>
-        <p:cNvPr id="93" name="Shape 93"/>
+        <p:cNvPr id="94" name="Shape 94"/>
         <p:cNvGrpSpPr/>
         <p:nvPr/>
       </p:nvGrpSpPr>
@@ -13454,7 +13640,7 @@
       </p:grpSpPr>
       <p:sp>
         <p:nvSpPr>
-          <p:cNvPr id="94" name="Google Shape;94;p7"/>
+          <p:cNvPr id="95" name="Google Shape;95;p7"/>
           <p:cNvSpPr txBox="1"/>
           <p:nvPr>
             <p:ph type="title"/>
@@ -13502,7 +13688,7 @@
       </p:sp>
       <p:sp>
         <p:nvSpPr>
-          <p:cNvPr id="95" name="Google Shape;95;p7"/>
+          <p:cNvPr id="96" name="Google Shape;96;p7"/>
           <p:cNvSpPr txBox="1"/>
           <p:nvPr>
             <p:ph idx="1" type="body"/>
@@ -13690,7 +13876,7 @@
       </p:sp>
       <p:sp>
         <p:nvSpPr>
-          <p:cNvPr id="96" name="Google Shape;96;p7"/>
+          <p:cNvPr id="97" name="Google Shape;97;p7"/>
           <p:cNvSpPr txBox="1"/>
           <p:nvPr>
             <p:ph idx="1" type="body"/>
@@ -13904,6 +14090,64 @@
           </a:p>
         </p:txBody>
       </p:sp>
+      <p:sp>
+        <p:nvSpPr>
+          <p:cNvPr id="98" name="Google Shape;98;p7"/>
+          <p:cNvSpPr/>
+          <p:nvPr/>
+        </p:nvSpPr>
+        <p:spPr>
+          <a:xfrm>
+            <a:off x="7007500" y="4821150"/>
+            <a:ext cx="2136600" cy="322200"/>
+          </a:xfrm>
+          <a:prstGeom prst="rect">
+            <a:avLst/>
+          </a:prstGeom>
+          <a:noFill/>
+          <a:ln>
+            <a:noFill/>
+          </a:ln>
+        </p:spPr>
+        <p:txBody>
+          <a:bodyPr anchorCtr="0" anchor="ctr" bIns="91425" lIns="91425" spcFirstLastPara="1" rIns="91425" wrap="square" tIns="91425">
+            <a:noAutofit/>
+          </a:bodyPr>
+          <a:lstStyle/>
+          <a:p>
+            <a:pPr indent="0" lvl="0" marL="0" rtl="0" algn="ctr">
+              <a:spcBef>
+                <a:spcPts val="0"/>
+              </a:spcBef>
+              <a:spcAft>
+                <a:spcPts val="0"/>
+              </a:spcAft>
+              <a:buNone/>
+            </a:pPr>
+            <a:r>
+              <a:rPr lang="en">
+                <a:solidFill>
+                  <a:schemeClr val="dk1"/>
+                </a:solidFill>
+                <a:latin typeface="Courier New"/>
+                <a:ea typeface="Courier New"/>
+                <a:cs typeface="Courier New"/>
+                <a:sym typeface="Courier New"/>
+              </a:rPr>
+              <a:t>1.html</a:t>
+            </a:r>
+            <a:endParaRPr>
+              <a:solidFill>
+                <a:schemeClr val="dk1"/>
+              </a:solidFill>
+              <a:latin typeface="Courier New"/>
+              <a:ea typeface="Courier New"/>
+              <a:cs typeface="Courier New"/>
+              <a:sym typeface="Courier New"/>
+            </a:endParaRPr>
+          </a:p>
+        </p:txBody>
+      </p:sp>
     </p:spTree>
   </p:cSld>
   <p:clrMapOvr>
@@ -13917,7 +14161,7 @@
   <p:cSld>
     <p:spTree>
       <p:nvGrpSpPr>
-        <p:cNvPr id="100" name="Shape 100"/>
+        <p:cNvPr id="102" name="Shape 102"/>
         <p:cNvGrpSpPr/>
         <p:nvPr/>
       </p:nvGrpSpPr>
@@ -13931,7 +14175,7 @@
       </p:grpSpPr>
       <p:sp>
         <p:nvSpPr>
-          <p:cNvPr id="101" name="Google Shape;101;p8"/>
+          <p:cNvPr id="103" name="Google Shape;103;p8"/>
           <p:cNvSpPr txBox="1"/>
           <p:nvPr>
             <p:ph type="title"/>
@@ -13979,7 +14223,7 @@
       </p:sp>
       <p:sp>
         <p:nvSpPr>
-          <p:cNvPr id="102" name="Google Shape;102;p8"/>
+          <p:cNvPr id="104" name="Google Shape;104;p8"/>
           <p:cNvSpPr txBox="1"/>
           <p:nvPr>
             <p:ph idx="1" type="body"/>
@@ -14257,6 +14501,64 @@
           </a:p>
         </p:txBody>
       </p:sp>
+      <p:sp>
+        <p:nvSpPr>
+          <p:cNvPr id="105" name="Google Shape;105;p8"/>
+          <p:cNvSpPr/>
+          <p:nvPr/>
+        </p:nvSpPr>
+        <p:spPr>
+          <a:xfrm>
+            <a:off x="7007500" y="4821150"/>
+            <a:ext cx="2136600" cy="322200"/>
+          </a:xfrm>
+          <a:prstGeom prst="rect">
+            <a:avLst/>
+          </a:prstGeom>
+          <a:noFill/>
+          <a:ln>
+            <a:noFill/>
+          </a:ln>
+        </p:spPr>
+        <p:txBody>
+          <a:bodyPr anchorCtr="0" anchor="ctr" bIns="91425" lIns="91425" spcFirstLastPara="1" rIns="91425" wrap="square" tIns="91425">
+            <a:noAutofit/>
+          </a:bodyPr>
+          <a:lstStyle/>
+          <a:p>
+            <a:pPr indent="0" lvl="0" marL="0" rtl="0" algn="ctr">
+              <a:spcBef>
+                <a:spcPts val="0"/>
+              </a:spcBef>
+              <a:spcAft>
+                <a:spcPts val="0"/>
+              </a:spcAft>
+              <a:buNone/>
+            </a:pPr>
+            <a:r>
+              <a:rPr lang="en">
+                <a:solidFill>
+                  <a:schemeClr val="dk1"/>
+                </a:solidFill>
+                <a:latin typeface="Courier New"/>
+                <a:ea typeface="Courier New"/>
+                <a:cs typeface="Courier New"/>
+                <a:sym typeface="Courier New"/>
+              </a:rPr>
+              <a:t>1.html</a:t>
+            </a:r>
+            <a:endParaRPr>
+              <a:solidFill>
+                <a:schemeClr val="dk1"/>
+              </a:solidFill>
+              <a:latin typeface="Courier New"/>
+              <a:ea typeface="Courier New"/>
+              <a:cs typeface="Courier New"/>
+              <a:sym typeface="Courier New"/>
+            </a:endParaRPr>
+          </a:p>
+        </p:txBody>
+      </p:sp>
     </p:spTree>
   </p:cSld>
   <p:clrMapOvr>
@@ -14270,7 +14572,7 @@
   <p:cSld>
     <p:spTree>
       <p:nvGrpSpPr>
-        <p:cNvPr id="106" name="Shape 106"/>
+        <p:cNvPr id="109" name="Shape 109"/>
         <p:cNvGrpSpPr/>
         <p:nvPr/>
       </p:nvGrpSpPr>
@@ -14284,7 +14586,7 @@
       </p:grpSpPr>
       <p:sp>
         <p:nvSpPr>
-          <p:cNvPr id="107" name="Google Shape;107;p9"/>
+          <p:cNvPr id="110" name="Google Shape;110;p9"/>
           <p:cNvSpPr txBox="1"/>
           <p:nvPr>
             <p:ph type="title"/>
@@ -14332,7 +14634,7 @@
       </p:sp>
       <p:sp>
         <p:nvSpPr>
-          <p:cNvPr id="108" name="Google Shape;108;p9"/>
+          <p:cNvPr id="111" name="Google Shape;111;p9"/>
           <p:cNvSpPr txBox="1"/>
           <p:nvPr>
             <p:ph idx="1" type="body"/>
@@ -14884,6 +15186,64 @@
           </a:p>
         </p:txBody>
       </p:sp>
+      <p:sp>
+        <p:nvSpPr>
+          <p:cNvPr id="112" name="Google Shape;112;p9"/>
+          <p:cNvSpPr/>
+          <p:nvPr/>
+        </p:nvSpPr>
+        <p:spPr>
+          <a:xfrm>
+            <a:off x="7007500" y="4821150"/>
+            <a:ext cx="2136600" cy="322200"/>
+          </a:xfrm>
+          <a:prstGeom prst="rect">
+            <a:avLst/>
+          </a:prstGeom>
+          <a:noFill/>
+          <a:ln>
+            <a:noFill/>
+          </a:ln>
+        </p:spPr>
+        <p:txBody>
+          <a:bodyPr anchorCtr="0" anchor="ctr" bIns="91425" lIns="91425" spcFirstLastPara="1" rIns="91425" wrap="square" tIns="91425">
+            <a:noAutofit/>
+          </a:bodyPr>
+          <a:lstStyle/>
+          <a:p>
+            <a:pPr indent="0" lvl="0" marL="0" rtl="0" algn="ctr">
+              <a:spcBef>
+                <a:spcPts val="0"/>
+              </a:spcBef>
+              <a:spcAft>
+                <a:spcPts val="0"/>
+              </a:spcAft>
+              <a:buNone/>
+            </a:pPr>
+            <a:r>
+              <a:rPr lang="en">
+                <a:solidFill>
+                  <a:schemeClr val="dk1"/>
+                </a:solidFill>
+                <a:latin typeface="Courier New"/>
+                <a:ea typeface="Courier New"/>
+                <a:cs typeface="Courier New"/>
+                <a:sym typeface="Courier New"/>
+              </a:rPr>
+              <a:t>1.html</a:t>
+            </a:r>
+            <a:endParaRPr>
+              <a:solidFill>
+                <a:schemeClr val="dk1"/>
+              </a:solidFill>
+              <a:latin typeface="Courier New"/>
+              <a:ea typeface="Courier New"/>
+              <a:cs typeface="Courier New"/>
+              <a:sym typeface="Courier New"/>
+            </a:endParaRPr>
+          </a:p>
+        </p:txBody>
+      </p:sp>
     </p:spTree>
   </p:cSld>
   <p:clrMapOvr>
@@ -14893,6 +15253,285 @@
 </file>
 
 <file path=ppt/theme/theme1.xml><?xml version="1.0" encoding="utf-8"?>
+<a:theme xmlns:a="http://schemas.openxmlformats.org/drawingml/2006/main" xmlns:r="http://schemas.openxmlformats.org/officeDocument/2006/relationships" name="Simple Light">
+  <a:themeElements>
+    <a:clrScheme name="Simple Light">
+      <a:dk1>
+        <a:srgbClr val="000000"/>
+      </a:dk1>
+      <a:lt1>
+        <a:srgbClr val="FFFFFF"/>
+      </a:lt1>
+      <a:dk2>
+        <a:srgbClr val="595959"/>
+      </a:dk2>
+      <a:lt2>
+        <a:srgbClr val="EEEEEE"/>
+      </a:lt2>
+      <a:accent1>
+        <a:srgbClr val="4285F4"/>
+      </a:accent1>
+      <a:accent2>
+        <a:srgbClr val="212121"/>
+      </a:accent2>
+      <a:accent3>
+        <a:srgbClr val="78909C"/>
+      </a:accent3>
+      <a:accent4>
+        <a:srgbClr val="FFAB40"/>
+      </a:accent4>
+      <a:accent5>
+        <a:srgbClr val="0097A7"/>
+      </a:accent5>
+      <a:accent6>
+        <a:srgbClr val="EEFF41"/>
+      </a:accent6>
+      <a:hlink>
+        <a:srgbClr val="0097A7"/>
+      </a:hlink>
+      <a:folHlink>
+        <a:srgbClr val="0097A7"/>
+      </a:folHlink>
+    </a:clrScheme>
+    <a:fontScheme name="Office">
+      <a:majorFont>
+        <a:latin typeface="Arial"/>
+        <a:ea typeface=""/>
+        <a:cs typeface=""/>
+        <a:font script="Jpan" typeface="ＭＳ Ｐゴシック"/>
+        <a:font script="Hang" typeface="맑은 고딕"/>
+        <a:font script="Hans" typeface="宋体"/>
+        <a:font script="Hant" typeface="新細明體"/>
+        <a:font script="Arab" typeface="Times New Roman"/>
+        <a:font script="Hebr" typeface="Times New Roman"/>
+        <a:font script="Thai" typeface="Angsana New"/>
+        <a:font script="Ethi" typeface="Nyala"/>
+        <a:font script="Beng" typeface="Vrinda"/>
+        <a:font script="Gujr" typeface="Shruti"/>
+        <a:font script="Khmr" typeface="MoolBoran"/>
+        <a:font script="Knda" typeface="Tunga"/>
+        <a:font script="Guru" typeface="Raavi"/>
+        <a:font script="Cans" typeface="Euphemia"/>
+        <a:font script="Cher" typeface="Plantagenet Cherokee"/>
+        <a:font script="Yiii" typeface="Microsoft Yi Baiti"/>
+        <a:font script="Tibt" typeface="Microsoft Himalaya"/>
+        <a:font script="Thaa" typeface="MV Boli"/>
+        <a:font script="Deva" typeface="Mangal"/>
+        <a:font script="Telu" typeface="Gautami"/>
+        <a:font script="Taml" typeface="Latha"/>
+        <a:font script="Syrc" typeface="Estrangelo Edessa"/>
+        <a:font script="Orya" typeface="Kalinga"/>
+        <a:font script="Mlym" typeface="Kartika"/>
+        <a:font script="Laoo" typeface="DokChampa"/>
+        <a:font script="Sinh" typeface="Iskoola Pota"/>
+        <a:font script="Mong" typeface="Mongolian Baiti"/>
+        <a:font script="Viet" typeface="Times New Roman"/>
+        <a:font script="Uigh" typeface="Microsoft Uighur"/>
+        <a:font script="Geor" typeface="Sylfaen"/>
+      </a:majorFont>
+      <a:minorFont>
+        <a:latin typeface="Arial"/>
+        <a:ea typeface=""/>
+        <a:cs typeface=""/>
+        <a:font script="Jpan" typeface="ＭＳ Ｐゴシック"/>
+        <a:font script="Hang" typeface="맑은 고딕"/>
+        <a:font script="Hans" typeface="宋体"/>
+        <a:font script="Hant" typeface="新細明體"/>
+        <a:font script="Arab" typeface="Arial"/>
+        <a:font script="Hebr" typeface="Arial"/>
+        <a:font script="Thai" typeface="Cordia New"/>
+        <a:font script="Ethi" typeface="Nyala"/>
+        <a:font script="Beng" typeface="Vrinda"/>
+        <a:font script="Gujr" typeface="Shruti"/>
+        <a:font script="Khmr" typeface="DaunPenh"/>
+        <a:font script="Knda" typeface="Tunga"/>
+        <a:font script="Guru" typeface="Raavi"/>
+        <a:font script="Cans" typeface="Euphemia"/>
+        <a:font script="Cher" typeface="Plantagenet Cherokee"/>
+        <a:font script="Yiii" typeface="Microsoft Yi Baiti"/>
+        <a:font script="Tibt" typeface="Microsoft Himalaya"/>
+        <a:font script="Thaa" typeface="MV Boli"/>
+        <a:font script="Deva" typeface="Mangal"/>
+        <a:font script="Telu" typeface="Gautami"/>
+        <a:font script="Taml" typeface="Latha"/>
+        <a:font script="Syrc" typeface="Estrangelo Edessa"/>
+        <a:font script="Orya" typeface="Kalinga"/>
+        <a:font script="Mlym" typeface="Kartika"/>
+        <a:font script="Laoo" typeface="DokChampa"/>
+        <a:font script="Sinh" typeface="Iskoola Pota"/>
+        <a:font script="Mong" typeface="Mongolian Baiti"/>
+        <a:font script="Viet" typeface="Arial"/>
+        <a:font script="Uigh" typeface="Microsoft Uighur"/>
+        <a:font script="Geor" typeface="Sylfaen"/>
+      </a:minorFont>
+    </a:fontScheme>
+    <a:fmtScheme name="Office">
+      <a:fillStyleLst>
+        <a:solidFill>
+          <a:schemeClr val="phClr"/>
+        </a:solidFill>
+        <a:gradFill rotWithShape="1">
+          <a:gsLst>
+            <a:gs pos="0">
+              <a:schemeClr val="phClr">
+                <a:tint val="50000"/>
+                <a:satMod val="300000"/>
+              </a:schemeClr>
+            </a:gs>
+            <a:gs pos="35000">
+              <a:schemeClr val="phClr">
+                <a:tint val="37000"/>
+                <a:satMod val="300000"/>
+              </a:schemeClr>
+            </a:gs>
+            <a:gs pos="100000">
+              <a:schemeClr val="phClr">
+                <a:tint val="15000"/>
+                <a:satMod val="350000"/>
+              </a:schemeClr>
+            </a:gs>
+          </a:gsLst>
+          <a:lin ang="16200000" scaled="1"/>
+        </a:gradFill>
+        <a:gradFill rotWithShape="1">
+          <a:gsLst>
+            <a:gs pos="0">
+              <a:schemeClr val="phClr">
+                <a:tint val="100000"/>
+                <a:shade val="100000"/>
+                <a:satMod val="130000"/>
+              </a:schemeClr>
+            </a:gs>
+            <a:gs pos="100000">
+              <a:schemeClr val="phClr">
+                <a:tint val="50000"/>
+                <a:shade val="100000"/>
+                <a:satMod val="350000"/>
+              </a:schemeClr>
+            </a:gs>
+          </a:gsLst>
+          <a:lin ang="16200000" scaled="0"/>
+        </a:gradFill>
+      </a:fillStyleLst>
+      <a:lnStyleLst>
+        <a:ln w="9525" cap="flat" cmpd="sng" algn="ctr">
+          <a:solidFill>
+            <a:schemeClr val="phClr">
+              <a:shade val="95000"/>
+              <a:satMod val="105000"/>
+            </a:schemeClr>
+          </a:solidFill>
+          <a:prstDash val="solid"/>
+        </a:ln>
+        <a:ln w="25400" cap="flat" cmpd="sng" algn="ctr">
+          <a:solidFill>
+            <a:schemeClr val="phClr"/>
+          </a:solidFill>
+          <a:prstDash val="solid"/>
+        </a:ln>
+        <a:ln w="38100" cap="flat" cmpd="sng" algn="ctr">
+          <a:solidFill>
+            <a:schemeClr val="phClr"/>
+          </a:solidFill>
+          <a:prstDash val="solid"/>
+        </a:ln>
+      </a:lnStyleLst>
+      <a:effectStyleLst>
+        <a:effectStyle>
+          <a:effectLst>
+            <a:outerShdw blurRad="40000" dist="20000" dir="5400000" rotWithShape="0">
+              <a:srgbClr val="000000">
+                <a:alpha val="38000"/>
+              </a:srgbClr>
+            </a:outerShdw>
+          </a:effectLst>
+        </a:effectStyle>
+        <a:effectStyle>
+          <a:effectLst>
+            <a:outerShdw blurRad="40000" dist="23000" dir="5400000" rotWithShape="0">
+              <a:srgbClr val="000000">
+                <a:alpha val="35000"/>
+              </a:srgbClr>
+            </a:outerShdw>
+          </a:effectLst>
+        </a:effectStyle>
+        <a:effectStyle>
+          <a:effectLst>
+            <a:outerShdw blurRad="40000" dist="23000" dir="5400000" rotWithShape="0">
+              <a:srgbClr val="000000">
+                <a:alpha val="35000"/>
+              </a:srgbClr>
+            </a:outerShdw>
+          </a:effectLst>
+          <a:scene3d>
+            <a:camera prst="orthographicFront">
+              <a:rot lat="0" lon="0" rev="0"/>
+            </a:camera>
+            <a:lightRig rig="threePt" dir="t">
+              <a:rot lat="0" lon="0" rev="1200000"/>
+            </a:lightRig>
+          </a:scene3d>
+          <a:sp3d>
+            <a:bevelT w="63500" h="25400"/>
+          </a:sp3d>
+        </a:effectStyle>
+      </a:effectStyleLst>
+      <a:bgFillStyleLst>
+        <a:solidFill>
+          <a:schemeClr val="phClr"/>
+        </a:solidFill>
+        <a:gradFill rotWithShape="1">
+          <a:gsLst>
+            <a:gs pos="0">
+              <a:schemeClr val="phClr">
+                <a:tint val="40000"/>
+                <a:satMod val="350000"/>
+              </a:schemeClr>
+            </a:gs>
+            <a:gs pos="40000">
+              <a:schemeClr val="phClr">
+                <a:tint val="45000"/>
+                <a:shade val="99000"/>
+                <a:satMod val="350000"/>
+              </a:schemeClr>
+            </a:gs>
+            <a:gs pos="100000">
+              <a:schemeClr val="phClr">
+                <a:shade val="20000"/>
+                <a:satMod val="255000"/>
+              </a:schemeClr>
+            </a:gs>
+          </a:gsLst>
+          <a:path path="circle">
+            <a:fillToRect l="50000" t="-80000" r="50000" b="180000"/>
+          </a:path>
+        </a:gradFill>
+        <a:gradFill rotWithShape="1">
+          <a:gsLst>
+            <a:gs pos="0">
+              <a:schemeClr val="phClr">
+                <a:tint val="80000"/>
+                <a:satMod val="300000"/>
+              </a:schemeClr>
+            </a:gs>
+            <a:gs pos="100000">
+              <a:schemeClr val="phClr">
+                <a:shade val="30000"/>
+                <a:satMod val="200000"/>
+              </a:schemeClr>
+            </a:gs>
+          </a:gsLst>
+          <a:path path="circle">
+            <a:fillToRect l="50000" t="50000" r="50000" b="50000"/>
+          </a:path>
+        </a:gradFill>
+      </a:bgFillStyleLst>
+    </a:fmtScheme>
+  </a:themeElements>
+</a:theme>
+</file>
+
+<file path=ppt/theme/theme2.xml><?xml version="1.0" encoding="utf-8"?>
 <a:theme xmlns:a="http://schemas.openxmlformats.org/drawingml/2006/main" xmlns:r="http://schemas.openxmlformats.org/officeDocument/2006/relationships">
   <a:themeElements>
     <a:clrScheme name="Default">
@@ -15169,283 +15808,4 @@
     </a:fmtScheme>
   </a:themeElements>
 </a:theme>
-</file>
-
-<file path=ppt/theme/theme2.xml><?xml version="1.0" encoding="utf-8"?>
-<a:theme xmlns:a="http://schemas.openxmlformats.org/drawingml/2006/main" xmlns:r="http://schemas.openxmlformats.org/officeDocument/2006/relationships" name="Simple Light">
-  <a:themeElements>
-    <a:clrScheme name="Simple Light">
-      <a:dk1>
-        <a:srgbClr val="000000"/>
-      </a:dk1>
-      <a:lt1>
-        <a:srgbClr val="FFFFFF"/>
-      </a:lt1>
-      <a:dk2>
-        <a:srgbClr val="595959"/>
-      </a:dk2>
-      <a:lt2>
-        <a:srgbClr val="EEEEEE"/>
-      </a:lt2>
-      <a:accent1>
-        <a:srgbClr val="4285F4"/>
-      </a:accent1>
-      <a:accent2>
-        <a:srgbClr val="212121"/>
-      </a:accent2>
-      <a:accent3>
-        <a:srgbClr val="78909C"/>
-      </a:accent3>
-      <a:accent4>
-        <a:srgbClr val="FFAB40"/>
-      </a:accent4>
-      <a:accent5>
-        <a:srgbClr val="0097A7"/>
-      </a:accent5>
-      <a:accent6>
-        <a:srgbClr val="EEFF41"/>
-      </a:accent6>
-      <a:hlink>
-        <a:srgbClr val="0097A7"/>
-      </a:hlink>
-      <a:folHlink>
-        <a:srgbClr val="0097A7"/>
-      </a:folHlink>
-    </a:clrScheme>
-    <a:fontScheme name="Office">
-      <a:majorFont>
-        <a:latin typeface="Arial"/>
-        <a:ea typeface=""/>
-        <a:cs typeface=""/>
-        <a:font script="Jpan" typeface="ＭＳ Ｐゴシック"/>
-        <a:font script="Hang" typeface="맑은 고딕"/>
-        <a:font script="Hans" typeface="宋体"/>
-        <a:font script="Hant" typeface="新細明體"/>
-        <a:font script="Arab" typeface="Times New Roman"/>
-        <a:font script="Hebr" typeface="Times New Roman"/>
-        <a:font script="Thai" typeface="Angsana New"/>
-        <a:font script="Ethi" typeface="Nyala"/>
-        <a:font script="Beng" typeface="Vrinda"/>
-        <a:font script="Gujr" typeface="Shruti"/>
-        <a:font script="Khmr" typeface="MoolBoran"/>
-        <a:font script="Knda" typeface="Tunga"/>
-        <a:font script="Guru" typeface="Raavi"/>
-        <a:font script="Cans" typeface="Euphemia"/>
-        <a:font script="Cher" typeface="Plantagenet Cherokee"/>
-        <a:font script="Yiii" typeface="Microsoft Yi Baiti"/>
-        <a:font script="Tibt" typeface="Microsoft Himalaya"/>
-        <a:font script="Thaa" typeface="MV Boli"/>
-        <a:font script="Deva" typeface="Mangal"/>
-        <a:font script="Telu" typeface="Gautami"/>
-        <a:font script="Taml" typeface="Latha"/>
-        <a:font script="Syrc" typeface="Estrangelo Edessa"/>
-        <a:font script="Orya" typeface="Kalinga"/>
-        <a:font script="Mlym" typeface="Kartika"/>
-        <a:font script="Laoo" typeface="DokChampa"/>
-        <a:font script="Sinh" typeface="Iskoola Pota"/>
-        <a:font script="Mong" typeface="Mongolian Baiti"/>
-        <a:font script="Viet" typeface="Times New Roman"/>
-        <a:font script="Uigh" typeface="Microsoft Uighur"/>
-        <a:font script="Geor" typeface="Sylfaen"/>
-      </a:majorFont>
-      <a:minorFont>
-        <a:latin typeface="Arial"/>
-        <a:ea typeface=""/>
-        <a:cs typeface=""/>
-        <a:font script="Jpan" typeface="ＭＳ Ｐゴシック"/>
-        <a:font script="Hang" typeface="맑은 고딕"/>
-        <a:font script="Hans" typeface="宋体"/>
-        <a:font script="Hant" typeface="新細明體"/>
-        <a:font script="Arab" typeface="Arial"/>
-        <a:font script="Hebr" typeface="Arial"/>
-        <a:font script="Thai" typeface="Cordia New"/>
-        <a:font script="Ethi" typeface="Nyala"/>
-        <a:font script="Beng" typeface="Vrinda"/>
-        <a:font script="Gujr" typeface="Shruti"/>
-        <a:font script="Khmr" typeface="DaunPenh"/>
-        <a:font script="Knda" typeface="Tunga"/>
-        <a:font script="Guru" typeface="Raavi"/>
-        <a:font script="Cans" typeface="Euphemia"/>
-        <a:font script="Cher" typeface="Plantagenet Cherokee"/>
-        <a:font script="Yiii" typeface="Microsoft Yi Baiti"/>
-        <a:font script="Tibt" typeface="Microsoft Himalaya"/>
-        <a:font script="Thaa" typeface="MV Boli"/>
-        <a:font script="Deva" typeface="Mangal"/>
-        <a:font script="Telu" typeface="Gautami"/>
-        <a:font script="Taml" typeface="Latha"/>
-        <a:font script="Syrc" typeface="Estrangelo Edessa"/>
-        <a:font script="Orya" typeface="Kalinga"/>
-        <a:font script="Mlym" typeface="Kartika"/>
-        <a:font script="Laoo" typeface="DokChampa"/>
-        <a:font script="Sinh" typeface="Iskoola Pota"/>
-        <a:font script="Mong" typeface="Mongolian Baiti"/>
-        <a:font script="Viet" typeface="Arial"/>
-        <a:font script="Uigh" typeface="Microsoft Uighur"/>
-        <a:font script="Geor" typeface="Sylfaen"/>
-      </a:minorFont>
-    </a:fontScheme>
-    <a:fmtScheme name="Office">
-      <a:fillStyleLst>
-        <a:solidFill>
-          <a:schemeClr val="phClr"/>
-        </a:solidFill>
-        <a:gradFill rotWithShape="1">
-          <a:gsLst>
-            <a:gs pos="0">
-              <a:schemeClr val="phClr">
-                <a:tint val="50000"/>
-                <a:satMod val="300000"/>
-              </a:schemeClr>
-            </a:gs>
-            <a:gs pos="35000">
-              <a:schemeClr val="phClr">
-                <a:tint val="37000"/>
-                <a:satMod val="300000"/>
-              </a:schemeClr>
-            </a:gs>
-            <a:gs pos="100000">
-              <a:schemeClr val="phClr">
-                <a:tint val="15000"/>
-                <a:satMod val="350000"/>
-              </a:schemeClr>
-            </a:gs>
-          </a:gsLst>
-          <a:lin ang="16200000" scaled="1"/>
-        </a:gradFill>
-        <a:gradFill rotWithShape="1">
-          <a:gsLst>
-            <a:gs pos="0">
-              <a:schemeClr val="phClr">
-                <a:tint val="100000"/>
-                <a:shade val="100000"/>
-                <a:satMod val="130000"/>
-              </a:schemeClr>
-            </a:gs>
-            <a:gs pos="100000">
-              <a:schemeClr val="phClr">
-                <a:tint val="50000"/>
-                <a:shade val="100000"/>
-                <a:satMod val="350000"/>
-              </a:schemeClr>
-            </a:gs>
-          </a:gsLst>
-          <a:lin ang="16200000" scaled="0"/>
-        </a:gradFill>
-      </a:fillStyleLst>
-      <a:lnStyleLst>
-        <a:ln w="9525" cap="flat" cmpd="sng" algn="ctr">
-          <a:solidFill>
-            <a:schemeClr val="phClr">
-              <a:shade val="95000"/>
-              <a:satMod val="105000"/>
-            </a:schemeClr>
-          </a:solidFill>
-          <a:prstDash val="solid"/>
-        </a:ln>
-        <a:ln w="25400" cap="flat" cmpd="sng" algn="ctr">
-          <a:solidFill>
-            <a:schemeClr val="phClr"/>
-          </a:solidFill>
-          <a:prstDash val="solid"/>
-        </a:ln>
-        <a:ln w="38100" cap="flat" cmpd="sng" algn="ctr">
-          <a:solidFill>
-            <a:schemeClr val="phClr"/>
-          </a:solidFill>
-          <a:prstDash val="solid"/>
-        </a:ln>
-      </a:lnStyleLst>
-      <a:effectStyleLst>
-        <a:effectStyle>
-          <a:effectLst>
-            <a:outerShdw blurRad="40000" dist="20000" dir="5400000" rotWithShape="0">
-              <a:srgbClr val="000000">
-                <a:alpha val="38000"/>
-              </a:srgbClr>
-            </a:outerShdw>
-          </a:effectLst>
-        </a:effectStyle>
-        <a:effectStyle>
-          <a:effectLst>
-            <a:outerShdw blurRad="40000" dist="23000" dir="5400000" rotWithShape="0">
-              <a:srgbClr val="000000">
-                <a:alpha val="35000"/>
-              </a:srgbClr>
-            </a:outerShdw>
-          </a:effectLst>
-        </a:effectStyle>
-        <a:effectStyle>
-          <a:effectLst>
-            <a:outerShdw blurRad="40000" dist="23000" dir="5400000" rotWithShape="0">
-              <a:srgbClr val="000000">
-                <a:alpha val="35000"/>
-              </a:srgbClr>
-            </a:outerShdw>
-          </a:effectLst>
-          <a:scene3d>
-            <a:camera prst="orthographicFront">
-              <a:rot lat="0" lon="0" rev="0"/>
-            </a:camera>
-            <a:lightRig rig="threePt" dir="t">
-              <a:rot lat="0" lon="0" rev="1200000"/>
-            </a:lightRig>
-          </a:scene3d>
-          <a:sp3d>
-            <a:bevelT w="63500" h="25400"/>
-          </a:sp3d>
-        </a:effectStyle>
-      </a:effectStyleLst>
-      <a:bgFillStyleLst>
-        <a:solidFill>
-          <a:schemeClr val="phClr"/>
-        </a:solidFill>
-        <a:gradFill rotWithShape="1">
-          <a:gsLst>
-            <a:gs pos="0">
-              <a:schemeClr val="phClr">
-                <a:tint val="40000"/>
-                <a:satMod val="350000"/>
-              </a:schemeClr>
-            </a:gs>
-            <a:gs pos="40000">
-              <a:schemeClr val="phClr">
-                <a:tint val="45000"/>
-                <a:shade val="99000"/>
-                <a:satMod val="350000"/>
-              </a:schemeClr>
-            </a:gs>
-            <a:gs pos="100000">
-              <a:schemeClr val="phClr">
-                <a:shade val="20000"/>
-                <a:satMod val="255000"/>
-              </a:schemeClr>
-            </a:gs>
-          </a:gsLst>
-          <a:path path="circle">
-            <a:fillToRect l="50000" t="-80000" r="50000" b="180000"/>
-          </a:path>
-        </a:gradFill>
-        <a:gradFill rotWithShape="1">
-          <a:gsLst>
-            <a:gs pos="0">
-              <a:schemeClr val="phClr">
-                <a:tint val="80000"/>
-                <a:satMod val="300000"/>
-              </a:schemeClr>
-            </a:gs>
-            <a:gs pos="100000">
-              <a:schemeClr val="phClr">
-                <a:shade val="30000"/>
-                <a:satMod val="200000"/>
-              </a:schemeClr>
-            </a:gs>
-          </a:gsLst>
-          <a:path path="circle">
-            <a:fillToRect l="50000" t="50000" r="50000" b="50000"/>
-          </a:path>
-        </a:gradFill>
-      </a:bgFillStyleLst>
-    </a:fmtScheme>
-  </a:themeElements>
-</a:theme>
 </file>